--- a/present/AISTATS-2022/poster.pptx
+++ b/present/AISTATS-2022/poster.pptx
@@ -2954,6 +2954,14 @@
 <file path=ppt/slides/slide1.xml><?xml version="1.0" encoding="utf-8"?>
 <p:sld xmlns:a="http://schemas.openxmlformats.org/drawingml/2006/main" xmlns:r="http://schemas.openxmlformats.org/officeDocument/2006/relationships" xmlns:p="http://schemas.openxmlformats.org/presentationml/2006/main">
   <p:cSld>
+    <p:bg>
+      <p:bgPr>
+        <a:solidFill>
+          <a:schemeClr val="bg1"/>
+        </a:solidFill>
+        <a:effectLst/>
+      </p:bgPr>
+    </p:bg>
     <p:spTree>
       <p:nvGrpSpPr>
         <p:cNvPr id="1" name=""/>
@@ -2968,6 +2976,9085 @@
           <a:chExt cx="0" cy="0"/>
         </a:xfrm>
       </p:grpSpPr>
+      <p:sp>
+        <p:nvSpPr>
+          <p:cNvPr id="1070" name="Freeform: Shape 1069">
+            <a:extLst>
+              <a:ext uri="{FF2B5EF4-FFF2-40B4-BE49-F238E27FC236}">
+                <a16:creationId xmlns:a16="http://schemas.microsoft.com/office/drawing/2014/main" id="{48AD45B2-7672-4B3F-A2FF-81DE34DFC706}"/>
+              </a:ext>
+            </a:extLst>
+          </p:cNvPr>
+          <p:cNvSpPr/>
+          <p:nvPr/>
+        </p:nvSpPr>
+        <p:spPr>
+          <a:xfrm>
+            <a:off x="9470881" y="9371603"/>
+            <a:ext cx="9141419" cy="3800917"/>
+          </a:xfrm>
+          <a:custGeom>
+            <a:avLst/>
+            <a:gdLst>
+              <a:gd name="connsiteX0" fmla="*/ 0 w 9420225"/>
+              <a:gd name="connsiteY0" fmla="*/ 85725 h 3429000"/>
+              <a:gd name="connsiteX1" fmla="*/ 0 w 9420225"/>
+              <a:gd name="connsiteY1" fmla="*/ 3429000 h 3429000"/>
+              <a:gd name="connsiteX2" fmla="*/ 190500 w 9420225"/>
+              <a:gd name="connsiteY2" fmla="*/ 3371850 h 3429000"/>
+              <a:gd name="connsiteX3" fmla="*/ 9420225 w 9420225"/>
+              <a:gd name="connsiteY3" fmla="*/ 3371850 h 3429000"/>
+              <a:gd name="connsiteX4" fmla="*/ 7581900 w 9420225"/>
+              <a:gd name="connsiteY4" fmla="*/ 1533525 h 3429000"/>
+              <a:gd name="connsiteX5" fmla="*/ 7581900 w 9420225"/>
+              <a:gd name="connsiteY5" fmla="*/ 0 h 3429000"/>
+              <a:gd name="connsiteX6" fmla="*/ 0 w 9420225"/>
+              <a:gd name="connsiteY6" fmla="*/ 0 h 3429000"/>
+              <a:gd name="connsiteX7" fmla="*/ 0 w 9420225"/>
+              <a:gd name="connsiteY7" fmla="*/ 152400 h 3429000"/>
+              <a:gd name="connsiteX8" fmla="*/ 0 w 9420225"/>
+              <a:gd name="connsiteY8" fmla="*/ 85725 h 3429000"/>
+            </a:gdLst>
+            <a:ahLst/>
+            <a:cxnLst>
+              <a:cxn ang="0">
+                <a:pos x="connsiteX0" y="connsiteY0"/>
+              </a:cxn>
+              <a:cxn ang="0">
+                <a:pos x="connsiteX1" y="connsiteY1"/>
+              </a:cxn>
+              <a:cxn ang="0">
+                <a:pos x="connsiteX2" y="connsiteY2"/>
+              </a:cxn>
+              <a:cxn ang="0">
+                <a:pos x="connsiteX3" y="connsiteY3"/>
+              </a:cxn>
+              <a:cxn ang="0">
+                <a:pos x="connsiteX4" y="connsiteY4"/>
+              </a:cxn>
+              <a:cxn ang="0">
+                <a:pos x="connsiteX5" y="connsiteY5"/>
+              </a:cxn>
+              <a:cxn ang="0">
+                <a:pos x="connsiteX6" y="connsiteY6"/>
+              </a:cxn>
+              <a:cxn ang="0">
+                <a:pos x="connsiteX7" y="connsiteY7"/>
+              </a:cxn>
+              <a:cxn ang="0">
+                <a:pos x="connsiteX8" y="connsiteY8"/>
+              </a:cxn>
+            </a:cxnLst>
+            <a:rect l="l" t="t" r="r" b="b"/>
+            <a:pathLst>
+              <a:path w="9420225" h="3429000">
+                <a:moveTo>
+                  <a:pt x="0" y="85725"/>
+                </a:moveTo>
+                <a:lnTo>
+                  <a:pt x="0" y="3429000"/>
+                </a:lnTo>
+                <a:lnTo>
+                  <a:pt x="190500" y="3371850"/>
+                </a:lnTo>
+                <a:lnTo>
+                  <a:pt x="9420225" y="3371850"/>
+                </a:lnTo>
+                <a:lnTo>
+                  <a:pt x="7581900" y="1533525"/>
+                </a:lnTo>
+                <a:lnTo>
+                  <a:pt x="7581900" y="0"/>
+                </a:lnTo>
+                <a:lnTo>
+                  <a:pt x="0" y="0"/>
+                </a:lnTo>
+                <a:lnTo>
+                  <a:pt x="0" y="152400"/>
+                </a:lnTo>
+                <a:lnTo>
+                  <a:pt x="0" y="85725"/>
+                </a:lnTo>
+                <a:close/>
+              </a:path>
+            </a:pathLst>
+          </a:custGeom>
+          <a:solidFill>
+            <a:srgbClr val="F2F8FC"/>
+          </a:solidFill>
+          <a:ln>
+            <a:solidFill>
+              <a:schemeClr val="accent3">
+                <a:lumMod val="20000"/>
+                <a:lumOff val="80000"/>
+              </a:schemeClr>
+            </a:solidFill>
+          </a:ln>
+        </p:spPr>
+        <p:style>
+          <a:lnRef idx="2">
+            <a:schemeClr val="accent1">
+              <a:shade val="50000"/>
+            </a:schemeClr>
+          </a:lnRef>
+          <a:fillRef idx="1">
+            <a:schemeClr val="accent1"/>
+          </a:fillRef>
+          <a:effectRef idx="0">
+            <a:schemeClr val="accent1"/>
+          </a:effectRef>
+          <a:fontRef idx="minor">
+            <a:schemeClr val="lt1"/>
+          </a:fontRef>
+        </p:style>
+        <p:txBody>
+          <a:bodyPr rtlCol="0" anchor="ctr"/>
+          <a:lstStyle/>
+          <a:p>
+            <a:pPr algn="ctr"/>
+            <a:endParaRPr lang="en-US" dirty="0"/>
+          </a:p>
+        </p:txBody>
+      </p:sp>
+      <p:sp>
+        <p:nvSpPr>
+          <p:cNvPr id="9" name="Title 1">
+            <a:extLst>
+              <a:ext uri="{FF2B5EF4-FFF2-40B4-BE49-F238E27FC236}">
+                <a16:creationId xmlns:a16="http://schemas.microsoft.com/office/drawing/2014/main" id="{2EDE4195-E15B-4BE6-B8DB-E5A88E7D4BCF}"/>
+              </a:ext>
+            </a:extLst>
+          </p:cNvPr>
+          <p:cNvSpPr>
+            <a:spLocks noGrp="1"/>
+          </p:cNvSpPr>
+          <p:nvPr>
+            <p:ph type="ctrTitle"/>
+          </p:nvPr>
+        </p:nvSpPr>
+        <p:spPr>
+          <a:xfrm>
+            <a:off x="6275497" y="259561"/>
+            <a:ext cx="17278114" cy="1257403"/>
+          </a:xfrm>
+        </p:spPr>
+        <p:txBody>
+          <a:bodyPr>
+            <a:noAutofit/>
+          </a:bodyPr>
+          <a:lstStyle/>
+          <a:p>
+            <a:r>
+              <a:rPr lang="en-US" sz="4000" b="1" cap="small" dirty="0">
+                <a:latin typeface="Sitka Heading" panose="02000505000000020004" pitchFamily="2" charset="0"/>
+              </a:rPr>
+              <a:t>Loss as the Inconsistency of a Probabilistic Dependency Graph:</a:t>
+            </a:r>
+            <a:br>
+              <a:rPr lang="en-US" sz="4000" b="1" cap="small" dirty="0">
+                <a:latin typeface="Sitka Heading" panose="02000505000000020004" pitchFamily="2" charset="0"/>
+              </a:rPr>
+            </a:br>
+            <a:r>
+              <a:rPr lang="en-US" sz="4000" b="1" cap="small" dirty="0">
+                <a:latin typeface="Sitka Heading" panose="02000505000000020004" pitchFamily="2" charset="0"/>
+              </a:rPr>
+              <a:t>Choose Your Model, Not Your Loss</a:t>
+            </a:r>
+          </a:p>
+        </p:txBody>
+      </p:sp>
+      <p:grpSp>
+        <p:nvGrpSpPr>
+          <p:cNvPr id="70" name="Group 69">
+            <a:extLst>
+              <a:ext uri="{FF2B5EF4-FFF2-40B4-BE49-F238E27FC236}">
+                <a16:creationId xmlns:a16="http://schemas.microsoft.com/office/drawing/2014/main" id="{3B74E363-328E-4575-83D7-8AB77B4F0F1C}"/>
+              </a:ext>
+            </a:extLst>
+          </p:cNvPr>
+          <p:cNvGrpSpPr/>
+          <p:nvPr/>
+        </p:nvGrpSpPr>
+        <p:grpSpPr>
+          <a:xfrm>
+            <a:off x="57709" y="6404962"/>
+            <a:ext cx="2771775" cy="2813850"/>
+            <a:chOff x="0" y="-40626"/>
+            <a:chExt cx="2771775" cy="2813850"/>
+          </a:xfrm>
+          <a:solidFill>
+            <a:schemeClr val="accent4">
+              <a:lumMod val="20000"/>
+              <a:lumOff val="80000"/>
+            </a:schemeClr>
+          </a:solidFill>
+        </p:grpSpPr>
+        <p:sp>
+          <p:nvSpPr>
+            <p:cNvPr id="68" name="Rectangle 67">
+              <a:extLst>
+                <a:ext uri="{FF2B5EF4-FFF2-40B4-BE49-F238E27FC236}">
+                  <a16:creationId xmlns:a16="http://schemas.microsoft.com/office/drawing/2014/main" id="{5AD671E5-9BC8-4FD4-95B2-A06E0AA272FB}"/>
+                </a:ext>
+              </a:extLst>
+            </p:cNvPr>
+            <p:cNvSpPr/>
+            <p:nvPr/>
+          </p:nvSpPr>
+          <p:spPr>
+            <a:xfrm>
+              <a:off x="0" y="-40626"/>
+              <a:ext cx="2771775" cy="2813850"/>
+            </a:xfrm>
+            <a:prstGeom prst="rect">
+              <a:avLst/>
+            </a:prstGeom>
+            <a:grpFill/>
+            <a:ln>
+              <a:solidFill>
+                <a:schemeClr val="accent4"/>
+              </a:solidFill>
+            </a:ln>
+          </p:spPr>
+          <p:style>
+            <a:lnRef idx="2">
+              <a:schemeClr val="accent1">
+                <a:shade val="50000"/>
+              </a:schemeClr>
+            </a:lnRef>
+            <a:fillRef idx="1">
+              <a:schemeClr val="accent1"/>
+            </a:fillRef>
+            <a:effectRef idx="0">
+              <a:schemeClr val="accent1"/>
+            </a:effectRef>
+            <a:fontRef idx="minor">
+              <a:schemeClr val="lt1"/>
+            </a:fontRef>
+          </p:style>
+          <p:txBody>
+            <a:bodyPr rtlCol="0" anchor="ctr"/>
+            <a:lstStyle/>
+            <a:p>
+              <a:pPr algn="ctr"/>
+              <a:endParaRPr lang="en-US"/>
+            </a:p>
+          </p:txBody>
+        </p:sp>
+        <p:grpSp>
+          <p:nvGrpSpPr>
+            <p:cNvPr id="53" name="Group 52">
+              <a:extLst>
+                <a:ext uri="{FF2B5EF4-FFF2-40B4-BE49-F238E27FC236}">
+                  <a16:creationId xmlns:a16="http://schemas.microsoft.com/office/drawing/2014/main" id="{90E039FA-77B9-4741-84E5-5F30831BD707}"/>
+                </a:ext>
+              </a:extLst>
+            </p:cNvPr>
+            <p:cNvGrpSpPr/>
+            <p:nvPr/>
+          </p:nvGrpSpPr>
+          <p:grpSpPr>
+            <a:xfrm>
+              <a:off x="249872" y="5745"/>
+              <a:ext cx="2252028" cy="2619319"/>
+              <a:chOff x="249872" y="5745"/>
+              <a:chExt cx="3743684" cy="4435541"/>
+            </a:xfrm>
+            <a:grpFill/>
+          </p:grpSpPr>
+          <p:pic>
+            <p:nvPicPr>
+              <p:cNvPr id="34" name="Picture 33">
+                <a:extLst>
+                  <a:ext uri="{FF2B5EF4-FFF2-40B4-BE49-F238E27FC236}">
+                    <a16:creationId xmlns:a16="http://schemas.microsoft.com/office/drawing/2014/main" id="{04CB0A27-81C7-4942-AD7D-B668B4D5F26D}"/>
+                  </a:ext>
+                </a:extLst>
+              </p:cNvPr>
+              <p:cNvPicPr>
+                <a:picLocks noChangeAspect="1"/>
+              </p:cNvPicPr>
+              <p:nvPr/>
+            </p:nvPicPr>
+            <p:blipFill>
+              <a:blip r:embed="rId2">
+                <a:clrChange>
+                  <a:clrFrom>
+                    <a:srgbClr val="D8D8D8"/>
+                  </a:clrFrom>
+                  <a:clrTo>
+                    <a:srgbClr val="D8D8D8">
+                      <a:alpha val="0"/>
+                    </a:srgbClr>
+                  </a:clrTo>
+                </a:clrChange>
+                <a:extLst>
+                  <a:ext uri="{BEBA8EAE-BF5A-486C-A8C5-ECC9F3942E4B}">
+                    <a14:imgProps xmlns:a14="http://schemas.microsoft.com/office/drawing/2010/main">
+                      <a14:imgLayer r:embed="rId3">
+                        <a14:imgEffect>
+                          <a14:brightnessContrast bright="-20000" contrast="20000"/>
+                        </a14:imgEffect>
+                      </a14:imgLayer>
+                    </a14:imgProps>
+                  </a:ext>
+                </a:extLst>
+              </a:blip>
+              <a:stretch>
+                <a:fillRect/>
+              </a:stretch>
+            </p:blipFill>
+            <p:spPr>
+              <a:xfrm>
+                <a:off x="2400400" y="3310846"/>
+                <a:ext cx="1499061" cy="1130440"/>
+              </a:xfrm>
+              <a:prstGeom prst="rect">
+                <a:avLst/>
+              </a:prstGeom>
+              <a:grpFill/>
+            </p:spPr>
+          </p:pic>
+          <p:pic>
+            <p:nvPicPr>
+              <p:cNvPr id="30" name="Picture 29">
+                <a:extLst>
+                  <a:ext uri="{FF2B5EF4-FFF2-40B4-BE49-F238E27FC236}">
+                    <a16:creationId xmlns:a16="http://schemas.microsoft.com/office/drawing/2014/main" id="{6CD9D980-BB7E-4E75-9325-4FBF7E96534B}"/>
+                  </a:ext>
+                </a:extLst>
+              </p:cNvPr>
+              <p:cNvPicPr>
+                <a:picLocks noChangeAspect="1"/>
+              </p:cNvPicPr>
+              <p:nvPr/>
+            </p:nvPicPr>
+            <p:blipFill>
+              <a:blip r:embed="rId4">
+                <a:clrChange>
+                  <a:clrFrom>
+                    <a:srgbClr val="FFFFFF"/>
+                  </a:clrFrom>
+                  <a:clrTo>
+                    <a:srgbClr val="FFFFFF">
+                      <a:alpha val="0"/>
+                    </a:srgbClr>
+                  </a:clrTo>
+                </a:clrChange>
+              </a:blip>
+              <a:stretch>
+                <a:fillRect/>
+              </a:stretch>
+            </p:blipFill>
+            <p:spPr>
+              <a:xfrm>
+                <a:off x="374050" y="2564342"/>
+                <a:ext cx="1506819" cy="594645"/>
+              </a:xfrm>
+              <a:prstGeom prst="rect">
+                <a:avLst/>
+              </a:prstGeom>
+              <a:grpFill/>
+            </p:spPr>
+          </p:pic>
+          <p:pic>
+            <p:nvPicPr>
+              <p:cNvPr id="31" name="Picture 30">
+                <a:extLst>
+                  <a:ext uri="{FF2B5EF4-FFF2-40B4-BE49-F238E27FC236}">
+                    <a16:creationId xmlns:a16="http://schemas.microsoft.com/office/drawing/2014/main" id="{107DDFF6-1609-4AD0-95EF-278E396E33D8}"/>
+                  </a:ext>
+                </a:extLst>
+              </p:cNvPr>
+              <p:cNvPicPr>
+                <a:picLocks noChangeAspect="1"/>
+              </p:cNvPicPr>
+              <p:nvPr/>
+            </p:nvPicPr>
+            <p:blipFill>
+              <a:blip r:embed="rId5">
+                <a:clrChange>
+                  <a:clrFrom>
+                    <a:srgbClr val="D8D8D8"/>
+                  </a:clrFrom>
+                  <a:clrTo>
+                    <a:srgbClr val="D8D8D8">
+                      <a:alpha val="0"/>
+                    </a:srgbClr>
+                  </a:clrTo>
+                </a:clrChange>
+                <a:extLst>
+                  <a:ext uri="{BEBA8EAE-BF5A-486C-A8C5-ECC9F3942E4B}">
+                    <a14:imgProps xmlns:a14="http://schemas.microsoft.com/office/drawing/2010/main">
+                      <a14:imgLayer r:embed="rId6">
+                        <a14:imgEffect>
+                          <a14:brightnessContrast bright="-20000" contrast="20000"/>
+                        </a14:imgEffect>
+                      </a14:imgLayer>
+                    </a14:imgProps>
+                  </a:ext>
+                </a:extLst>
+              </a:blip>
+              <a:stretch>
+                <a:fillRect/>
+              </a:stretch>
+            </p:blipFill>
+            <p:spPr>
+              <a:xfrm>
+                <a:off x="2227047" y="2215330"/>
+                <a:ext cx="1561730" cy="1292668"/>
+              </a:xfrm>
+              <a:prstGeom prst="rect">
+                <a:avLst/>
+              </a:prstGeom>
+              <a:grpFill/>
+            </p:spPr>
+          </p:pic>
+          <p:pic>
+            <p:nvPicPr>
+              <p:cNvPr id="32" name="Picture 31">
+                <a:extLst>
+                  <a:ext uri="{FF2B5EF4-FFF2-40B4-BE49-F238E27FC236}">
+                    <a16:creationId xmlns:a16="http://schemas.microsoft.com/office/drawing/2014/main" id="{61B271EB-ACC5-46B1-8C41-F7EFAADB8949}"/>
+                  </a:ext>
+                </a:extLst>
+              </p:cNvPr>
+              <p:cNvPicPr>
+                <a:picLocks noChangeAspect="1"/>
+              </p:cNvPicPr>
+              <p:nvPr/>
+            </p:nvPicPr>
+            <p:blipFill>
+              <a:blip r:embed="rId7">
+                <a:clrChange>
+                  <a:clrFrom>
+                    <a:srgbClr val="D8D8D8"/>
+                  </a:clrFrom>
+                  <a:clrTo>
+                    <a:srgbClr val="D8D8D8">
+                      <a:alpha val="0"/>
+                    </a:srgbClr>
+                  </a:clrTo>
+                </a:clrChange>
+                <a:extLst>
+                  <a:ext uri="{BEBA8EAE-BF5A-486C-A8C5-ECC9F3942E4B}">
+                    <a14:imgProps xmlns:a14="http://schemas.microsoft.com/office/drawing/2010/main">
+                      <a14:imgLayer r:embed="rId8">
+                        <a14:imgEffect>
+                          <a14:brightnessContrast bright="-20000" contrast="20000"/>
+                        </a14:imgEffect>
+                      </a14:imgLayer>
+                    </a14:imgProps>
+                  </a:ext>
+                </a:extLst>
+              </a:blip>
+              <a:stretch>
+                <a:fillRect/>
+              </a:stretch>
+            </p:blipFill>
+            <p:spPr>
+              <a:xfrm>
+                <a:off x="2150931" y="1352390"/>
+                <a:ext cx="1842625" cy="728620"/>
+              </a:xfrm>
+              <a:prstGeom prst="rect">
+                <a:avLst/>
+              </a:prstGeom>
+              <a:grpFill/>
+            </p:spPr>
+          </p:pic>
+          <p:pic>
+            <p:nvPicPr>
+              <p:cNvPr id="33" name="Picture 32">
+                <a:extLst>
+                  <a:ext uri="{FF2B5EF4-FFF2-40B4-BE49-F238E27FC236}">
+                    <a16:creationId xmlns:a16="http://schemas.microsoft.com/office/drawing/2014/main" id="{D38DBB24-1E68-4680-849B-8B6BEBC242FA}"/>
+                  </a:ext>
+                </a:extLst>
+              </p:cNvPr>
+              <p:cNvPicPr>
+                <a:picLocks noChangeAspect="1"/>
+              </p:cNvPicPr>
+              <p:nvPr/>
+            </p:nvPicPr>
+            <p:blipFill>
+              <a:blip r:embed="rId9">
+                <a:clrChange>
+                  <a:clrFrom>
+                    <a:srgbClr val="FFFFFF"/>
+                  </a:clrFrom>
+                  <a:clrTo>
+                    <a:srgbClr val="FFFFFF">
+                      <a:alpha val="0"/>
+                    </a:srgbClr>
+                  </a:clrTo>
+                </a:clrChange>
+              </a:blip>
+              <a:stretch>
+                <a:fillRect/>
+              </a:stretch>
+            </p:blipFill>
+            <p:spPr>
+              <a:xfrm>
+                <a:off x="542480" y="3534402"/>
+                <a:ext cx="1212302" cy="533159"/>
+              </a:xfrm>
+              <a:prstGeom prst="rect">
+                <a:avLst/>
+              </a:prstGeom>
+              <a:grpFill/>
+            </p:spPr>
+          </p:pic>
+          <p:pic>
+            <p:nvPicPr>
+              <p:cNvPr id="35" name="Picture 34">
+                <a:extLst>
+                  <a:ext uri="{FF2B5EF4-FFF2-40B4-BE49-F238E27FC236}">
+                    <a16:creationId xmlns:a16="http://schemas.microsoft.com/office/drawing/2014/main" id="{95FCCC93-72F9-4D5F-A8F0-F09CF32E4A19}"/>
+                  </a:ext>
+                </a:extLst>
+              </p:cNvPr>
+              <p:cNvPicPr>
+                <a:picLocks noChangeAspect="1"/>
+              </p:cNvPicPr>
+              <p:nvPr/>
+            </p:nvPicPr>
+            <p:blipFill>
+              <a:blip r:embed="rId10">
+                <a:clrChange>
+                  <a:clrFrom>
+                    <a:srgbClr val="FFFFFF"/>
+                  </a:clrFrom>
+                  <a:clrTo>
+                    <a:srgbClr val="FFFFFF">
+                      <a:alpha val="0"/>
+                    </a:srgbClr>
+                  </a:clrTo>
+                </a:clrChange>
+              </a:blip>
+              <a:stretch>
+                <a:fillRect/>
+              </a:stretch>
+            </p:blipFill>
+            <p:spPr>
+              <a:xfrm>
+                <a:off x="249872" y="1512770"/>
+                <a:ext cx="1652485" cy="594644"/>
+              </a:xfrm>
+              <a:prstGeom prst="rect">
+                <a:avLst/>
+              </a:prstGeom>
+              <a:grpFill/>
+            </p:spPr>
+          </p:pic>
+          <p:grpSp>
+            <p:nvGrpSpPr>
+              <p:cNvPr id="36" name="Group 35">
+                <a:extLst>
+                  <a:ext uri="{FF2B5EF4-FFF2-40B4-BE49-F238E27FC236}">
+                    <a16:creationId xmlns:a16="http://schemas.microsoft.com/office/drawing/2014/main" id="{880E24D1-D71A-4D00-A59B-01473253D232}"/>
+                  </a:ext>
+                </a:extLst>
+              </p:cNvPr>
+              <p:cNvGrpSpPr/>
+              <p:nvPr/>
+            </p:nvGrpSpPr>
+            <p:grpSpPr>
+              <a:xfrm>
+                <a:off x="2350286" y="770057"/>
+                <a:ext cx="1552243" cy="474878"/>
+                <a:chOff x="3392975" y="2254611"/>
+                <a:chExt cx="1552243" cy="474878"/>
+              </a:xfrm>
+              <a:grpFill/>
+            </p:grpSpPr>
+            <p:pic>
+              <p:nvPicPr>
+                <p:cNvPr id="37" name="Picture 36">
+                  <a:extLst>
+                    <a:ext uri="{FF2B5EF4-FFF2-40B4-BE49-F238E27FC236}">
+                      <a16:creationId xmlns:a16="http://schemas.microsoft.com/office/drawing/2014/main" id="{80E4323C-478F-4F2C-8815-C1BA23563B72}"/>
+                    </a:ext>
+                  </a:extLst>
+                </p:cNvPr>
+                <p:cNvPicPr>
+                  <a:picLocks noChangeAspect="1"/>
+                </p:cNvPicPr>
+                <p:nvPr/>
+              </p:nvPicPr>
+              <p:blipFill>
+                <a:blip r:embed="rId11">
+                  <a:clrChange>
+                    <a:clrFrom>
+                      <a:srgbClr val="FFFFFF"/>
+                    </a:clrFrom>
+                    <a:clrTo>
+                      <a:srgbClr val="FFFFFF">
+                        <a:alpha val="0"/>
+                      </a:srgbClr>
+                    </a:clrTo>
+                  </a:clrChange>
+                  <a:extLst>
+                    <a:ext uri="{28A0092B-C50C-407E-A947-70E740481C1C}">
+                      <a14:useLocalDpi xmlns:a14="http://schemas.microsoft.com/office/drawing/2010/main" val="0"/>
+                    </a:ext>
+                  </a:extLst>
+                </a:blip>
+                <a:srcRect/>
+                <a:stretch/>
+              </p:blipFill>
+              <p:spPr>
+                <a:xfrm>
+                  <a:off x="3895811" y="2254611"/>
+                  <a:ext cx="586893" cy="438131"/>
+                </a:xfrm>
+                <a:prstGeom prst="rect">
+                  <a:avLst/>
+                </a:prstGeom>
+                <a:grpFill/>
+              </p:spPr>
+            </p:pic>
+            <p:pic>
+              <p:nvPicPr>
+                <p:cNvPr id="38" name="Picture 37">
+                  <a:extLst>
+                    <a:ext uri="{FF2B5EF4-FFF2-40B4-BE49-F238E27FC236}">
+                      <a16:creationId xmlns:a16="http://schemas.microsoft.com/office/drawing/2014/main" id="{9597B4BB-38E3-4E13-9C01-FEE2E891677C}"/>
+                    </a:ext>
+                  </a:extLst>
+                </p:cNvPr>
+                <p:cNvPicPr>
+                  <a:picLocks noChangeAspect="1"/>
+                </p:cNvPicPr>
+                <p:nvPr/>
+              </p:nvPicPr>
+              <p:blipFill>
+                <a:blip r:embed="rId12">
+                  <a:clrChange>
+                    <a:clrFrom>
+                      <a:srgbClr val="D8D8D8"/>
+                    </a:clrFrom>
+                    <a:clrTo>
+                      <a:srgbClr val="D8D8D8">
+                        <a:alpha val="0"/>
+                      </a:srgbClr>
+                    </a:clrTo>
+                  </a:clrChange>
+                  <a:extLst>
+                    <a:ext uri="{BEBA8EAE-BF5A-486C-A8C5-ECC9F3942E4B}">
+                      <a14:imgProps xmlns:a14="http://schemas.microsoft.com/office/drawing/2010/main">
+                        <a14:imgLayer r:embed="rId13">
+                          <a14:imgEffect>
+                            <a14:brightnessContrast bright="-20000" contrast="20000"/>
+                          </a14:imgEffect>
+                        </a14:imgLayer>
+                      </a14:imgProps>
+                    </a:ext>
+                  </a:extLst>
+                </a:blip>
+                <a:srcRect l="7866" t="25949" r="66973" b="25774"/>
+                <a:stretch>
+                  <a:fillRect/>
+                </a:stretch>
+              </p:blipFill>
+              <p:spPr>
+                <a:xfrm>
+                  <a:off x="3392975" y="2293299"/>
+                  <a:ext cx="504031" cy="436190"/>
+                </a:xfrm>
+                <a:custGeom>
+                  <a:avLst/>
+                  <a:gdLst>
+                    <a:gd name="connsiteX0" fmla="*/ 110792 w 504031"/>
+                    <a:gd name="connsiteY0" fmla="*/ 0 h 436190"/>
+                    <a:gd name="connsiteX1" fmla="*/ 393239 w 504031"/>
+                    <a:gd name="connsiteY1" fmla="*/ 0 h 436190"/>
+                    <a:gd name="connsiteX2" fmla="*/ 504031 w 504031"/>
+                    <a:gd name="connsiteY2" fmla="*/ 110792 h 436190"/>
+                    <a:gd name="connsiteX3" fmla="*/ 504031 w 504031"/>
+                    <a:gd name="connsiteY3" fmla="*/ 325398 h 436190"/>
+                    <a:gd name="connsiteX4" fmla="*/ 393239 w 504031"/>
+                    <a:gd name="connsiteY4" fmla="*/ 436190 h 436190"/>
+                    <a:gd name="connsiteX5" fmla="*/ 110792 w 504031"/>
+                    <a:gd name="connsiteY5" fmla="*/ 436190 h 436190"/>
+                    <a:gd name="connsiteX6" fmla="*/ 0 w 504031"/>
+                    <a:gd name="connsiteY6" fmla="*/ 325398 h 436190"/>
+                    <a:gd name="connsiteX7" fmla="*/ 0 w 504031"/>
+                    <a:gd name="connsiteY7" fmla="*/ 110792 h 436190"/>
+                    <a:gd name="connsiteX8" fmla="*/ 110792 w 504031"/>
+                    <a:gd name="connsiteY8" fmla="*/ 0 h 436190"/>
+                  </a:gdLst>
+                  <a:ahLst/>
+                  <a:cxnLst>
+                    <a:cxn ang="0">
+                      <a:pos x="connsiteX0" y="connsiteY0"/>
+                    </a:cxn>
+                    <a:cxn ang="0">
+                      <a:pos x="connsiteX1" y="connsiteY1"/>
+                    </a:cxn>
+                    <a:cxn ang="0">
+                      <a:pos x="connsiteX2" y="connsiteY2"/>
+                    </a:cxn>
+                    <a:cxn ang="0">
+                      <a:pos x="connsiteX3" y="connsiteY3"/>
+                    </a:cxn>
+                    <a:cxn ang="0">
+                      <a:pos x="connsiteX4" y="connsiteY4"/>
+                    </a:cxn>
+                    <a:cxn ang="0">
+                      <a:pos x="connsiteX5" y="connsiteY5"/>
+                    </a:cxn>
+                    <a:cxn ang="0">
+                      <a:pos x="connsiteX6" y="connsiteY6"/>
+                    </a:cxn>
+                    <a:cxn ang="0">
+                      <a:pos x="connsiteX7" y="connsiteY7"/>
+                    </a:cxn>
+                    <a:cxn ang="0">
+                      <a:pos x="connsiteX8" y="connsiteY8"/>
+                    </a:cxn>
+                  </a:cxnLst>
+                  <a:rect l="l" t="t" r="r" b="b"/>
+                  <a:pathLst>
+                    <a:path w="504031" h="436190">
+                      <a:moveTo>
+                        <a:pt x="110792" y="0"/>
+                      </a:moveTo>
+                      <a:lnTo>
+                        <a:pt x="393239" y="0"/>
+                      </a:lnTo>
+                      <a:cubicBezTo>
+                        <a:pt x="454428" y="0"/>
+                        <a:pt x="504031" y="49603"/>
+                        <a:pt x="504031" y="110792"/>
+                      </a:cubicBezTo>
+                      <a:lnTo>
+                        <a:pt x="504031" y="325398"/>
+                      </a:lnTo>
+                      <a:cubicBezTo>
+                        <a:pt x="504031" y="386587"/>
+                        <a:pt x="454428" y="436190"/>
+                        <a:pt x="393239" y="436190"/>
+                      </a:cubicBezTo>
+                      <a:lnTo>
+                        <a:pt x="110792" y="436190"/>
+                      </a:lnTo>
+                      <a:cubicBezTo>
+                        <a:pt x="49603" y="436190"/>
+                        <a:pt x="0" y="386587"/>
+                        <a:pt x="0" y="325398"/>
+                      </a:cubicBezTo>
+                      <a:lnTo>
+                        <a:pt x="0" y="110792"/>
+                      </a:lnTo>
+                      <a:cubicBezTo>
+                        <a:pt x="0" y="49603"/>
+                        <a:pt x="49603" y="0"/>
+                        <a:pt x="110792" y="0"/>
+                      </a:cubicBezTo>
+                      <a:close/>
+                    </a:path>
+                  </a:pathLst>
+                </a:custGeom>
+                <a:grpFill/>
+              </p:spPr>
+            </p:pic>
+            <p:pic>
+              <p:nvPicPr>
+                <p:cNvPr id="39" name="Picture 38">
+                  <a:extLst>
+                    <a:ext uri="{FF2B5EF4-FFF2-40B4-BE49-F238E27FC236}">
+                      <a16:creationId xmlns:a16="http://schemas.microsoft.com/office/drawing/2014/main" id="{8AB115B7-D774-4829-95EE-B03183B2257C}"/>
+                    </a:ext>
+                  </a:extLst>
+                </p:cNvPr>
+                <p:cNvPicPr>
+                  <a:picLocks noChangeAspect="1"/>
+                </p:cNvPicPr>
+                <p:nvPr/>
+              </p:nvPicPr>
+              <p:blipFill>
+                <a:blip r:embed="rId12">
+                  <a:clrChange>
+                    <a:clrFrom>
+                      <a:srgbClr val="D8D8D8"/>
+                    </a:clrFrom>
+                    <a:clrTo>
+                      <a:srgbClr val="D8D8D8">
+                        <a:alpha val="0"/>
+                      </a:srgbClr>
+                    </a:clrTo>
+                  </a:clrChange>
+                  <a:extLst>
+                    <a:ext uri="{BEBA8EAE-BF5A-486C-A8C5-ECC9F3942E4B}">
+                      <a14:imgProps xmlns:a14="http://schemas.microsoft.com/office/drawing/2010/main">
+                        <a14:imgLayer r:embed="rId13">
+                          <a14:imgEffect>
+                            <a14:brightnessContrast bright="-20000" contrast="20000"/>
+                          </a14:imgEffect>
+                        </a14:imgLayer>
+                      </a14:imgProps>
+                    </a:ext>
+                  </a:extLst>
+                </a:blip>
+                <a:srcRect l="63014" t="25949" r="13838" b="25774"/>
+                <a:stretch>
+                  <a:fillRect/>
+                </a:stretch>
+              </p:blipFill>
+              <p:spPr>
+                <a:xfrm>
+                  <a:off x="4481509" y="2293299"/>
+                  <a:ext cx="463709" cy="436190"/>
+                </a:xfrm>
+                <a:custGeom>
+                  <a:avLst/>
+                  <a:gdLst>
+                    <a:gd name="connsiteX0" fmla="*/ 110792 w 463709"/>
+                    <a:gd name="connsiteY0" fmla="*/ 0 h 436190"/>
+                    <a:gd name="connsiteX1" fmla="*/ 352917 w 463709"/>
+                    <a:gd name="connsiteY1" fmla="*/ 0 h 436190"/>
+                    <a:gd name="connsiteX2" fmla="*/ 463709 w 463709"/>
+                    <a:gd name="connsiteY2" fmla="*/ 110792 h 436190"/>
+                    <a:gd name="connsiteX3" fmla="*/ 463709 w 463709"/>
+                    <a:gd name="connsiteY3" fmla="*/ 325398 h 436190"/>
+                    <a:gd name="connsiteX4" fmla="*/ 352917 w 463709"/>
+                    <a:gd name="connsiteY4" fmla="*/ 436190 h 436190"/>
+                    <a:gd name="connsiteX5" fmla="*/ 110792 w 463709"/>
+                    <a:gd name="connsiteY5" fmla="*/ 436190 h 436190"/>
+                    <a:gd name="connsiteX6" fmla="*/ 0 w 463709"/>
+                    <a:gd name="connsiteY6" fmla="*/ 325398 h 436190"/>
+                    <a:gd name="connsiteX7" fmla="*/ 0 w 463709"/>
+                    <a:gd name="connsiteY7" fmla="*/ 110792 h 436190"/>
+                    <a:gd name="connsiteX8" fmla="*/ 110792 w 463709"/>
+                    <a:gd name="connsiteY8" fmla="*/ 0 h 436190"/>
+                  </a:gdLst>
+                  <a:ahLst/>
+                  <a:cxnLst>
+                    <a:cxn ang="0">
+                      <a:pos x="connsiteX0" y="connsiteY0"/>
+                    </a:cxn>
+                    <a:cxn ang="0">
+                      <a:pos x="connsiteX1" y="connsiteY1"/>
+                    </a:cxn>
+                    <a:cxn ang="0">
+                      <a:pos x="connsiteX2" y="connsiteY2"/>
+                    </a:cxn>
+                    <a:cxn ang="0">
+                      <a:pos x="connsiteX3" y="connsiteY3"/>
+                    </a:cxn>
+                    <a:cxn ang="0">
+                      <a:pos x="connsiteX4" y="connsiteY4"/>
+                    </a:cxn>
+                    <a:cxn ang="0">
+                      <a:pos x="connsiteX5" y="connsiteY5"/>
+                    </a:cxn>
+                    <a:cxn ang="0">
+                      <a:pos x="connsiteX6" y="connsiteY6"/>
+                    </a:cxn>
+                    <a:cxn ang="0">
+                      <a:pos x="connsiteX7" y="connsiteY7"/>
+                    </a:cxn>
+                    <a:cxn ang="0">
+                      <a:pos x="connsiteX8" y="connsiteY8"/>
+                    </a:cxn>
+                  </a:cxnLst>
+                  <a:rect l="l" t="t" r="r" b="b"/>
+                  <a:pathLst>
+                    <a:path w="463709" h="436190">
+                      <a:moveTo>
+                        <a:pt x="110792" y="0"/>
+                      </a:moveTo>
+                      <a:lnTo>
+                        <a:pt x="352917" y="0"/>
+                      </a:lnTo>
+                      <a:cubicBezTo>
+                        <a:pt x="414106" y="0"/>
+                        <a:pt x="463709" y="49603"/>
+                        <a:pt x="463709" y="110792"/>
+                      </a:cubicBezTo>
+                      <a:lnTo>
+                        <a:pt x="463709" y="325398"/>
+                      </a:lnTo>
+                      <a:cubicBezTo>
+                        <a:pt x="463709" y="386587"/>
+                        <a:pt x="414106" y="436190"/>
+                        <a:pt x="352917" y="436190"/>
+                      </a:cubicBezTo>
+                      <a:lnTo>
+                        <a:pt x="110792" y="436190"/>
+                      </a:lnTo>
+                      <a:cubicBezTo>
+                        <a:pt x="49603" y="436190"/>
+                        <a:pt x="0" y="386587"/>
+                        <a:pt x="0" y="325398"/>
+                      </a:cubicBezTo>
+                      <a:lnTo>
+                        <a:pt x="0" y="110792"/>
+                      </a:lnTo>
+                      <a:cubicBezTo>
+                        <a:pt x="0" y="49603"/>
+                        <a:pt x="49603" y="0"/>
+                        <a:pt x="110792" y="0"/>
+                      </a:cubicBezTo>
+                      <a:close/>
+                    </a:path>
+                  </a:pathLst>
+                </a:custGeom>
+                <a:grpFill/>
+              </p:spPr>
+            </p:pic>
+          </p:grpSp>
+          <p:pic>
+            <p:nvPicPr>
+              <p:cNvPr id="40" name="Picture 2">
+                <a:extLst>
+                  <a:ext uri="{FF2B5EF4-FFF2-40B4-BE49-F238E27FC236}">
+                    <a16:creationId xmlns:a16="http://schemas.microsoft.com/office/drawing/2014/main" id="{0ACCCC28-9B68-4ED1-B67B-442411950D6B}"/>
+                  </a:ext>
+                </a:extLst>
+              </p:cNvPr>
+              <p:cNvPicPr>
+                <a:picLocks noChangeAspect="1" noChangeArrowheads="1"/>
+              </p:cNvPicPr>
+              <p:nvPr/>
+            </p:nvPicPr>
+            <p:blipFill>
+              <a:blip r:embed="rId14">
+                <a:extLst>
+                  <a:ext uri="{28A0092B-C50C-407E-A947-70E740481C1C}">
+                    <a14:useLocalDpi xmlns:a14="http://schemas.microsoft.com/office/drawing/2010/main" val="0"/>
+                  </a:ext>
+                </a:extLst>
+              </a:blip>
+              <a:srcRect/>
+              <a:stretch>
+                <a:fillRect/>
+              </a:stretch>
+            </p:blipFill>
+            <p:spPr bwMode="auto">
+              <a:xfrm>
+                <a:off x="780759" y="885629"/>
+                <a:ext cx="1091004" cy="340426"/>
+              </a:xfrm>
+              <a:prstGeom prst="rect">
+                <a:avLst/>
+              </a:prstGeom>
+              <a:grpFill/>
+              <a:extLst>
+                <a:ext uri="{909E8E84-426E-40DD-AFC4-6F175D3DCCD1}">
+                  <a14:hiddenFill xmlns:a14="http://schemas.microsoft.com/office/drawing/2010/main">
+                    <a:solidFill>
+                      <a:srgbClr val="FFFFFF"/>
+                    </a:solidFill>
+                  </a14:hiddenFill>
+                </a:ext>
+              </a:extLst>
+            </p:spPr>
+          </p:pic>
+          <p:sp>
+            <p:nvSpPr>
+              <p:cNvPr id="41" name="TextBox 40">
+                <a:extLst>
+                  <a:ext uri="{FF2B5EF4-FFF2-40B4-BE49-F238E27FC236}">
+                    <a16:creationId xmlns:a16="http://schemas.microsoft.com/office/drawing/2014/main" id="{1AE49396-0132-44D0-B464-ED521613795F}"/>
+                  </a:ext>
+                </a:extLst>
+              </p:cNvPr>
+              <p:cNvSpPr txBox="1"/>
+              <p:nvPr/>
+            </p:nvSpPr>
+            <p:spPr>
+              <a:xfrm>
+                <a:off x="285490" y="5745"/>
+                <a:ext cx="3611880" cy="573306"/>
+              </a:xfrm>
+              <a:prstGeom prst="rect">
+                <a:avLst/>
+              </a:prstGeom>
+              <a:grpFill/>
+            </p:spPr>
+            <p:txBody>
+              <a:bodyPr wrap="square">
+                <a:spAutoFit/>
+              </a:bodyPr>
+              <a:lstStyle/>
+              <a:p>
+                <a:r>
+                  <a:rPr lang="en-US" sz="1600" b="1" i="1" dirty="0">
+                    <a:solidFill>
+                      <a:schemeClr val="accent5">
+                        <a:lumMod val="50000"/>
+                      </a:schemeClr>
+                    </a:solidFill>
+                    <a:latin typeface="+mj-lt"/>
+                  </a:rPr>
+                  <a:t>How to draw </a:t>
+                </a:r>
+                <a:r>
+                  <a:rPr lang="en-US" sz="1600" b="1" i="1" dirty="0" err="1">
+                    <a:solidFill>
+                      <a:schemeClr val="accent5">
+                        <a:lumMod val="50000"/>
+                      </a:schemeClr>
+                    </a:solidFill>
+                    <a:latin typeface="+mj-lt"/>
+                  </a:rPr>
+                  <a:t>cpds</a:t>
+                </a:r>
+                <a:r>
+                  <a:rPr lang="en-US" sz="1600" b="1" i="1" dirty="0">
+                    <a:solidFill>
+                      <a:schemeClr val="accent5">
+                        <a:lumMod val="50000"/>
+                      </a:schemeClr>
+                    </a:solidFill>
+                    <a:latin typeface="+mj-lt"/>
+                  </a:rPr>
+                  <a:t>.</a:t>
+                </a:r>
+              </a:p>
+            </p:txBody>
+          </p:sp>
+        </p:grpSp>
+      </p:grpSp>
+      <p:grpSp>
+        <p:nvGrpSpPr>
+          <p:cNvPr id="54" name="Group 53">
+            <a:extLst>
+              <a:ext uri="{FF2B5EF4-FFF2-40B4-BE49-F238E27FC236}">
+                <a16:creationId xmlns:a16="http://schemas.microsoft.com/office/drawing/2014/main" id="{D018499F-58DF-4AAD-9F50-699BB0B3E7A7}"/>
+              </a:ext>
+            </a:extLst>
+          </p:cNvPr>
+          <p:cNvGrpSpPr/>
+          <p:nvPr/>
+        </p:nvGrpSpPr>
+        <p:grpSpPr>
+          <a:xfrm>
+            <a:off x="102217" y="2418067"/>
+            <a:ext cx="5219700" cy="2476064"/>
+            <a:chOff x="6092601" y="2081010"/>
+            <a:chExt cx="5219700" cy="2476064"/>
+          </a:xfrm>
+          <a:solidFill>
+            <a:schemeClr val="accent1">
+              <a:lumMod val="20000"/>
+              <a:lumOff val="80000"/>
+            </a:schemeClr>
+          </a:solidFill>
+          <a:effectLst>
+            <a:outerShdw blurRad="50800" dist="38100" dir="2700000" algn="tl" rotWithShape="0">
+              <a:prstClr val="black">
+                <a:alpha val="40000"/>
+              </a:prstClr>
+            </a:outerShdw>
+          </a:effectLst>
+        </p:grpSpPr>
+        <p:sp>
+          <p:nvSpPr>
+            <p:cNvPr id="52" name="Rectangle 51">
+              <a:extLst>
+                <a:ext uri="{FF2B5EF4-FFF2-40B4-BE49-F238E27FC236}">
+                  <a16:creationId xmlns:a16="http://schemas.microsoft.com/office/drawing/2014/main" id="{CC4B7D62-D06C-4E24-BC7B-D85ABBD33A3C}"/>
+                </a:ext>
+              </a:extLst>
+            </p:cNvPr>
+            <p:cNvSpPr/>
+            <p:nvPr/>
+          </p:nvSpPr>
+          <p:spPr>
+            <a:xfrm>
+              <a:off x="6092601" y="2081010"/>
+              <a:ext cx="5219700" cy="2476064"/>
+            </a:xfrm>
+            <a:prstGeom prst="rect">
+              <a:avLst/>
+            </a:prstGeom>
+            <a:grpFill/>
+          </p:spPr>
+          <p:style>
+            <a:lnRef idx="2">
+              <a:schemeClr val="accent1">
+                <a:shade val="50000"/>
+              </a:schemeClr>
+            </a:lnRef>
+            <a:fillRef idx="1">
+              <a:schemeClr val="accent1"/>
+            </a:fillRef>
+            <a:effectRef idx="0">
+              <a:schemeClr val="accent1"/>
+            </a:effectRef>
+            <a:fontRef idx="minor">
+              <a:schemeClr val="lt1"/>
+            </a:fontRef>
+          </p:style>
+          <p:txBody>
+            <a:bodyPr rtlCol="0" anchor="ctr"/>
+            <a:lstStyle/>
+            <a:p>
+              <a:pPr algn="ctr"/>
+              <a:endParaRPr lang="en-US"/>
+            </a:p>
+          </p:txBody>
+        </p:sp>
+        <p:grpSp>
+          <p:nvGrpSpPr>
+            <p:cNvPr id="50" name="Group 49">
+              <a:extLst>
+                <a:ext uri="{FF2B5EF4-FFF2-40B4-BE49-F238E27FC236}">
+                  <a16:creationId xmlns:a16="http://schemas.microsoft.com/office/drawing/2014/main" id="{F2AB872B-78FF-4D82-9DCB-A71882C6A142}"/>
+                </a:ext>
+              </a:extLst>
+            </p:cNvPr>
+            <p:cNvGrpSpPr/>
+            <p:nvPr/>
+          </p:nvGrpSpPr>
+          <p:grpSpPr>
+            <a:xfrm>
+              <a:off x="6334327" y="2454193"/>
+              <a:ext cx="4623101" cy="1838407"/>
+              <a:chOff x="5480862" y="1772667"/>
+              <a:chExt cx="9571079" cy="3806004"/>
+            </a:xfrm>
+            <a:grpFill/>
+          </p:grpSpPr>
+          <p:pic>
+            <p:nvPicPr>
+              <p:cNvPr id="42" name="Picture 41">
+                <a:extLst>
+                  <a:ext uri="{FF2B5EF4-FFF2-40B4-BE49-F238E27FC236}">
+                    <a16:creationId xmlns:a16="http://schemas.microsoft.com/office/drawing/2014/main" id="{99487396-948A-47EE-939F-0EB3FF3738A0}"/>
+                  </a:ext>
+                </a:extLst>
+              </p:cNvPr>
+              <p:cNvPicPr>
+                <a:picLocks noChangeAspect="1"/>
+              </p:cNvPicPr>
+              <p:nvPr/>
+            </p:nvPicPr>
+            <p:blipFill>
+              <a:blip r:embed="rId15">
+                <a:clrChange>
+                  <a:clrFrom>
+                    <a:srgbClr val="FFFFFF"/>
+                  </a:clrFrom>
+                  <a:clrTo>
+                    <a:srgbClr val="FFFFFF">
+                      <a:alpha val="0"/>
+                    </a:srgbClr>
+                  </a:clrTo>
+                </a:clrChange>
+              </a:blip>
+              <a:stretch>
+                <a:fillRect/>
+              </a:stretch>
+            </p:blipFill>
+            <p:spPr>
+              <a:xfrm>
+                <a:off x="6984840" y="2667949"/>
+                <a:ext cx="6797369" cy="982076"/>
+              </a:xfrm>
+              <a:prstGeom prst="rect">
+                <a:avLst/>
+              </a:prstGeom>
+              <a:grpFill/>
+            </p:spPr>
+          </p:pic>
+          <mc:AlternateContent xmlns:mc="http://schemas.openxmlformats.org/markup-compatibility/2006">
+            <mc:Choice xmlns:a14="http://schemas.microsoft.com/office/drawing/2010/main" Requires="a14">
+              <p:sp>
+                <p:nvSpPr>
+                  <p:cNvPr id="43" name="TextBox 42">
+                    <a:extLst>
+                      <a:ext uri="{FF2B5EF4-FFF2-40B4-BE49-F238E27FC236}">
+                        <a16:creationId xmlns:a16="http://schemas.microsoft.com/office/drawing/2014/main" id="{71AB77E7-B5B3-426B-9027-CF4D9677C39F}"/>
+                      </a:ext>
+                    </a:extLst>
+                  </p:cNvPr>
+                  <p:cNvSpPr txBox="1"/>
+                  <p:nvPr/>
+                </p:nvSpPr>
+                <p:spPr>
+                  <a:xfrm>
+                    <a:off x="8834244" y="1772667"/>
+                    <a:ext cx="6217697" cy="828337"/>
+                  </a:xfrm>
+                  <a:prstGeom prst="rect">
+                    <a:avLst/>
+                  </a:prstGeom>
+                  <a:grpFill/>
+                </p:spPr>
+                <p:txBody>
+                  <a:bodyPr wrap="none" rtlCol="0">
+                    <a:spAutoFit/>
+                  </a:bodyPr>
+                  <a:lstStyle/>
+                  <a:p>
+                    <a:pPr algn="ctr"/>
+                    <a:r>
+                      <a:rPr lang="en-US" sz="1000" dirty="0">
+                        <a:solidFill>
+                          <a:schemeClr val="accent4">
+                            <a:lumMod val="75000"/>
+                          </a:schemeClr>
+                        </a:solidFill>
+                      </a:rPr>
+                      <a:t>expected overhead of using codes for beliefs  </a:t>
+                    </a:r>
+                    <a14:m>
+                      <m:oMath xmlns:m="http://schemas.openxmlformats.org/officeDocument/2006/math">
+                        <m:r>
+                          <a:rPr lang="en-US" sz="1000" i="1" dirty="0" smtClean="0">
+                            <a:solidFill>
+                              <a:schemeClr val="accent4">
+                                <a:lumMod val="75000"/>
+                              </a:schemeClr>
+                            </a:solidFill>
+                            <a:latin typeface="Cambria Math" panose="02040503050406030204" pitchFamily="18" charset="0"/>
+                          </a:rPr>
+                          <m:t>𝑝</m:t>
+                        </m:r>
+                        <m:r>
+                          <a:rPr lang="en-US" sz="1000" b="0" i="1" dirty="0" smtClean="0">
+                            <a:solidFill>
+                              <a:schemeClr val="accent4">
+                                <a:lumMod val="75000"/>
+                              </a:schemeClr>
+                            </a:solidFill>
+                            <a:latin typeface="Cambria Math" panose="02040503050406030204" pitchFamily="18" charset="0"/>
+                          </a:rPr>
+                          <m:t>(</m:t>
+                        </m:r>
+                        <m:r>
+                          <a:rPr lang="en-US" sz="1000" b="0" i="1" dirty="0" smtClean="0">
+                            <a:solidFill>
+                              <a:schemeClr val="accent4">
+                                <a:lumMod val="75000"/>
+                              </a:schemeClr>
+                            </a:solidFill>
+                            <a:latin typeface="Cambria Math" panose="02040503050406030204" pitchFamily="18" charset="0"/>
+                          </a:rPr>
+                          <m:t>𝑌</m:t>
+                        </m:r>
+                        <m:r>
+                          <a:rPr lang="en-US" sz="1000" b="0" i="1" dirty="0" smtClean="0">
+                            <a:solidFill>
+                              <a:schemeClr val="accent4">
+                                <a:lumMod val="75000"/>
+                              </a:schemeClr>
+                            </a:solidFill>
+                            <a:latin typeface="Cambria Math" panose="02040503050406030204" pitchFamily="18" charset="0"/>
+                          </a:rPr>
+                          <m:t>|</m:t>
+                        </m:r>
+                        <m:r>
+                          <a:rPr lang="en-US" sz="1000" b="0" i="1" dirty="0" smtClean="0">
+                            <a:solidFill>
+                              <a:schemeClr val="accent4">
+                                <a:lumMod val="75000"/>
+                              </a:schemeClr>
+                            </a:solidFill>
+                            <a:latin typeface="Cambria Math" panose="02040503050406030204" pitchFamily="18" charset="0"/>
+                          </a:rPr>
+                          <m:t>𝑥</m:t>
+                        </m:r>
+                        <m:r>
+                          <a:rPr lang="en-US" sz="1000" b="0" i="1" dirty="0" smtClean="0">
+                            <a:solidFill>
+                              <a:schemeClr val="accent4">
+                                <a:lumMod val="75000"/>
+                              </a:schemeClr>
+                            </a:solidFill>
+                            <a:latin typeface="Cambria Math" panose="02040503050406030204" pitchFamily="18" charset="0"/>
+                          </a:rPr>
+                          <m:t>)</m:t>
+                        </m:r>
+                      </m:oMath>
+                    </a14:m>
+                    <a:r>
+                      <a:rPr lang="en-US" sz="1000" dirty="0">
+                        <a:solidFill>
+                          <a:schemeClr val="accent4">
+                            <a:lumMod val="75000"/>
+                          </a:schemeClr>
+                        </a:solidFill>
+                      </a:rPr>
+                      <a:t>,</a:t>
+                    </a:r>
+                  </a:p>
+                  <a:p>
+                    <a:pPr algn="ctr"/>
+                    <a:r>
+                      <a:rPr lang="en-US" sz="1000" b="0" dirty="0">
+                        <a:solidFill>
+                          <a:schemeClr val="accent4">
+                            <a:lumMod val="75000"/>
+                          </a:schemeClr>
+                        </a:solidFill>
+                      </a:rPr>
+                      <a:t>when </a:t>
+                    </a:r>
+                    <a:r>
+                      <a:rPr lang="en-US" sz="1000" dirty="0">
+                        <a:solidFill>
+                          <a:schemeClr val="accent4">
+                            <a:lumMod val="75000"/>
+                          </a:schemeClr>
+                        </a:solidFill>
+                      </a:rPr>
+                      <a:t>in fact </a:t>
+                    </a:r>
+                    <a:r>
+                      <a:rPr lang="en-US" sz="1000" b="0" dirty="0">
+                        <a:solidFill>
+                          <a:schemeClr val="accent4">
+                            <a:lumMod val="75000"/>
+                          </a:schemeClr>
+                        </a:solidFill>
+                      </a:rPr>
+                      <a:t>distributed according to </a:t>
+                    </a:r>
+                    <a14:m>
+                      <m:oMath xmlns:m="http://schemas.openxmlformats.org/officeDocument/2006/math">
+                        <m:r>
+                          <a:rPr lang="en-US" sz="1000" b="0" i="1" smtClean="0">
+                            <a:solidFill>
+                              <a:schemeClr val="accent4">
+                                <a:lumMod val="75000"/>
+                              </a:schemeClr>
+                            </a:solidFill>
+                            <a:latin typeface="Cambria Math" panose="02040503050406030204" pitchFamily="18" charset="0"/>
+                          </a:rPr>
+                          <m:t>𝜇</m:t>
+                        </m:r>
+                        <m:r>
+                          <a:rPr lang="en-US" sz="1000" b="0" i="1" smtClean="0">
+                            <a:solidFill>
+                              <a:schemeClr val="accent4">
+                                <a:lumMod val="75000"/>
+                              </a:schemeClr>
+                            </a:solidFill>
+                            <a:latin typeface="Cambria Math" panose="02040503050406030204" pitchFamily="18" charset="0"/>
+                          </a:rPr>
+                          <m:t>(</m:t>
+                        </m:r>
+                        <m:r>
+                          <a:rPr lang="en-US" sz="1000" b="0" i="1" smtClean="0">
+                            <a:solidFill>
+                              <a:schemeClr val="accent4">
+                                <a:lumMod val="75000"/>
+                              </a:schemeClr>
+                            </a:solidFill>
+                            <a:latin typeface="Cambria Math" panose="02040503050406030204" pitchFamily="18" charset="0"/>
+                          </a:rPr>
+                          <m:t>𝑌</m:t>
+                        </m:r>
+                        <m:r>
+                          <a:rPr lang="en-US" sz="1000" b="0" i="1" smtClean="0">
+                            <a:solidFill>
+                              <a:schemeClr val="accent4">
+                                <a:lumMod val="75000"/>
+                              </a:schemeClr>
+                            </a:solidFill>
+                            <a:latin typeface="Cambria Math" panose="02040503050406030204" pitchFamily="18" charset="0"/>
+                          </a:rPr>
+                          <m:t>|</m:t>
+                        </m:r>
+                        <m:r>
+                          <a:rPr lang="en-US" sz="1000" b="0" i="1" smtClean="0">
+                            <a:solidFill>
+                              <a:schemeClr val="accent4">
+                                <a:lumMod val="75000"/>
+                              </a:schemeClr>
+                            </a:solidFill>
+                            <a:latin typeface="Cambria Math" panose="02040503050406030204" pitchFamily="18" charset="0"/>
+                          </a:rPr>
+                          <m:t>𝑥</m:t>
+                        </m:r>
+                        <m:r>
+                          <a:rPr lang="en-US" sz="1000" b="0" i="1" smtClean="0">
+                            <a:solidFill>
+                              <a:schemeClr val="accent4">
+                                <a:lumMod val="75000"/>
+                              </a:schemeClr>
+                            </a:solidFill>
+                            <a:latin typeface="Cambria Math" panose="02040503050406030204" pitchFamily="18" charset="0"/>
+                          </a:rPr>
+                          <m:t>)</m:t>
+                        </m:r>
+                      </m:oMath>
+                    </a14:m>
+                    <a:endParaRPr lang="en-US" sz="1000" dirty="0">
+                      <a:solidFill>
+                        <a:schemeClr val="accent4">
+                          <a:lumMod val="75000"/>
+                        </a:schemeClr>
+                      </a:solidFill>
+                    </a:endParaRPr>
+                  </a:p>
+                </p:txBody>
+              </p:sp>
+            </mc:Choice>
+            <mc:Fallback>
+              <p:sp>
+                <p:nvSpPr>
+                  <p:cNvPr id="43" name="TextBox 42">
+                    <a:extLst>
+                      <a:ext uri="{FF2B5EF4-FFF2-40B4-BE49-F238E27FC236}">
+                        <a16:creationId xmlns:a16="http://schemas.microsoft.com/office/drawing/2014/main" id="{71AB77E7-B5B3-426B-9027-CF4D9677C39F}"/>
+                      </a:ext>
+                    </a:extLst>
+                  </p:cNvPr>
+                  <p:cNvSpPr txBox="1">
+                    <a:spLocks noRot="1" noChangeAspect="1" noMove="1" noResize="1" noEditPoints="1" noAdjustHandles="1" noChangeArrowheads="1" noChangeShapeType="1" noTextEdit="1"/>
+                  </p:cNvSpPr>
+                  <p:nvPr/>
+                </p:nvSpPr>
+                <p:spPr>
+                  <a:xfrm>
+                    <a:off x="8834244" y="1772667"/>
+                    <a:ext cx="6217697" cy="828337"/>
+                  </a:xfrm>
+                  <a:prstGeom prst="rect">
+                    <a:avLst/>
+                  </a:prstGeom>
+                  <a:blipFill>
+                    <a:blip r:embed="rId16"/>
+                    <a:stretch>
+                      <a:fillRect b="-7576"/>
+                    </a:stretch>
+                  </a:blipFill>
+                </p:spPr>
+                <p:txBody>
+                  <a:bodyPr/>
+                  <a:lstStyle/>
+                  <a:p>
+                    <a:r>
+                      <a:rPr lang="en-US">
+                        <a:noFill/>
+                      </a:rPr>
+                      <a:t> </a:t>
+                    </a:r>
+                  </a:p>
+                </p:txBody>
+              </p:sp>
+            </mc:Fallback>
+          </mc:AlternateContent>
+          <p:sp>
+            <p:nvSpPr>
+              <p:cNvPr id="44" name="TextBox 43">
+                <a:extLst>
+                  <a:ext uri="{FF2B5EF4-FFF2-40B4-BE49-F238E27FC236}">
+                    <a16:creationId xmlns:a16="http://schemas.microsoft.com/office/drawing/2014/main" id="{530FE2FD-760D-45F5-B1ED-6A9DBE54AFB4}"/>
+                  </a:ext>
+                </a:extLst>
+              </p:cNvPr>
+              <p:cNvSpPr txBox="1"/>
+              <p:nvPr/>
+            </p:nvSpPr>
+            <p:spPr>
+              <a:xfrm>
+                <a:off x="9864654" y="3633600"/>
+                <a:ext cx="2877936" cy="509745"/>
+              </a:xfrm>
+              <a:prstGeom prst="rect">
+                <a:avLst/>
+              </a:prstGeom>
+              <a:grpFill/>
+            </p:spPr>
+            <p:txBody>
+              <a:bodyPr wrap="none" rtlCol="0">
+                <a:spAutoFit/>
+              </a:bodyPr>
+              <a:lstStyle/>
+              <a:p>
+                <a:r>
+                  <a:rPr lang="en-US" sz="1000" dirty="0">
+                    <a:solidFill>
+                      <a:schemeClr val="accent5">
+                        <a:lumMod val="75000"/>
+                      </a:schemeClr>
+                    </a:solidFill>
+                  </a:rPr>
+                  <a:t>(scaled by confidence)</a:t>
+                </a:r>
+              </a:p>
+            </p:txBody>
+          </p:sp>
+          <p:sp>
+            <p:nvSpPr>
+              <p:cNvPr id="45" name="Left Brace 44">
+                <a:extLst>
+                  <a:ext uri="{FF2B5EF4-FFF2-40B4-BE49-F238E27FC236}">
+                    <a16:creationId xmlns:a16="http://schemas.microsoft.com/office/drawing/2014/main" id="{1B960021-70B2-48B5-B98D-71BDC3647364}"/>
+                  </a:ext>
+                </a:extLst>
+              </p:cNvPr>
+              <p:cNvSpPr/>
+              <p:nvPr/>
+            </p:nvSpPr>
+            <p:spPr>
+              <a:xfrm rot="16200000" flipH="1">
+                <a:off x="11536219" y="739419"/>
+                <a:ext cx="204241" cy="3995738"/>
+              </a:xfrm>
+              <a:prstGeom prst="leftBrace">
+                <a:avLst>
+                  <a:gd name="adj1" fmla="val 114459"/>
+                  <a:gd name="adj2" fmla="val 50000"/>
+                </a:avLst>
+              </a:prstGeom>
+              <a:grpFill/>
+              <a:ln w="19050">
+                <a:solidFill>
+                  <a:schemeClr val="accent4">
+                    <a:lumMod val="75000"/>
+                  </a:schemeClr>
+                </a:solidFill>
+              </a:ln>
+            </p:spPr>
+            <p:style>
+              <a:lnRef idx="3">
+                <a:schemeClr val="accent4"/>
+              </a:lnRef>
+              <a:fillRef idx="0">
+                <a:schemeClr val="accent4"/>
+              </a:fillRef>
+              <a:effectRef idx="2">
+                <a:schemeClr val="accent4"/>
+              </a:effectRef>
+              <a:fontRef idx="minor">
+                <a:schemeClr val="tx1"/>
+              </a:fontRef>
+            </p:style>
+            <p:txBody>
+              <a:bodyPr rtlCol="0" anchor="ctr"/>
+              <a:lstStyle/>
+              <a:p>
+                <a:pPr algn="ctr"/>
+                <a:endParaRPr lang="en-US" sz="1000"/>
+              </a:p>
+            </p:txBody>
+          </p:sp>
+          <p:sp>
+            <p:nvSpPr>
+              <p:cNvPr id="46" name="Arrow: Down 17">
+                <a:extLst>
+                  <a:ext uri="{FF2B5EF4-FFF2-40B4-BE49-F238E27FC236}">
+                    <a16:creationId xmlns:a16="http://schemas.microsoft.com/office/drawing/2014/main" id="{43968465-B0A6-4ED5-87EF-6FE20BD2B97A}"/>
+                  </a:ext>
+                </a:extLst>
+              </p:cNvPr>
+              <p:cNvSpPr/>
+              <p:nvPr/>
+            </p:nvSpPr>
+            <p:spPr>
+              <a:xfrm rot="8442337">
+                <a:off x="9412876" y="3273945"/>
+                <a:ext cx="262612" cy="772266"/>
+              </a:xfrm>
+              <a:custGeom>
+                <a:avLst/>
+                <a:gdLst>
+                  <a:gd name="connsiteX0" fmla="*/ 0 w 138736"/>
+                  <a:gd name="connsiteY0" fmla="*/ 301549 h 370917"/>
+                  <a:gd name="connsiteX1" fmla="*/ 34684 w 138736"/>
+                  <a:gd name="connsiteY1" fmla="*/ 301549 h 370917"/>
+                  <a:gd name="connsiteX2" fmla="*/ 34684 w 138736"/>
+                  <a:gd name="connsiteY2" fmla="*/ 0 h 370917"/>
+                  <a:gd name="connsiteX3" fmla="*/ 104052 w 138736"/>
+                  <a:gd name="connsiteY3" fmla="*/ 0 h 370917"/>
+                  <a:gd name="connsiteX4" fmla="*/ 104052 w 138736"/>
+                  <a:gd name="connsiteY4" fmla="*/ 301549 h 370917"/>
+                  <a:gd name="connsiteX5" fmla="*/ 138736 w 138736"/>
+                  <a:gd name="connsiteY5" fmla="*/ 301549 h 370917"/>
+                  <a:gd name="connsiteX6" fmla="*/ 69368 w 138736"/>
+                  <a:gd name="connsiteY6" fmla="*/ 370917 h 370917"/>
+                  <a:gd name="connsiteX7" fmla="*/ 0 w 138736"/>
+                  <a:gd name="connsiteY7" fmla="*/ 301549 h 370917"/>
+                  <a:gd name="connsiteX0" fmla="*/ 7211 w 145947"/>
+                  <a:gd name="connsiteY0" fmla="*/ 301549 h 502098"/>
+                  <a:gd name="connsiteX1" fmla="*/ 41895 w 145947"/>
+                  <a:gd name="connsiteY1" fmla="*/ 301549 h 502098"/>
+                  <a:gd name="connsiteX2" fmla="*/ 41895 w 145947"/>
+                  <a:gd name="connsiteY2" fmla="*/ 0 h 502098"/>
+                  <a:gd name="connsiteX3" fmla="*/ 111263 w 145947"/>
+                  <a:gd name="connsiteY3" fmla="*/ 0 h 502098"/>
+                  <a:gd name="connsiteX4" fmla="*/ 111263 w 145947"/>
+                  <a:gd name="connsiteY4" fmla="*/ 301549 h 502098"/>
+                  <a:gd name="connsiteX5" fmla="*/ 145947 w 145947"/>
+                  <a:gd name="connsiteY5" fmla="*/ 301549 h 502098"/>
+                  <a:gd name="connsiteX6" fmla="*/ 0 w 145947"/>
+                  <a:gd name="connsiteY6" fmla="*/ 502098 h 502098"/>
+                  <a:gd name="connsiteX7" fmla="*/ 7211 w 145947"/>
+                  <a:gd name="connsiteY7" fmla="*/ 301549 h 502098"/>
+                  <a:gd name="connsiteX0" fmla="*/ 7211 w 145947"/>
+                  <a:gd name="connsiteY0" fmla="*/ 301549 h 502098"/>
+                  <a:gd name="connsiteX1" fmla="*/ 41895 w 145947"/>
+                  <a:gd name="connsiteY1" fmla="*/ 301549 h 502098"/>
+                  <a:gd name="connsiteX2" fmla="*/ 41895 w 145947"/>
+                  <a:gd name="connsiteY2" fmla="*/ 0 h 502098"/>
+                  <a:gd name="connsiteX3" fmla="*/ 111263 w 145947"/>
+                  <a:gd name="connsiteY3" fmla="*/ 0 h 502098"/>
+                  <a:gd name="connsiteX4" fmla="*/ 111263 w 145947"/>
+                  <a:gd name="connsiteY4" fmla="*/ 301549 h 502098"/>
+                  <a:gd name="connsiteX5" fmla="*/ 145947 w 145947"/>
+                  <a:gd name="connsiteY5" fmla="*/ 301549 h 502098"/>
+                  <a:gd name="connsiteX6" fmla="*/ 0 w 145947"/>
+                  <a:gd name="connsiteY6" fmla="*/ 502098 h 502098"/>
+                  <a:gd name="connsiteX7" fmla="*/ 7211 w 145947"/>
+                  <a:gd name="connsiteY7" fmla="*/ 301549 h 502098"/>
+                  <a:gd name="connsiteX0" fmla="*/ 7211 w 145947"/>
+                  <a:gd name="connsiteY0" fmla="*/ 301549 h 502098"/>
+                  <a:gd name="connsiteX1" fmla="*/ 41895 w 145947"/>
+                  <a:gd name="connsiteY1" fmla="*/ 301549 h 502098"/>
+                  <a:gd name="connsiteX2" fmla="*/ 41895 w 145947"/>
+                  <a:gd name="connsiteY2" fmla="*/ 0 h 502098"/>
+                  <a:gd name="connsiteX3" fmla="*/ 111263 w 145947"/>
+                  <a:gd name="connsiteY3" fmla="*/ 0 h 502098"/>
+                  <a:gd name="connsiteX4" fmla="*/ 111263 w 145947"/>
+                  <a:gd name="connsiteY4" fmla="*/ 301549 h 502098"/>
+                  <a:gd name="connsiteX5" fmla="*/ 145947 w 145947"/>
+                  <a:gd name="connsiteY5" fmla="*/ 301549 h 502098"/>
+                  <a:gd name="connsiteX6" fmla="*/ 0 w 145947"/>
+                  <a:gd name="connsiteY6" fmla="*/ 502098 h 502098"/>
+                  <a:gd name="connsiteX7" fmla="*/ 7211 w 145947"/>
+                  <a:gd name="connsiteY7" fmla="*/ 301549 h 502098"/>
+                  <a:gd name="connsiteX0" fmla="*/ 7211 w 145947"/>
+                  <a:gd name="connsiteY0" fmla="*/ 301549 h 502098"/>
+                  <a:gd name="connsiteX1" fmla="*/ 41895 w 145947"/>
+                  <a:gd name="connsiteY1" fmla="*/ 301549 h 502098"/>
+                  <a:gd name="connsiteX2" fmla="*/ 41895 w 145947"/>
+                  <a:gd name="connsiteY2" fmla="*/ 0 h 502098"/>
+                  <a:gd name="connsiteX3" fmla="*/ 111263 w 145947"/>
+                  <a:gd name="connsiteY3" fmla="*/ 0 h 502098"/>
+                  <a:gd name="connsiteX4" fmla="*/ 75071 w 145947"/>
+                  <a:gd name="connsiteY4" fmla="*/ 345777 h 502098"/>
+                  <a:gd name="connsiteX5" fmla="*/ 145947 w 145947"/>
+                  <a:gd name="connsiteY5" fmla="*/ 301549 h 502098"/>
+                  <a:gd name="connsiteX6" fmla="*/ 0 w 145947"/>
+                  <a:gd name="connsiteY6" fmla="*/ 502098 h 502098"/>
+                  <a:gd name="connsiteX7" fmla="*/ 7211 w 145947"/>
+                  <a:gd name="connsiteY7" fmla="*/ 301549 h 502098"/>
+                  <a:gd name="connsiteX0" fmla="*/ 7211 w 145947"/>
+                  <a:gd name="connsiteY0" fmla="*/ 301549 h 502098"/>
+                  <a:gd name="connsiteX1" fmla="*/ 44739 w 145947"/>
+                  <a:gd name="connsiteY1" fmla="*/ 346954 h 502098"/>
+                  <a:gd name="connsiteX2" fmla="*/ 41895 w 145947"/>
+                  <a:gd name="connsiteY2" fmla="*/ 0 h 502098"/>
+                  <a:gd name="connsiteX3" fmla="*/ 111263 w 145947"/>
+                  <a:gd name="connsiteY3" fmla="*/ 0 h 502098"/>
+                  <a:gd name="connsiteX4" fmla="*/ 75071 w 145947"/>
+                  <a:gd name="connsiteY4" fmla="*/ 345777 h 502098"/>
+                  <a:gd name="connsiteX5" fmla="*/ 145947 w 145947"/>
+                  <a:gd name="connsiteY5" fmla="*/ 301549 h 502098"/>
+                  <a:gd name="connsiteX6" fmla="*/ 0 w 145947"/>
+                  <a:gd name="connsiteY6" fmla="*/ 502098 h 502098"/>
+                  <a:gd name="connsiteX7" fmla="*/ 7211 w 145947"/>
+                  <a:gd name="connsiteY7" fmla="*/ 301549 h 502098"/>
+                  <a:gd name="connsiteX0" fmla="*/ 80071 w 218807"/>
+                  <a:gd name="connsiteY0" fmla="*/ 450840 h 651389"/>
+                  <a:gd name="connsiteX1" fmla="*/ 117599 w 218807"/>
+                  <a:gd name="connsiteY1" fmla="*/ 496245 h 651389"/>
+                  <a:gd name="connsiteX2" fmla="*/ 0 w 218807"/>
+                  <a:gd name="connsiteY2" fmla="*/ 0 h 651389"/>
+                  <a:gd name="connsiteX3" fmla="*/ 184123 w 218807"/>
+                  <a:gd name="connsiteY3" fmla="*/ 149291 h 651389"/>
+                  <a:gd name="connsiteX4" fmla="*/ 147931 w 218807"/>
+                  <a:gd name="connsiteY4" fmla="*/ 495068 h 651389"/>
+                  <a:gd name="connsiteX5" fmla="*/ 218807 w 218807"/>
+                  <a:gd name="connsiteY5" fmla="*/ 450840 h 651389"/>
+                  <a:gd name="connsiteX6" fmla="*/ 72860 w 218807"/>
+                  <a:gd name="connsiteY6" fmla="*/ 651389 h 651389"/>
+                  <a:gd name="connsiteX7" fmla="*/ 80071 w 218807"/>
+                  <a:gd name="connsiteY7" fmla="*/ 450840 h 651389"/>
+                  <a:gd name="connsiteX0" fmla="*/ 80071 w 218807"/>
+                  <a:gd name="connsiteY0" fmla="*/ 450840 h 651389"/>
+                  <a:gd name="connsiteX1" fmla="*/ 117599 w 218807"/>
+                  <a:gd name="connsiteY1" fmla="*/ 496245 h 651389"/>
+                  <a:gd name="connsiteX2" fmla="*/ 0 w 218807"/>
+                  <a:gd name="connsiteY2" fmla="*/ 0 h 651389"/>
+                  <a:gd name="connsiteX3" fmla="*/ 184123 w 218807"/>
+                  <a:gd name="connsiteY3" fmla="*/ 149291 h 651389"/>
+                  <a:gd name="connsiteX4" fmla="*/ 147931 w 218807"/>
+                  <a:gd name="connsiteY4" fmla="*/ 495068 h 651389"/>
+                  <a:gd name="connsiteX5" fmla="*/ 218807 w 218807"/>
+                  <a:gd name="connsiteY5" fmla="*/ 450840 h 651389"/>
+                  <a:gd name="connsiteX6" fmla="*/ 72860 w 218807"/>
+                  <a:gd name="connsiteY6" fmla="*/ 651389 h 651389"/>
+                  <a:gd name="connsiteX7" fmla="*/ 80071 w 218807"/>
+                  <a:gd name="connsiteY7" fmla="*/ 450840 h 651389"/>
+                  <a:gd name="connsiteX0" fmla="*/ 82019 w 220755"/>
+                  <a:gd name="connsiteY0" fmla="*/ 450840 h 651389"/>
+                  <a:gd name="connsiteX1" fmla="*/ 119547 w 220755"/>
+                  <a:gd name="connsiteY1" fmla="*/ 496245 h 651389"/>
+                  <a:gd name="connsiteX2" fmla="*/ 136298 w 220755"/>
+                  <a:gd name="connsiteY2" fmla="*/ 168245 h 651389"/>
+                  <a:gd name="connsiteX3" fmla="*/ 1948 w 220755"/>
+                  <a:gd name="connsiteY3" fmla="*/ 0 h 651389"/>
+                  <a:gd name="connsiteX4" fmla="*/ 186071 w 220755"/>
+                  <a:gd name="connsiteY4" fmla="*/ 149291 h 651389"/>
+                  <a:gd name="connsiteX5" fmla="*/ 149879 w 220755"/>
+                  <a:gd name="connsiteY5" fmla="*/ 495068 h 651389"/>
+                  <a:gd name="connsiteX6" fmla="*/ 220755 w 220755"/>
+                  <a:gd name="connsiteY6" fmla="*/ 450840 h 651389"/>
+                  <a:gd name="connsiteX7" fmla="*/ 74808 w 220755"/>
+                  <a:gd name="connsiteY7" fmla="*/ 651389 h 651389"/>
+                  <a:gd name="connsiteX8" fmla="*/ 82019 w 220755"/>
+                  <a:gd name="connsiteY8" fmla="*/ 450840 h 651389"/>
+                  <a:gd name="connsiteX0" fmla="*/ 82019 w 220755"/>
+                  <a:gd name="connsiteY0" fmla="*/ 450840 h 651389"/>
+                  <a:gd name="connsiteX1" fmla="*/ 119547 w 220755"/>
+                  <a:gd name="connsiteY1" fmla="*/ 496245 h 651389"/>
+                  <a:gd name="connsiteX2" fmla="*/ 136298 w 220755"/>
+                  <a:gd name="connsiteY2" fmla="*/ 168245 h 651389"/>
+                  <a:gd name="connsiteX3" fmla="*/ 1948 w 220755"/>
+                  <a:gd name="connsiteY3" fmla="*/ 0 h 651389"/>
+                  <a:gd name="connsiteX4" fmla="*/ 186071 w 220755"/>
+                  <a:gd name="connsiteY4" fmla="*/ 149291 h 651389"/>
+                  <a:gd name="connsiteX5" fmla="*/ 149879 w 220755"/>
+                  <a:gd name="connsiteY5" fmla="*/ 495068 h 651389"/>
+                  <a:gd name="connsiteX6" fmla="*/ 220755 w 220755"/>
+                  <a:gd name="connsiteY6" fmla="*/ 450840 h 651389"/>
+                  <a:gd name="connsiteX7" fmla="*/ 74808 w 220755"/>
+                  <a:gd name="connsiteY7" fmla="*/ 651389 h 651389"/>
+                  <a:gd name="connsiteX8" fmla="*/ 82019 w 220755"/>
+                  <a:gd name="connsiteY8" fmla="*/ 450840 h 651389"/>
+                  <a:gd name="connsiteX0" fmla="*/ 82019 w 220755"/>
+                  <a:gd name="connsiteY0" fmla="*/ 450840 h 651389"/>
+                  <a:gd name="connsiteX1" fmla="*/ 119547 w 220755"/>
+                  <a:gd name="connsiteY1" fmla="*/ 496245 h 651389"/>
+                  <a:gd name="connsiteX2" fmla="*/ 136298 w 220755"/>
+                  <a:gd name="connsiteY2" fmla="*/ 168245 h 651389"/>
+                  <a:gd name="connsiteX3" fmla="*/ 1948 w 220755"/>
+                  <a:gd name="connsiteY3" fmla="*/ 0 h 651389"/>
+                  <a:gd name="connsiteX4" fmla="*/ 141674 w 220755"/>
+                  <a:gd name="connsiteY4" fmla="*/ 128344 h 651389"/>
+                  <a:gd name="connsiteX5" fmla="*/ 149879 w 220755"/>
+                  <a:gd name="connsiteY5" fmla="*/ 495068 h 651389"/>
+                  <a:gd name="connsiteX6" fmla="*/ 220755 w 220755"/>
+                  <a:gd name="connsiteY6" fmla="*/ 450840 h 651389"/>
+                  <a:gd name="connsiteX7" fmla="*/ 74808 w 220755"/>
+                  <a:gd name="connsiteY7" fmla="*/ 651389 h 651389"/>
+                  <a:gd name="connsiteX8" fmla="*/ 82019 w 220755"/>
+                  <a:gd name="connsiteY8" fmla="*/ 450840 h 651389"/>
+                  <a:gd name="connsiteX0" fmla="*/ 82019 w 220755"/>
+                  <a:gd name="connsiteY0" fmla="*/ 450840 h 651389"/>
+                  <a:gd name="connsiteX1" fmla="*/ 119547 w 220755"/>
+                  <a:gd name="connsiteY1" fmla="*/ 496245 h 651389"/>
+                  <a:gd name="connsiteX2" fmla="*/ 136298 w 220755"/>
+                  <a:gd name="connsiteY2" fmla="*/ 168245 h 651389"/>
+                  <a:gd name="connsiteX3" fmla="*/ 1948 w 220755"/>
+                  <a:gd name="connsiteY3" fmla="*/ 0 h 651389"/>
+                  <a:gd name="connsiteX4" fmla="*/ 141674 w 220755"/>
+                  <a:gd name="connsiteY4" fmla="*/ 128344 h 651389"/>
+                  <a:gd name="connsiteX5" fmla="*/ 149879 w 220755"/>
+                  <a:gd name="connsiteY5" fmla="*/ 495068 h 651389"/>
+                  <a:gd name="connsiteX6" fmla="*/ 220755 w 220755"/>
+                  <a:gd name="connsiteY6" fmla="*/ 450840 h 651389"/>
+                  <a:gd name="connsiteX7" fmla="*/ 74808 w 220755"/>
+                  <a:gd name="connsiteY7" fmla="*/ 651389 h 651389"/>
+                  <a:gd name="connsiteX8" fmla="*/ 82019 w 220755"/>
+                  <a:gd name="connsiteY8" fmla="*/ 450840 h 651389"/>
+                  <a:gd name="connsiteX0" fmla="*/ 82019 w 220755"/>
+                  <a:gd name="connsiteY0" fmla="*/ 450840 h 651389"/>
+                  <a:gd name="connsiteX1" fmla="*/ 119547 w 220755"/>
+                  <a:gd name="connsiteY1" fmla="*/ 496245 h 651389"/>
+                  <a:gd name="connsiteX2" fmla="*/ 136298 w 220755"/>
+                  <a:gd name="connsiteY2" fmla="*/ 168245 h 651389"/>
+                  <a:gd name="connsiteX3" fmla="*/ 1948 w 220755"/>
+                  <a:gd name="connsiteY3" fmla="*/ 0 h 651389"/>
+                  <a:gd name="connsiteX4" fmla="*/ 141674 w 220755"/>
+                  <a:gd name="connsiteY4" fmla="*/ 128344 h 651389"/>
+                  <a:gd name="connsiteX5" fmla="*/ 149879 w 220755"/>
+                  <a:gd name="connsiteY5" fmla="*/ 495068 h 651389"/>
+                  <a:gd name="connsiteX6" fmla="*/ 220755 w 220755"/>
+                  <a:gd name="connsiteY6" fmla="*/ 450840 h 651389"/>
+                  <a:gd name="connsiteX7" fmla="*/ 74808 w 220755"/>
+                  <a:gd name="connsiteY7" fmla="*/ 651389 h 651389"/>
+                  <a:gd name="connsiteX8" fmla="*/ 82019 w 220755"/>
+                  <a:gd name="connsiteY8" fmla="*/ 450840 h 651389"/>
+                  <a:gd name="connsiteX0" fmla="*/ 82019 w 202179"/>
+                  <a:gd name="connsiteY0" fmla="*/ 450840 h 651389"/>
+                  <a:gd name="connsiteX1" fmla="*/ 119547 w 202179"/>
+                  <a:gd name="connsiteY1" fmla="*/ 496245 h 651389"/>
+                  <a:gd name="connsiteX2" fmla="*/ 136298 w 202179"/>
+                  <a:gd name="connsiteY2" fmla="*/ 168245 h 651389"/>
+                  <a:gd name="connsiteX3" fmla="*/ 1948 w 202179"/>
+                  <a:gd name="connsiteY3" fmla="*/ 0 h 651389"/>
+                  <a:gd name="connsiteX4" fmla="*/ 141674 w 202179"/>
+                  <a:gd name="connsiteY4" fmla="*/ 128344 h 651389"/>
+                  <a:gd name="connsiteX5" fmla="*/ 149879 w 202179"/>
+                  <a:gd name="connsiteY5" fmla="*/ 495068 h 651389"/>
+                  <a:gd name="connsiteX6" fmla="*/ 202179 w 202179"/>
+                  <a:gd name="connsiteY6" fmla="*/ 475711 h 651389"/>
+                  <a:gd name="connsiteX7" fmla="*/ 74808 w 202179"/>
+                  <a:gd name="connsiteY7" fmla="*/ 651389 h 651389"/>
+                  <a:gd name="connsiteX8" fmla="*/ 82019 w 202179"/>
+                  <a:gd name="connsiteY8" fmla="*/ 450840 h 651389"/>
+                  <a:gd name="connsiteX0" fmla="*/ 82019 w 202179"/>
+                  <a:gd name="connsiteY0" fmla="*/ 450840 h 651389"/>
+                  <a:gd name="connsiteX1" fmla="*/ 119547 w 202179"/>
+                  <a:gd name="connsiteY1" fmla="*/ 496245 h 651389"/>
+                  <a:gd name="connsiteX2" fmla="*/ 136298 w 202179"/>
+                  <a:gd name="connsiteY2" fmla="*/ 168245 h 651389"/>
+                  <a:gd name="connsiteX3" fmla="*/ 1948 w 202179"/>
+                  <a:gd name="connsiteY3" fmla="*/ 0 h 651389"/>
+                  <a:gd name="connsiteX4" fmla="*/ 141674 w 202179"/>
+                  <a:gd name="connsiteY4" fmla="*/ 128344 h 651389"/>
+                  <a:gd name="connsiteX5" fmla="*/ 149879 w 202179"/>
+                  <a:gd name="connsiteY5" fmla="*/ 495068 h 651389"/>
+                  <a:gd name="connsiteX6" fmla="*/ 202179 w 202179"/>
+                  <a:gd name="connsiteY6" fmla="*/ 475711 h 651389"/>
+                  <a:gd name="connsiteX7" fmla="*/ 74808 w 202179"/>
+                  <a:gd name="connsiteY7" fmla="*/ 651389 h 651389"/>
+                  <a:gd name="connsiteX8" fmla="*/ 82019 w 202179"/>
+                  <a:gd name="connsiteY8" fmla="*/ 450840 h 651389"/>
+                  <a:gd name="connsiteX0" fmla="*/ 62284 w 202179"/>
+                  <a:gd name="connsiteY0" fmla="*/ 448719 h 651389"/>
+                  <a:gd name="connsiteX1" fmla="*/ 119547 w 202179"/>
+                  <a:gd name="connsiteY1" fmla="*/ 496245 h 651389"/>
+                  <a:gd name="connsiteX2" fmla="*/ 136298 w 202179"/>
+                  <a:gd name="connsiteY2" fmla="*/ 168245 h 651389"/>
+                  <a:gd name="connsiteX3" fmla="*/ 1948 w 202179"/>
+                  <a:gd name="connsiteY3" fmla="*/ 0 h 651389"/>
+                  <a:gd name="connsiteX4" fmla="*/ 141674 w 202179"/>
+                  <a:gd name="connsiteY4" fmla="*/ 128344 h 651389"/>
+                  <a:gd name="connsiteX5" fmla="*/ 149879 w 202179"/>
+                  <a:gd name="connsiteY5" fmla="*/ 495068 h 651389"/>
+                  <a:gd name="connsiteX6" fmla="*/ 202179 w 202179"/>
+                  <a:gd name="connsiteY6" fmla="*/ 475711 h 651389"/>
+                  <a:gd name="connsiteX7" fmla="*/ 74808 w 202179"/>
+                  <a:gd name="connsiteY7" fmla="*/ 651389 h 651389"/>
+                  <a:gd name="connsiteX8" fmla="*/ 62284 w 202179"/>
+                  <a:gd name="connsiteY8" fmla="*/ 448719 h 651389"/>
+                  <a:gd name="connsiteX0" fmla="*/ 62284 w 202179"/>
+                  <a:gd name="connsiteY0" fmla="*/ 448719 h 651389"/>
+                  <a:gd name="connsiteX1" fmla="*/ 119547 w 202179"/>
+                  <a:gd name="connsiteY1" fmla="*/ 496245 h 651389"/>
+                  <a:gd name="connsiteX2" fmla="*/ 136298 w 202179"/>
+                  <a:gd name="connsiteY2" fmla="*/ 168245 h 651389"/>
+                  <a:gd name="connsiteX3" fmla="*/ 1948 w 202179"/>
+                  <a:gd name="connsiteY3" fmla="*/ 0 h 651389"/>
+                  <a:gd name="connsiteX4" fmla="*/ 141674 w 202179"/>
+                  <a:gd name="connsiteY4" fmla="*/ 128344 h 651389"/>
+                  <a:gd name="connsiteX5" fmla="*/ 149879 w 202179"/>
+                  <a:gd name="connsiteY5" fmla="*/ 495068 h 651389"/>
+                  <a:gd name="connsiteX6" fmla="*/ 202179 w 202179"/>
+                  <a:gd name="connsiteY6" fmla="*/ 475711 h 651389"/>
+                  <a:gd name="connsiteX7" fmla="*/ 74808 w 202179"/>
+                  <a:gd name="connsiteY7" fmla="*/ 651389 h 651389"/>
+                  <a:gd name="connsiteX8" fmla="*/ 62284 w 202179"/>
+                  <a:gd name="connsiteY8" fmla="*/ 448719 h 651389"/>
+                  <a:gd name="connsiteX0" fmla="*/ 62284 w 202179"/>
+                  <a:gd name="connsiteY0" fmla="*/ 448719 h 651389"/>
+                  <a:gd name="connsiteX1" fmla="*/ 115161 w 202179"/>
+                  <a:gd name="connsiteY1" fmla="*/ 505289 h 651389"/>
+                  <a:gd name="connsiteX2" fmla="*/ 136298 w 202179"/>
+                  <a:gd name="connsiteY2" fmla="*/ 168245 h 651389"/>
+                  <a:gd name="connsiteX3" fmla="*/ 1948 w 202179"/>
+                  <a:gd name="connsiteY3" fmla="*/ 0 h 651389"/>
+                  <a:gd name="connsiteX4" fmla="*/ 141674 w 202179"/>
+                  <a:gd name="connsiteY4" fmla="*/ 128344 h 651389"/>
+                  <a:gd name="connsiteX5" fmla="*/ 149879 w 202179"/>
+                  <a:gd name="connsiteY5" fmla="*/ 495068 h 651389"/>
+                  <a:gd name="connsiteX6" fmla="*/ 202179 w 202179"/>
+                  <a:gd name="connsiteY6" fmla="*/ 475711 h 651389"/>
+                  <a:gd name="connsiteX7" fmla="*/ 74808 w 202179"/>
+                  <a:gd name="connsiteY7" fmla="*/ 651389 h 651389"/>
+                  <a:gd name="connsiteX8" fmla="*/ 62284 w 202179"/>
+                  <a:gd name="connsiteY8" fmla="*/ 448719 h 651389"/>
+                  <a:gd name="connsiteX0" fmla="*/ 62284 w 202179"/>
+                  <a:gd name="connsiteY0" fmla="*/ 448719 h 651389"/>
+                  <a:gd name="connsiteX1" fmla="*/ 115161 w 202179"/>
+                  <a:gd name="connsiteY1" fmla="*/ 505289 h 651389"/>
+                  <a:gd name="connsiteX2" fmla="*/ 136298 w 202179"/>
+                  <a:gd name="connsiteY2" fmla="*/ 168245 h 651389"/>
+                  <a:gd name="connsiteX3" fmla="*/ 1948 w 202179"/>
+                  <a:gd name="connsiteY3" fmla="*/ 0 h 651389"/>
+                  <a:gd name="connsiteX4" fmla="*/ 141674 w 202179"/>
+                  <a:gd name="connsiteY4" fmla="*/ 128344 h 651389"/>
+                  <a:gd name="connsiteX5" fmla="*/ 149879 w 202179"/>
+                  <a:gd name="connsiteY5" fmla="*/ 495068 h 651389"/>
+                  <a:gd name="connsiteX6" fmla="*/ 202179 w 202179"/>
+                  <a:gd name="connsiteY6" fmla="*/ 475711 h 651389"/>
+                  <a:gd name="connsiteX7" fmla="*/ 74808 w 202179"/>
+                  <a:gd name="connsiteY7" fmla="*/ 651389 h 651389"/>
+                  <a:gd name="connsiteX8" fmla="*/ 62284 w 202179"/>
+                  <a:gd name="connsiteY8" fmla="*/ 448719 h 651389"/>
+                  <a:gd name="connsiteX0" fmla="*/ 62284 w 202179"/>
+                  <a:gd name="connsiteY0" fmla="*/ 448719 h 651389"/>
+                  <a:gd name="connsiteX1" fmla="*/ 115161 w 202179"/>
+                  <a:gd name="connsiteY1" fmla="*/ 505289 h 651389"/>
+                  <a:gd name="connsiteX2" fmla="*/ 136298 w 202179"/>
+                  <a:gd name="connsiteY2" fmla="*/ 168245 h 651389"/>
+                  <a:gd name="connsiteX3" fmla="*/ 1948 w 202179"/>
+                  <a:gd name="connsiteY3" fmla="*/ 0 h 651389"/>
+                  <a:gd name="connsiteX4" fmla="*/ 141674 w 202179"/>
+                  <a:gd name="connsiteY4" fmla="*/ 128344 h 651389"/>
+                  <a:gd name="connsiteX5" fmla="*/ 135947 w 202179"/>
+                  <a:gd name="connsiteY5" fmla="*/ 513721 h 651389"/>
+                  <a:gd name="connsiteX6" fmla="*/ 202179 w 202179"/>
+                  <a:gd name="connsiteY6" fmla="*/ 475711 h 651389"/>
+                  <a:gd name="connsiteX7" fmla="*/ 74808 w 202179"/>
+                  <a:gd name="connsiteY7" fmla="*/ 651389 h 651389"/>
+                  <a:gd name="connsiteX8" fmla="*/ 62284 w 202179"/>
+                  <a:gd name="connsiteY8" fmla="*/ 448719 h 651389"/>
+                </a:gdLst>
+                <a:ahLst/>
+                <a:cxnLst>
+                  <a:cxn ang="0">
+                    <a:pos x="connsiteX0" y="connsiteY0"/>
+                  </a:cxn>
+                  <a:cxn ang="0">
+                    <a:pos x="connsiteX1" y="connsiteY1"/>
+                  </a:cxn>
+                  <a:cxn ang="0">
+                    <a:pos x="connsiteX2" y="connsiteY2"/>
+                  </a:cxn>
+                  <a:cxn ang="0">
+                    <a:pos x="connsiteX3" y="connsiteY3"/>
+                  </a:cxn>
+                  <a:cxn ang="0">
+                    <a:pos x="connsiteX4" y="connsiteY4"/>
+                  </a:cxn>
+                  <a:cxn ang="0">
+                    <a:pos x="connsiteX5" y="connsiteY5"/>
+                  </a:cxn>
+                  <a:cxn ang="0">
+                    <a:pos x="connsiteX6" y="connsiteY6"/>
+                  </a:cxn>
+                  <a:cxn ang="0">
+                    <a:pos x="connsiteX7" y="connsiteY7"/>
+                  </a:cxn>
+                  <a:cxn ang="0">
+                    <a:pos x="connsiteX8" y="connsiteY8"/>
+                  </a:cxn>
+                </a:cxnLst>
+                <a:rect l="l" t="t" r="r" b="b"/>
+                <a:pathLst>
+                  <a:path w="202179" h="651389">
+                    <a:moveTo>
+                      <a:pt x="62284" y="448719"/>
+                    </a:moveTo>
+                    <a:cubicBezTo>
+                      <a:pt x="79910" y="467576"/>
+                      <a:pt x="82313" y="490953"/>
+                      <a:pt x="115161" y="505289"/>
+                    </a:cubicBezTo>
+                    <a:cubicBezTo>
+                      <a:pt x="112897" y="472011"/>
+                      <a:pt x="155898" y="250952"/>
+                      <a:pt x="136298" y="168245"/>
+                    </a:cubicBezTo>
+                    <a:cubicBezTo>
+                      <a:pt x="116698" y="85538"/>
+                      <a:pt x="-17658" y="16981"/>
+                      <a:pt x="1948" y="0"/>
+                    </a:cubicBezTo>
+                    <a:cubicBezTo>
+                      <a:pt x="48523" y="42781"/>
+                      <a:pt x="108002" y="62276"/>
+                      <a:pt x="141674" y="128344"/>
+                    </a:cubicBezTo>
+                    <a:cubicBezTo>
+                      <a:pt x="189644" y="262987"/>
+                      <a:pt x="133212" y="391480"/>
+                      <a:pt x="135947" y="513721"/>
+                    </a:cubicBezTo>
+                    <a:cubicBezTo>
+                      <a:pt x="153509" y="522956"/>
+                      <a:pt x="184746" y="482163"/>
+                      <a:pt x="202179" y="475711"/>
+                    </a:cubicBezTo>
+                    <a:cubicBezTo>
+                      <a:pt x="152369" y="544116"/>
+                      <a:pt x="136357" y="595096"/>
+                      <a:pt x="74808" y="651389"/>
+                    </a:cubicBezTo>
+                    <a:cubicBezTo>
+                      <a:pt x="108544" y="576332"/>
+                      <a:pt x="82164" y="518418"/>
+                      <a:pt x="62284" y="448719"/>
+                    </a:cubicBezTo>
+                    <a:close/>
+                  </a:path>
+                </a:pathLst>
+              </a:custGeom>
+              <a:grpFill/>
+              <a:ln>
+                <a:noFill/>
+              </a:ln>
+            </p:spPr>
+            <p:style>
+              <a:lnRef idx="0">
+                <a:scrgbClr r="0" g="0" b="0"/>
+              </a:lnRef>
+              <a:fillRef idx="0">
+                <a:scrgbClr r="0" g="0" b="0"/>
+              </a:fillRef>
+              <a:effectRef idx="0">
+                <a:scrgbClr r="0" g="0" b="0"/>
+              </a:effectRef>
+              <a:fontRef idx="minor">
+                <a:schemeClr val="lt1"/>
+              </a:fontRef>
+            </p:style>
+            <p:txBody>
+              <a:bodyPr rtlCol="0" anchor="ctr"/>
+              <a:lstStyle/>
+              <a:p>
+                <a:pPr algn="ctr"/>
+                <a:endParaRPr lang="en-US" sz="1000">
+                  <a:solidFill>
+                    <a:schemeClr val="accent5">
+                      <a:lumMod val="75000"/>
+                    </a:schemeClr>
+                  </a:solidFill>
+                </a:endParaRPr>
+              </a:p>
+            </p:txBody>
+          </p:sp>
+          <mc:AlternateContent xmlns:mc="http://schemas.openxmlformats.org/markup-compatibility/2006">
+            <mc:Choice xmlns:a14="http://schemas.microsoft.com/office/drawing/2010/main" Requires="a14">
+              <p:sp>
+                <p:nvSpPr>
+                  <p:cNvPr id="47" name="TextBox 46">
+                    <a:extLst>
+                      <a:ext uri="{FF2B5EF4-FFF2-40B4-BE49-F238E27FC236}">
+                        <a16:creationId xmlns:a16="http://schemas.microsoft.com/office/drawing/2014/main" id="{56C3B18B-7437-4855-AFFB-1620402071FA}"/>
+                      </a:ext>
+                    </a:extLst>
+                  </p:cNvPr>
+                  <p:cNvSpPr txBox="1"/>
+                  <p:nvPr/>
+                </p:nvSpPr>
+                <p:spPr>
+                  <a:xfrm>
+                    <a:off x="5480862" y="2011073"/>
+                    <a:ext cx="2931034" cy="828337"/>
+                  </a:xfrm>
+                  <a:prstGeom prst="rect">
+                    <a:avLst/>
+                  </a:prstGeom>
+                  <a:grpFill/>
+                </p:spPr>
+                <p:txBody>
+                  <a:bodyPr wrap="none" rtlCol="0">
+                    <a:spAutoFit/>
+                  </a:bodyPr>
+                  <a:lstStyle/>
+                  <a:p>
+                    <a:r>
+                      <a:rPr lang="en-US" sz="1000" i="1" dirty="0"/>
+                      <a:t>Incompatibility</a:t>
+                    </a:r>
+                    <a:r>
+                      <a:rPr lang="en-US" sz="1000" b="1" dirty="0"/>
+                      <a:t> </a:t>
+                    </a:r>
+                    <a:r>
+                      <a:rPr lang="en-US" sz="1000" dirty="0">
+                        <a:solidFill>
+                          <a:schemeClr val="bg1">
+                            <a:lumMod val="50000"/>
+                          </a:schemeClr>
+                        </a:solidFill>
+                      </a:rPr>
+                      <a:t>with a </a:t>
+                    </a:r>
+                  </a:p>
+                  <a:p>
+                    <a:r>
+                      <a:rPr lang="en-US" sz="1000" dirty="0">
+                        <a:solidFill>
+                          <a:schemeClr val="bg1">
+                            <a:lumMod val="50000"/>
+                          </a:schemeClr>
+                        </a:solidFill>
+                      </a:rPr>
+                      <a:t>joint distribution </a:t>
+                    </a:r>
+                    <a14:m>
+                      <m:oMath xmlns:m="http://schemas.openxmlformats.org/officeDocument/2006/math">
+                        <m:r>
+                          <a:rPr lang="en-US" sz="1000" b="0" i="1" smtClean="0">
+                            <a:solidFill>
+                              <a:schemeClr val="bg1">
+                                <a:lumMod val="50000"/>
+                              </a:schemeClr>
+                            </a:solidFill>
+                            <a:latin typeface="Cambria Math" panose="02040503050406030204" pitchFamily="18" charset="0"/>
+                          </a:rPr>
+                          <m:t>𝜇</m:t>
+                        </m:r>
+                      </m:oMath>
+                    </a14:m>
+                    <a:endParaRPr lang="en-US" sz="1000" dirty="0">
+                      <a:solidFill>
+                        <a:schemeClr val="bg1">
+                          <a:lumMod val="50000"/>
+                        </a:schemeClr>
+                      </a:solidFill>
+                    </a:endParaRPr>
+                  </a:p>
+                </p:txBody>
+              </p:sp>
+            </mc:Choice>
+            <mc:Fallback>
+              <p:sp>
+                <p:nvSpPr>
+                  <p:cNvPr id="47" name="TextBox 46">
+                    <a:extLst>
+                      <a:ext uri="{FF2B5EF4-FFF2-40B4-BE49-F238E27FC236}">
+                        <a16:creationId xmlns:a16="http://schemas.microsoft.com/office/drawing/2014/main" id="{56C3B18B-7437-4855-AFFB-1620402071FA}"/>
+                      </a:ext>
+                    </a:extLst>
+                  </p:cNvPr>
+                  <p:cNvSpPr txBox="1">
+                    <a:spLocks noRot="1" noChangeAspect="1" noMove="1" noResize="1" noEditPoints="1" noAdjustHandles="1" noChangeArrowheads="1" noChangeShapeType="1" noTextEdit="1"/>
+                  </p:cNvSpPr>
+                  <p:nvPr/>
+                </p:nvSpPr>
+                <p:spPr>
+                  <a:xfrm>
+                    <a:off x="5480862" y="2011073"/>
+                    <a:ext cx="2931034" cy="828337"/>
+                  </a:xfrm>
+                  <a:prstGeom prst="rect">
+                    <a:avLst/>
+                  </a:prstGeom>
+                  <a:blipFill>
+                    <a:blip r:embed="rId17"/>
+                    <a:stretch>
+                      <a:fillRect b="-9231"/>
+                    </a:stretch>
+                  </a:blipFill>
+                </p:spPr>
+                <p:txBody>
+                  <a:bodyPr/>
+                  <a:lstStyle/>
+                  <a:p>
+                    <a:r>
+                      <a:rPr lang="en-US">
+                        <a:noFill/>
+                      </a:rPr>
+                      <a:t> </a:t>
+                    </a:r>
+                  </a:p>
+                </p:txBody>
+              </p:sp>
+            </mc:Fallback>
+          </mc:AlternateContent>
+          <mc:AlternateContent xmlns:mc="http://schemas.openxmlformats.org/markup-compatibility/2006">
+            <mc:Choice xmlns:a14="http://schemas.microsoft.com/office/drawing/2010/main" Requires="a14">
+              <p:sp>
+                <p:nvSpPr>
+                  <p:cNvPr id="48" name="TextBox 47">
+                    <a:extLst>
+                      <a:ext uri="{FF2B5EF4-FFF2-40B4-BE49-F238E27FC236}">
+                        <a16:creationId xmlns:a16="http://schemas.microsoft.com/office/drawing/2014/main" id="{2AF6DA00-A193-4C00-925C-9CB1E22B7EFD}"/>
+                      </a:ext>
+                    </a:extLst>
+                  </p:cNvPr>
+                  <p:cNvSpPr txBox="1"/>
+                  <p:nvPr/>
+                </p:nvSpPr>
+                <p:spPr>
+                  <a:xfrm>
+                    <a:off x="5607985" y="4315782"/>
+                    <a:ext cx="7418385" cy="509745"/>
+                  </a:xfrm>
+                  <a:prstGeom prst="rect">
+                    <a:avLst/>
+                  </a:prstGeom>
+                  <a:grpFill/>
+                </p:spPr>
+                <p:txBody>
+                  <a:bodyPr wrap="none" rtlCol="0">
+                    <a:spAutoFit/>
+                  </a:bodyPr>
+                  <a:lstStyle/>
+                  <a:p>
+                    <a:r>
+                      <a:rPr lang="en-US" sz="1000" i="1" dirty="0"/>
+                      <a:t>Inconsistency</a:t>
+                    </a:r>
+                    <a:r>
+                      <a:rPr lang="en-US" sz="1000" dirty="0"/>
+                      <a:t>: the smallest possible incompatibility with any </a:t>
+                    </a:r>
+                    <a14:m>
+                      <m:oMath xmlns:m="http://schemas.openxmlformats.org/officeDocument/2006/math">
+                        <m:r>
+                          <a:rPr lang="en-US" sz="1000" b="0" i="1" smtClean="0">
+                            <a:solidFill>
+                              <a:schemeClr val="tx1"/>
+                            </a:solidFill>
+                            <a:latin typeface="Cambria Math" panose="02040503050406030204" pitchFamily="18" charset="0"/>
+                          </a:rPr>
+                          <m:t>𝜇</m:t>
+                        </m:r>
+                      </m:oMath>
+                    </a14:m>
+                    <a:endParaRPr lang="en-US" sz="1000" dirty="0"/>
+                  </a:p>
+                </p:txBody>
+              </p:sp>
+            </mc:Choice>
+            <mc:Fallback>
+              <p:sp>
+                <p:nvSpPr>
+                  <p:cNvPr id="48" name="TextBox 47">
+                    <a:extLst>
+                      <a:ext uri="{FF2B5EF4-FFF2-40B4-BE49-F238E27FC236}">
+                        <a16:creationId xmlns:a16="http://schemas.microsoft.com/office/drawing/2014/main" id="{2AF6DA00-A193-4C00-925C-9CB1E22B7EFD}"/>
+                      </a:ext>
+                    </a:extLst>
+                  </p:cNvPr>
+                  <p:cNvSpPr txBox="1">
+                    <a:spLocks noRot="1" noChangeAspect="1" noMove="1" noResize="1" noEditPoints="1" noAdjustHandles="1" noChangeArrowheads="1" noChangeShapeType="1" noTextEdit="1"/>
+                  </p:cNvSpPr>
+                  <p:nvPr/>
+                </p:nvSpPr>
+                <p:spPr>
+                  <a:xfrm>
+                    <a:off x="5607985" y="4315782"/>
+                    <a:ext cx="7418385" cy="509745"/>
+                  </a:xfrm>
+                  <a:prstGeom prst="rect">
+                    <a:avLst/>
+                  </a:prstGeom>
+                  <a:blipFill>
+                    <a:blip r:embed="rId18"/>
+                    <a:stretch>
+                      <a:fillRect b="-14634"/>
+                    </a:stretch>
+                  </a:blipFill>
+                </p:spPr>
+                <p:txBody>
+                  <a:bodyPr/>
+                  <a:lstStyle/>
+                  <a:p>
+                    <a:r>
+                      <a:rPr lang="en-US">
+                        <a:noFill/>
+                      </a:rPr>
+                      <a:t> </a:t>
+                    </a:r>
+                  </a:p>
+                </p:txBody>
+              </p:sp>
+            </mc:Fallback>
+          </mc:AlternateContent>
+          <p:pic>
+            <p:nvPicPr>
+              <p:cNvPr id="49" name="Picture 48">
+                <a:extLst>
+                  <a:ext uri="{FF2B5EF4-FFF2-40B4-BE49-F238E27FC236}">
+                    <a16:creationId xmlns:a16="http://schemas.microsoft.com/office/drawing/2014/main" id="{B91647CD-9C0D-4F73-8888-9E54BD1CD82A}"/>
+                  </a:ext>
+                </a:extLst>
+              </p:cNvPr>
+              <p:cNvPicPr>
+                <a:picLocks noChangeAspect="1"/>
+              </p:cNvPicPr>
+              <p:nvPr/>
+            </p:nvPicPr>
+            <p:blipFill>
+              <a:blip r:embed="rId19">
+                <a:clrChange>
+                  <a:clrFrom>
+                    <a:srgbClr val="FFFFFF"/>
+                  </a:clrFrom>
+                  <a:clrTo>
+                    <a:srgbClr val="FFFFFF">
+                      <a:alpha val="0"/>
+                    </a:srgbClr>
+                  </a:clrTo>
+                </a:clrChange>
+              </a:blip>
+              <a:stretch>
+                <a:fillRect/>
+              </a:stretch>
+            </p:blipFill>
+            <p:spPr>
+              <a:xfrm>
+                <a:off x="6337681" y="4628428"/>
+                <a:ext cx="4045843" cy="950243"/>
+              </a:xfrm>
+              <a:prstGeom prst="rect">
+                <a:avLst/>
+              </a:prstGeom>
+              <a:grpFill/>
+            </p:spPr>
+          </p:pic>
+        </p:grpSp>
+        <p:sp>
+          <p:nvSpPr>
+            <p:cNvPr id="51" name="TextBox 50">
+              <a:extLst>
+                <a:ext uri="{FF2B5EF4-FFF2-40B4-BE49-F238E27FC236}">
+                  <a16:creationId xmlns:a16="http://schemas.microsoft.com/office/drawing/2014/main" id="{5D4C53BC-31CF-487B-AAF1-3B596B778CA7}"/>
+                </a:ext>
+              </a:extLst>
+            </p:cNvPr>
+            <p:cNvSpPr txBox="1"/>
+            <p:nvPr/>
+          </p:nvSpPr>
+          <p:spPr>
+            <a:xfrm>
+              <a:off x="6149969" y="2119653"/>
+              <a:ext cx="3180679" cy="369332"/>
+            </a:xfrm>
+            <a:prstGeom prst="rect">
+              <a:avLst/>
+            </a:prstGeom>
+            <a:grpFill/>
+          </p:spPr>
+          <p:txBody>
+            <a:bodyPr wrap="none" rtlCol="0">
+              <a:spAutoFit/>
+            </a:bodyPr>
+            <a:lstStyle/>
+            <a:p>
+              <a:r>
+                <a:rPr lang="en-US" b="1" dirty="0">
+                  <a:latin typeface="+mj-lt"/>
+                </a:rPr>
+                <a:t>PDG Semantics: Inconsistency.</a:t>
+              </a:r>
+            </a:p>
+          </p:txBody>
+        </p:sp>
+      </p:grpSp>
+      <p:pic>
+        <p:nvPicPr>
+          <p:cNvPr id="84" name="Picture 83">
+            <a:extLst>
+              <a:ext uri="{FF2B5EF4-FFF2-40B4-BE49-F238E27FC236}">
+                <a16:creationId xmlns:a16="http://schemas.microsoft.com/office/drawing/2014/main" id="{6878D07A-AD99-4420-871A-B07E7DAD489E}"/>
+              </a:ext>
+            </a:extLst>
+          </p:cNvPr>
+          <p:cNvPicPr>
+            <a:picLocks noChangeAspect="1"/>
+          </p:cNvPicPr>
+          <p:nvPr/>
+        </p:nvPicPr>
+        <p:blipFill>
+          <a:blip r:embed="rId20"/>
+          <a:stretch>
+            <a:fillRect/>
+          </a:stretch>
+        </p:blipFill>
+        <p:spPr>
+          <a:xfrm>
+            <a:off x="17487" y="23886"/>
+            <a:ext cx="5415755" cy="2314054"/>
+          </a:xfrm>
+          <a:prstGeom prst="rect">
+            <a:avLst/>
+          </a:prstGeom>
+        </p:spPr>
+      </p:pic>
+      <p:grpSp>
+        <p:nvGrpSpPr>
+          <p:cNvPr id="1031" name="Group 1030">
+            <a:extLst>
+              <a:ext uri="{FF2B5EF4-FFF2-40B4-BE49-F238E27FC236}">
+                <a16:creationId xmlns:a16="http://schemas.microsoft.com/office/drawing/2014/main" id="{956F035A-9FA5-430A-A3EE-CD189E4C25FD}"/>
+              </a:ext>
+            </a:extLst>
+          </p:cNvPr>
+          <p:cNvGrpSpPr/>
+          <p:nvPr/>
+        </p:nvGrpSpPr>
+        <p:grpSpPr>
+          <a:xfrm>
+            <a:off x="1569109" y="8997382"/>
+            <a:ext cx="7528431" cy="4081270"/>
+            <a:chOff x="6830701" y="6692919"/>
+            <a:chExt cx="7528431" cy="4081270"/>
+          </a:xfrm>
+        </p:grpSpPr>
+        <p:cxnSp>
+          <p:nvCxnSpPr>
+            <p:cNvPr id="87" name="Straight Arrow Connector 86">
+              <a:extLst>
+                <a:ext uri="{FF2B5EF4-FFF2-40B4-BE49-F238E27FC236}">
+                  <a16:creationId xmlns:a16="http://schemas.microsoft.com/office/drawing/2014/main" id="{C3741FFB-0AA5-4E12-B044-67E393232F9D}"/>
+                </a:ext>
+              </a:extLst>
+            </p:cNvPr>
+            <p:cNvCxnSpPr>
+              <a:cxnSpLocks/>
+            </p:cNvCxnSpPr>
+            <p:nvPr/>
+          </p:nvCxnSpPr>
+          <p:spPr>
+            <a:xfrm>
+              <a:off x="9873146" y="7636854"/>
+              <a:ext cx="905911" cy="1140238"/>
+            </a:xfrm>
+            <a:prstGeom prst="straightConnector1">
+              <a:avLst/>
+            </a:prstGeom>
+            <a:ln w="38100">
+              <a:tailEnd type="stealth" w="lg" len="med"/>
+            </a:ln>
+          </p:spPr>
+          <p:style>
+            <a:lnRef idx="3">
+              <a:schemeClr val="accent5"/>
+            </a:lnRef>
+            <a:fillRef idx="0">
+              <a:schemeClr val="accent5"/>
+            </a:fillRef>
+            <a:effectRef idx="2">
+              <a:schemeClr val="accent5"/>
+            </a:effectRef>
+            <a:fontRef idx="minor">
+              <a:schemeClr val="tx1"/>
+            </a:fontRef>
+          </p:style>
+        </p:cxnSp>
+        <p:cxnSp>
+          <p:nvCxnSpPr>
+            <p:cNvPr id="88" name="Straight Arrow Connector 87">
+              <a:extLst>
+                <a:ext uri="{FF2B5EF4-FFF2-40B4-BE49-F238E27FC236}">
+                  <a16:creationId xmlns:a16="http://schemas.microsoft.com/office/drawing/2014/main" id="{015AD1A8-0D9B-4D9F-9902-4AE21E892BF9}"/>
+                </a:ext>
+              </a:extLst>
+            </p:cNvPr>
+            <p:cNvCxnSpPr>
+              <a:cxnSpLocks/>
+            </p:cNvCxnSpPr>
+            <p:nvPr/>
+          </p:nvCxnSpPr>
+          <p:spPr>
+            <a:xfrm>
+              <a:off x="8353050" y="8914032"/>
+              <a:ext cx="1049456" cy="1051444"/>
+            </a:xfrm>
+            <a:prstGeom prst="straightConnector1">
+              <a:avLst/>
+            </a:prstGeom>
+            <a:ln w="38100">
+              <a:tailEnd type="stealth" w="lg" len="med"/>
+            </a:ln>
+          </p:spPr>
+          <p:style>
+            <a:lnRef idx="3">
+              <a:schemeClr val="accent5"/>
+            </a:lnRef>
+            <a:fillRef idx="0">
+              <a:schemeClr val="accent5"/>
+            </a:fillRef>
+            <a:effectRef idx="2">
+              <a:schemeClr val="accent5"/>
+            </a:effectRef>
+            <a:fontRef idx="minor">
+              <a:schemeClr val="tx1"/>
+            </a:fontRef>
+          </p:style>
+        </p:cxnSp>
+        <p:cxnSp>
+          <p:nvCxnSpPr>
+            <p:cNvPr id="89" name="Straight Arrow Connector 88">
+              <a:extLst>
+                <a:ext uri="{FF2B5EF4-FFF2-40B4-BE49-F238E27FC236}">
+                  <a16:creationId xmlns:a16="http://schemas.microsoft.com/office/drawing/2014/main" id="{70DDC1C2-1D78-46FF-B615-2901F0555DF2}"/>
+                </a:ext>
+              </a:extLst>
+            </p:cNvPr>
+            <p:cNvCxnSpPr>
+              <a:cxnSpLocks/>
+            </p:cNvCxnSpPr>
+            <p:nvPr/>
+          </p:nvCxnSpPr>
+          <p:spPr>
+            <a:xfrm flipV="1">
+              <a:off x="8412348" y="7599057"/>
+              <a:ext cx="1142913" cy="1005336"/>
+            </a:xfrm>
+            <a:prstGeom prst="straightConnector1">
+              <a:avLst/>
+            </a:prstGeom>
+            <a:ln w="38100">
+              <a:solidFill>
+                <a:schemeClr val="accent6">
+                  <a:lumMod val="75000"/>
+                </a:schemeClr>
+              </a:solidFill>
+              <a:tailEnd type="stealth" w="lg" len="med"/>
+            </a:ln>
+          </p:spPr>
+          <p:style>
+            <a:lnRef idx="3">
+              <a:schemeClr val="accent5"/>
+            </a:lnRef>
+            <a:fillRef idx="0">
+              <a:schemeClr val="accent5"/>
+            </a:fillRef>
+            <a:effectRef idx="2">
+              <a:schemeClr val="accent5"/>
+            </a:effectRef>
+            <a:fontRef idx="minor">
+              <a:schemeClr val="tx1"/>
+            </a:fontRef>
+          </p:style>
+        </p:cxnSp>
+        <p:sp>
+          <p:nvSpPr>
+            <p:cNvPr id="90" name="TextBox 89">
+              <a:extLst>
+                <a:ext uri="{FF2B5EF4-FFF2-40B4-BE49-F238E27FC236}">
+                  <a16:creationId xmlns:a16="http://schemas.microsoft.com/office/drawing/2014/main" id="{9A76A7F7-2AED-4810-B7E5-813B8A036328}"/>
+                </a:ext>
+              </a:extLst>
+            </p:cNvPr>
+            <p:cNvSpPr txBox="1"/>
+            <p:nvPr/>
+          </p:nvSpPr>
+          <p:spPr>
+            <a:xfrm rot="2703384">
+              <a:off x="8022223" y="9374600"/>
+              <a:ext cx="1271502" cy="246221"/>
+            </a:xfrm>
+            <a:prstGeom prst="rect">
+              <a:avLst/>
+            </a:prstGeom>
+            <a:noFill/>
+          </p:spPr>
+          <p:txBody>
+            <a:bodyPr wrap="none" rtlCol="0">
+              <a:spAutoFit/>
+            </a:bodyPr>
+            <a:lstStyle/>
+            <a:p>
+              <a:r>
+                <a:rPr lang="en-US" sz="1000" dirty="0"/>
+                <a:t>+ conditional model</a:t>
+              </a:r>
+              <a:endParaRPr lang="en-US" sz="1100" dirty="0"/>
+            </a:p>
+          </p:txBody>
+        </p:sp>
+        <p:sp>
+          <p:nvSpPr>
+            <p:cNvPr id="91" name="TextBox 90">
+              <a:extLst>
+                <a:ext uri="{FF2B5EF4-FFF2-40B4-BE49-F238E27FC236}">
+                  <a16:creationId xmlns:a16="http://schemas.microsoft.com/office/drawing/2014/main" id="{92395DDC-24E7-4E26-B38F-F46518D2F368}"/>
+                </a:ext>
+              </a:extLst>
+            </p:cNvPr>
+            <p:cNvSpPr txBox="1"/>
+            <p:nvPr/>
+          </p:nvSpPr>
+          <p:spPr>
+            <a:xfrm rot="308301">
+              <a:off x="8595012" y="8582289"/>
+              <a:ext cx="1223442" cy="246221"/>
+            </a:xfrm>
+            <a:prstGeom prst="rect">
+              <a:avLst/>
+            </a:prstGeom>
+            <a:noFill/>
+          </p:spPr>
+          <p:txBody>
+            <a:bodyPr wrap="square" rtlCol="0">
+              <a:spAutoFit/>
+            </a:bodyPr>
+            <a:lstStyle/>
+            <a:p>
+              <a:r>
+                <a:rPr lang="en-US" sz="1000" dirty="0"/>
+                <a:t>+latent variables</a:t>
+              </a:r>
+            </a:p>
+          </p:txBody>
+        </p:sp>
+        <p:sp>
+          <p:nvSpPr>
+            <p:cNvPr id="92" name="TextBox 91">
+              <a:extLst>
+                <a:ext uri="{FF2B5EF4-FFF2-40B4-BE49-F238E27FC236}">
+                  <a16:creationId xmlns:a16="http://schemas.microsoft.com/office/drawing/2014/main" id="{9E5D94AC-4438-4BD8-8A5A-A3C42476C252}"/>
+                </a:ext>
+              </a:extLst>
+            </p:cNvPr>
+            <p:cNvSpPr txBox="1"/>
+            <p:nvPr/>
+          </p:nvSpPr>
+          <p:spPr>
+            <a:xfrm rot="19072870">
+              <a:off x="8183268" y="8007055"/>
+              <a:ext cx="1123658" cy="246221"/>
+            </a:xfrm>
+            <a:prstGeom prst="rect">
+              <a:avLst/>
+            </a:prstGeom>
+            <a:noFill/>
+          </p:spPr>
+          <p:txBody>
+            <a:bodyPr wrap="square" rtlCol="0">
+              <a:spAutoFit/>
+            </a:bodyPr>
+            <a:lstStyle/>
+            <a:p>
+              <a:r>
+                <a:rPr lang="en-US" sz="1000" dirty="0"/>
+                <a:t>+ multi-sample</a:t>
+              </a:r>
+            </a:p>
+          </p:txBody>
+        </p:sp>
+        <p:cxnSp>
+          <p:nvCxnSpPr>
+            <p:cNvPr id="95" name="Straight Arrow Connector 94">
+              <a:extLst>
+                <a:ext uri="{FF2B5EF4-FFF2-40B4-BE49-F238E27FC236}">
+                  <a16:creationId xmlns:a16="http://schemas.microsoft.com/office/drawing/2014/main" id="{C2C2FB84-E7A1-4AD0-B7F8-DD168C64C656}"/>
+                </a:ext>
+              </a:extLst>
+            </p:cNvPr>
+            <p:cNvCxnSpPr>
+              <a:cxnSpLocks/>
+            </p:cNvCxnSpPr>
+            <p:nvPr/>
+          </p:nvCxnSpPr>
+          <p:spPr>
+            <a:xfrm>
+              <a:off x="9924081" y="7485604"/>
+              <a:ext cx="1221872" cy="44616"/>
+            </a:xfrm>
+            <a:prstGeom prst="straightConnector1">
+              <a:avLst/>
+            </a:prstGeom>
+            <a:ln w="38100">
+              <a:solidFill>
+                <a:schemeClr val="accent4">
+                  <a:lumMod val="75000"/>
+                </a:schemeClr>
+              </a:solidFill>
+              <a:tailEnd type="stealth" w="lg" len="med"/>
+            </a:ln>
+          </p:spPr>
+          <p:style>
+            <a:lnRef idx="3">
+              <a:schemeClr val="accent5"/>
+            </a:lnRef>
+            <a:fillRef idx="0">
+              <a:schemeClr val="accent5"/>
+            </a:fillRef>
+            <a:effectRef idx="2">
+              <a:schemeClr val="accent5"/>
+            </a:effectRef>
+            <a:fontRef idx="minor">
+              <a:schemeClr val="tx1"/>
+            </a:fontRef>
+          </p:style>
+        </p:cxnSp>
+        <p:cxnSp>
+          <p:nvCxnSpPr>
+            <p:cNvPr id="96" name="Straight Arrow Connector 95">
+              <a:extLst>
+                <a:ext uri="{FF2B5EF4-FFF2-40B4-BE49-F238E27FC236}">
+                  <a16:creationId xmlns:a16="http://schemas.microsoft.com/office/drawing/2014/main" id="{F94226E5-5DD5-4772-B866-8CE1DC54D875}"/>
+                </a:ext>
+              </a:extLst>
+            </p:cNvPr>
+            <p:cNvCxnSpPr>
+              <a:cxnSpLocks/>
+            </p:cNvCxnSpPr>
+            <p:nvPr/>
+          </p:nvCxnSpPr>
+          <p:spPr>
+            <a:xfrm>
+              <a:off x="8491007" y="8767299"/>
+              <a:ext cx="1286545" cy="104206"/>
+            </a:xfrm>
+            <a:prstGeom prst="straightConnector1">
+              <a:avLst/>
+            </a:prstGeom>
+            <a:ln w="38100">
+              <a:solidFill>
+                <a:schemeClr val="accent4">
+                  <a:lumMod val="75000"/>
+                </a:schemeClr>
+              </a:solidFill>
+              <a:tailEnd type="stealth" w="lg" len="med"/>
+            </a:ln>
+          </p:spPr>
+          <p:style>
+            <a:lnRef idx="3">
+              <a:schemeClr val="accent5"/>
+            </a:lnRef>
+            <a:fillRef idx="0">
+              <a:schemeClr val="accent5"/>
+            </a:fillRef>
+            <a:effectRef idx="2">
+              <a:schemeClr val="accent5"/>
+            </a:effectRef>
+            <a:fontRef idx="minor">
+              <a:schemeClr val="tx1"/>
+            </a:fontRef>
+          </p:style>
+        </p:cxnSp>
+        <p:pic>
+          <p:nvPicPr>
+            <p:cNvPr id="97" name="Picture 96">
+              <a:extLst>
+                <a:ext uri="{FF2B5EF4-FFF2-40B4-BE49-F238E27FC236}">
+                  <a16:creationId xmlns:a16="http://schemas.microsoft.com/office/drawing/2014/main" id="{3CE06184-2BDD-4E96-9916-92EAD891171E}"/>
+                </a:ext>
+              </a:extLst>
+            </p:cNvPr>
+            <p:cNvPicPr>
+              <a:picLocks noChangeAspect="1"/>
+            </p:cNvPicPr>
+            <p:nvPr/>
+          </p:nvPicPr>
+          <p:blipFill>
+            <a:blip r:embed="rId21">
+              <a:clrChange>
+                <a:clrFrom>
+                  <a:srgbClr val="FFFFFF"/>
+                </a:clrFrom>
+                <a:clrTo>
+                  <a:srgbClr val="FFFFFF">
+                    <a:alpha val="0"/>
+                  </a:srgbClr>
+                </a:clrTo>
+              </a:clrChange>
+            </a:blip>
+            <a:stretch>
+              <a:fillRect/>
+            </a:stretch>
+          </p:blipFill>
+          <p:spPr>
+            <a:xfrm>
+              <a:off x="6988589" y="8475451"/>
+              <a:ext cx="1077008" cy="386355"/>
+            </a:xfrm>
+            <a:prstGeom prst="rect">
+              <a:avLst/>
+            </a:prstGeom>
+          </p:spPr>
+        </p:pic>
+        <p:cxnSp>
+          <p:nvCxnSpPr>
+            <p:cNvPr id="98" name="Straight Arrow Connector 97">
+              <a:extLst>
+                <a:ext uri="{FF2B5EF4-FFF2-40B4-BE49-F238E27FC236}">
+                  <a16:creationId xmlns:a16="http://schemas.microsoft.com/office/drawing/2014/main" id="{B9527430-3B6F-4DC2-8CDD-E97B542E176B}"/>
+                </a:ext>
+              </a:extLst>
+            </p:cNvPr>
+            <p:cNvCxnSpPr>
+              <a:cxnSpLocks/>
+            </p:cNvCxnSpPr>
+            <p:nvPr/>
+          </p:nvCxnSpPr>
+          <p:spPr>
+            <a:xfrm flipV="1">
+              <a:off x="10165219" y="7658162"/>
+              <a:ext cx="1101211" cy="1122960"/>
+            </a:xfrm>
+            <a:prstGeom prst="straightConnector1">
+              <a:avLst/>
+            </a:prstGeom>
+            <a:ln w="38100">
+              <a:solidFill>
+                <a:schemeClr val="accent6">
+                  <a:lumMod val="75000"/>
+                </a:schemeClr>
+              </a:solidFill>
+              <a:tailEnd type="stealth" w="lg" len="med"/>
+            </a:ln>
+            <a:effectLst>
+              <a:glow rad="254000">
+                <a:schemeClr val="bg1"/>
+              </a:glow>
+            </a:effectLst>
+          </p:spPr>
+          <p:style>
+            <a:lnRef idx="3">
+              <a:schemeClr val="accent5"/>
+            </a:lnRef>
+            <a:fillRef idx="0">
+              <a:schemeClr val="accent5"/>
+            </a:fillRef>
+            <a:effectRef idx="2">
+              <a:schemeClr val="accent5"/>
+            </a:effectRef>
+            <a:fontRef idx="minor">
+              <a:schemeClr val="tx1"/>
+            </a:fontRef>
+          </p:style>
+        </p:cxnSp>
+        <p:cxnSp>
+          <p:nvCxnSpPr>
+            <p:cNvPr id="99" name="Straight Arrow Connector 98">
+              <a:extLst>
+                <a:ext uri="{FF2B5EF4-FFF2-40B4-BE49-F238E27FC236}">
+                  <a16:creationId xmlns:a16="http://schemas.microsoft.com/office/drawing/2014/main" id="{703DA876-B006-4206-9034-63002519F626}"/>
+                </a:ext>
+              </a:extLst>
+            </p:cNvPr>
+            <p:cNvCxnSpPr>
+              <a:cxnSpLocks/>
+            </p:cNvCxnSpPr>
+            <p:nvPr/>
+          </p:nvCxnSpPr>
+          <p:spPr>
+            <a:xfrm>
+              <a:off x="9777552" y="10145014"/>
+              <a:ext cx="1060533" cy="77016"/>
+            </a:xfrm>
+            <a:prstGeom prst="straightConnector1">
+              <a:avLst/>
+            </a:prstGeom>
+            <a:ln w="38100">
+              <a:solidFill>
+                <a:schemeClr val="accent4">
+                  <a:lumMod val="75000"/>
+                </a:schemeClr>
+              </a:solidFill>
+              <a:tailEnd type="stealth" w="lg" len="med"/>
+            </a:ln>
+          </p:spPr>
+          <p:style>
+            <a:lnRef idx="3">
+              <a:schemeClr val="accent5"/>
+            </a:lnRef>
+            <a:fillRef idx="0">
+              <a:schemeClr val="accent5"/>
+            </a:fillRef>
+            <a:effectRef idx="2">
+              <a:schemeClr val="accent5"/>
+            </a:effectRef>
+            <a:fontRef idx="minor">
+              <a:schemeClr val="tx1"/>
+            </a:fontRef>
+          </p:style>
+        </p:cxnSp>
+        <p:cxnSp>
+          <p:nvCxnSpPr>
+            <p:cNvPr id="100" name="Straight Arrow Connector 99">
+              <a:extLst>
+                <a:ext uri="{FF2B5EF4-FFF2-40B4-BE49-F238E27FC236}">
+                  <a16:creationId xmlns:a16="http://schemas.microsoft.com/office/drawing/2014/main" id="{A62CC9EC-3A50-498B-AE83-40E5EB688B7E}"/>
+                </a:ext>
+              </a:extLst>
+            </p:cNvPr>
+            <p:cNvCxnSpPr>
+              <a:cxnSpLocks/>
+            </p:cNvCxnSpPr>
+            <p:nvPr/>
+          </p:nvCxnSpPr>
+          <p:spPr>
+            <a:xfrm>
+              <a:off x="11494009" y="7735385"/>
+              <a:ext cx="654494" cy="992313"/>
+            </a:xfrm>
+            <a:prstGeom prst="straightConnector1">
+              <a:avLst/>
+            </a:prstGeom>
+            <a:ln w="38100">
+              <a:tailEnd type="stealth" w="lg" len="med"/>
+            </a:ln>
+          </p:spPr>
+          <p:style>
+            <a:lnRef idx="3">
+              <a:schemeClr val="accent5"/>
+            </a:lnRef>
+            <a:fillRef idx="0">
+              <a:schemeClr val="accent5"/>
+            </a:fillRef>
+            <a:effectRef idx="2">
+              <a:schemeClr val="accent5"/>
+            </a:effectRef>
+            <a:fontRef idx="minor">
+              <a:schemeClr val="tx1"/>
+            </a:fontRef>
+          </p:style>
+        </p:cxnSp>
+        <p:cxnSp>
+          <p:nvCxnSpPr>
+            <p:cNvPr id="101" name="Straight Arrow Connector 100">
+              <a:extLst>
+                <a:ext uri="{FF2B5EF4-FFF2-40B4-BE49-F238E27FC236}">
+                  <a16:creationId xmlns:a16="http://schemas.microsoft.com/office/drawing/2014/main" id="{45ACA1D4-8C46-4C0D-921D-CE7ABE16AD80}"/>
+                </a:ext>
+              </a:extLst>
+            </p:cNvPr>
+            <p:cNvCxnSpPr>
+              <a:cxnSpLocks/>
+            </p:cNvCxnSpPr>
+            <p:nvPr/>
+          </p:nvCxnSpPr>
+          <p:spPr>
+            <a:xfrm flipV="1">
+              <a:off x="9706585" y="9040000"/>
+              <a:ext cx="1033928" cy="946260"/>
+            </a:xfrm>
+            <a:prstGeom prst="straightConnector1">
+              <a:avLst/>
+            </a:prstGeom>
+            <a:ln w="38100">
+              <a:solidFill>
+                <a:schemeClr val="accent6">
+                  <a:lumMod val="75000"/>
+                </a:schemeClr>
+              </a:solidFill>
+              <a:tailEnd type="stealth" w="lg" len="med"/>
+            </a:ln>
+          </p:spPr>
+          <p:style>
+            <a:lnRef idx="3">
+              <a:schemeClr val="accent5"/>
+            </a:lnRef>
+            <a:fillRef idx="0">
+              <a:schemeClr val="accent5"/>
+            </a:fillRef>
+            <a:effectRef idx="2">
+              <a:schemeClr val="accent5"/>
+            </a:effectRef>
+            <a:fontRef idx="minor">
+              <a:schemeClr val="tx1"/>
+            </a:fontRef>
+          </p:style>
+        </p:cxnSp>
+        <p:cxnSp>
+          <p:nvCxnSpPr>
+            <p:cNvPr id="102" name="Straight Arrow Connector 101">
+              <a:extLst>
+                <a:ext uri="{FF2B5EF4-FFF2-40B4-BE49-F238E27FC236}">
+                  <a16:creationId xmlns:a16="http://schemas.microsoft.com/office/drawing/2014/main" id="{2906D965-CD9D-48DD-82C6-558E95E63601}"/>
+                </a:ext>
+              </a:extLst>
+            </p:cNvPr>
+            <p:cNvCxnSpPr>
+              <a:cxnSpLocks/>
+            </p:cNvCxnSpPr>
+            <p:nvPr/>
+          </p:nvCxnSpPr>
+          <p:spPr>
+            <a:xfrm>
+              <a:off x="11114191" y="8909327"/>
+              <a:ext cx="905458" cy="40542"/>
+            </a:xfrm>
+            <a:prstGeom prst="straightConnector1">
+              <a:avLst/>
+            </a:prstGeom>
+            <a:ln w="38100">
+              <a:solidFill>
+                <a:schemeClr val="accent4">
+                  <a:lumMod val="75000"/>
+                </a:schemeClr>
+              </a:solidFill>
+              <a:tailEnd type="stealth" w="lg" len="med"/>
+            </a:ln>
+          </p:spPr>
+          <p:style>
+            <a:lnRef idx="3">
+              <a:schemeClr val="accent5"/>
+            </a:lnRef>
+            <a:fillRef idx="0">
+              <a:schemeClr val="accent5"/>
+            </a:fillRef>
+            <a:effectRef idx="2">
+              <a:schemeClr val="accent5"/>
+            </a:effectRef>
+            <a:fontRef idx="minor">
+              <a:schemeClr val="tx1"/>
+            </a:fontRef>
+          </p:style>
+        </p:cxnSp>
+        <p:cxnSp>
+          <p:nvCxnSpPr>
+            <p:cNvPr id="103" name="Straight Arrow Connector 102">
+              <a:extLst>
+                <a:ext uri="{FF2B5EF4-FFF2-40B4-BE49-F238E27FC236}">
+                  <a16:creationId xmlns:a16="http://schemas.microsoft.com/office/drawing/2014/main" id="{E4D104F2-8AA7-495B-8177-CB301D7C3B40}"/>
+                </a:ext>
+              </a:extLst>
+            </p:cNvPr>
+            <p:cNvCxnSpPr>
+              <a:cxnSpLocks/>
+            </p:cNvCxnSpPr>
+            <p:nvPr/>
+          </p:nvCxnSpPr>
+          <p:spPr>
+            <a:xfrm flipV="1">
+              <a:off x="11231795" y="9066887"/>
+              <a:ext cx="921310" cy="1015236"/>
+            </a:xfrm>
+            <a:prstGeom prst="straightConnector1">
+              <a:avLst/>
+            </a:prstGeom>
+            <a:ln w="38100">
+              <a:solidFill>
+                <a:schemeClr val="accent6">
+                  <a:lumMod val="75000"/>
+                </a:schemeClr>
+              </a:solidFill>
+              <a:tailEnd type="stealth" w="lg" len="med"/>
+            </a:ln>
+          </p:spPr>
+          <p:style>
+            <a:lnRef idx="3">
+              <a:schemeClr val="accent5"/>
+            </a:lnRef>
+            <a:fillRef idx="0">
+              <a:schemeClr val="accent5"/>
+            </a:fillRef>
+            <a:effectRef idx="2">
+              <a:schemeClr val="accent5"/>
+            </a:effectRef>
+            <a:fontRef idx="minor">
+              <a:schemeClr val="tx1"/>
+            </a:fontRef>
+          </p:style>
+        </p:cxnSp>
+        <p:cxnSp>
+          <p:nvCxnSpPr>
+            <p:cNvPr id="104" name="Straight Arrow Connector 103">
+              <a:extLst>
+                <a:ext uri="{FF2B5EF4-FFF2-40B4-BE49-F238E27FC236}">
+                  <a16:creationId xmlns:a16="http://schemas.microsoft.com/office/drawing/2014/main" id="{C29FAA8A-38C3-4A95-9338-C976DB44B045}"/>
+                </a:ext>
+              </a:extLst>
+            </p:cNvPr>
+            <p:cNvCxnSpPr>
+              <a:cxnSpLocks/>
+            </p:cNvCxnSpPr>
+            <p:nvPr/>
+          </p:nvCxnSpPr>
+          <p:spPr>
+            <a:xfrm>
+              <a:off x="10121265" y="9074242"/>
+              <a:ext cx="818429" cy="964138"/>
+            </a:xfrm>
+            <a:prstGeom prst="straightConnector1">
+              <a:avLst/>
+            </a:prstGeom>
+            <a:ln w="38100">
+              <a:tailEnd type="stealth" w="lg" len="med"/>
+            </a:ln>
+            <a:effectLst>
+              <a:glow rad="254000">
+                <a:schemeClr val="bg1"/>
+              </a:glow>
+            </a:effectLst>
+          </p:spPr>
+          <p:style>
+            <a:lnRef idx="3">
+              <a:schemeClr val="accent5"/>
+            </a:lnRef>
+            <a:fillRef idx="0">
+              <a:schemeClr val="accent5"/>
+            </a:fillRef>
+            <a:effectRef idx="2">
+              <a:schemeClr val="accent5"/>
+            </a:effectRef>
+            <a:fontRef idx="minor">
+              <a:schemeClr val="tx1"/>
+            </a:fontRef>
+          </p:style>
+        </p:cxnSp>
+        <p:pic>
+          <p:nvPicPr>
+            <p:cNvPr id="106" name="Picture 105">
+              <a:extLst>
+                <a:ext uri="{FF2B5EF4-FFF2-40B4-BE49-F238E27FC236}">
+                  <a16:creationId xmlns:a16="http://schemas.microsoft.com/office/drawing/2014/main" id="{CF1AA4A8-9770-4A1D-BBC4-4D4CD5F3CABE}"/>
+                </a:ext>
+              </a:extLst>
+            </p:cNvPr>
+            <p:cNvPicPr>
+              <a:picLocks noChangeAspect="1"/>
+            </p:cNvPicPr>
+            <p:nvPr/>
+          </p:nvPicPr>
+          <p:blipFill>
+            <a:blip r:embed="rId22">
+              <a:clrChange>
+                <a:clrFrom>
+                  <a:srgbClr val="FFFFFF"/>
+                </a:clrFrom>
+                <a:clrTo>
+                  <a:srgbClr val="FFFFFF">
+                    <a:alpha val="0"/>
+                  </a:srgbClr>
+                </a:clrTo>
+              </a:clrChange>
+            </a:blip>
+            <a:stretch>
+              <a:fillRect/>
+            </a:stretch>
+          </p:blipFill>
+          <p:spPr>
+            <a:xfrm>
+              <a:off x="11647966" y="7154890"/>
+              <a:ext cx="1107775" cy="503897"/>
+            </a:xfrm>
+            <a:prstGeom prst="rect">
+              <a:avLst/>
+            </a:prstGeom>
+          </p:spPr>
+        </p:pic>
+        <p:pic>
+          <p:nvPicPr>
+            <p:cNvPr id="107" name="Picture 106">
+              <a:extLst>
+                <a:ext uri="{FF2B5EF4-FFF2-40B4-BE49-F238E27FC236}">
+                  <a16:creationId xmlns:a16="http://schemas.microsoft.com/office/drawing/2014/main" id="{B66BA9B9-8D47-47CC-B4EB-D010A3872AC7}"/>
+                </a:ext>
+              </a:extLst>
+            </p:cNvPr>
+            <p:cNvPicPr>
+              <a:picLocks noChangeAspect="1"/>
+            </p:cNvPicPr>
+            <p:nvPr/>
+          </p:nvPicPr>
+          <p:blipFill>
+            <a:blip r:embed="rId23">
+              <a:clrChange>
+                <a:clrFrom>
+                  <a:srgbClr val="FFFFFF"/>
+                </a:clrFrom>
+                <a:clrTo>
+                  <a:srgbClr val="FFFFFF">
+                    <a:alpha val="0"/>
+                  </a:srgbClr>
+                </a:clrTo>
+              </a:clrChange>
+            </a:blip>
+            <a:stretch>
+              <a:fillRect/>
+            </a:stretch>
+          </p:blipFill>
+          <p:spPr>
+            <a:xfrm>
+              <a:off x="12860145" y="8510442"/>
+              <a:ext cx="1213834" cy="581329"/>
+            </a:xfrm>
+            <a:prstGeom prst="rect">
+              <a:avLst/>
+            </a:prstGeom>
+          </p:spPr>
+        </p:pic>
+        <p:pic>
+          <p:nvPicPr>
+            <p:cNvPr id="108" name="Picture 107">
+              <a:extLst>
+                <a:ext uri="{FF2B5EF4-FFF2-40B4-BE49-F238E27FC236}">
+                  <a16:creationId xmlns:a16="http://schemas.microsoft.com/office/drawing/2014/main" id="{A37843F4-4BCE-4460-B0AE-557B2C135DF3}"/>
+                </a:ext>
+              </a:extLst>
+            </p:cNvPr>
+            <p:cNvPicPr>
+              <a:picLocks noChangeAspect="1"/>
+            </p:cNvPicPr>
+            <p:nvPr/>
+          </p:nvPicPr>
+          <p:blipFill>
+            <a:blip r:embed="rId24">
+              <a:clrChange>
+                <a:clrFrom>
+                  <a:srgbClr val="FFFFFF"/>
+                </a:clrFrom>
+                <a:clrTo>
+                  <a:srgbClr val="FFFFFF">
+                    <a:alpha val="0"/>
+                  </a:srgbClr>
+                </a:clrTo>
+              </a:clrChange>
+            </a:blip>
+            <a:stretch>
+              <a:fillRect/>
+            </a:stretch>
+          </p:blipFill>
+          <p:spPr>
+            <a:xfrm>
+              <a:off x="11566920" y="10153100"/>
+              <a:ext cx="1186943" cy="574262"/>
+            </a:xfrm>
+            <a:prstGeom prst="rect">
+              <a:avLst/>
+            </a:prstGeom>
+          </p:spPr>
+        </p:pic>
+        <p:pic>
+          <p:nvPicPr>
+            <p:cNvPr id="109" name="Picture 108">
+              <a:extLst>
+                <a:ext uri="{FF2B5EF4-FFF2-40B4-BE49-F238E27FC236}">
+                  <a16:creationId xmlns:a16="http://schemas.microsoft.com/office/drawing/2014/main" id="{D30E9DD9-01FD-4E01-8329-90CE54B14D10}"/>
+                </a:ext>
+              </a:extLst>
+            </p:cNvPr>
+            <p:cNvPicPr>
+              <a:picLocks noChangeAspect="1"/>
+            </p:cNvPicPr>
+            <p:nvPr/>
+          </p:nvPicPr>
+          <p:blipFill>
+            <a:blip r:embed="rId25">
+              <a:clrChange>
+                <a:clrFrom>
+                  <a:srgbClr val="FFFFFF"/>
+                </a:clrFrom>
+                <a:clrTo>
+                  <a:srgbClr val="FFFFFF">
+                    <a:alpha val="0"/>
+                  </a:srgbClr>
+                </a:clrTo>
+              </a:clrChange>
+            </a:blip>
+            <a:stretch>
+              <a:fillRect/>
+            </a:stretch>
+          </p:blipFill>
+          <p:spPr>
+            <a:xfrm>
+              <a:off x="8383768" y="10380784"/>
+              <a:ext cx="1606799" cy="393405"/>
+            </a:xfrm>
+            <a:prstGeom prst="rect">
+              <a:avLst/>
+            </a:prstGeom>
+          </p:spPr>
+        </p:pic>
+        <p:sp>
+          <p:nvSpPr>
+            <p:cNvPr id="110" name="Oval 109">
+              <a:extLst>
+                <a:ext uri="{FF2B5EF4-FFF2-40B4-BE49-F238E27FC236}">
+                  <a16:creationId xmlns:a16="http://schemas.microsoft.com/office/drawing/2014/main" id="{F9FC1555-F5D0-4700-845D-7FC3E9226A55}"/>
+                </a:ext>
+              </a:extLst>
+            </p:cNvPr>
+            <p:cNvSpPr/>
+            <p:nvPr/>
+          </p:nvSpPr>
+          <p:spPr>
+            <a:xfrm>
+              <a:off x="8145737" y="8622161"/>
+              <a:ext cx="229561" cy="229561"/>
+            </a:xfrm>
+            <a:prstGeom prst="ellipse">
+              <a:avLst/>
+            </a:prstGeom>
+            <a:ln/>
+          </p:spPr>
+          <p:style>
+            <a:lnRef idx="2">
+              <a:schemeClr val="dk1">
+                <a:shade val="50000"/>
+              </a:schemeClr>
+            </a:lnRef>
+            <a:fillRef idx="1">
+              <a:schemeClr val="dk1"/>
+            </a:fillRef>
+            <a:effectRef idx="0">
+              <a:schemeClr val="dk1"/>
+            </a:effectRef>
+            <a:fontRef idx="minor">
+              <a:schemeClr val="lt1"/>
+            </a:fontRef>
+          </p:style>
+          <p:txBody>
+            <a:bodyPr rtlCol="0" anchor="ctr"/>
+            <a:lstStyle/>
+            <a:p>
+              <a:pPr algn="ctr"/>
+              <a:endParaRPr lang="en-US" sz="1100"/>
+            </a:p>
+          </p:txBody>
+        </p:sp>
+        <p:sp>
+          <p:nvSpPr>
+            <p:cNvPr id="111" name="Oval 110">
+              <a:extLst>
+                <a:ext uri="{FF2B5EF4-FFF2-40B4-BE49-F238E27FC236}">
+                  <a16:creationId xmlns:a16="http://schemas.microsoft.com/office/drawing/2014/main" id="{34901794-4A27-4DCE-9860-04D388F7ED32}"/>
+                </a:ext>
+              </a:extLst>
+            </p:cNvPr>
+            <p:cNvSpPr/>
+            <p:nvPr/>
+          </p:nvSpPr>
+          <p:spPr>
+            <a:xfrm>
+              <a:off x="9547991" y="7325758"/>
+              <a:ext cx="229561" cy="229561"/>
+            </a:xfrm>
+            <a:prstGeom prst="ellipse">
+              <a:avLst/>
+            </a:prstGeom>
+            <a:ln/>
+          </p:spPr>
+          <p:style>
+            <a:lnRef idx="2">
+              <a:schemeClr val="dk1">
+                <a:shade val="50000"/>
+              </a:schemeClr>
+            </a:lnRef>
+            <a:fillRef idx="1">
+              <a:schemeClr val="dk1"/>
+            </a:fillRef>
+            <a:effectRef idx="0">
+              <a:schemeClr val="dk1"/>
+            </a:effectRef>
+            <a:fontRef idx="minor">
+              <a:schemeClr val="lt1"/>
+            </a:fontRef>
+          </p:style>
+          <p:txBody>
+            <a:bodyPr rtlCol="0" anchor="ctr"/>
+            <a:lstStyle/>
+            <a:p>
+              <a:pPr algn="ctr"/>
+              <a:endParaRPr lang="en-US" sz="1100"/>
+            </a:p>
+          </p:txBody>
+        </p:sp>
+        <p:sp>
+          <p:nvSpPr>
+            <p:cNvPr id="112" name="Oval 111">
+              <a:extLst>
+                <a:ext uri="{FF2B5EF4-FFF2-40B4-BE49-F238E27FC236}">
+                  <a16:creationId xmlns:a16="http://schemas.microsoft.com/office/drawing/2014/main" id="{2DF27577-15F5-4175-ABB9-54E5500AEFCE}"/>
+                </a:ext>
+              </a:extLst>
+            </p:cNvPr>
+            <p:cNvSpPr/>
+            <p:nvPr/>
+          </p:nvSpPr>
+          <p:spPr>
+            <a:xfrm>
+              <a:off x="9874711" y="8786404"/>
+              <a:ext cx="229561" cy="229561"/>
+            </a:xfrm>
+            <a:prstGeom prst="ellipse">
+              <a:avLst/>
+            </a:prstGeom>
+            <a:ln/>
+          </p:spPr>
+          <p:style>
+            <a:lnRef idx="2">
+              <a:schemeClr val="dk1">
+                <a:shade val="50000"/>
+              </a:schemeClr>
+            </a:lnRef>
+            <a:fillRef idx="1">
+              <a:schemeClr val="dk1"/>
+            </a:fillRef>
+            <a:effectRef idx="0">
+              <a:schemeClr val="dk1"/>
+            </a:effectRef>
+            <a:fontRef idx="minor">
+              <a:schemeClr val="lt1"/>
+            </a:fontRef>
+          </p:style>
+          <p:txBody>
+            <a:bodyPr rtlCol="0" anchor="ctr"/>
+            <a:lstStyle/>
+            <a:p>
+              <a:pPr algn="ctr"/>
+              <a:endParaRPr lang="en-US" sz="1100"/>
+            </a:p>
+          </p:txBody>
+        </p:sp>
+        <p:sp>
+          <p:nvSpPr>
+            <p:cNvPr id="113" name="Oval 112">
+              <a:extLst>
+                <a:ext uri="{FF2B5EF4-FFF2-40B4-BE49-F238E27FC236}">
+                  <a16:creationId xmlns:a16="http://schemas.microsoft.com/office/drawing/2014/main" id="{C641A444-6317-4674-B7C5-5274E2BF012E}"/>
+                </a:ext>
+              </a:extLst>
+            </p:cNvPr>
+            <p:cNvSpPr/>
+            <p:nvPr/>
+          </p:nvSpPr>
+          <p:spPr>
+            <a:xfrm>
+              <a:off x="11247243" y="7427406"/>
+              <a:ext cx="229561" cy="229561"/>
+            </a:xfrm>
+            <a:prstGeom prst="ellipse">
+              <a:avLst/>
+            </a:prstGeom>
+            <a:ln/>
+          </p:spPr>
+          <p:style>
+            <a:lnRef idx="2">
+              <a:schemeClr val="dk1">
+                <a:shade val="50000"/>
+              </a:schemeClr>
+            </a:lnRef>
+            <a:fillRef idx="1">
+              <a:schemeClr val="dk1"/>
+            </a:fillRef>
+            <a:effectRef idx="0">
+              <a:schemeClr val="dk1"/>
+            </a:effectRef>
+            <a:fontRef idx="minor">
+              <a:schemeClr val="lt1"/>
+            </a:fontRef>
+          </p:style>
+          <p:txBody>
+            <a:bodyPr rtlCol="0" anchor="ctr"/>
+            <a:lstStyle/>
+            <a:p>
+              <a:pPr algn="ctr"/>
+              <a:endParaRPr lang="en-US" sz="1100"/>
+            </a:p>
+          </p:txBody>
+        </p:sp>
+        <p:sp>
+          <p:nvSpPr>
+            <p:cNvPr id="114" name="Oval 113">
+              <a:extLst>
+                <a:ext uri="{FF2B5EF4-FFF2-40B4-BE49-F238E27FC236}">
+                  <a16:creationId xmlns:a16="http://schemas.microsoft.com/office/drawing/2014/main" id="{889A4E77-B756-4055-AAF7-3271B01D8C83}"/>
+                </a:ext>
+              </a:extLst>
+            </p:cNvPr>
+            <p:cNvSpPr/>
+            <p:nvPr/>
+          </p:nvSpPr>
+          <p:spPr>
+            <a:xfrm>
+              <a:off x="12148503" y="8786403"/>
+              <a:ext cx="229561" cy="229561"/>
+            </a:xfrm>
+            <a:prstGeom prst="ellipse">
+              <a:avLst/>
+            </a:prstGeom>
+            <a:ln/>
+          </p:spPr>
+          <p:style>
+            <a:lnRef idx="2">
+              <a:schemeClr val="dk1">
+                <a:shade val="50000"/>
+              </a:schemeClr>
+            </a:lnRef>
+            <a:fillRef idx="1">
+              <a:schemeClr val="dk1"/>
+            </a:fillRef>
+            <a:effectRef idx="0">
+              <a:schemeClr val="dk1"/>
+            </a:effectRef>
+            <a:fontRef idx="minor">
+              <a:schemeClr val="lt1"/>
+            </a:fontRef>
+          </p:style>
+          <p:txBody>
+            <a:bodyPr rtlCol="0" anchor="ctr"/>
+            <a:lstStyle/>
+            <a:p>
+              <a:pPr algn="ctr"/>
+              <a:endParaRPr lang="en-US" sz="1100"/>
+            </a:p>
+          </p:txBody>
+        </p:sp>
+        <p:sp>
+          <p:nvSpPr>
+            <p:cNvPr id="115" name="Oval 114">
+              <a:extLst>
+                <a:ext uri="{FF2B5EF4-FFF2-40B4-BE49-F238E27FC236}">
+                  <a16:creationId xmlns:a16="http://schemas.microsoft.com/office/drawing/2014/main" id="{3297F05A-7730-4CDB-9EE1-D881CE088A58}"/>
+                </a:ext>
+              </a:extLst>
+            </p:cNvPr>
+            <p:cNvSpPr/>
+            <p:nvPr/>
+          </p:nvSpPr>
+          <p:spPr>
+            <a:xfrm>
+              <a:off x="11002234" y="10087449"/>
+              <a:ext cx="229561" cy="229561"/>
+            </a:xfrm>
+            <a:prstGeom prst="ellipse">
+              <a:avLst/>
+            </a:prstGeom>
+            <a:ln/>
+          </p:spPr>
+          <p:style>
+            <a:lnRef idx="2">
+              <a:schemeClr val="dk1">
+                <a:shade val="50000"/>
+              </a:schemeClr>
+            </a:lnRef>
+            <a:fillRef idx="1">
+              <a:schemeClr val="dk1"/>
+            </a:fillRef>
+            <a:effectRef idx="0">
+              <a:schemeClr val="dk1"/>
+            </a:effectRef>
+            <a:fontRef idx="minor">
+              <a:schemeClr val="lt1"/>
+            </a:fontRef>
+          </p:style>
+          <p:txBody>
+            <a:bodyPr rtlCol="0" anchor="ctr"/>
+            <a:lstStyle/>
+            <a:p>
+              <a:pPr algn="ctr"/>
+              <a:endParaRPr lang="en-US" sz="1100"/>
+            </a:p>
+          </p:txBody>
+        </p:sp>
+        <p:sp>
+          <p:nvSpPr>
+            <p:cNvPr id="116" name="Oval 115">
+              <a:extLst>
+                <a:ext uri="{FF2B5EF4-FFF2-40B4-BE49-F238E27FC236}">
+                  <a16:creationId xmlns:a16="http://schemas.microsoft.com/office/drawing/2014/main" id="{424CC37E-F905-4BA4-A599-F4DA291CAFB9}"/>
+                </a:ext>
+              </a:extLst>
+            </p:cNvPr>
+            <p:cNvSpPr/>
+            <p:nvPr/>
+          </p:nvSpPr>
+          <p:spPr>
+            <a:xfrm>
+              <a:off x="10752129" y="8790012"/>
+              <a:ext cx="229561" cy="229561"/>
+            </a:xfrm>
+            <a:prstGeom prst="ellipse">
+              <a:avLst/>
+            </a:prstGeom>
+            <a:ln/>
+          </p:spPr>
+          <p:style>
+            <a:lnRef idx="2">
+              <a:schemeClr val="dk1">
+                <a:shade val="50000"/>
+              </a:schemeClr>
+            </a:lnRef>
+            <a:fillRef idx="1">
+              <a:schemeClr val="dk1"/>
+            </a:fillRef>
+            <a:effectRef idx="0">
+              <a:schemeClr val="dk1"/>
+            </a:effectRef>
+            <a:fontRef idx="minor">
+              <a:schemeClr val="lt1"/>
+            </a:fontRef>
+          </p:style>
+          <p:txBody>
+            <a:bodyPr rtlCol="0" anchor="ctr"/>
+            <a:lstStyle/>
+            <a:p>
+              <a:pPr algn="ctr"/>
+              <a:endParaRPr lang="en-US" sz="1100"/>
+            </a:p>
+          </p:txBody>
+        </p:sp>
+        <p:sp>
+          <p:nvSpPr>
+            <p:cNvPr id="117" name="Oval 116">
+              <a:extLst>
+                <a:ext uri="{FF2B5EF4-FFF2-40B4-BE49-F238E27FC236}">
+                  <a16:creationId xmlns:a16="http://schemas.microsoft.com/office/drawing/2014/main" id="{995C0DAA-5177-4A19-AE7D-8A2779B6A6AC}"/>
+                </a:ext>
+              </a:extLst>
+            </p:cNvPr>
+            <p:cNvSpPr/>
+            <p:nvPr/>
+          </p:nvSpPr>
+          <p:spPr>
+            <a:xfrm>
+              <a:off x="9455432" y="9972668"/>
+              <a:ext cx="229561" cy="229561"/>
+            </a:xfrm>
+            <a:prstGeom prst="ellipse">
+              <a:avLst/>
+            </a:prstGeom>
+            <a:ln/>
+          </p:spPr>
+          <p:style>
+            <a:lnRef idx="2">
+              <a:schemeClr val="dk1">
+                <a:shade val="50000"/>
+              </a:schemeClr>
+            </a:lnRef>
+            <a:fillRef idx="1">
+              <a:schemeClr val="dk1"/>
+            </a:fillRef>
+            <a:effectRef idx="0">
+              <a:schemeClr val="dk1"/>
+            </a:effectRef>
+            <a:fontRef idx="minor">
+              <a:schemeClr val="lt1"/>
+            </a:fontRef>
+          </p:style>
+          <p:txBody>
+            <a:bodyPr rtlCol="0" anchor="ctr"/>
+            <a:lstStyle/>
+            <a:p>
+              <a:pPr algn="ctr"/>
+              <a:endParaRPr lang="en-US" sz="1100"/>
+            </a:p>
+          </p:txBody>
+        </p:sp>
+        <p:pic>
+          <p:nvPicPr>
+            <p:cNvPr id="120" name="Picture 2">
+              <a:extLst>
+                <a:ext uri="{FF2B5EF4-FFF2-40B4-BE49-F238E27FC236}">
+                  <a16:creationId xmlns:a16="http://schemas.microsoft.com/office/drawing/2014/main" id="{C6639041-08FA-496D-969E-F371EB28C084}"/>
+                </a:ext>
+              </a:extLst>
+            </p:cNvPr>
+            <p:cNvPicPr>
+              <a:picLocks noChangeAspect="1" noChangeArrowheads="1"/>
+            </p:cNvPicPr>
+            <p:nvPr/>
+          </p:nvPicPr>
+          <p:blipFill>
+            <a:blip r:embed="rId26">
+              <a:extLst>
+                <a:ext uri="{28A0092B-C50C-407E-A947-70E740481C1C}">
+                  <a14:useLocalDpi xmlns:a14="http://schemas.microsoft.com/office/drawing/2010/main" val="0"/>
+                </a:ext>
+              </a:extLst>
+            </a:blip>
+            <a:srcRect/>
+            <a:stretch>
+              <a:fillRect/>
+            </a:stretch>
+          </p:blipFill>
+          <p:spPr bwMode="auto">
+            <a:xfrm>
+              <a:off x="7980112" y="10098324"/>
+              <a:ext cx="1282012" cy="221702"/>
+            </a:xfrm>
+            <a:prstGeom prst="rect">
+              <a:avLst/>
+            </a:prstGeom>
+            <a:noFill/>
+            <a:extLst>
+              <a:ext uri="{909E8E84-426E-40DD-AFC4-6F175D3DCCD1}">
+                <a14:hiddenFill xmlns:a14="http://schemas.microsoft.com/office/drawing/2010/main">
+                  <a:solidFill>
+                    <a:srgbClr val="FFFFFF"/>
+                  </a:solidFill>
+                </a14:hiddenFill>
+              </a:ext>
+            </a:extLst>
+          </p:spPr>
+        </p:pic>
+        <p:pic>
+          <p:nvPicPr>
+            <p:cNvPr id="122" name="Picture 121">
+              <a:extLst>
+                <a:ext uri="{FF2B5EF4-FFF2-40B4-BE49-F238E27FC236}">
+                  <a16:creationId xmlns:a16="http://schemas.microsoft.com/office/drawing/2014/main" id="{F4418D8F-DDEB-40F4-8D6F-1DA9B335D9A7}"/>
+                </a:ext>
+              </a:extLst>
+            </p:cNvPr>
+            <p:cNvPicPr>
+              <a:picLocks noChangeAspect="1"/>
+            </p:cNvPicPr>
+            <p:nvPr/>
+          </p:nvPicPr>
+          <p:blipFill>
+            <a:blip r:embed="rId27">
+              <a:clrChange>
+                <a:clrFrom>
+                  <a:srgbClr val="FFFFFF"/>
+                </a:clrFrom>
+                <a:clrTo>
+                  <a:srgbClr val="FFFFFF">
+                    <a:alpha val="0"/>
+                  </a:srgbClr>
+                </a:clrTo>
+              </a:clrChange>
+            </a:blip>
+            <a:stretch>
+              <a:fillRect/>
+            </a:stretch>
+          </p:blipFill>
+          <p:spPr>
+            <a:xfrm rot="588894">
+              <a:off x="8757237" y="8935803"/>
+              <a:ext cx="1391957" cy="306068"/>
+            </a:xfrm>
+            <a:prstGeom prst="rect">
+              <a:avLst/>
+            </a:prstGeom>
+          </p:spPr>
+        </p:pic>
+        <p:pic>
+          <p:nvPicPr>
+            <p:cNvPr id="125" name="Picture 124">
+              <a:extLst>
+                <a:ext uri="{FF2B5EF4-FFF2-40B4-BE49-F238E27FC236}">
+                  <a16:creationId xmlns:a16="http://schemas.microsoft.com/office/drawing/2014/main" id="{D401FCFB-0A5E-41B1-AA52-F9ACDC551D73}"/>
+                </a:ext>
+              </a:extLst>
+            </p:cNvPr>
+            <p:cNvPicPr>
+              <a:picLocks noChangeAspect="1"/>
+            </p:cNvPicPr>
+            <p:nvPr/>
+          </p:nvPicPr>
+          <p:blipFill rotWithShape="1">
+            <a:blip r:embed="rId28">
+              <a:clrChange>
+                <a:clrFrom>
+                  <a:srgbClr val="FFFFFF"/>
+                </a:clrFrom>
+                <a:clrTo>
+                  <a:srgbClr val="FFFFFF">
+                    <a:alpha val="0"/>
+                  </a:srgbClr>
+                </a:clrTo>
+              </a:clrChange>
+            </a:blip>
+            <a:srcRect l="4039" r="54030"/>
+            <a:stretch/>
+          </p:blipFill>
+          <p:spPr>
+            <a:xfrm>
+              <a:off x="6830701" y="8229013"/>
+              <a:ext cx="758963" cy="386355"/>
+            </a:xfrm>
+            <a:prstGeom prst="rect">
+              <a:avLst/>
+            </a:prstGeom>
+          </p:spPr>
+        </p:pic>
+        <p:pic>
+          <p:nvPicPr>
+            <p:cNvPr id="126" name="Picture 125">
+              <a:extLst>
+                <a:ext uri="{FF2B5EF4-FFF2-40B4-BE49-F238E27FC236}">
+                  <a16:creationId xmlns:a16="http://schemas.microsoft.com/office/drawing/2014/main" id="{7F8BF02B-99E1-4226-836A-A1CE6352B79B}"/>
+                </a:ext>
+              </a:extLst>
+            </p:cNvPr>
+            <p:cNvPicPr>
+              <a:picLocks noChangeAspect="1"/>
+            </p:cNvPicPr>
+            <p:nvPr/>
+          </p:nvPicPr>
+          <p:blipFill rotWithShape="1">
+            <a:blip r:embed="rId29">
+              <a:clrChange>
+                <a:clrFrom>
+                  <a:srgbClr val="FFFFFF"/>
+                </a:clrFrom>
+                <a:clrTo>
+                  <a:srgbClr val="FFFFFF">
+                    <a:alpha val="0"/>
+                  </a:srgbClr>
+                </a:clrTo>
+              </a:clrChange>
+            </a:blip>
+            <a:srcRect r="24931"/>
+            <a:stretch/>
+          </p:blipFill>
+          <p:spPr>
+            <a:xfrm rot="20957318">
+              <a:off x="8145737" y="6839496"/>
+              <a:ext cx="2507798" cy="521015"/>
+            </a:xfrm>
+            <a:prstGeom prst="rect">
+              <a:avLst/>
+            </a:prstGeom>
+          </p:spPr>
+        </p:pic>
+        <p:pic>
+          <p:nvPicPr>
+            <p:cNvPr id="1026" name="Picture 2">
+              <a:extLst>
+                <a:ext uri="{FF2B5EF4-FFF2-40B4-BE49-F238E27FC236}">
+                  <a16:creationId xmlns:a16="http://schemas.microsoft.com/office/drawing/2014/main" id="{C59C188C-B6BD-4E4B-BF92-03836C973138}"/>
+                </a:ext>
+              </a:extLst>
+            </p:cNvPr>
+            <p:cNvPicPr>
+              <a:picLocks noChangeAspect="1" noChangeArrowheads="1"/>
+            </p:cNvPicPr>
+            <p:nvPr/>
+          </p:nvPicPr>
+          <p:blipFill>
+            <a:blip r:embed="rId30">
+              <a:extLst>
+                <a:ext uri="{28A0092B-C50C-407E-A947-70E740481C1C}">
+                  <a14:useLocalDpi xmlns:a14="http://schemas.microsoft.com/office/drawing/2010/main" val="0"/>
+                </a:ext>
+              </a:extLst>
+            </a:blip>
+            <a:srcRect/>
+            <a:stretch>
+              <a:fillRect/>
+            </a:stretch>
+          </p:blipFill>
+          <p:spPr bwMode="auto">
+            <a:xfrm rot="20957318">
+              <a:off x="8727126" y="7319997"/>
+              <a:ext cx="529307" cy="135594"/>
+            </a:xfrm>
+            <a:prstGeom prst="rect">
+              <a:avLst/>
+            </a:prstGeom>
+            <a:noFill/>
+            <a:extLst>
+              <a:ext uri="{909E8E84-426E-40DD-AFC4-6F175D3DCCD1}">
+                <a14:hiddenFill xmlns:a14="http://schemas.microsoft.com/office/drawing/2010/main">
+                  <a:solidFill>
+                    <a:srgbClr val="FFFFFF"/>
+                  </a:solidFill>
+                </a14:hiddenFill>
+              </a:ext>
+            </a:extLst>
+          </p:spPr>
+        </p:pic>
+        <p:pic>
+          <p:nvPicPr>
+            <p:cNvPr id="128" name="Picture 127">
+              <a:extLst>
+                <a:ext uri="{FF2B5EF4-FFF2-40B4-BE49-F238E27FC236}">
+                  <a16:creationId xmlns:a16="http://schemas.microsoft.com/office/drawing/2014/main" id="{64634A0A-11C4-4CD8-8572-110AC78EA4B6}"/>
+                </a:ext>
+              </a:extLst>
+            </p:cNvPr>
+            <p:cNvPicPr>
+              <a:picLocks noChangeAspect="1"/>
+            </p:cNvPicPr>
+            <p:nvPr/>
+          </p:nvPicPr>
+          <p:blipFill rotWithShape="1">
+            <a:blip r:embed="rId29">
+              <a:clrChange>
+                <a:clrFrom>
+                  <a:srgbClr val="FFFFFF"/>
+                </a:clrFrom>
+                <a:clrTo>
+                  <a:srgbClr val="FFFFFF">
+                    <a:alpha val="0"/>
+                  </a:srgbClr>
+                </a:clrTo>
+              </a:clrChange>
+            </a:blip>
+            <a:srcRect l="1" r="60753"/>
+            <a:stretch/>
+          </p:blipFill>
+          <p:spPr>
+            <a:xfrm>
+              <a:off x="11231795" y="6692919"/>
+              <a:ext cx="1311079" cy="521015"/>
+            </a:xfrm>
+            <a:prstGeom prst="rect">
+              <a:avLst/>
+            </a:prstGeom>
+          </p:spPr>
+        </p:pic>
+        <p:pic>
+          <p:nvPicPr>
+            <p:cNvPr id="162" name="Picture 2">
+              <a:extLst>
+                <a:ext uri="{FF2B5EF4-FFF2-40B4-BE49-F238E27FC236}">
+                  <a16:creationId xmlns:a16="http://schemas.microsoft.com/office/drawing/2014/main" id="{F6396237-2B0A-4C99-BED0-D9FD3DB9B0A7}"/>
+                </a:ext>
+              </a:extLst>
+            </p:cNvPr>
+            <p:cNvPicPr>
+              <a:picLocks noChangeAspect="1" noChangeArrowheads="1"/>
+            </p:cNvPicPr>
+            <p:nvPr/>
+          </p:nvPicPr>
+          <p:blipFill>
+            <a:blip r:embed="rId30">
+              <a:extLst>
+                <a:ext uri="{28A0092B-C50C-407E-A947-70E740481C1C}">
+                  <a14:useLocalDpi xmlns:a14="http://schemas.microsoft.com/office/drawing/2010/main" val="0"/>
+                </a:ext>
+              </a:extLst>
+            </a:blip>
+            <a:srcRect/>
+            <a:stretch>
+              <a:fillRect/>
+            </a:stretch>
+          </p:blipFill>
+          <p:spPr bwMode="auto">
+            <a:xfrm>
+              <a:off x="11803074" y="7067140"/>
+              <a:ext cx="529307" cy="135594"/>
+            </a:xfrm>
+            <a:prstGeom prst="rect">
+              <a:avLst/>
+            </a:prstGeom>
+            <a:noFill/>
+            <a:extLst>
+              <a:ext uri="{909E8E84-426E-40DD-AFC4-6F175D3DCCD1}">
+                <a14:hiddenFill xmlns:a14="http://schemas.microsoft.com/office/drawing/2010/main">
+                  <a:solidFill>
+                    <a:srgbClr val="FFFFFF"/>
+                  </a:solidFill>
+                </a14:hiddenFill>
+              </a:ext>
+            </a:extLst>
+          </p:spPr>
+        </p:pic>
+        <p:pic>
+          <p:nvPicPr>
+            <p:cNvPr id="1028" name="Picture 4">
+              <a:extLst>
+                <a:ext uri="{FF2B5EF4-FFF2-40B4-BE49-F238E27FC236}">
+                  <a16:creationId xmlns:a16="http://schemas.microsoft.com/office/drawing/2014/main" id="{E6C6F73C-367E-435A-B0DF-053D837AE08F}"/>
+                </a:ext>
+              </a:extLst>
+            </p:cNvPr>
+            <p:cNvPicPr>
+              <a:picLocks noChangeAspect="1" noChangeArrowheads="1"/>
+            </p:cNvPicPr>
+            <p:nvPr/>
+          </p:nvPicPr>
+          <p:blipFill>
+            <a:blip r:embed="rId31">
+              <a:extLst>
+                <a:ext uri="{28A0092B-C50C-407E-A947-70E740481C1C}">
+                  <a14:useLocalDpi xmlns:a14="http://schemas.microsoft.com/office/drawing/2010/main" val="0"/>
+                </a:ext>
+              </a:extLst>
+            </a:blip>
+            <a:srcRect/>
+            <a:stretch>
+              <a:fillRect/>
+            </a:stretch>
+          </p:blipFill>
+          <p:spPr bwMode="auto">
+            <a:xfrm>
+              <a:off x="12292341" y="8206651"/>
+              <a:ext cx="2066791" cy="408717"/>
+            </a:xfrm>
+            <a:prstGeom prst="rect">
+              <a:avLst/>
+            </a:prstGeom>
+            <a:noFill/>
+            <a:extLst>
+              <a:ext uri="{909E8E84-426E-40DD-AFC4-6F175D3DCCD1}">
+                <a14:hiddenFill xmlns:a14="http://schemas.microsoft.com/office/drawing/2010/main">
+                  <a:solidFill>
+                    <a:srgbClr val="FFFFFF"/>
+                  </a:solidFill>
+                </a14:hiddenFill>
+              </a:ext>
+            </a:extLst>
+          </p:spPr>
+        </p:pic>
+        <p:pic>
+          <p:nvPicPr>
+            <p:cNvPr id="164" name="Picture 163">
+              <a:extLst>
+                <a:ext uri="{FF2B5EF4-FFF2-40B4-BE49-F238E27FC236}">
+                  <a16:creationId xmlns:a16="http://schemas.microsoft.com/office/drawing/2014/main" id="{ECC6D6DD-BE83-47BF-9AF9-5208A2100CCE}"/>
+                </a:ext>
+              </a:extLst>
+            </p:cNvPr>
+            <p:cNvPicPr>
+              <a:picLocks noChangeAspect="1"/>
+            </p:cNvPicPr>
+            <p:nvPr/>
+          </p:nvPicPr>
+          <p:blipFill>
+            <a:blip r:embed="rId32"/>
+            <a:srcRect l="38734" t="52051" r="57385" b="42809"/>
+            <a:stretch>
+              <a:fillRect/>
+            </a:stretch>
+          </p:blipFill>
+          <p:spPr>
+            <a:xfrm>
+              <a:off x="12685337" y="8730555"/>
+              <a:ext cx="137951" cy="119529"/>
+            </a:xfrm>
+            <a:custGeom>
+              <a:avLst/>
+              <a:gdLst>
+                <a:gd name="connsiteX0" fmla="*/ 0 w 246780"/>
+                <a:gd name="connsiteY0" fmla="*/ 0 h 213825"/>
+                <a:gd name="connsiteX1" fmla="*/ 246780 w 246780"/>
+                <a:gd name="connsiteY1" fmla="*/ 0 h 213825"/>
+                <a:gd name="connsiteX2" fmla="*/ 246780 w 246780"/>
+                <a:gd name="connsiteY2" fmla="*/ 213825 h 213825"/>
+                <a:gd name="connsiteX3" fmla="*/ 0 w 246780"/>
+                <a:gd name="connsiteY3" fmla="*/ 213825 h 213825"/>
+                <a:gd name="connsiteX4" fmla="*/ 0 w 246780"/>
+                <a:gd name="connsiteY4" fmla="*/ 0 h 213825"/>
+              </a:gdLst>
+              <a:ahLst/>
+              <a:cxnLst>
+                <a:cxn ang="0">
+                  <a:pos x="connsiteX0" y="connsiteY0"/>
+                </a:cxn>
+                <a:cxn ang="0">
+                  <a:pos x="connsiteX1" y="connsiteY1"/>
+                </a:cxn>
+                <a:cxn ang="0">
+                  <a:pos x="connsiteX2" y="connsiteY2"/>
+                </a:cxn>
+                <a:cxn ang="0">
+                  <a:pos x="connsiteX3" y="connsiteY3"/>
+                </a:cxn>
+                <a:cxn ang="0">
+                  <a:pos x="connsiteX4" y="connsiteY4"/>
+                </a:cxn>
+              </a:cxnLst>
+              <a:rect l="l" t="t" r="r" b="b"/>
+              <a:pathLst>
+                <a:path w="246780" h="213825">
+                  <a:moveTo>
+                    <a:pt x="0" y="0"/>
+                  </a:moveTo>
+                  <a:lnTo>
+                    <a:pt x="246780" y="0"/>
+                  </a:lnTo>
+                  <a:lnTo>
+                    <a:pt x="246780" y="213825"/>
+                  </a:lnTo>
+                  <a:lnTo>
+                    <a:pt x="0" y="213825"/>
+                  </a:lnTo>
+                  <a:lnTo>
+                    <a:pt x="0" y="0"/>
+                  </a:lnTo>
+                  <a:close/>
+                </a:path>
+              </a:pathLst>
+            </a:custGeom>
+          </p:spPr>
+        </p:pic>
+        <p:pic>
+          <p:nvPicPr>
+            <p:cNvPr id="1030" name="Picture 6">
+              <a:extLst>
+                <a:ext uri="{FF2B5EF4-FFF2-40B4-BE49-F238E27FC236}">
+                  <a16:creationId xmlns:a16="http://schemas.microsoft.com/office/drawing/2014/main" id="{0EB27097-A140-41BE-A576-F077F7F4E80E}"/>
+                </a:ext>
+              </a:extLst>
+            </p:cNvPr>
+            <p:cNvPicPr>
+              <a:picLocks noChangeAspect="1" noChangeArrowheads="1"/>
+            </p:cNvPicPr>
+            <p:nvPr/>
+          </p:nvPicPr>
+          <p:blipFill>
+            <a:blip r:embed="rId33">
+              <a:extLst>
+                <a:ext uri="{28A0092B-C50C-407E-A947-70E740481C1C}">
+                  <a14:useLocalDpi xmlns:a14="http://schemas.microsoft.com/office/drawing/2010/main" val="0"/>
+                </a:ext>
+              </a:extLst>
+            </a:blip>
+            <a:srcRect/>
+            <a:stretch>
+              <a:fillRect/>
+            </a:stretch>
+          </p:blipFill>
+          <p:spPr bwMode="auto">
+            <a:xfrm>
+              <a:off x="10360205" y="10353064"/>
+              <a:ext cx="1054897" cy="206052"/>
+            </a:xfrm>
+            <a:prstGeom prst="rect">
+              <a:avLst/>
+            </a:prstGeom>
+            <a:noFill/>
+            <a:extLst>
+              <a:ext uri="{909E8E84-426E-40DD-AFC4-6F175D3DCCD1}">
+                <a14:hiddenFill xmlns:a14="http://schemas.microsoft.com/office/drawing/2010/main">
+                  <a:solidFill>
+                    <a:srgbClr val="FFFFFF"/>
+                  </a:solidFill>
+                </a14:hiddenFill>
+              </a:ext>
+            </a:extLst>
+          </p:spPr>
+        </p:pic>
+        <p:pic>
+          <p:nvPicPr>
+            <p:cNvPr id="197" name="Picture 196">
+              <a:extLst>
+                <a:ext uri="{FF2B5EF4-FFF2-40B4-BE49-F238E27FC236}">
+                  <a16:creationId xmlns:a16="http://schemas.microsoft.com/office/drawing/2014/main" id="{A0222BF4-DEC4-4EFB-8D08-B844FDBC24F8}"/>
+                </a:ext>
+              </a:extLst>
+            </p:cNvPr>
+            <p:cNvPicPr>
+              <a:picLocks noChangeAspect="1"/>
+            </p:cNvPicPr>
+            <p:nvPr/>
+          </p:nvPicPr>
+          <p:blipFill>
+            <a:blip r:embed="rId32"/>
+            <a:srcRect l="38734" t="52051" r="57385" b="42809"/>
+            <a:stretch>
+              <a:fillRect/>
+            </a:stretch>
+          </p:blipFill>
+          <p:spPr>
+            <a:xfrm>
+              <a:off x="11439218" y="10361547"/>
+              <a:ext cx="137951" cy="119529"/>
+            </a:xfrm>
+            <a:custGeom>
+              <a:avLst/>
+              <a:gdLst>
+                <a:gd name="connsiteX0" fmla="*/ 0 w 246780"/>
+                <a:gd name="connsiteY0" fmla="*/ 0 h 213825"/>
+                <a:gd name="connsiteX1" fmla="*/ 246780 w 246780"/>
+                <a:gd name="connsiteY1" fmla="*/ 0 h 213825"/>
+                <a:gd name="connsiteX2" fmla="*/ 246780 w 246780"/>
+                <a:gd name="connsiteY2" fmla="*/ 213825 h 213825"/>
+                <a:gd name="connsiteX3" fmla="*/ 0 w 246780"/>
+                <a:gd name="connsiteY3" fmla="*/ 213825 h 213825"/>
+                <a:gd name="connsiteX4" fmla="*/ 0 w 246780"/>
+                <a:gd name="connsiteY4" fmla="*/ 0 h 213825"/>
+              </a:gdLst>
+              <a:ahLst/>
+              <a:cxnLst>
+                <a:cxn ang="0">
+                  <a:pos x="connsiteX0" y="connsiteY0"/>
+                </a:cxn>
+                <a:cxn ang="0">
+                  <a:pos x="connsiteX1" y="connsiteY1"/>
+                </a:cxn>
+                <a:cxn ang="0">
+                  <a:pos x="connsiteX2" y="connsiteY2"/>
+                </a:cxn>
+                <a:cxn ang="0">
+                  <a:pos x="connsiteX3" y="connsiteY3"/>
+                </a:cxn>
+                <a:cxn ang="0">
+                  <a:pos x="connsiteX4" y="connsiteY4"/>
+                </a:cxn>
+              </a:cxnLst>
+              <a:rect l="l" t="t" r="r" b="b"/>
+              <a:pathLst>
+                <a:path w="246780" h="213825">
+                  <a:moveTo>
+                    <a:pt x="0" y="0"/>
+                  </a:moveTo>
+                  <a:lnTo>
+                    <a:pt x="246780" y="0"/>
+                  </a:lnTo>
+                  <a:lnTo>
+                    <a:pt x="246780" y="213825"/>
+                  </a:lnTo>
+                  <a:lnTo>
+                    <a:pt x="0" y="213825"/>
+                  </a:lnTo>
+                  <a:lnTo>
+                    <a:pt x="0" y="0"/>
+                  </a:lnTo>
+                  <a:close/>
+                </a:path>
+              </a:pathLst>
+            </a:custGeom>
+          </p:spPr>
+        </p:pic>
+        <p:pic>
+          <p:nvPicPr>
+            <p:cNvPr id="208" name="Picture 207">
+              <a:extLst>
+                <a:ext uri="{FF2B5EF4-FFF2-40B4-BE49-F238E27FC236}">
+                  <a16:creationId xmlns:a16="http://schemas.microsoft.com/office/drawing/2014/main" id="{41EC1AB5-533E-44F5-B256-F0009F7DFE77}"/>
+                </a:ext>
+              </a:extLst>
+            </p:cNvPr>
+            <p:cNvPicPr>
+              <a:picLocks noChangeAspect="1"/>
+            </p:cNvPicPr>
+            <p:nvPr/>
+          </p:nvPicPr>
+          <p:blipFill>
+            <a:blip r:embed="rId34">
+              <a:clrChange>
+                <a:clrFrom>
+                  <a:srgbClr val="FFFFFF"/>
+                </a:clrFrom>
+                <a:clrTo>
+                  <a:srgbClr val="FFFFFF">
+                    <a:alpha val="0"/>
+                  </a:srgbClr>
+                </a:clrTo>
+              </a:clrChange>
+            </a:blip>
+            <a:srcRect l="44986" r="50127"/>
+            <a:stretch>
+              <a:fillRect/>
+            </a:stretch>
+          </p:blipFill>
+          <p:spPr>
+            <a:xfrm rot="914814">
+              <a:off x="10753681" y="8880178"/>
+              <a:ext cx="105294" cy="678414"/>
+            </a:xfrm>
+            <a:custGeom>
+              <a:avLst/>
+              <a:gdLst>
+                <a:gd name="connsiteX0" fmla="*/ 0 w 105294"/>
+                <a:gd name="connsiteY0" fmla="*/ 0 h 678414"/>
+                <a:gd name="connsiteX1" fmla="*/ 105294 w 105294"/>
+                <a:gd name="connsiteY1" fmla="*/ 0 h 678414"/>
+                <a:gd name="connsiteX2" fmla="*/ 105294 w 105294"/>
+                <a:gd name="connsiteY2" fmla="*/ 678414 h 678414"/>
+                <a:gd name="connsiteX3" fmla="*/ 0 w 105294"/>
+                <a:gd name="connsiteY3" fmla="*/ 678414 h 678414"/>
+                <a:gd name="connsiteX4" fmla="*/ 0 w 105294"/>
+                <a:gd name="connsiteY4" fmla="*/ 0 h 678414"/>
+              </a:gdLst>
+              <a:ahLst/>
+              <a:cxnLst>
+                <a:cxn ang="0">
+                  <a:pos x="connsiteX0" y="connsiteY0"/>
+                </a:cxn>
+                <a:cxn ang="0">
+                  <a:pos x="connsiteX1" y="connsiteY1"/>
+                </a:cxn>
+                <a:cxn ang="0">
+                  <a:pos x="connsiteX2" y="connsiteY2"/>
+                </a:cxn>
+                <a:cxn ang="0">
+                  <a:pos x="connsiteX3" y="connsiteY3"/>
+                </a:cxn>
+                <a:cxn ang="0">
+                  <a:pos x="connsiteX4" y="connsiteY4"/>
+                </a:cxn>
+              </a:cxnLst>
+              <a:rect l="l" t="t" r="r" b="b"/>
+              <a:pathLst>
+                <a:path w="105294" h="678414">
+                  <a:moveTo>
+                    <a:pt x="0" y="0"/>
+                  </a:moveTo>
+                  <a:lnTo>
+                    <a:pt x="105294" y="0"/>
+                  </a:lnTo>
+                  <a:lnTo>
+                    <a:pt x="105294" y="678414"/>
+                  </a:lnTo>
+                  <a:lnTo>
+                    <a:pt x="0" y="678414"/>
+                  </a:lnTo>
+                  <a:lnTo>
+                    <a:pt x="0" y="0"/>
+                  </a:lnTo>
+                  <a:close/>
+                </a:path>
+              </a:pathLst>
+            </a:custGeom>
+          </p:spPr>
+        </p:pic>
+        <p:pic>
+          <p:nvPicPr>
+            <p:cNvPr id="206" name="Picture 205">
+              <a:extLst>
+                <a:ext uri="{FF2B5EF4-FFF2-40B4-BE49-F238E27FC236}">
+                  <a16:creationId xmlns:a16="http://schemas.microsoft.com/office/drawing/2014/main" id="{DF8FBF02-5A7B-4559-BF85-AB5F54193DBC}"/>
+                </a:ext>
+              </a:extLst>
+            </p:cNvPr>
+            <p:cNvPicPr>
+              <a:picLocks noChangeAspect="1"/>
+            </p:cNvPicPr>
+            <p:nvPr/>
+          </p:nvPicPr>
+          <p:blipFill>
+            <a:blip r:embed="rId34">
+              <a:clrChange>
+                <a:clrFrom>
+                  <a:srgbClr val="FFFFFF"/>
+                </a:clrFrom>
+                <a:clrTo>
+                  <a:srgbClr val="FFFFFF">
+                    <a:alpha val="0"/>
+                  </a:srgbClr>
+                </a:clrTo>
+              </a:clrChange>
+            </a:blip>
+            <a:srcRect r="55014"/>
+            <a:stretch>
+              <a:fillRect/>
+            </a:stretch>
+          </p:blipFill>
+          <p:spPr>
+            <a:xfrm>
+              <a:off x="10747204" y="8260050"/>
+              <a:ext cx="969181" cy="678414"/>
+            </a:xfrm>
+            <a:custGeom>
+              <a:avLst/>
+              <a:gdLst>
+                <a:gd name="connsiteX0" fmla="*/ 0 w 969181"/>
+                <a:gd name="connsiteY0" fmla="*/ 0 h 678414"/>
+                <a:gd name="connsiteX1" fmla="*/ 969181 w 969181"/>
+                <a:gd name="connsiteY1" fmla="*/ 0 h 678414"/>
+                <a:gd name="connsiteX2" fmla="*/ 969181 w 969181"/>
+                <a:gd name="connsiteY2" fmla="*/ 678414 h 678414"/>
+                <a:gd name="connsiteX3" fmla="*/ 0 w 969181"/>
+                <a:gd name="connsiteY3" fmla="*/ 678414 h 678414"/>
+                <a:gd name="connsiteX4" fmla="*/ 0 w 969181"/>
+                <a:gd name="connsiteY4" fmla="*/ 0 h 678414"/>
+              </a:gdLst>
+              <a:ahLst/>
+              <a:cxnLst>
+                <a:cxn ang="0">
+                  <a:pos x="connsiteX0" y="connsiteY0"/>
+                </a:cxn>
+                <a:cxn ang="0">
+                  <a:pos x="connsiteX1" y="connsiteY1"/>
+                </a:cxn>
+                <a:cxn ang="0">
+                  <a:pos x="connsiteX2" y="connsiteY2"/>
+                </a:cxn>
+                <a:cxn ang="0">
+                  <a:pos x="connsiteX3" y="connsiteY3"/>
+                </a:cxn>
+                <a:cxn ang="0">
+                  <a:pos x="connsiteX4" y="connsiteY4"/>
+                </a:cxn>
+              </a:cxnLst>
+              <a:rect l="l" t="t" r="r" b="b"/>
+              <a:pathLst>
+                <a:path w="969181" h="678414">
+                  <a:moveTo>
+                    <a:pt x="0" y="0"/>
+                  </a:moveTo>
+                  <a:lnTo>
+                    <a:pt x="969181" y="0"/>
+                  </a:lnTo>
+                  <a:lnTo>
+                    <a:pt x="969181" y="678414"/>
+                  </a:lnTo>
+                  <a:lnTo>
+                    <a:pt x="0" y="678414"/>
+                  </a:lnTo>
+                  <a:lnTo>
+                    <a:pt x="0" y="0"/>
+                  </a:lnTo>
+                  <a:close/>
+                </a:path>
+              </a:pathLst>
+            </a:custGeom>
+          </p:spPr>
+        </p:pic>
+        <p:pic>
+          <p:nvPicPr>
+            <p:cNvPr id="205" name="Picture 204">
+              <a:extLst>
+                <a:ext uri="{FF2B5EF4-FFF2-40B4-BE49-F238E27FC236}">
+                  <a16:creationId xmlns:a16="http://schemas.microsoft.com/office/drawing/2014/main" id="{243C04E1-08B4-4510-B715-32C52EF7B5FA}"/>
+                </a:ext>
+              </a:extLst>
+            </p:cNvPr>
+            <p:cNvPicPr>
+              <a:picLocks noChangeAspect="1"/>
+            </p:cNvPicPr>
+            <p:nvPr/>
+          </p:nvPicPr>
+          <p:blipFill>
+            <a:blip r:embed="rId34">
+              <a:clrChange>
+                <a:clrFrom>
+                  <a:srgbClr val="FFFFFF"/>
+                </a:clrFrom>
+                <a:clrTo>
+                  <a:srgbClr val="FFFFFF">
+                    <a:alpha val="0"/>
+                  </a:srgbClr>
+                </a:clrTo>
+              </a:clrChange>
+            </a:blip>
+            <a:srcRect l="49873"/>
+            <a:stretch>
+              <a:fillRect/>
+            </a:stretch>
+          </p:blipFill>
+          <p:spPr>
+            <a:xfrm>
+              <a:off x="10863890" y="8902999"/>
+              <a:ext cx="1079947" cy="678414"/>
+            </a:xfrm>
+            <a:custGeom>
+              <a:avLst/>
+              <a:gdLst>
+                <a:gd name="connsiteX0" fmla="*/ 0 w 1079947"/>
+                <a:gd name="connsiteY0" fmla="*/ 0 h 678414"/>
+                <a:gd name="connsiteX1" fmla="*/ 1079947 w 1079947"/>
+                <a:gd name="connsiteY1" fmla="*/ 0 h 678414"/>
+                <a:gd name="connsiteX2" fmla="*/ 1079947 w 1079947"/>
+                <a:gd name="connsiteY2" fmla="*/ 678414 h 678414"/>
+                <a:gd name="connsiteX3" fmla="*/ 0 w 1079947"/>
+                <a:gd name="connsiteY3" fmla="*/ 678414 h 678414"/>
+                <a:gd name="connsiteX4" fmla="*/ 0 w 1079947"/>
+                <a:gd name="connsiteY4" fmla="*/ 0 h 678414"/>
+              </a:gdLst>
+              <a:ahLst/>
+              <a:cxnLst>
+                <a:cxn ang="0">
+                  <a:pos x="connsiteX0" y="connsiteY0"/>
+                </a:cxn>
+                <a:cxn ang="0">
+                  <a:pos x="connsiteX1" y="connsiteY1"/>
+                </a:cxn>
+                <a:cxn ang="0">
+                  <a:pos x="connsiteX2" y="connsiteY2"/>
+                </a:cxn>
+                <a:cxn ang="0">
+                  <a:pos x="connsiteX3" y="connsiteY3"/>
+                </a:cxn>
+                <a:cxn ang="0">
+                  <a:pos x="connsiteX4" y="connsiteY4"/>
+                </a:cxn>
+              </a:cxnLst>
+              <a:rect l="l" t="t" r="r" b="b"/>
+              <a:pathLst>
+                <a:path w="1079947" h="678414">
+                  <a:moveTo>
+                    <a:pt x="0" y="0"/>
+                  </a:moveTo>
+                  <a:lnTo>
+                    <a:pt x="1079947" y="0"/>
+                  </a:lnTo>
+                  <a:lnTo>
+                    <a:pt x="1079947" y="678414"/>
+                  </a:lnTo>
+                  <a:lnTo>
+                    <a:pt x="0" y="678414"/>
+                  </a:lnTo>
+                  <a:lnTo>
+                    <a:pt x="0" y="0"/>
+                  </a:lnTo>
+                  <a:close/>
+                </a:path>
+              </a:pathLst>
+            </a:custGeom>
+          </p:spPr>
+        </p:pic>
+        <p:sp>
+          <p:nvSpPr>
+            <p:cNvPr id="118" name="Rectangle 117">
+              <a:extLst>
+                <a:ext uri="{FF2B5EF4-FFF2-40B4-BE49-F238E27FC236}">
+                  <a16:creationId xmlns:a16="http://schemas.microsoft.com/office/drawing/2014/main" id="{DB462E59-112C-4774-8B38-658FD578425B}"/>
+                </a:ext>
+              </a:extLst>
+            </p:cNvPr>
+            <p:cNvSpPr>
+              <a:spLocks/>
+            </p:cNvSpPr>
+            <p:nvPr/>
+          </p:nvSpPr>
+          <p:spPr>
+            <a:xfrm rot="19067797">
+              <a:off x="10334348" y="8147162"/>
+              <a:ext cx="1714001" cy="1544770"/>
+            </a:xfrm>
+            <a:custGeom>
+              <a:avLst/>
+              <a:gdLst>
+                <a:gd name="connsiteX0" fmla="*/ 0 w 1577002"/>
+                <a:gd name="connsiteY0" fmla="*/ 0 h 1171176"/>
+                <a:gd name="connsiteX1" fmla="*/ 1577002 w 1577002"/>
+                <a:gd name="connsiteY1" fmla="*/ 0 h 1171176"/>
+                <a:gd name="connsiteX2" fmla="*/ 1577002 w 1577002"/>
+                <a:gd name="connsiteY2" fmla="*/ 1171176 h 1171176"/>
+                <a:gd name="connsiteX3" fmla="*/ 0 w 1577002"/>
+                <a:gd name="connsiteY3" fmla="*/ 1171176 h 1171176"/>
+                <a:gd name="connsiteX4" fmla="*/ 0 w 1577002"/>
+                <a:gd name="connsiteY4" fmla="*/ 0 h 1171176"/>
+                <a:gd name="connsiteX0" fmla="*/ 0 w 1577002"/>
+                <a:gd name="connsiteY0" fmla="*/ 0 h 1458144"/>
+                <a:gd name="connsiteX1" fmla="*/ 1577002 w 1577002"/>
+                <a:gd name="connsiteY1" fmla="*/ 0 h 1458144"/>
+                <a:gd name="connsiteX2" fmla="*/ 1577002 w 1577002"/>
+                <a:gd name="connsiteY2" fmla="*/ 1171176 h 1458144"/>
+                <a:gd name="connsiteX3" fmla="*/ 61220 w 1577002"/>
+                <a:gd name="connsiteY3" fmla="*/ 1458144 h 1458144"/>
+                <a:gd name="connsiteX4" fmla="*/ 0 w 1577002"/>
+                <a:gd name="connsiteY4" fmla="*/ 0 h 1458144"/>
+                <a:gd name="connsiteX0" fmla="*/ 0 w 1577002"/>
+                <a:gd name="connsiteY0" fmla="*/ 0 h 1458144"/>
+                <a:gd name="connsiteX1" fmla="*/ 1577002 w 1577002"/>
+                <a:gd name="connsiteY1" fmla="*/ 0 h 1458144"/>
+                <a:gd name="connsiteX2" fmla="*/ 1515974 w 1577002"/>
+                <a:gd name="connsiteY2" fmla="*/ 1302278 h 1458144"/>
+                <a:gd name="connsiteX3" fmla="*/ 61220 w 1577002"/>
+                <a:gd name="connsiteY3" fmla="*/ 1458144 h 1458144"/>
+                <a:gd name="connsiteX4" fmla="*/ 0 w 1577002"/>
+                <a:gd name="connsiteY4" fmla="*/ 0 h 1458144"/>
+                <a:gd name="connsiteX0" fmla="*/ 0 w 1722043"/>
+                <a:gd name="connsiteY0" fmla="*/ 67773 h 1525917"/>
+                <a:gd name="connsiteX1" fmla="*/ 1722043 w 1722043"/>
+                <a:gd name="connsiteY1" fmla="*/ 0 h 1525917"/>
+                <a:gd name="connsiteX2" fmla="*/ 1515974 w 1722043"/>
+                <a:gd name="connsiteY2" fmla="*/ 1370051 h 1525917"/>
+                <a:gd name="connsiteX3" fmla="*/ 61220 w 1722043"/>
+                <a:gd name="connsiteY3" fmla="*/ 1525917 h 1525917"/>
+                <a:gd name="connsiteX4" fmla="*/ 0 w 1722043"/>
+                <a:gd name="connsiteY4" fmla="*/ 67773 h 1525917"/>
+                <a:gd name="connsiteX0" fmla="*/ 0 w 1714001"/>
+                <a:gd name="connsiteY0" fmla="*/ 94353 h 1525917"/>
+                <a:gd name="connsiteX1" fmla="*/ 1714001 w 1714001"/>
+                <a:gd name="connsiteY1" fmla="*/ 0 h 1525917"/>
+                <a:gd name="connsiteX2" fmla="*/ 1507932 w 1714001"/>
+                <a:gd name="connsiteY2" fmla="*/ 1370051 h 1525917"/>
+                <a:gd name="connsiteX3" fmla="*/ 53178 w 1714001"/>
+                <a:gd name="connsiteY3" fmla="*/ 1525917 h 1525917"/>
+                <a:gd name="connsiteX4" fmla="*/ 0 w 1714001"/>
+                <a:gd name="connsiteY4" fmla="*/ 94353 h 1525917"/>
+                <a:gd name="connsiteX0" fmla="*/ 0 w 1714001"/>
+                <a:gd name="connsiteY0" fmla="*/ 94353 h 1525917"/>
+                <a:gd name="connsiteX1" fmla="*/ 1714001 w 1714001"/>
+                <a:gd name="connsiteY1" fmla="*/ 0 h 1525917"/>
+                <a:gd name="connsiteX2" fmla="*/ 1506869 w 1714001"/>
+                <a:gd name="connsiteY2" fmla="*/ 1417305 h 1525917"/>
+                <a:gd name="connsiteX3" fmla="*/ 53178 w 1714001"/>
+                <a:gd name="connsiteY3" fmla="*/ 1525917 h 1525917"/>
+                <a:gd name="connsiteX4" fmla="*/ 0 w 1714001"/>
+                <a:gd name="connsiteY4" fmla="*/ 94353 h 1525917"/>
+                <a:gd name="connsiteX0" fmla="*/ 0 w 1714001"/>
+                <a:gd name="connsiteY0" fmla="*/ 94353 h 1544770"/>
+                <a:gd name="connsiteX1" fmla="*/ 1714001 w 1714001"/>
+                <a:gd name="connsiteY1" fmla="*/ 0 h 1544770"/>
+                <a:gd name="connsiteX2" fmla="*/ 1506869 w 1714001"/>
+                <a:gd name="connsiteY2" fmla="*/ 1417305 h 1544770"/>
+                <a:gd name="connsiteX3" fmla="*/ 867694 w 1714001"/>
+                <a:gd name="connsiteY3" fmla="*/ 1544770 h 1544770"/>
+                <a:gd name="connsiteX4" fmla="*/ 53178 w 1714001"/>
+                <a:gd name="connsiteY4" fmla="*/ 1525917 h 1544770"/>
+                <a:gd name="connsiteX5" fmla="*/ 0 w 1714001"/>
+                <a:gd name="connsiteY5" fmla="*/ 94353 h 1544770"/>
+                <a:gd name="connsiteX0" fmla="*/ 0 w 1714001"/>
+                <a:gd name="connsiteY0" fmla="*/ 94353 h 1544770"/>
+                <a:gd name="connsiteX1" fmla="*/ 1714001 w 1714001"/>
+                <a:gd name="connsiteY1" fmla="*/ 0 h 1544770"/>
+                <a:gd name="connsiteX2" fmla="*/ 1506869 w 1714001"/>
+                <a:gd name="connsiteY2" fmla="*/ 1417305 h 1544770"/>
+                <a:gd name="connsiteX3" fmla="*/ 867694 w 1714001"/>
+                <a:gd name="connsiteY3" fmla="*/ 1544770 h 1544770"/>
+                <a:gd name="connsiteX4" fmla="*/ 53178 w 1714001"/>
+                <a:gd name="connsiteY4" fmla="*/ 1525917 h 1544770"/>
+                <a:gd name="connsiteX5" fmla="*/ 0 w 1714001"/>
+                <a:gd name="connsiteY5" fmla="*/ 94353 h 1544770"/>
+                <a:gd name="connsiteX0" fmla="*/ 0 w 1714001"/>
+                <a:gd name="connsiteY0" fmla="*/ 94353 h 1544770"/>
+                <a:gd name="connsiteX1" fmla="*/ 1714001 w 1714001"/>
+                <a:gd name="connsiteY1" fmla="*/ 0 h 1544770"/>
+                <a:gd name="connsiteX2" fmla="*/ 1488659 w 1714001"/>
+                <a:gd name="connsiteY2" fmla="*/ 1458655 h 1544770"/>
+                <a:gd name="connsiteX3" fmla="*/ 867694 w 1714001"/>
+                <a:gd name="connsiteY3" fmla="*/ 1544770 h 1544770"/>
+                <a:gd name="connsiteX4" fmla="*/ 53178 w 1714001"/>
+                <a:gd name="connsiteY4" fmla="*/ 1525917 h 1544770"/>
+                <a:gd name="connsiteX5" fmla="*/ 0 w 1714001"/>
+                <a:gd name="connsiteY5" fmla="*/ 94353 h 1544770"/>
+                <a:gd name="connsiteX0" fmla="*/ 0 w 1714001"/>
+                <a:gd name="connsiteY0" fmla="*/ 94353 h 1544770"/>
+                <a:gd name="connsiteX1" fmla="*/ 1714001 w 1714001"/>
+                <a:gd name="connsiteY1" fmla="*/ 0 h 1544770"/>
+                <a:gd name="connsiteX2" fmla="*/ 1488659 w 1714001"/>
+                <a:gd name="connsiteY2" fmla="*/ 1458655 h 1544770"/>
+                <a:gd name="connsiteX3" fmla="*/ 867694 w 1714001"/>
+                <a:gd name="connsiteY3" fmla="*/ 1544770 h 1544770"/>
+                <a:gd name="connsiteX4" fmla="*/ 53178 w 1714001"/>
+                <a:gd name="connsiteY4" fmla="*/ 1525917 h 1544770"/>
+                <a:gd name="connsiteX5" fmla="*/ 0 w 1714001"/>
+                <a:gd name="connsiteY5" fmla="*/ 94353 h 1544770"/>
+              </a:gdLst>
+              <a:ahLst/>
+              <a:cxnLst>
+                <a:cxn ang="0">
+                  <a:pos x="connsiteX0" y="connsiteY0"/>
+                </a:cxn>
+                <a:cxn ang="0">
+                  <a:pos x="connsiteX1" y="connsiteY1"/>
+                </a:cxn>
+                <a:cxn ang="0">
+                  <a:pos x="connsiteX2" y="connsiteY2"/>
+                </a:cxn>
+                <a:cxn ang="0">
+                  <a:pos x="connsiteX3" y="connsiteY3"/>
+                </a:cxn>
+                <a:cxn ang="0">
+                  <a:pos x="connsiteX4" y="connsiteY4"/>
+                </a:cxn>
+                <a:cxn ang="0">
+                  <a:pos x="connsiteX5" y="connsiteY5"/>
+                </a:cxn>
+              </a:cxnLst>
+              <a:rect l="l" t="t" r="r" b="b"/>
+              <a:pathLst>
+                <a:path w="1714001" h="1544770">
+                  <a:moveTo>
+                    <a:pt x="0" y="94353"/>
+                  </a:moveTo>
+                  <a:lnTo>
+                    <a:pt x="1714001" y="0"/>
+                  </a:lnTo>
+                  <a:lnTo>
+                    <a:pt x="1488659" y="1458655"/>
+                  </a:lnTo>
+                  <a:cubicBezTo>
+                    <a:pt x="1275934" y="1381435"/>
+                    <a:pt x="990623" y="1543773"/>
+                    <a:pt x="867694" y="1544770"/>
+                  </a:cubicBezTo>
+                  <a:lnTo>
+                    <a:pt x="53178" y="1525917"/>
+                  </a:lnTo>
+                  <a:lnTo>
+                    <a:pt x="0" y="94353"/>
+                  </a:lnTo>
+                  <a:close/>
+                </a:path>
+              </a:pathLst>
+            </a:custGeom>
+            <a:solidFill>
+              <a:schemeClr val="bg1">
+                <a:alpha val="70000"/>
+              </a:schemeClr>
+            </a:solidFill>
+            <a:ln>
+              <a:noFill/>
+            </a:ln>
+          </p:spPr>
+          <p:style>
+            <a:lnRef idx="2">
+              <a:schemeClr val="accent1">
+                <a:shade val="50000"/>
+              </a:schemeClr>
+            </a:lnRef>
+            <a:fillRef idx="1">
+              <a:schemeClr val="accent1"/>
+            </a:fillRef>
+            <a:effectRef idx="0">
+              <a:schemeClr val="accent1"/>
+            </a:effectRef>
+            <a:fontRef idx="minor">
+              <a:schemeClr val="lt1"/>
+            </a:fontRef>
+          </p:style>
+          <p:txBody>
+            <a:bodyPr rtlCol="0" anchor="ctr"/>
+            <a:lstStyle/>
+            <a:p>
+              <a:pPr algn="ctr"/>
+              <a:endParaRPr lang="en-US" sz="1100" dirty="0"/>
+            </a:p>
+          </p:txBody>
+        </p:sp>
+      </p:grpSp>
+      <p:sp>
+        <p:nvSpPr>
+          <p:cNvPr id="211" name="TextBox 210">
+            <a:extLst>
+              <a:ext uri="{FF2B5EF4-FFF2-40B4-BE49-F238E27FC236}">
+                <a16:creationId xmlns:a16="http://schemas.microsoft.com/office/drawing/2014/main" id="{FA8D4D10-5624-4E74-A123-45944BB5528F}"/>
+              </a:ext>
+            </a:extLst>
+          </p:cNvPr>
+          <p:cNvSpPr txBox="1"/>
+          <p:nvPr/>
+        </p:nvSpPr>
+        <p:spPr>
+          <a:xfrm>
+            <a:off x="3238735" y="8015767"/>
+            <a:ext cx="3952967" cy="707886"/>
+          </a:xfrm>
+          <a:prstGeom prst="rect">
+            <a:avLst/>
+          </a:prstGeom>
+          <a:noFill/>
+        </p:spPr>
+        <p:txBody>
+          <a:bodyPr wrap="square">
+            <a:spAutoFit/>
+          </a:bodyPr>
+          <a:lstStyle/>
+          <a:p>
+            <a:r>
+              <a:rPr lang="en-US" sz="2000" b="1" dirty="0">
+                <a:solidFill>
+                  <a:schemeClr val="accent6">
+                    <a:lumMod val="75000"/>
+                  </a:schemeClr>
+                </a:solidFill>
+                <a:latin typeface="+mj-lt"/>
+              </a:rPr>
+              <a:t>INFORMATION-BASED LOSSES</a:t>
+            </a:r>
+            <a:br>
+              <a:rPr lang="en-US" sz="2000" b="1" dirty="0">
+                <a:solidFill>
+                  <a:schemeClr val="bg1">
+                    <a:lumMod val="95000"/>
+                  </a:schemeClr>
+                </a:solidFill>
+                <a:latin typeface="+mj-lt"/>
+              </a:rPr>
+            </a:br>
+            <a:r>
+              <a:rPr lang="en-US" sz="2000" b="1" dirty="0">
+                <a:solidFill>
+                  <a:schemeClr val="bg1">
+                    <a:lumMod val="95000"/>
+                  </a:schemeClr>
+                </a:solidFill>
+                <a:latin typeface="+mj-lt"/>
+              </a:rPr>
+              <a:t>	</a:t>
+            </a:r>
+            <a:r>
+              <a:rPr lang="en-US" sz="2000" b="1" dirty="0">
+                <a:solidFill>
+                  <a:schemeClr val="accent6">
+                    <a:lumMod val="60000"/>
+                    <a:lumOff val="40000"/>
+                  </a:schemeClr>
+                </a:solidFill>
+                <a:latin typeface="+mj-lt"/>
+              </a:rPr>
+              <a:t>as Inconsistencies</a:t>
+            </a:r>
+            <a:endParaRPr lang="en-US" sz="2000" dirty="0">
+              <a:solidFill>
+                <a:schemeClr val="accent6">
+                  <a:lumMod val="60000"/>
+                  <a:lumOff val="40000"/>
+                </a:schemeClr>
+              </a:solidFill>
+              <a:latin typeface="+mj-lt"/>
+            </a:endParaRPr>
+          </a:p>
+        </p:txBody>
+      </p:sp>
+      <p:pic>
+        <p:nvPicPr>
+          <p:cNvPr id="320" name="Picture 319">
+            <a:extLst>
+              <a:ext uri="{FF2B5EF4-FFF2-40B4-BE49-F238E27FC236}">
+                <a16:creationId xmlns:a16="http://schemas.microsoft.com/office/drawing/2014/main" id="{484C1F22-1E0E-4F8D-A409-5F0DFA24AC5E}"/>
+              </a:ext>
+            </a:extLst>
+          </p:cNvPr>
+          <p:cNvPicPr>
+            <a:picLocks noChangeAspect="1"/>
+          </p:cNvPicPr>
+          <p:nvPr/>
+        </p:nvPicPr>
+        <p:blipFill>
+          <a:blip r:embed="rId35"/>
+          <a:srcRect/>
+          <a:stretch>
+            <a:fillRect/>
+          </a:stretch>
+        </p:blipFill>
+        <p:spPr>
+          <a:xfrm>
+            <a:off x="9509042" y="4629657"/>
+            <a:ext cx="7428119" cy="4690729"/>
+          </a:xfrm>
+          <a:custGeom>
+            <a:avLst/>
+            <a:gdLst>
+              <a:gd name="connsiteX0" fmla="*/ 871176 w 7428119"/>
+              <a:gd name="connsiteY0" fmla="*/ 0 h 4690729"/>
+              <a:gd name="connsiteX1" fmla="*/ 7428119 w 7428119"/>
+              <a:gd name="connsiteY1" fmla="*/ 0 h 4690729"/>
+              <a:gd name="connsiteX2" fmla="*/ 7428119 w 7428119"/>
+              <a:gd name="connsiteY2" fmla="*/ 4690729 h 4690729"/>
+              <a:gd name="connsiteX3" fmla="*/ 0 w 7428119"/>
+              <a:gd name="connsiteY3" fmla="*/ 4690729 h 4690729"/>
+              <a:gd name="connsiteX4" fmla="*/ 0 w 7428119"/>
+              <a:gd name="connsiteY4" fmla="*/ 1062083 h 4690729"/>
+              <a:gd name="connsiteX5" fmla="*/ 69220 w 7428119"/>
+              <a:gd name="connsiteY5" fmla="*/ 1040337 h 4690729"/>
+              <a:gd name="connsiteX6" fmla="*/ 871278 w 7428119"/>
+              <a:gd name="connsiteY6" fmla="*/ 1741 h 4690729"/>
+            </a:gdLst>
+            <a:ahLst/>
+            <a:cxnLst>
+              <a:cxn ang="0">
+                <a:pos x="connsiteX0" y="connsiteY0"/>
+              </a:cxn>
+              <a:cxn ang="0">
+                <a:pos x="connsiteX1" y="connsiteY1"/>
+              </a:cxn>
+              <a:cxn ang="0">
+                <a:pos x="connsiteX2" y="connsiteY2"/>
+              </a:cxn>
+              <a:cxn ang="0">
+                <a:pos x="connsiteX3" y="connsiteY3"/>
+              </a:cxn>
+              <a:cxn ang="0">
+                <a:pos x="connsiteX4" y="connsiteY4"/>
+              </a:cxn>
+              <a:cxn ang="0">
+                <a:pos x="connsiteX5" y="connsiteY5"/>
+              </a:cxn>
+              <a:cxn ang="0">
+                <a:pos x="connsiteX6" y="connsiteY6"/>
+              </a:cxn>
+            </a:cxnLst>
+            <a:rect l="l" t="t" r="r" b="b"/>
+            <a:pathLst>
+              <a:path w="7428119" h="4690729">
+                <a:moveTo>
+                  <a:pt x="871176" y="0"/>
+                </a:moveTo>
+                <a:lnTo>
+                  <a:pt x="7428119" y="0"/>
+                </a:lnTo>
+                <a:lnTo>
+                  <a:pt x="7428119" y="4690729"/>
+                </a:lnTo>
+                <a:lnTo>
+                  <a:pt x="0" y="4690729"/>
+                </a:lnTo>
+                <a:lnTo>
+                  <a:pt x="0" y="1062083"/>
+                </a:lnTo>
+                <a:lnTo>
+                  <a:pt x="69220" y="1040337"/>
+                </a:lnTo>
+                <a:cubicBezTo>
+                  <a:pt x="540556" y="869223"/>
+                  <a:pt x="871278" y="468633"/>
+                  <a:pt x="871278" y="1741"/>
+                </a:cubicBezTo>
+                <a:close/>
+              </a:path>
+            </a:pathLst>
+          </a:custGeom>
+          <a:solidFill>
+            <a:srgbClr val="FFFFFF">
+              <a:shade val="85000"/>
+            </a:srgbClr>
+          </a:solidFill>
+          <a:ln w="9525" cap="rnd">
+            <a:solidFill>
+              <a:srgbClr val="FFFFFF"/>
+            </a:solidFill>
+          </a:ln>
+          <a:effectLst>
+            <a:outerShdw blurRad="50000" algn="tl" rotWithShape="0">
+              <a:srgbClr val="000000">
+                <a:alpha val="41000"/>
+              </a:srgbClr>
+            </a:outerShdw>
+          </a:effectLst>
+          <a:scene3d>
+            <a:camera prst="orthographicFront"/>
+            <a:lightRig rig="twoPt" dir="t">
+              <a:rot lat="0" lon="0" rev="7800000"/>
+            </a:lightRig>
+          </a:scene3d>
+          <a:sp3d contourW="6350">
+            <a:bevelT w="50800" h="16510"/>
+            <a:contourClr>
+              <a:srgbClr val="C0C0C0"/>
+            </a:contourClr>
+          </a:sp3d>
+        </p:spPr>
+      </p:pic>
+      <p:sp>
+        <p:nvSpPr>
+          <p:cNvPr id="217" name="TextBox 216">
+            <a:extLst>
+              <a:ext uri="{FF2B5EF4-FFF2-40B4-BE49-F238E27FC236}">
+                <a16:creationId xmlns:a16="http://schemas.microsoft.com/office/drawing/2014/main" id="{5B028EDE-E7DA-40E2-8C5A-4783883B80A9}"/>
+              </a:ext>
+            </a:extLst>
+          </p:cNvPr>
+          <p:cNvSpPr txBox="1"/>
+          <p:nvPr/>
+        </p:nvSpPr>
+        <p:spPr>
+          <a:xfrm>
+            <a:off x="10670864" y="2775866"/>
+            <a:ext cx="4647647" cy="738664"/>
+          </a:xfrm>
+          <a:prstGeom prst="rect">
+            <a:avLst/>
+          </a:prstGeom>
+          <a:noFill/>
+        </p:spPr>
+        <p:txBody>
+          <a:bodyPr wrap="square">
+            <a:spAutoFit/>
+          </a:bodyPr>
+          <a:lstStyle/>
+          <a:p>
+            <a:r>
+              <a:rPr lang="en-US" sz="2400" b="1" dirty="0">
+                <a:solidFill>
+                  <a:schemeClr val="accent3">
+                    <a:lumMod val="50000"/>
+                  </a:schemeClr>
+                </a:solidFill>
+                <a:latin typeface="+mj-lt"/>
+              </a:rPr>
+              <a:t>STATISTICAL DIVERGENCES</a:t>
+            </a:r>
+            <a:br>
+              <a:rPr lang="en-US" sz="2400" b="1" dirty="0">
+                <a:solidFill>
+                  <a:schemeClr val="accent3">
+                    <a:lumMod val="50000"/>
+                  </a:schemeClr>
+                </a:solidFill>
+                <a:latin typeface="+mj-lt"/>
+              </a:rPr>
+            </a:br>
+            <a:r>
+              <a:rPr lang="en-US" b="1" dirty="0">
+                <a:solidFill>
+                  <a:schemeClr val="accent3">
+                    <a:lumMod val="60000"/>
+                    <a:lumOff val="40000"/>
+                  </a:schemeClr>
+                </a:solidFill>
+                <a:latin typeface="+mj-lt"/>
+              </a:rPr>
+              <a:t>	as Inconsistencies</a:t>
+            </a:r>
+          </a:p>
+        </p:txBody>
+      </p:sp>
+      <p:grpSp>
+        <p:nvGrpSpPr>
+          <p:cNvPr id="1034" name="Group 1033">
+            <a:extLst>
+              <a:ext uri="{FF2B5EF4-FFF2-40B4-BE49-F238E27FC236}">
+                <a16:creationId xmlns:a16="http://schemas.microsoft.com/office/drawing/2014/main" id="{F1AE9706-0A34-4FAF-9E6D-DDC337D71261}"/>
+              </a:ext>
+            </a:extLst>
+          </p:cNvPr>
+          <p:cNvGrpSpPr/>
+          <p:nvPr/>
+        </p:nvGrpSpPr>
+        <p:grpSpPr>
+          <a:xfrm>
+            <a:off x="9752503" y="9886397"/>
+            <a:ext cx="7552281" cy="3174655"/>
+            <a:chOff x="-1111834" y="1806679"/>
+            <a:chExt cx="11194921" cy="4705867"/>
+          </a:xfrm>
+        </p:grpSpPr>
+        <p:pic>
+          <p:nvPicPr>
+            <p:cNvPr id="218" name="Picture 217">
+              <a:extLst>
+                <a:ext uri="{FF2B5EF4-FFF2-40B4-BE49-F238E27FC236}">
+                  <a16:creationId xmlns:a16="http://schemas.microsoft.com/office/drawing/2014/main" id="{48786AD5-E83F-45EA-9997-E39CDEB2BE2C}"/>
+                </a:ext>
+              </a:extLst>
+            </p:cNvPr>
+            <p:cNvPicPr>
+              <a:picLocks noChangeAspect="1"/>
+            </p:cNvPicPr>
+            <p:nvPr/>
+          </p:nvPicPr>
+          <p:blipFill>
+            <a:blip r:embed="rId32">
+              <a:clrChange>
+                <a:clrFrom>
+                  <a:srgbClr val="FFFFFF"/>
+                </a:clrFrom>
+                <a:clrTo>
+                  <a:srgbClr val="FFFFFF">
+                    <a:alpha val="0"/>
+                  </a:srgbClr>
+                </a:clrTo>
+              </a:clrChange>
+            </a:blip>
+            <a:srcRect l="1452" t="10612" r="62657" b="68872"/>
+            <a:stretch>
+              <a:fillRect/>
+            </a:stretch>
+          </p:blipFill>
+          <p:spPr>
+            <a:xfrm>
+              <a:off x="-1111834" y="2815915"/>
+              <a:ext cx="2282586" cy="853441"/>
+            </a:xfrm>
+            <a:custGeom>
+              <a:avLst/>
+              <a:gdLst>
+                <a:gd name="connsiteX0" fmla="*/ 0 w 2282586"/>
+                <a:gd name="connsiteY0" fmla="*/ 0 h 853440"/>
+                <a:gd name="connsiteX1" fmla="*/ 2282586 w 2282586"/>
+                <a:gd name="connsiteY1" fmla="*/ 0 h 853440"/>
+                <a:gd name="connsiteX2" fmla="*/ 2282586 w 2282586"/>
+                <a:gd name="connsiteY2" fmla="*/ 853440 h 853440"/>
+                <a:gd name="connsiteX3" fmla="*/ 0 w 2282586"/>
+                <a:gd name="connsiteY3" fmla="*/ 853440 h 853440"/>
+                <a:gd name="connsiteX4" fmla="*/ 0 w 2282586"/>
+                <a:gd name="connsiteY4" fmla="*/ 0 h 853440"/>
+              </a:gdLst>
+              <a:ahLst/>
+              <a:cxnLst>
+                <a:cxn ang="0">
+                  <a:pos x="connsiteX0" y="connsiteY0"/>
+                </a:cxn>
+                <a:cxn ang="0">
+                  <a:pos x="connsiteX1" y="connsiteY1"/>
+                </a:cxn>
+                <a:cxn ang="0">
+                  <a:pos x="connsiteX2" y="connsiteY2"/>
+                </a:cxn>
+                <a:cxn ang="0">
+                  <a:pos x="connsiteX3" y="connsiteY3"/>
+                </a:cxn>
+                <a:cxn ang="0">
+                  <a:pos x="connsiteX4" y="connsiteY4"/>
+                </a:cxn>
+              </a:cxnLst>
+              <a:rect l="l" t="t" r="r" b="b"/>
+              <a:pathLst>
+                <a:path w="2282586" h="853440">
+                  <a:moveTo>
+                    <a:pt x="0" y="0"/>
+                  </a:moveTo>
+                  <a:lnTo>
+                    <a:pt x="2282586" y="0"/>
+                  </a:lnTo>
+                  <a:lnTo>
+                    <a:pt x="2282586" y="853440"/>
+                  </a:lnTo>
+                  <a:lnTo>
+                    <a:pt x="0" y="853440"/>
+                  </a:lnTo>
+                  <a:lnTo>
+                    <a:pt x="0" y="0"/>
+                  </a:lnTo>
+                  <a:close/>
+                </a:path>
+              </a:pathLst>
+            </a:custGeom>
+          </p:spPr>
+        </p:pic>
+        <p:grpSp>
+          <p:nvGrpSpPr>
+            <p:cNvPr id="219" name="Group 218">
+              <a:extLst>
+                <a:ext uri="{FF2B5EF4-FFF2-40B4-BE49-F238E27FC236}">
+                  <a16:creationId xmlns:a16="http://schemas.microsoft.com/office/drawing/2014/main" id="{DFC90E9D-07BC-4DAD-AD70-04B927F7805F}"/>
+                </a:ext>
+              </a:extLst>
+            </p:cNvPr>
+            <p:cNvGrpSpPr/>
+            <p:nvPr/>
+          </p:nvGrpSpPr>
+          <p:grpSpPr>
+            <a:xfrm>
+              <a:off x="1266981" y="2675070"/>
+              <a:ext cx="2911992" cy="1484882"/>
+              <a:chOff x="1476089" y="2778769"/>
+              <a:chExt cx="2911992" cy="1484882"/>
+            </a:xfrm>
+          </p:grpSpPr>
+          <p:pic>
+            <p:nvPicPr>
+              <p:cNvPr id="220" name="Picture 219">
+                <a:extLst>
+                  <a:ext uri="{FF2B5EF4-FFF2-40B4-BE49-F238E27FC236}">
+                    <a16:creationId xmlns:a16="http://schemas.microsoft.com/office/drawing/2014/main" id="{115D689B-8F8C-49E5-BB25-0BC485238CB7}"/>
+                  </a:ext>
+                </a:extLst>
+              </p:cNvPr>
+              <p:cNvPicPr>
+                <a:picLocks noChangeAspect="1"/>
+              </p:cNvPicPr>
+              <p:nvPr/>
+            </p:nvPicPr>
+            <p:blipFill>
+              <a:blip r:embed="rId32">
+                <a:clrChange>
+                  <a:clrFrom>
+                    <a:srgbClr val="FFFFFF"/>
+                  </a:clrFrom>
+                  <a:clrTo>
+                    <a:srgbClr val="FFFFFF">
+                      <a:alpha val="0"/>
+                    </a:srgbClr>
+                  </a:clrTo>
+                </a:clrChange>
+              </a:blip>
+              <a:srcRect l="44292" t="1478" r="16694" b="62828"/>
+              <a:stretch>
+                <a:fillRect/>
+              </a:stretch>
+            </p:blipFill>
+            <p:spPr>
+              <a:xfrm>
+                <a:off x="1906898" y="2778769"/>
+                <a:ext cx="2481183" cy="1484882"/>
+              </a:xfrm>
+              <a:custGeom>
+                <a:avLst/>
+                <a:gdLst>
+                  <a:gd name="connsiteX0" fmla="*/ 0 w 2481184"/>
+                  <a:gd name="connsiteY0" fmla="*/ 0 h 1484883"/>
+                  <a:gd name="connsiteX1" fmla="*/ 2481184 w 2481184"/>
+                  <a:gd name="connsiteY1" fmla="*/ 0 h 1484883"/>
+                  <a:gd name="connsiteX2" fmla="*/ 2481184 w 2481184"/>
+                  <a:gd name="connsiteY2" fmla="*/ 1484883 h 1484883"/>
+                  <a:gd name="connsiteX3" fmla="*/ 0 w 2481184"/>
+                  <a:gd name="connsiteY3" fmla="*/ 1484883 h 1484883"/>
+                  <a:gd name="connsiteX4" fmla="*/ 0 w 2481184"/>
+                  <a:gd name="connsiteY4" fmla="*/ 0 h 1484883"/>
+                </a:gdLst>
+                <a:ahLst/>
+                <a:cxnLst>
+                  <a:cxn ang="0">
+                    <a:pos x="connsiteX0" y="connsiteY0"/>
+                  </a:cxn>
+                  <a:cxn ang="0">
+                    <a:pos x="connsiteX1" y="connsiteY1"/>
+                  </a:cxn>
+                  <a:cxn ang="0">
+                    <a:pos x="connsiteX2" y="connsiteY2"/>
+                  </a:cxn>
+                  <a:cxn ang="0">
+                    <a:pos x="connsiteX3" y="connsiteY3"/>
+                  </a:cxn>
+                  <a:cxn ang="0">
+                    <a:pos x="connsiteX4" y="connsiteY4"/>
+                  </a:cxn>
+                </a:cxnLst>
+                <a:rect l="l" t="t" r="r" b="b"/>
+                <a:pathLst>
+                  <a:path w="2481184" h="1484883">
+                    <a:moveTo>
+                      <a:pt x="0" y="0"/>
+                    </a:moveTo>
+                    <a:lnTo>
+                      <a:pt x="2481184" y="0"/>
+                    </a:lnTo>
+                    <a:lnTo>
+                      <a:pt x="2481184" y="1484883"/>
+                    </a:lnTo>
+                    <a:lnTo>
+                      <a:pt x="0" y="1484883"/>
+                    </a:lnTo>
+                    <a:lnTo>
+                      <a:pt x="0" y="0"/>
+                    </a:lnTo>
+                    <a:close/>
+                  </a:path>
+                </a:pathLst>
+              </a:custGeom>
+            </p:spPr>
+          </p:pic>
+          <p:pic>
+            <p:nvPicPr>
+              <p:cNvPr id="221" name="Picture 220">
+                <a:extLst>
+                  <a:ext uri="{FF2B5EF4-FFF2-40B4-BE49-F238E27FC236}">
+                    <a16:creationId xmlns:a16="http://schemas.microsoft.com/office/drawing/2014/main" id="{C8D56A60-EC1D-4DCA-A83D-B578D006769B}"/>
+                  </a:ext>
+                </a:extLst>
+              </p:cNvPr>
+              <p:cNvPicPr>
+                <a:picLocks noChangeAspect="1"/>
+              </p:cNvPicPr>
+              <p:nvPr/>
+            </p:nvPicPr>
+            <p:blipFill>
+              <a:blip r:embed="rId32">
+                <a:clrChange>
+                  <a:clrFrom>
+                    <a:srgbClr val="FFFFFF"/>
+                  </a:clrFrom>
+                  <a:clrTo>
+                    <a:srgbClr val="FFFFFF">
+                      <a:alpha val="0"/>
+                    </a:srgbClr>
+                  </a:clrTo>
+                </a:clrChange>
+              </a:blip>
+              <a:srcRect l="38734" t="15993" r="57243" b="76869"/>
+              <a:stretch>
+                <a:fillRect/>
+              </a:stretch>
+            </p:blipFill>
+            <p:spPr>
+              <a:xfrm>
+                <a:off x="1476089" y="3210124"/>
+                <a:ext cx="255865" cy="296926"/>
+              </a:xfrm>
+              <a:custGeom>
+                <a:avLst/>
+                <a:gdLst>
+                  <a:gd name="connsiteX0" fmla="*/ 0 w 255866"/>
+                  <a:gd name="connsiteY0" fmla="*/ 0 h 296926"/>
+                  <a:gd name="connsiteX1" fmla="*/ 255866 w 255866"/>
+                  <a:gd name="connsiteY1" fmla="*/ 0 h 296926"/>
+                  <a:gd name="connsiteX2" fmla="*/ 255866 w 255866"/>
+                  <a:gd name="connsiteY2" fmla="*/ 296926 h 296926"/>
+                  <a:gd name="connsiteX3" fmla="*/ 0 w 255866"/>
+                  <a:gd name="connsiteY3" fmla="*/ 296926 h 296926"/>
+                  <a:gd name="connsiteX4" fmla="*/ 0 w 255866"/>
+                  <a:gd name="connsiteY4" fmla="*/ 0 h 296926"/>
+                </a:gdLst>
+                <a:ahLst/>
+                <a:cxnLst>
+                  <a:cxn ang="0">
+                    <a:pos x="connsiteX0" y="connsiteY0"/>
+                  </a:cxn>
+                  <a:cxn ang="0">
+                    <a:pos x="connsiteX1" y="connsiteY1"/>
+                  </a:cxn>
+                  <a:cxn ang="0">
+                    <a:pos x="connsiteX2" y="connsiteY2"/>
+                  </a:cxn>
+                  <a:cxn ang="0">
+                    <a:pos x="connsiteX3" y="connsiteY3"/>
+                  </a:cxn>
+                  <a:cxn ang="0">
+                    <a:pos x="connsiteX4" y="connsiteY4"/>
+                  </a:cxn>
+                </a:cxnLst>
+                <a:rect l="l" t="t" r="r" b="b"/>
+                <a:pathLst>
+                  <a:path w="255866" h="296926">
+                    <a:moveTo>
+                      <a:pt x="0" y="0"/>
+                    </a:moveTo>
+                    <a:lnTo>
+                      <a:pt x="255866" y="0"/>
+                    </a:lnTo>
+                    <a:lnTo>
+                      <a:pt x="255866" y="296926"/>
+                    </a:lnTo>
+                    <a:lnTo>
+                      <a:pt x="0" y="296926"/>
+                    </a:lnTo>
+                    <a:lnTo>
+                      <a:pt x="0" y="0"/>
+                    </a:lnTo>
+                    <a:close/>
+                  </a:path>
+                </a:pathLst>
+              </a:custGeom>
+            </p:spPr>
+          </p:pic>
+        </p:grpSp>
+        <p:grpSp>
+          <p:nvGrpSpPr>
+            <p:cNvPr id="222" name="Group 221">
+              <a:extLst>
+                <a:ext uri="{FF2B5EF4-FFF2-40B4-BE49-F238E27FC236}">
+                  <a16:creationId xmlns:a16="http://schemas.microsoft.com/office/drawing/2014/main" id="{D0D265F8-6F7E-452D-92F7-0FF53487A782}"/>
+                </a:ext>
+              </a:extLst>
+            </p:cNvPr>
+            <p:cNvGrpSpPr/>
+            <p:nvPr/>
+          </p:nvGrpSpPr>
+          <p:grpSpPr>
+            <a:xfrm>
+              <a:off x="366387" y="4125840"/>
+              <a:ext cx="3962732" cy="1365114"/>
+              <a:chOff x="1857656" y="4063949"/>
+              <a:chExt cx="3962732" cy="1365114"/>
+            </a:xfrm>
+          </p:grpSpPr>
+          <p:pic>
+            <p:nvPicPr>
+              <p:cNvPr id="223" name="Picture 222">
+                <a:extLst>
+                  <a:ext uri="{FF2B5EF4-FFF2-40B4-BE49-F238E27FC236}">
+                    <a16:creationId xmlns:a16="http://schemas.microsoft.com/office/drawing/2014/main" id="{E7C41E7E-C730-4781-913C-72A418360708}"/>
+                  </a:ext>
+                </a:extLst>
+              </p:cNvPr>
+              <p:cNvPicPr>
+                <a:picLocks noChangeAspect="1"/>
+              </p:cNvPicPr>
+              <p:nvPr/>
+            </p:nvPicPr>
+            <p:blipFill>
+              <a:blip r:embed="rId32">
+                <a:clrChange>
+                  <a:clrFrom>
+                    <a:srgbClr val="FFFFFF"/>
+                  </a:clrFrom>
+                  <a:clrTo>
+                    <a:srgbClr val="FFFFFF">
+                      <a:alpha val="0"/>
+                    </a:srgbClr>
+                  </a:clrTo>
+                </a:clrChange>
+              </a:blip>
+              <a:srcRect l="44292" t="37491" r="1085" b="29695"/>
+              <a:stretch>
+                <a:fillRect/>
+              </a:stretch>
+            </p:blipFill>
+            <p:spPr>
+              <a:xfrm>
+                <a:off x="2346500" y="4063949"/>
+                <a:ext cx="3473888" cy="1365114"/>
+              </a:xfrm>
+              <a:custGeom>
+                <a:avLst/>
+                <a:gdLst>
+                  <a:gd name="connsiteX0" fmla="*/ 0 w 3473888"/>
+                  <a:gd name="connsiteY0" fmla="*/ 0 h 1365114"/>
+                  <a:gd name="connsiteX1" fmla="*/ 3473888 w 3473888"/>
+                  <a:gd name="connsiteY1" fmla="*/ 0 h 1365114"/>
+                  <a:gd name="connsiteX2" fmla="*/ 3473888 w 3473888"/>
+                  <a:gd name="connsiteY2" fmla="*/ 1365114 h 1365114"/>
+                  <a:gd name="connsiteX3" fmla="*/ 0 w 3473888"/>
+                  <a:gd name="connsiteY3" fmla="*/ 1365114 h 1365114"/>
+                  <a:gd name="connsiteX4" fmla="*/ 0 w 3473888"/>
+                  <a:gd name="connsiteY4" fmla="*/ 0 h 1365114"/>
+                </a:gdLst>
+                <a:ahLst/>
+                <a:cxnLst>
+                  <a:cxn ang="0">
+                    <a:pos x="connsiteX0" y="connsiteY0"/>
+                  </a:cxn>
+                  <a:cxn ang="0">
+                    <a:pos x="connsiteX1" y="connsiteY1"/>
+                  </a:cxn>
+                  <a:cxn ang="0">
+                    <a:pos x="connsiteX2" y="connsiteY2"/>
+                  </a:cxn>
+                  <a:cxn ang="0">
+                    <a:pos x="connsiteX3" y="connsiteY3"/>
+                  </a:cxn>
+                  <a:cxn ang="0">
+                    <a:pos x="connsiteX4" y="connsiteY4"/>
+                  </a:cxn>
+                </a:cxnLst>
+                <a:rect l="l" t="t" r="r" b="b"/>
+                <a:pathLst>
+                  <a:path w="3473888" h="1365114">
+                    <a:moveTo>
+                      <a:pt x="0" y="0"/>
+                    </a:moveTo>
+                    <a:lnTo>
+                      <a:pt x="3473888" y="0"/>
+                    </a:lnTo>
+                    <a:lnTo>
+                      <a:pt x="3473888" y="1365114"/>
+                    </a:lnTo>
+                    <a:lnTo>
+                      <a:pt x="0" y="1365114"/>
+                    </a:lnTo>
+                    <a:lnTo>
+                      <a:pt x="0" y="0"/>
+                    </a:lnTo>
+                    <a:close/>
+                  </a:path>
+                </a:pathLst>
+              </a:custGeom>
+            </p:spPr>
+          </p:pic>
+          <p:pic>
+            <p:nvPicPr>
+              <p:cNvPr id="224" name="Picture 223">
+                <a:extLst>
+                  <a:ext uri="{FF2B5EF4-FFF2-40B4-BE49-F238E27FC236}">
+                    <a16:creationId xmlns:a16="http://schemas.microsoft.com/office/drawing/2014/main" id="{0FFE6766-244E-4C68-889B-428E3B4828F8}"/>
+                  </a:ext>
+                </a:extLst>
+              </p:cNvPr>
+              <p:cNvPicPr>
+                <a:picLocks noChangeAspect="1"/>
+              </p:cNvPicPr>
+              <p:nvPr/>
+            </p:nvPicPr>
+            <p:blipFill>
+              <a:blip r:embed="rId32">
+                <a:clrChange>
+                  <a:clrFrom>
+                    <a:srgbClr val="FFFFFF"/>
+                  </a:clrFrom>
+                  <a:clrTo>
+                    <a:srgbClr val="FFFFFF">
+                      <a:alpha val="0"/>
+                    </a:srgbClr>
+                  </a:clrTo>
+                </a:clrChange>
+              </a:blip>
+              <a:srcRect l="38734" t="52051" r="57385" b="42809"/>
+              <a:stretch>
+                <a:fillRect/>
+              </a:stretch>
+            </p:blipFill>
+            <p:spPr>
+              <a:xfrm>
+                <a:off x="1857656" y="4564542"/>
+                <a:ext cx="246780" cy="213825"/>
+              </a:xfrm>
+              <a:custGeom>
+                <a:avLst/>
+                <a:gdLst>
+                  <a:gd name="connsiteX0" fmla="*/ 0 w 246780"/>
+                  <a:gd name="connsiteY0" fmla="*/ 0 h 213825"/>
+                  <a:gd name="connsiteX1" fmla="*/ 246780 w 246780"/>
+                  <a:gd name="connsiteY1" fmla="*/ 0 h 213825"/>
+                  <a:gd name="connsiteX2" fmla="*/ 246780 w 246780"/>
+                  <a:gd name="connsiteY2" fmla="*/ 213825 h 213825"/>
+                  <a:gd name="connsiteX3" fmla="*/ 0 w 246780"/>
+                  <a:gd name="connsiteY3" fmla="*/ 213825 h 213825"/>
+                  <a:gd name="connsiteX4" fmla="*/ 0 w 246780"/>
+                  <a:gd name="connsiteY4" fmla="*/ 0 h 213825"/>
+                </a:gdLst>
+                <a:ahLst/>
+                <a:cxnLst>
+                  <a:cxn ang="0">
+                    <a:pos x="connsiteX0" y="connsiteY0"/>
+                  </a:cxn>
+                  <a:cxn ang="0">
+                    <a:pos x="connsiteX1" y="connsiteY1"/>
+                  </a:cxn>
+                  <a:cxn ang="0">
+                    <a:pos x="connsiteX2" y="connsiteY2"/>
+                  </a:cxn>
+                  <a:cxn ang="0">
+                    <a:pos x="connsiteX3" y="connsiteY3"/>
+                  </a:cxn>
+                  <a:cxn ang="0">
+                    <a:pos x="connsiteX4" y="connsiteY4"/>
+                  </a:cxn>
+                </a:cxnLst>
+                <a:rect l="l" t="t" r="r" b="b"/>
+                <a:pathLst>
+                  <a:path w="246780" h="213825">
+                    <a:moveTo>
+                      <a:pt x="0" y="0"/>
+                    </a:moveTo>
+                    <a:lnTo>
+                      <a:pt x="246780" y="0"/>
+                    </a:lnTo>
+                    <a:lnTo>
+                      <a:pt x="246780" y="213825"/>
+                    </a:lnTo>
+                    <a:lnTo>
+                      <a:pt x="0" y="213825"/>
+                    </a:lnTo>
+                    <a:lnTo>
+                      <a:pt x="0" y="0"/>
+                    </a:lnTo>
+                    <a:close/>
+                  </a:path>
+                </a:pathLst>
+              </a:custGeom>
+            </p:spPr>
+          </p:pic>
+        </p:grpSp>
+        <p:pic>
+          <p:nvPicPr>
+            <p:cNvPr id="225" name="Picture 224">
+              <a:extLst>
+                <a:ext uri="{FF2B5EF4-FFF2-40B4-BE49-F238E27FC236}">
+                  <a16:creationId xmlns:a16="http://schemas.microsoft.com/office/drawing/2014/main" id="{AA7E895B-65A2-4734-83EB-4FB275043132}"/>
+                </a:ext>
+              </a:extLst>
+            </p:cNvPr>
+            <p:cNvPicPr>
+              <a:picLocks noChangeAspect="1"/>
+            </p:cNvPicPr>
+            <p:nvPr/>
+          </p:nvPicPr>
+          <p:blipFill>
+            <a:blip r:embed="rId32">
+              <a:clrChange>
+                <a:clrFrom>
+                  <a:srgbClr val="FFFFFF"/>
+                </a:clrFrom>
+                <a:clrTo>
+                  <a:srgbClr val="FFFFFF">
+                    <a:alpha val="0"/>
+                  </a:srgbClr>
+                </a:clrTo>
+              </a:clrChange>
+            </a:blip>
+            <a:srcRect l="43207" t="72474" r="474" b="916"/>
+            <a:stretch>
+              <a:fillRect/>
+            </a:stretch>
+          </p:blipFill>
+          <p:spPr>
+            <a:xfrm>
+              <a:off x="5214432" y="4326431"/>
+              <a:ext cx="3581757" cy="1106982"/>
+            </a:xfrm>
+            <a:custGeom>
+              <a:avLst/>
+              <a:gdLst>
+                <a:gd name="connsiteX0" fmla="*/ 0 w 3581757"/>
+                <a:gd name="connsiteY0" fmla="*/ 0 h 1106982"/>
+                <a:gd name="connsiteX1" fmla="*/ 3581757 w 3581757"/>
+                <a:gd name="connsiteY1" fmla="*/ 0 h 1106982"/>
+                <a:gd name="connsiteX2" fmla="*/ 3581757 w 3581757"/>
+                <a:gd name="connsiteY2" fmla="*/ 1106982 h 1106982"/>
+                <a:gd name="connsiteX3" fmla="*/ 0 w 3581757"/>
+                <a:gd name="connsiteY3" fmla="*/ 1106982 h 1106982"/>
+                <a:gd name="connsiteX4" fmla="*/ 0 w 3581757"/>
+                <a:gd name="connsiteY4" fmla="*/ 0 h 1106982"/>
+              </a:gdLst>
+              <a:ahLst/>
+              <a:cxnLst>
+                <a:cxn ang="0">
+                  <a:pos x="connsiteX0" y="connsiteY0"/>
+                </a:cxn>
+                <a:cxn ang="0">
+                  <a:pos x="connsiteX1" y="connsiteY1"/>
+                </a:cxn>
+                <a:cxn ang="0">
+                  <a:pos x="connsiteX2" y="connsiteY2"/>
+                </a:cxn>
+                <a:cxn ang="0">
+                  <a:pos x="connsiteX3" y="connsiteY3"/>
+                </a:cxn>
+                <a:cxn ang="0">
+                  <a:pos x="connsiteX4" y="connsiteY4"/>
+                </a:cxn>
+              </a:cxnLst>
+              <a:rect l="l" t="t" r="r" b="b"/>
+              <a:pathLst>
+                <a:path w="3581757" h="1106982">
+                  <a:moveTo>
+                    <a:pt x="0" y="0"/>
+                  </a:moveTo>
+                  <a:lnTo>
+                    <a:pt x="3581757" y="0"/>
+                  </a:lnTo>
+                  <a:lnTo>
+                    <a:pt x="3581757" y="1106982"/>
+                  </a:lnTo>
+                  <a:lnTo>
+                    <a:pt x="0" y="1106982"/>
+                  </a:lnTo>
+                  <a:lnTo>
+                    <a:pt x="0" y="0"/>
+                  </a:lnTo>
+                  <a:close/>
+                </a:path>
+              </a:pathLst>
+            </a:custGeom>
+          </p:spPr>
+        </p:pic>
+        <p:pic>
+          <p:nvPicPr>
+            <p:cNvPr id="226" name="Picture 225">
+              <a:extLst>
+                <a:ext uri="{FF2B5EF4-FFF2-40B4-BE49-F238E27FC236}">
+                  <a16:creationId xmlns:a16="http://schemas.microsoft.com/office/drawing/2014/main" id="{26BDE37F-96AE-49A1-B5B9-9CD38EB8642B}"/>
+                </a:ext>
+              </a:extLst>
+            </p:cNvPr>
+            <p:cNvPicPr>
+              <a:picLocks noChangeAspect="1"/>
+            </p:cNvPicPr>
+            <p:nvPr/>
+          </p:nvPicPr>
+          <p:blipFill>
+            <a:blip r:embed="rId32">
+              <a:clrChange>
+                <a:clrFrom>
+                  <a:srgbClr val="FFFFFF"/>
+                </a:clrFrom>
+                <a:clrTo>
+                  <a:srgbClr val="FFFFFF">
+                    <a:alpha val="0"/>
+                  </a:srgbClr>
+                </a:clrTo>
+              </a:clrChange>
+            </a:blip>
+            <a:srcRect l="38316" t="82543" r="57661" b="10320"/>
+            <a:stretch>
+              <a:fillRect/>
+            </a:stretch>
+          </p:blipFill>
+          <p:spPr>
+            <a:xfrm>
+              <a:off x="4592484" y="4698610"/>
+              <a:ext cx="255865" cy="296926"/>
+            </a:xfrm>
+            <a:custGeom>
+              <a:avLst/>
+              <a:gdLst>
+                <a:gd name="connsiteX0" fmla="*/ 0 w 255866"/>
+                <a:gd name="connsiteY0" fmla="*/ 0 h 296926"/>
+                <a:gd name="connsiteX1" fmla="*/ 255866 w 255866"/>
+                <a:gd name="connsiteY1" fmla="*/ 0 h 296926"/>
+                <a:gd name="connsiteX2" fmla="*/ 255866 w 255866"/>
+                <a:gd name="connsiteY2" fmla="*/ 296926 h 296926"/>
+                <a:gd name="connsiteX3" fmla="*/ 0 w 255866"/>
+                <a:gd name="connsiteY3" fmla="*/ 296926 h 296926"/>
+                <a:gd name="connsiteX4" fmla="*/ 0 w 255866"/>
+                <a:gd name="connsiteY4" fmla="*/ 0 h 296926"/>
+              </a:gdLst>
+              <a:ahLst/>
+              <a:cxnLst>
+                <a:cxn ang="0">
+                  <a:pos x="connsiteX0" y="connsiteY0"/>
+                </a:cxn>
+                <a:cxn ang="0">
+                  <a:pos x="connsiteX1" y="connsiteY1"/>
+                </a:cxn>
+                <a:cxn ang="0">
+                  <a:pos x="connsiteX2" y="connsiteY2"/>
+                </a:cxn>
+                <a:cxn ang="0">
+                  <a:pos x="connsiteX3" y="connsiteY3"/>
+                </a:cxn>
+                <a:cxn ang="0">
+                  <a:pos x="connsiteX4" y="connsiteY4"/>
+                </a:cxn>
+              </a:cxnLst>
+              <a:rect l="l" t="t" r="r" b="b"/>
+              <a:pathLst>
+                <a:path w="255866" h="296926">
+                  <a:moveTo>
+                    <a:pt x="0" y="0"/>
+                  </a:moveTo>
+                  <a:lnTo>
+                    <a:pt x="255866" y="0"/>
+                  </a:lnTo>
+                  <a:lnTo>
+                    <a:pt x="255866" y="296926"/>
+                  </a:lnTo>
+                  <a:lnTo>
+                    <a:pt x="0" y="296926"/>
+                  </a:lnTo>
+                  <a:lnTo>
+                    <a:pt x="0" y="0"/>
+                  </a:lnTo>
+                  <a:close/>
+                </a:path>
+              </a:pathLst>
+            </a:custGeom>
+          </p:spPr>
+        </p:pic>
+        <p:pic>
+          <p:nvPicPr>
+            <p:cNvPr id="227" name="Picture 226">
+              <a:extLst>
+                <a:ext uri="{FF2B5EF4-FFF2-40B4-BE49-F238E27FC236}">
+                  <a16:creationId xmlns:a16="http://schemas.microsoft.com/office/drawing/2014/main" id="{42051562-11A5-4C72-982F-20BD3E19B8A0}"/>
+                </a:ext>
+              </a:extLst>
+            </p:cNvPr>
+            <p:cNvPicPr>
+              <a:picLocks noChangeAspect="1"/>
+            </p:cNvPicPr>
+            <p:nvPr/>
+          </p:nvPicPr>
+          <p:blipFill>
+            <a:blip r:embed="rId36">
+              <a:clrChange>
+                <a:clrFrom>
+                  <a:srgbClr val="FFFFFF"/>
+                </a:clrFrom>
+                <a:clrTo>
+                  <a:srgbClr val="FFFFFF">
+                    <a:alpha val="0"/>
+                  </a:srgbClr>
+                </a:clrTo>
+              </a:clrChange>
+            </a:blip>
+            <a:srcRect l="12750" t="13890" r="1775" b="6696"/>
+            <a:stretch>
+              <a:fillRect/>
+            </a:stretch>
+          </p:blipFill>
+          <p:spPr>
+            <a:xfrm>
+              <a:off x="7426247" y="5592921"/>
+              <a:ext cx="2656840" cy="876301"/>
+            </a:xfrm>
+            <a:custGeom>
+              <a:avLst/>
+              <a:gdLst>
+                <a:gd name="connsiteX0" fmla="*/ 0 w 2656840"/>
+                <a:gd name="connsiteY0" fmla="*/ 0 h 876300"/>
+                <a:gd name="connsiteX1" fmla="*/ 2656840 w 2656840"/>
+                <a:gd name="connsiteY1" fmla="*/ 0 h 876300"/>
+                <a:gd name="connsiteX2" fmla="*/ 2656840 w 2656840"/>
+                <a:gd name="connsiteY2" fmla="*/ 876300 h 876300"/>
+                <a:gd name="connsiteX3" fmla="*/ 0 w 2656840"/>
+                <a:gd name="connsiteY3" fmla="*/ 876300 h 876300"/>
+                <a:gd name="connsiteX4" fmla="*/ 0 w 2656840"/>
+                <a:gd name="connsiteY4" fmla="*/ 0 h 876300"/>
+              </a:gdLst>
+              <a:ahLst/>
+              <a:cxnLst>
+                <a:cxn ang="0">
+                  <a:pos x="connsiteX0" y="connsiteY0"/>
+                </a:cxn>
+                <a:cxn ang="0">
+                  <a:pos x="connsiteX1" y="connsiteY1"/>
+                </a:cxn>
+                <a:cxn ang="0">
+                  <a:pos x="connsiteX2" y="connsiteY2"/>
+                </a:cxn>
+                <a:cxn ang="0">
+                  <a:pos x="connsiteX3" y="connsiteY3"/>
+                </a:cxn>
+                <a:cxn ang="0">
+                  <a:pos x="connsiteX4" y="connsiteY4"/>
+                </a:cxn>
+              </a:cxnLst>
+              <a:rect l="l" t="t" r="r" b="b"/>
+              <a:pathLst>
+                <a:path w="2656840" h="876300">
+                  <a:moveTo>
+                    <a:pt x="0" y="0"/>
+                  </a:moveTo>
+                  <a:lnTo>
+                    <a:pt x="2656840" y="0"/>
+                  </a:lnTo>
+                  <a:lnTo>
+                    <a:pt x="2656840" y="876300"/>
+                  </a:lnTo>
+                  <a:lnTo>
+                    <a:pt x="0" y="876300"/>
+                  </a:lnTo>
+                  <a:lnTo>
+                    <a:pt x="0" y="0"/>
+                  </a:lnTo>
+                  <a:close/>
+                </a:path>
+              </a:pathLst>
+            </a:custGeom>
+          </p:spPr>
+        </p:pic>
+        <p:pic>
+          <p:nvPicPr>
+            <p:cNvPr id="228" name="Picture 227">
+              <a:extLst>
+                <a:ext uri="{FF2B5EF4-FFF2-40B4-BE49-F238E27FC236}">
+                  <a16:creationId xmlns:a16="http://schemas.microsoft.com/office/drawing/2014/main" id="{4D364C4D-F16F-4020-88E3-1B51D591CFB9}"/>
+                </a:ext>
+              </a:extLst>
+            </p:cNvPr>
+            <p:cNvPicPr>
+              <a:picLocks noChangeAspect="1"/>
+            </p:cNvPicPr>
+            <p:nvPr/>
+          </p:nvPicPr>
+          <p:blipFill>
+            <a:blip r:embed="rId36">
+              <a:clrChange>
+                <a:clrFrom>
+                  <a:srgbClr val="FFFFFF"/>
+                </a:clrFrom>
+                <a:clrTo>
+                  <a:srgbClr val="FFFFFF">
+                    <a:alpha val="0"/>
+                  </a:srgbClr>
+                </a:clrTo>
+              </a:clrChange>
+            </a:blip>
+            <a:srcRect l="3036" t="42851" r="89024" b="37771"/>
+            <a:stretch>
+              <a:fillRect/>
+            </a:stretch>
+          </p:blipFill>
+          <p:spPr>
+            <a:xfrm>
+              <a:off x="6991973" y="5904652"/>
+              <a:ext cx="246780" cy="213825"/>
+            </a:xfrm>
+            <a:custGeom>
+              <a:avLst/>
+              <a:gdLst>
+                <a:gd name="connsiteX0" fmla="*/ 0 w 246780"/>
+                <a:gd name="connsiteY0" fmla="*/ 0 h 213825"/>
+                <a:gd name="connsiteX1" fmla="*/ 246780 w 246780"/>
+                <a:gd name="connsiteY1" fmla="*/ 0 h 213825"/>
+                <a:gd name="connsiteX2" fmla="*/ 246780 w 246780"/>
+                <a:gd name="connsiteY2" fmla="*/ 213825 h 213825"/>
+                <a:gd name="connsiteX3" fmla="*/ 0 w 246780"/>
+                <a:gd name="connsiteY3" fmla="*/ 213825 h 213825"/>
+                <a:gd name="connsiteX4" fmla="*/ 0 w 246780"/>
+                <a:gd name="connsiteY4" fmla="*/ 0 h 213825"/>
+              </a:gdLst>
+              <a:ahLst/>
+              <a:cxnLst>
+                <a:cxn ang="0">
+                  <a:pos x="connsiteX0" y="connsiteY0"/>
+                </a:cxn>
+                <a:cxn ang="0">
+                  <a:pos x="connsiteX1" y="connsiteY1"/>
+                </a:cxn>
+                <a:cxn ang="0">
+                  <a:pos x="connsiteX2" y="connsiteY2"/>
+                </a:cxn>
+                <a:cxn ang="0">
+                  <a:pos x="connsiteX3" y="connsiteY3"/>
+                </a:cxn>
+                <a:cxn ang="0">
+                  <a:pos x="connsiteX4" y="connsiteY4"/>
+                </a:cxn>
+              </a:cxnLst>
+              <a:rect l="l" t="t" r="r" b="b"/>
+              <a:pathLst>
+                <a:path w="246780" h="213825">
+                  <a:moveTo>
+                    <a:pt x="0" y="0"/>
+                  </a:moveTo>
+                  <a:lnTo>
+                    <a:pt x="246780" y="0"/>
+                  </a:lnTo>
+                  <a:lnTo>
+                    <a:pt x="246780" y="213825"/>
+                  </a:lnTo>
+                  <a:lnTo>
+                    <a:pt x="0" y="213825"/>
+                  </a:lnTo>
+                  <a:lnTo>
+                    <a:pt x="0" y="0"/>
+                  </a:lnTo>
+                  <a:close/>
+                </a:path>
+              </a:pathLst>
+            </a:custGeom>
+          </p:spPr>
+        </p:pic>
+        <p:pic>
+          <p:nvPicPr>
+            <p:cNvPr id="229" name="Picture 228">
+              <a:extLst>
+                <a:ext uri="{FF2B5EF4-FFF2-40B4-BE49-F238E27FC236}">
+                  <a16:creationId xmlns:a16="http://schemas.microsoft.com/office/drawing/2014/main" id="{5746473D-B429-431E-96B6-6CD2734DA6E4}"/>
+                </a:ext>
+              </a:extLst>
+            </p:cNvPr>
+            <p:cNvPicPr>
+              <a:picLocks noChangeAspect="1"/>
+            </p:cNvPicPr>
+            <p:nvPr/>
+          </p:nvPicPr>
+          <p:blipFill rotWithShape="1">
+            <a:blip r:embed="rId37">
+              <a:clrChange>
+                <a:clrFrom>
+                  <a:srgbClr val="FFFFFF"/>
+                </a:clrFrom>
+                <a:clrTo>
+                  <a:srgbClr val="FFFFFF">
+                    <a:alpha val="0"/>
+                  </a:srgbClr>
+                </a:clrTo>
+              </a:clrChange>
+              <a:grayscl/>
+            </a:blip>
+            <a:srcRect l="-472" t="16889" r="4696" b="10119"/>
+            <a:stretch/>
+          </p:blipFill>
+          <p:spPr>
+            <a:xfrm>
+              <a:off x="2763882" y="1806679"/>
+              <a:ext cx="5280582" cy="703284"/>
+            </a:xfrm>
+            <a:prstGeom prst="rect">
+              <a:avLst/>
+            </a:prstGeom>
+          </p:spPr>
+        </p:pic>
+        <p:sp>
+          <p:nvSpPr>
+            <p:cNvPr id="230" name="TextBox 229">
+              <a:extLst>
+                <a:ext uri="{FF2B5EF4-FFF2-40B4-BE49-F238E27FC236}">
+                  <a16:creationId xmlns:a16="http://schemas.microsoft.com/office/drawing/2014/main" id="{91EC91B2-B1A7-4025-9376-72135684C64D}"/>
+                </a:ext>
+              </a:extLst>
+            </p:cNvPr>
+            <p:cNvSpPr txBox="1"/>
+            <p:nvPr/>
+          </p:nvSpPr>
+          <p:spPr>
+            <a:xfrm>
+              <a:off x="3698806" y="6056321"/>
+              <a:ext cx="1787354" cy="456225"/>
+            </a:xfrm>
+            <a:prstGeom prst="rect">
+              <a:avLst/>
+            </a:prstGeom>
+            <a:noFill/>
+          </p:spPr>
+          <p:txBody>
+            <a:bodyPr wrap="none" rtlCol="0">
+              <a:spAutoFit/>
+            </a:bodyPr>
+            <a:lstStyle/>
+            <a:p>
+              <a:r>
+                <a:rPr lang="en-US" sz="1400" dirty="0">
+                  <a:solidFill>
+                    <a:schemeClr val="accent2">
+                      <a:lumMod val="75000"/>
+                    </a:schemeClr>
+                  </a:solidFill>
+                </a:rPr>
+                <a:t>Monotonicity</a:t>
+              </a:r>
+            </a:p>
+          </p:txBody>
+        </p:sp>
+        <p:sp>
+          <p:nvSpPr>
+            <p:cNvPr id="231" name="Arrow: Up 58">
+              <a:extLst>
+                <a:ext uri="{FF2B5EF4-FFF2-40B4-BE49-F238E27FC236}">
+                  <a16:creationId xmlns:a16="http://schemas.microsoft.com/office/drawing/2014/main" id="{43CD0CFF-A0EB-4625-8AF1-F73932BDB0FE}"/>
+                </a:ext>
+              </a:extLst>
+            </p:cNvPr>
+            <p:cNvSpPr/>
+            <p:nvPr/>
+          </p:nvSpPr>
+          <p:spPr>
+            <a:xfrm>
+              <a:off x="4557392" y="5094731"/>
+              <a:ext cx="315183" cy="884105"/>
+            </a:xfrm>
+            <a:custGeom>
+              <a:avLst/>
+              <a:gdLst>
+                <a:gd name="connsiteX0" fmla="*/ 0 w 315183"/>
+                <a:gd name="connsiteY0" fmla="*/ 187427 h 515680"/>
+                <a:gd name="connsiteX1" fmla="*/ 157592 w 315183"/>
+                <a:gd name="connsiteY1" fmla="*/ 0 h 515680"/>
+                <a:gd name="connsiteX2" fmla="*/ 315183 w 315183"/>
+                <a:gd name="connsiteY2" fmla="*/ 187427 h 515680"/>
+                <a:gd name="connsiteX3" fmla="*/ 236387 w 315183"/>
+                <a:gd name="connsiteY3" fmla="*/ 187427 h 515680"/>
+                <a:gd name="connsiteX4" fmla="*/ 236387 w 315183"/>
+                <a:gd name="connsiteY4" fmla="*/ 515680 h 515680"/>
+                <a:gd name="connsiteX5" fmla="*/ 78796 w 315183"/>
+                <a:gd name="connsiteY5" fmla="*/ 515680 h 515680"/>
+                <a:gd name="connsiteX6" fmla="*/ 78796 w 315183"/>
+                <a:gd name="connsiteY6" fmla="*/ 187427 h 515680"/>
+                <a:gd name="connsiteX7" fmla="*/ 0 w 315183"/>
+                <a:gd name="connsiteY7" fmla="*/ 187427 h 515680"/>
+                <a:gd name="connsiteX0" fmla="*/ 0 w 315183"/>
+                <a:gd name="connsiteY0" fmla="*/ 187427 h 515680"/>
+                <a:gd name="connsiteX1" fmla="*/ 157592 w 315183"/>
+                <a:gd name="connsiteY1" fmla="*/ 0 h 515680"/>
+                <a:gd name="connsiteX2" fmla="*/ 315183 w 315183"/>
+                <a:gd name="connsiteY2" fmla="*/ 187427 h 515680"/>
+                <a:gd name="connsiteX3" fmla="*/ 236387 w 315183"/>
+                <a:gd name="connsiteY3" fmla="*/ 187427 h 515680"/>
+                <a:gd name="connsiteX4" fmla="*/ 236387 w 315183"/>
+                <a:gd name="connsiteY4" fmla="*/ 515680 h 515680"/>
+                <a:gd name="connsiteX5" fmla="*/ 78796 w 315183"/>
+                <a:gd name="connsiteY5" fmla="*/ 515680 h 515680"/>
+                <a:gd name="connsiteX6" fmla="*/ 78796 w 315183"/>
+                <a:gd name="connsiteY6" fmla="*/ 187427 h 515680"/>
+                <a:gd name="connsiteX7" fmla="*/ 0 w 315183"/>
+                <a:gd name="connsiteY7" fmla="*/ 187427 h 515680"/>
+                <a:gd name="connsiteX0" fmla="*/ 0 w 315183"/>
+                <a:gd name="connsiteY0" fmla="*/ 187427 h 515680"/>
+                <a:gd name="connsiteX1" fmla="*/ 157592 w 315183"/>
+                <a:gd name="connsiteY1" fmla="*/ 0 h 515680"/>
+                <a:gd name="connsiteX2" fmla="*/ 315183 w 315183"/>
+                <a:gd name="connsiteY2" fmla="*/ 187427 h 515680"/>
+                <a:gd name="connsiteX3" fmla="*/ 236387 w 315183"/>
+                <a:gd name="connsiteY3" fmla="*/ 187427 h 515680"/>
+                <a:gd name="connsiteX4" fmla="*/ 236387 w 315183"/>
+                <a:gd name="connsiteY4" fmla="*/ 515680 h 515680"/>
+                <a:gd name="connsiteX5" fmla="*/ 78796 w 315183"/>
+                <a:gd name="connsiteY5" fmla="*/ 515680 h 515680"/>
+                <a:gd name="connsiteX6" fmla="*/ 78796 w 315183"/>
+                <a:gd name="connsiteY6" fmla="*/ 187427 h 515680"/>
+                <a:gd name="connsiteX7" fmla="*/ 0 w 315183"/>
+                <a:gd name="connsiteY7" fmla="*/ 187427 h 515680"/>
+                <a:gd name="connsiteX0" fmla="*/ 0 w 315183"/>
+                <a:gd name="connsiteY0" fmla="*/ 187427 h 515680"/>
+                <a:gd name="connsiteX1" fmla="*/ 157592 w 315183"/>
+                <a:gd name="connsiteY1" fmla="*/ 0 h 515680"/>
+                <a:gd name="connsiteX2" fmla="*/ 315183 w 315183"/>
+                <a:gd name="connsiteY2" fmla="*/ 187427 h 515680"/>
+                <a:gd name="connsiteX3" fmla="*/ 236387 w 315183"/>
+                <a:gd name="connsiteY3" fmla="*/ 187427 h 515680"/>
+                <a:gd name="connsiteX4" fmla="*/ 236387 w 315183"/>
+                <a:gd name="connsiteY4" fmla="*/ 515680 h 515680"/>
+                <a:gd name="connsiteX5" fmla="*/ 78796 w 315183"/>
+                <a:gd name="connsiteY5" fmla="*/ 515680 h 515680"/>
+                <a:gd name="connsiteX6" fmla="*/ 78796 w 315183"/>
+                <a:gd name="connsiteY6" fmla="*/ 187427 h 515680"/>
+                <a:gd name="connsiteX7" fmla="*/ 0 w 315183"/>
+                <a:gd name="connsiteY7" fmla="*/ 187427 h 515680"/>
+                <a:gd name="connsiteX0" fmla="*/ 0 w 315183"/>
+                <a:gd name="connsiteY0" fmla="*/ 187427 h 515680"/>
+                <a:gd name="connsiteX1" fmla="*/ 157592 w 315183"/>
+                <a:gd name="connsiteY1" fmla="*/ 0 h 515680"/>
+                <a:gd name="connsiteX2" fmla="*/ 315183 w 315183"/>
+                <a:gd name="connsiteY2" fmla="*/ 187427 h 515680"/>
+                <a:gd name="connsiteX3" fmla="*/ 196158 w 315183"/>
+                <a:gd name="connsiteY3" fmla="*/ 137786 h 515680"/>
+                <a:gd name="connsiteX4" fmla="*/ 236387 w 315183"/>
+                <a:gd name="connsiteY4" fmla="*/ 515680 h 515680"/>
+                <a:gd name="connsiteX5" fmla="*/ 78796 w 315183"/>
+                <a:gd name="connsiteY5" fmla="*/ 515680 h 515680"/>
+                <a:gd name="connsiteX6" fmla="*/ 78796 w 315183"/>
+                <a:gd name="connsiteY6" fmla="*/ 187427 h 515680"/>
+                <a:gd name="connsiteX7" fmla="*/ 0 w 315183"/>
+                <a:gd name="connsiteY7" fmla="*/ 187427 h 515680"/>
+                <a:gd name="connsiteX0" fmla="*/ 0 w 315183"/>
+                <a:gd name="connsiteY0" fmla="*/ 187427 h 515680"/>
+                <a:gd name="connsiteX1" fmla="*/ 157592 w 315183"/>
+                <a:gd name="connsiteY1" fmla="*/ 0 h 515680"/>
+                <a:gd name="connsiteX2" fmla="*/ 315183 w 315183"/>
+                <a:gd name="connsiteY2" fmla="*/ 187427 h 515680"/>
+                <a:gd name="connsiteX3" fmla="*/ 196158 w 315183"/>
+                <a:gd name="connsiteY3" fmla="*/ 137786 h 515680"/>
+                <a:gd name="connsiteX4" fmla="*/ 236387 w 315183"/>
+                <a:gd name="connsiteY4" fmla="*/ 515680 h 515680"/>
+                <a:gd name="connsiteX5" fmla="*/ 78796 w 315183"/>
+                <a:gd name="connsiteY5" fmla="*/ 515680 h 515680"/>
+                <a:gd name="connsiteX6" fmla="*/ 136007 w 315183"/>
+                <a:gd name="connsiteY6" fmla="*/ 152028 h 515680"/>
+                <a:gd name="connsiteX7" fmla="*/ 0 w 315183"/>
+                <a:gd name="connsiteY7" fmla="*/ 187427 h 515680"/>
+                <a:gd name="connsiteX0" fmla="*/ 0 w 315183"/>
+                <a:gd name="connsiteY0" fmla="*/ 187427 h 515680"/>
+                <a:gd name="connsiteX1" fmla="*/ 157592 w 315183"/>
+                <a:gd name="connsiteY1" fmla="*/ 0 h 515680"/>
+                <a:gd name="connsiteX2" fmla="*/ 315183 w 315183"/>
+                <a:gd name="connsiteY2" fmla="*/ 187427 h 515680"/>
+                <a:gd name="connsiteX3" fmla="*/ 196158 w 315183"/>
+                <a:gd name="connsiteY3" fmla="*/ 137786 h 515680"/>
+                <a:gd name="connsiteX4" fmla="*/ 236387 w 315183"/>
+                <a:gd name="connsiteY4" fmla="*/ 515680 h 515680"/>
+                <a:gd name="connsiteX5" fmla="*/ 78796 w 315183"/>
+                <a:gd name="connsiteY5" fmla="*/ 515680 h 515680"/>
+                <a:gd name="connsiteX6" fmla="*/ 136007 w 315183"/>
+                <a:gd name="connsiteY6" fmla="*/ 152028 h 515680"/>
+                <a:gd name="connsiteX7" fmla="*/ 0 w 315183"/>
+                <a:gd name="connsiteY7" fmla="*/ 187427 h 515680"/>
+                <a:gd name="connsiteX0" fmla="*/ 0 w 315183"/>
+                <a:gd name="connsiteY0" fmla="*/ 187427 h 515680"/>
+                <a:gd name="connsiteX1" fmla="*/ 157592 w 315183"/>
+                <a:gd name="connsiteY1" fmla="*/ 0 h 515680"/>
+                <a:gd name="connsiteX2" fmla="*/ 315183 w 315183"/>
+                <a:gd name="connsiteY2" fmla="*/ 187427 h 515680"/>
+                <a:gd name="connsiteX3" fmla="*/ 196158 w 315183"/>
+                <a:gd name="connsiteY3" fmla="*/ 137786 h 515680"/>
+                <a:gd name="connsiteX4" fmla="*/ 236387 w 315183"/>
+                <a:gd name="connsiteY4" fmla="*/ 515680 h 515680"/>
+                <a:gd name="connsiteX5" fmla="*/ 78796 w 315183"/>
+                <a:gd name="connsiteY5" fmla="*/ 515680 h 515680"/>
+                <a:gd name="connsiteX6" fmla="*/ 140927 w 315183"/>
+                <a:gd name="connsiteY6" fmla="*/ 145705 h 515680"/>
+                <a:gd name="connsiteX7" fmla="*/ 0 w 315183"/>
+                <a:gd name="connsiteY7" fmla="*/ 187427 h 515680"/>
+                <a:gd name="connsiteX0" fmla="*/ 0 w 315183"/>
+                <a:gd name="connsiteY0" fmla="*/ 187427 h 515680"/>
+                <a:gd name="connsiteX1" fmla="*/ 157592 w 315183"/>
+                <a:gd name="connsiteY1" fmla="*/ 0 h 515680"/>
+                <a:gd name="connsiteX2" fmla="*/ 315183 w 315183"/>
+                <a:gd name="connsiteY2" fmla="*/ 187427 h 515680"/>
+                <a:gd name="connsiteX3" fmla="*/ 196158 w 315183"/>
+                <a:gd name="connsiteY3" fmla="*/ 137786 h 515680"/>
+                <a:gd name="connsiteX4" fmla="*/ 236387 w 315183"/>
+                <a:gd name="connsiteY4" fmla="*/ 515680 h 515680"/>
+                <a:gd name="connsiteX5" fmla="*/ 78796 w 315183"/>
+                <a:gd name="connsiteY5" fmla="*/ 515680 h 515680"/>
+                <a:gd name="connsiteX6" fmla="*/ 140927 w 315183"/>
+                <a:gd name="connsiteY6" fmla="*/ 145705 h 515680"/>
+                <a:gd name="connsiteX7" fmla="*/ 0 w 315183"/>
+                <a:gd name="connsiteY7" fmla="*/ 187427 h 515680"/>
+                <a:gd name="connsiteX0" fmla="*/ 0 w 315183"/>
+                <a:gd name="connsiteY0" fmla="*/ 187427 h 515680"/>
+                <a:gd name="connsiteX1" fmla="*/ 157592 w 315183"/>
+                <a:gd name="connsiteY1" fmla="*/ 0 h 515680"/>
+                <a:gd name="connsiteX2" fmla="*/ 315183 w 315183"/>
+                <a:gd name="connsiteY2" fmla="*/ 187427 h 515680"/>
+                <a:gd name="connsiteX3" fmla="*/ 196158 w 315183"/>
+                <a:gd name="connsiteY3" fmla="*/ 137786 h 515680"/>
+                <a:gd name="connsiteX4" fmla="*/ 236387 w 315183"/>
+                <a:gd name="connsiteY4" fmla="*/ 515680 h 515680"/>
+                <a:gd name="connsiteX5" fmla="*/ 78796 w 315183"/>
+                <a:gd name="connsiteY5" fmla="*/ 515680 h 515680"/>
+                <a:gd name="connsiteX6" fmla="*/ 140927 w 315183"/>
+                <a:gd name="connsiteY6" fmla="*/ 145705 h 515680"/>
+                <a:gd name="connsiteX7" fmla="*/ 0 w 315183"/>
+                <a:gd name="connsiteY7" fmla="*/ 187427 h 515680"/>
+                <a:gd name="connsiteX0" fmla="*/ 0 w 315183"/>
+                <a:gd name="connsiteY0" fmla="*/ 187427 h 515680"/>
+                <a:gd name="connsiteX1" fmla="*/ 157592 w 315183"/>
+                <a:gd name="connsiteY1" fmla="*/ 0 h 515680"/>
+                <a:gd name="connsiteX2" fmla="*/ 315183 w 315183"/>
+                <a:gd name="connsiteY2" fmla="*/ 187427 h 515680"/>
+                <a:gd name="connsiteX3" fmla="*/ 196158 w 315183"/>
+                <a:gd name="connsiteY3" fmla="*/ 137786 h 515680"/>
+                <a:gd name="connsiteX4" fmla="*/ 236387 w 315183"/>
+                <a:gd name="connsiteY4" fmla="*/ 515680 h 515680"/>
+                <a:gd name="connsiteX5" fmla="*/ 78796 w 315183"/>
+                <a:gd name="connsiteY5" fmla="*/ 515680 h 515680"/>
+                <a:gd name="connsiteX6" fmla="*/ 140927 w 315183"/>
+                <a:gd name="connsiteY6" fmla="*/ 145705 h 515680"/>
+                <a:gd name="connsiteX7" fmla="*/ 0 w 315183"/>
+                <a:gd name="connsiteY7" fmla="*/ 187427 h 515680"/>
+              </a:gdLst>
+              <a:ahLst/>
+              <a:cxnLst>
+                <a:cxn ang="0">
+                  <a:pos x="connsiteX0" y="connsiteY0"/>
+                </a:cxn>
+                <a:cxn ang="0">
+                  <a:pos x="connsiteX1" y="connsiteY1"/>
+                </a:cxn>
+                <a:cxn ang="0">
+                  <a:pos x="connsiteX2" y="connsiteY2"/>
+                </a:cxn>
+                <a:cxn ang="0">
+                  <a:pos x="connsiteX3" y="connsiteY3"/>
+                </a:cxn>
+                <a:cxn ang="0">
+                  <a:pos x="connsiteX4" y="connsiteY4"/>
+                </a:cxn>
+                <a:cxn ang="0">
+                  <a:pos x="connsiteX5" y="connsiteY5"/>
+                </a:cxn>
+                <a:cxn ang="0">
+                  <a:pos x="connsiteX6" y="connsiteY6"/>
+                </a:cxn>
+                <a:cxn ang="0">
+                  <a:pos x="connsiteX7" y="connsiteY7"/>
+                </a:cxn>
+              </a:cxnLst>
+              <a:rect l="l" t="t" r="r" b="b"/>
+              <a:pathLst>
+                <a:path w="315183" h="515680">
+                  <a:moveTo>
+                    <a:pt x="0" y="187427"/>
+                  </a:moveTo>
+                  <a:cubicBezTo>
+                    <a:pt x="117635" y="116563"/>
+                    <a:pt x="124635" y="106925"/>
+                    <a:pt x="157592" y="0"/>
+                  </a:cubicBezTo>
+                  <a:cubicBezTo>
+                    <a:pt x="185607" y="113413"/>
+                    <a:pt x="262653" y="124951"/>
+                    <a:pt x="315183" y="187427"/>
+                  </a:cubicBezTo>
+                  <a:cubicBezTo>
+                    <a:pt x="288918" y="187427"/>
+                    <a:pt x="227217" y="159488"/>
+                    <a:pt x="196158" y="137786"/>
+                  </a:cubicBezTo>
+                  <a:lnTo>
+                    <a:pt x="236387" y="515680"/>
+                  </a:lnTo>
+                  <a:lnTo>
+                    <a:pt x="78796" y="515680"/>
+                  </a:lnTo>
+                  <a:cubicBezTo>
+                    <a:pt x="97866" y="394463"/>
+                    <a:pt x="121857" y="266922"/>
+                    <a:pt x="140927" y="145705"/>
+                  </a:cubicBezTo>
+                  <a:cubicBezTo>
+                    <a:pt x="67338" y="174935"/>
+                    <a:pt x="45336" y="175627"/>
+                    <a:pt x="0" y="187427"/>
+                  </a:cubicBezTo>
+                  <a:close/>
+                </a:path>
+              </a:pathLst>
+            </a:custGeom>
+            <a:solidFill>
+              <a:srgbClr val="C00000"/>
+            </a:solidFill>
+            <a:ln>
+              <a:noFill/>
+            </a:ln>
+          </p:spPr>
+          <p:style>
+            <a:lnRef idx="2">
+              <a:schemeClr val="accent1">
+                <a:shade val="50000"/>
+              </a:schemeClr>
+            </a:lnRef>
+            <a:fillRef idx="1">
+              <a:schemeClr val="accent1"/>
+            </a:fillRef>
+            <a:effectRef idx="0">
+              <a:schemeClr val="accent1"/>
+            </a:effectRef>
+            <a:fontRef idx="minor">
+              <a:schemeClr val="lt1"/>
+            </a:fontRef>
+          </p:style>
+          <p:txBody>
+            <a:bodyPr rtlCol="0" anchor="ctr"/>
+            <a:lstStyle/>
+            <a:p>
+              <a:pPr algn="ctr"/>
+              <a:endParaRPr lang="en-US" dirty="0"/>
+            </a:p>
+          </p:txBody>
+        </p:sp>
+      </p:grpSp>
+      <p:sp>
+        <p:nvSpPr>
+          <p:cNvPr id="233" name="TextBox 232">
+            <a:extLst>
+              <a:ext uri="{FF2B5EF4-FFF2-40B4-BE49-F238E27FC236}">
+                <a16:creationId xmlns:a16="http://schemas.microsoft.com/office/drawing/2014/main" id="{6EB0CF93-B0A0-4276-AD85-60BA6EA8D881}"/>
+              </a:ext>
+            </a:extLst>
+          </p:cNvPr>
+          <p:cNvSpPr txBox="1"/>
+          <p:nvPr/>
+        </p:nvSpPr>
+        <p:spPr>
+          <a:xfrm>
+            <a:off x="10616338" y="9482416"/>
+            <a:ext cx="5673698" cy="461665"/>
+          </a:xfrm>
+          <a:prstGeom prst="rect">
+            <a:avLst/>
+          </a:prstGeom>
+          <a:noFill/>
+        </p:spPr>
+        <p:txBody>
+          <a:bodyPr wrap="square">
+            <a:spAutoFit/>
+          </a:bodyPr>
+          <a:lstStyle/>
+          <a:p>
+            <a:r>
+              <a:rPr lang="en-US" sz="2400" b="1" dirty="0">
+                <a:solidFill>
+                  <a:schemeClr val="accent3">
+                    <a:lumMod val="50000"/>
+                  </a:schemeClr>
+                </a:solidFill>
+                <a:latin typeface="+mj-lt"/>
+              </a:rPr>
+              <a:t>Visual Proof: Data-Processing-Inequality</a:t>
+            </a:r>
+            <a:endParaRPr lang="en-US" b="1" dirty="0">
+              <a:solidFill>
+                <a:schemeClr val="accent3">
+                  <a:lumMod val="50000"/>
+                </a:schemeClr>
+              </a:solidFill>
+              <a:latin typeface="+mj-lt"/>
+            </a:endParaRPr>
+          </a:p>
+        </p:txBody>
+      </p:sp>
+      <p:sp>
+        <p:nvSpPr>
+          <p:cNvPr id="234" name="TextBox 233">
+            <a:extLst>
+              <a:ext uri="{FF2B5EF4-FFF2-40B4-BE49-F238E27FC236}">
+                <a16:creationId xmlns:a16="http://schemas.microsoft.com/office/drawing/2014/main" id="{3B16D29E-8CB4-4D2F-81E1-D370EEC03435}"/>
+              </a:ext>
+            </a:extLst>
+          </p:cNvPr>
+          <p:cNvSpPr txBox="1"/>
+          <p:nvPr/>
+        </p:nvSpPr>
+        <p:spPr>
+          <a:xfrm>
+            <a:off x="17892350" y="7172091"/>
+            <a:ext cx="5673698" cy="461665"/>
+          </a:xfrm>
+          <a:prstGeom prst="rect">
+            <a:avLst/>
+          </a:prstGeom>
+          <a:noFill/>
+        </p:spPr>
+        <p:txBody>
+          <a:bodyPr wrap="square">
+            <a:spAutoFit/>
+          </a:bodyPr>
+          <a:lstStyle/>
+          <a:p>
+            <a:r>
+              <a:rPr lang="en-US" sz="2400" b="1" dirty="0">
+                <a:solidFill>
+                  <a:schemeClr val="accent4">
+                    <a:lumMod val="60000"/>
+                    <a:lumOff val="40000"/>
+                  </a:schemeClr>
+                </a:solidFill>
+                <a:latin typeface="+mj-lt"/>
+              </a:rPr>
+              <a:t>Visual Proof: Evidence Lower Bound</a:t>
+            </a:r>
+            <a:endParaRPr lang="en-US" b="1" dirty="0">
+              <a:solidFill>
+                <a:schemeClr val="accent4">
+                  <a:lumMod val="60000"/>
+                  <a:lumOff val="40000"/>
+                </a:schemeClr>
+              </a:solidFill>
+              <a:latin typeface="+mj-lt"/>
+            </a:endParaRPr>
+          </a:p>
+        </p:txBody>
+      </p:sp>
+      <p:grpSp>
+        <p:nvGrpSpPr>
+          <p:cNvPr id="1035" name="Group 1034">
+            <a:extLst>
+              <a:ext uri="{FF2B5EF4-FFF2-40B4-BE49-F238E27FC236}">
+                <a16:creationId xmlns:a16="http://schemas.microsoft.com/office/drawing/2014/main" id="{B84E76AF-91D5-469C-8B2C-CCF950ADF7F4}"/>
+              </a:ext>
+            </a:extLst>
+          </p:cNvPr>
+          <p:cNvGrpSpPr/>
+          <p:nvPr/>
+        </p:nvGrpSpPr>
+        <p:grpSpPr>
+          <a:xfrm>
+            <a:off x="5583742" y="4594089"/>
+            <a:ext cx="4285586" cy="1002990"/>
+            <a:chOff x="2622601" y="6328333"/>
+            <a:chExt cx="9507226" cy="2225053"/>
+          </a:xfrm>
+        </p:grpSpPr>
+        <p:pic>
+          <p:nvPicPr>
+            <p:cNvPr id="235" name="Content Placeholder 4">
+              <a:extLst>
+                <a:ext uri="{FF2B5EF4-FFF2-40B4-BE49-F238E27FC236}">
+                  <a16:creationId xmlns:a16="http://schemas.microsoft.com/office/drawing/2014/main" id="{542061D6-3FE6-47AC-B0BB-22B44A3A8F11}"/>
+                </a:ext>
+              </a:extLst>
+            </p:cNvPr>
+            <p:cNvPicPr>
+              <a:picLocks noChangeAspect="1"/>
+            </p:cNvPicPr>
+            <p:nvPr/>
+          </p:nvPicPr>
+          <p:blipFill>
+            <a:blip r:embed="rId38">
+              <a:clrChange>
+                <a:clrFrom>
+                  <a:srgbClr val="FFFFFF"/>
+                </a:clrFrom>
+                <a:clrTo>
+                  <a:srgbClr val="FFFFFF">
+                    <a:alpha val="0"/>
+                  </a:srgbClr>
+                </a:clrTo>
+              </a:clrChange>
+              <a:extLst>
+                <a:ext uri="{BEBA8EAE-BF5A-486C-A8C5-ECC9F3942E4B}">
+                  <a14:imgProps xmlns:a14="http://schemas.microsoft.com/office/drawing/2010/main">
+                    <a14:imgLayer r:embed="rId39">
+                      <a14:imgEffect>
+                        <a14:backgroundRemoval t="5160" b="94349" l="2012" r="99882">
+                          <a14:foregroundMark x1="64465" y1="13163" x2="66036" y2="18673"/>
+                          <a14:foregroundMark x1="63444" y1="9582" x2="64421" y2="13010"/>
+                          <a14:foregroundMark x1="62604" y1="6634" x2="63444" y2="9582"/>
+                          <a14:foregroundMark x1="71720" y1="18933" x2="74399" y2="19055"/>
+                          <a14:foregroundMark x1="70764" y1="18889" x2="71256" y2="18911"/>
+                          <a14:foregroundMark x1="67569" y1="18743" x2="69160" y2="18816"/>
+                          <a14:foregroundMark x1="66036" y1="18673" x2="66784" y2="18707"/>
+                          <a14:foregroundMark x1="78728" y1="18677" x2="92308" y2="15233"/>
+                          <a14:foregroundMark x1="92308" y1="15233" x2="98935" y2="63882"/>
+                          <a14:foregroundMark x1="98935" y1="63882" x2="94793" y2="78133"/>
+                          <a14:foregroundMark x1="94793" y1="78133" x2="87929" y2="87715"/>
+                          <a14:foregroundMark x1="73599" y1="88404" x2="11243" y2="91400"/>
+                          <a14:foregroundMark x1="87929" y1="87715" x2="73611" y2="88403"/>
+                          <a14:foregroundMark x1="11243" y1="91400" x2="4379" y2="79607"/>
+                          <a14:foregroundMark x1="4379" y1="79607" x2="1302" y2="38329"/>
+                          <a14:foregroundMark x1="1302" y1="38329" x2="5325" y2="20393"/>
+                          <a14:foregroundMark x1="5325" y1="20393" x2="10059" y2="9091"/>
+                          <a14:foregroundMark x1="10059" y1="9091" x2="48639" y2="15971"/>
+                          <a14:foregroundMark x1="48639" y1="15971" x2="54675" y2="3194"/>
+                          <a14:foregroundMark x1="54675" y1="3194" x2="62722" y2="5651"/>
+                          <a14:foregroundMark x1="62722" y1="5651" x2="63077" y2="6634"/>
+                          <a14:foregroundMark x1="14556" y1="6634" x2="2722" y2="21376"/>
+                          <a14:foregroundMark x1="2722" y1="21376" x2="4497" y2="74447"/>
+                          <a14:foregroundMark x1="4497" y1="74447" x2="16923" y2="90172"/>
+                          <a14:foregroundMark x1="16923" y1="90172" x2="27692" y2="24816"/>
+                          <a14:foregroundMark x1="27692" y1="24816" x2="18107" y2="11302"/>
+                          <a14:foregroundMark x1="18107" y1="11302" x2="15266" y2="11302"/>
+                          <a14:foregroundMark x1="11834" y1="10319" x2="7929" y2="22359"/>
+                          <a14:foregroundMark x1="7929" y1="22359" x2="4024" y2="55528"/>
+                          <a14:foregroundMark x1="8402" y1="20885" x2="2130" y2="70516"/>
+                          <a14:foregroundMark x1="90414" y1="34152" x2="95503" y2="45946"/>
+                          <a14:foregroundMark x1="95503" y1="45946" x2="91716" y2="70762"/>
+                          <a14:foregroundMark x1="54793" y1="84521" x2="56805" y2="94349"/>
+                          <a14:foregroundMark x1="92189" y1="27273" x2="99882" y2="35381"/>
+                          <a14:foregroundMark x1="55030" y1="56757" x2="39053" y2="85749"/>
+                          <a14:foregroundMark x1="30178" y1="42752" x2="11834" y2="77150"/>
+                          <a14:foregroundMark x1="20828" y1="26044" x2="13491" y2="31941"/>
+                          <a14:foregroundMark x1="63905" y1="53317" x2="55976" y2="56511"/>
+                          <a14:foregroundMark x1="55976" y1="56511" x2="45207" y2="48894"/>
+                          <a14:foregroundMark x1="63077" y1="41769" x2="53018" y2="67568"/>
+                          <a14:foregroundMark x1="60710" y1="37592" x2="74320" y2="63636"/>
+                          <a14:backgroundMark x1="65799" y1="6388" x2="71479" y2="17690"/>
+                          <a14:backgroundMark x1="71479" y1="17690" x2="66982" y2="5405"/>
+                          <a14:backgroundMark x1="66982" y1="5405" x2="66627" y2="8600"/>
+                          <a14:backgroundMark x1="65799" y1="6880" x2="68757" y2="17445"/>
+                          <a14:backgroundMark x1="68876" y1="13514" x2="65325" y2="7125"/>
+                          <a14:backgroundMark x1="72308" y1="6143" x2="68994" y2="13022"/>
+                          <a14:backgroundMark x1="70651" y1="5405" x2="76568" y2="17690"/>
+                          <a14:backgroundMark x1="76568" y1="17690" x2="77278" y2="24570"/>
+                          <a14:backgroundMark x1="68284" y1="71744" x2="62959" y2="82801"/>
+                          <a14:backgroundMark x1="62959" y1="82801" x2="73018" y2="85012"/>
+                          <a14:backgroundMark x1="73018" y1="85012" x2="69467" y2="67076"/>
+                          <a14:backgroundMark x1="69467" y1="67076" x2="64615" y2="74447"/>
+                          <a14:backgroundMark x1="64615" y1="74447" x2="64497" y2="76413"/>
+                          <a14:backgroundMark x1="64970" y1="7371" x2="65207" y2="10074"/>
+                          <a14:backgroundMark x1="65325" y1="9582" x2="65325" y2="9582"/>
+                          <a14:backgroundMark x1="64970" y1="10074" x2="65325" y2="6388"/>
+                        </a14:backgroundRemoval>
+                      </a14:imgEffect>
+                    </a14:imgLayer>
+                  </a14:imgProps>
+                </a:ext>
+              </a:extLst>
+            </a:blip>
+            <a:stretch>
+              <a:fillRect/>
+            </a:stretch>
+          </p:blipFill>
+          <p:spPr>
+            <a:xfrm>
+              <a:off x="2622601" y="6328333"/>
+              <a:ext cx="4619582" cy="2225053"/>
+            </a:xfrm>
+            <a:prstGeom prst="rect">
+              <a:avLst/>
+            </a:prstGeom>
+          </p:spPr>
+        </p:pic>
+        <p:pic>
+          <p:nvPicPr>
+            <p:cNvPr id="236" name="Picture 4">
+              <a:extLst>
+                <a:ext uri="{FF2B5EF4-FFF2-40B4-BE49-F238E27FC236}">
+                  <a16:creationId xmlns:a16="http://schemas.microsoft.com/office/drawing/2014/main" id="{E45B0B25-7511-4485-96C6-63332FD671CA}"/>
+                </a:ext>
+              </a:extLst>
+            </p:cNvPr>
+            <p:cNvPicPr>
+              <a:picLocks noChangeAspect="1" noChangeArrowheads="1"/>
+            </p:cNvPicPr>
+            <p:nvPr/>
+          </p:nvPicPr>
+          <p:blipFill>
+            <a:blip r:embed="rId40">
+              <a:extLst>
+                <a:ext uri="{28A0092B-C50C-407E-A947-70E740481C1C}">
+                  <a14:useLocalDpi xmlns:a14="http://schemas.microsoft.com/office/drawing/2010/main" val="0"/>
+                </a:ext>
+              </a:extLst>
+            </a:blip>
+            <a:srcRect/>
+            <a:stretch>
+              <a:fillRect/>
+            </a:stretch>
+          </p:blipFill>
+          <p:spPr bwMode="auto">
+            <a:xfrm>
+              <a:off x="7510244" y="6607785"/>
+              <a:ext cx="4619583" cy="953928"/>
+            </a:xfrm>
+            <a:prstGeom prst="rect">
+              <a:avLst/>
+            </a:prstGeom>
+            <a:noFill/>
+            <a:extLst>
+              <a:ext uri="{909E8E84-426E-40DD-AFC4-6F175D3DCCD1}">
+                <a14:hiddenFill xmlns:a14="http://schemas.microsoft.com/office/drawing/2010/main">
+                  <a:solidFill>
+                    <a:srgbClr val="FFFFFF"/>
+                  </a:solidFill>
+                </a14:hiddenFill>
+              </a:ext>
+            </a:extLst>
+          </p:spPr>
+        </p:pic>
+        <p:pic>
+          <p:nvPicPr>
+            <p:cNvPr id="237" name="Picture 6">
+              <a:extLst>
+                <a:ext uri="{FF2B5EF4-FFF2-40B4-BE49-F238E27FC236}">
+                  <a16:creationId xmlns:a16="http://schemas.microsoft.com/office/drawing/2014/main" id="{0C09F8A2-212F-487E-ACBA-37E70ACADB2D}"/>
+                </a:ext>
+              </a:extLst>
+            </p:cNvPr>
+            <p:cNvPicPr>
+              <a:picLocks noChangeAspect="1" noChangeArrowheads="1"/>
+            </p:cNvPicPr>
+            <p:nvPr/>
+          </p:nvPicPr>
+          <p:blipFill>
+            <a:blip r:embed="rId41">
+              <a:extLst>
+                <a:ext uri="{28A0092B-C50C-407E-A947-70E740481C1C}">
+                  <a14:useLocalDpi xmlns:a14="http://schemas.microsoft.com/office/drawing/2010/main" val="0"/>
+                </a:ext>
+              </a:extLst>
+            </a:blip>
+            <a:srcRect/>
+            <a:stretch>
+              <a:fillRect/>
+            </a:stretch>
+          </p:blipFill>
+          <p:spPr bwMode="auto">
+            <a:xfrm>
+              <a:off x="7737583" y="7696196"/>
+              <a:ext cx="2328358" cy="455787"/>
+            </a:xfrm>
+            <a:prstGeom prst="rect">
+              <a:avLst/>
+            </a:prstGeom>
+            <a:noFill/>
+            <a:extLst>
+              <a:ext uri="{909E8E84-426E-40DD-AFC4-6F175D3DCCD1}">
+                <a14:hiddenFill xmlns:a14="http://schemas.microsoft.com/office/drawing/2010/main">
+                  <a:solidFill>
+                    <a:srgbClr val="FFFFFF"/>
+                  </a:solidFill>
+                </a14:hiddenFill>
+              </a:ext>
+            </a:extLst>
+          </p:spPr>
+        </p:pic>
+      </p:grpSp>
+      <p:sp>
+        <p:nvSpPr>
+          <p:cNvPr id="240" name="TextBox 239">
+            <a:extLst>
+              <a:ext uri="{FF2B5EF4-FFF2-40B4-BE49-F238E27FC236}">
+                <a16:creationId xmlns:a16="http://schemas.microsoft.com/office/drawing/2014/main" id="{A5A2369D-46BC-4878-B690-6754EC81EB81}"/>
+              </a:ext>
+            </a:extLst>
+          </p:cNvPr>
+          <p:cNvSpPr txBox="1"/>
+          <p:nvPr/>
+        </p:nvSpPr>
+        <p:spPr>
+          <a:xfrm>
+            <a:off x="5460406" y="4247841"/>
+            <a:ext cx="3702838" cy="369332"/>
+          </a:xfrm>
+          <a:prstGeom prst="rect">
+            <a:avLst/>
+          </a:prstGeom>
+          <a:noFill/>
+        </p:spPr>
+        <p:txBody>
+          <a:bodyPr wrap="square">
+            <a:spAutoFit/>
+          </a:bodyPr>
+          <a:lstStyle/>
+          <a:p>
+            <a:r>
+              <a:rPr lang="en-US" i="1" dirty="0"/>
+              <a:t>(Log) Accuracy </a:t>
+            </a:r>
+            <a:r>
+              <a:rPr lang="en-US" i="1" dirty="0">
+                <a:solidFill>
+                  <a:schemeClr val="bg1">
+                    <a:lumMod val="75000"/>
+                  </a:schemeClr>
+                </a:solidFill>
+              </a:rPr>
+              <a:t>as Inconsistency.</a:t>
+            </a:r>
+            <a:endParaRPr lang="en-US" i="1" dirty="0"/>
+          </a:p>
+        </p:txBody>
+      </p:sp>
+      <p:grpSp>
+        <p:nvGrpSpPr>
+          <p:cNvPr id="246" name="Group 245">
+            <a:extLst>
+              <a:ext uri="{FF2B5EF4-FFF2-40B4-BE49-F238E27FC236}">
+                <a16:creationId xmlns:a16="http://schemas.microsoft.com/office/drawing/2014/main" id="{808954F5-3599-41B8-AD1C-104D1921CC55}"/>
+              </a:ext>
+            </a:extLst>
+          </p:cNvPr>
+          <p:cNvGrpSpPr/>
+          <p:nvPr/>
+        </p:nvGrpSpPr>
+        <p:grpSpPr>
+          <a:xfrm>
+            <a:off x="4806337" y="6288689"/>
+            <a:ext cx="4225647" cy="1125188"/>
+            <a:chOff x="1428273" y="2397244"/>
+            <a:chExt cx="9378520" cy="2497274"/>
+          </a:xfrm>
+        </p:grpSpPr>
+        <p:pic>
+          <p:nvPicPr>
+            <p:cNvPr id="247" name="Picture 246">
+              <a:extLst>
+                <a:ext uri="{FF2B5EF4-FFF2-40B4-BE49-F238E27FC236}">
+                  <a16:creationId xmlns:a16="http://schemas.microsoft.com/office/drawing/2014/main" id="{7F8B5D4C-216F-49A6-B964-D9C48AFE24F8}"/>
+                </a:ext>
+              </a:extLst>
+            </p:cNvPr>
+            <p:cNvPicPr>
+              <a:picLocks noChangeAspect="1"/>
+            </p:cNvPicPr>
+            <p:nvPr/>
+          </p:nvPicPr>
+          <p:blipFill>
+            <a:blip r:embed="rId42"/>
+            <a:stretch>
+              <a:fillRect/>
+            </a:stretch>
+          </p:blipFill>
+          <p:spPr>
+            <a:xfrm>
+              <a:off x="1946897" y="2397244"/>
+              <a:ext cx="4196708" cy="1774760"/>
+            </a:xfrm>
+            <a:prstGeom prst="rect">
+              <a:avLst/>
+            </a:prstGeom>
+          </p:spPr>
+        </p:pic>
+        <p:pic>
+          <p:nvPicPr>
+            <p:cNvPr id="248" name="Picture 247">
+              <a:extLst>
+                <a:ext uri="{FF2B5EF4-FFF2-40B4-BE49-F238E27FC236}">
+                  <a16:creationId xmlns:a16="http://schemas.microsoft.com/office/drawing/2014/main" id="{DE5B0BDF-33F5-4C38-AFD9-A9A4C39A6DEA}"/>
+                </a:ext>
+              </a:extLst>
+            </p:cNvPr>
+            <p:cNvPicPr>
+              <a:picLocks noChangeAspect="1"/>
+            </p:cNvPicPr>
+            <p:nvPr/>
+          </p:nvPicPr>
+          <p:blipFill>
+            <a:blip r:embed="rId43"/>
+            <a:stretch>
+              <a:fillRect/>
+            </a:stretch>
+          </p:blipFill>
+          <p:spPr>
+            <a:xfrm>
+              <a:off x="6310366" y="2628821"/>
+              <a:ext cx="4496427" cy="1124107"/>
+            </a:xfrm>
+            <a:prstGeom prst="rect">
+              <a:avLst/>
+            </a:prstGeom>
+          </p:spPr>
+        </p:pic>
+        <p:pic>
+          <p:nvPicPr>
+            <p:cNvPr id="249" name="Picture 248">
+              <a:extLst>
+                <a:ext uri="{FF2B5EF4-FFF2-40B4-BE49-F238E27FC236}">
+                  <a16:creationId xmlns:a16="http://schemas.microsoft.com/office/drawing/2014/main" id="{EEE51A46-E7E6-4E79-BD6C-473E3B1D35F3}"/>
+                </a:ext>
+              </a:extLst>
+            </p:cNvPr>
+            <p:cNvPicPr>
+              <a:picLocks noChangeAspect="1"/>
+            </p:cNvPicPr>
+            <p:nvPr/>
+          </p:nvPicPr>
+          <p:blipFill>
+            <a:blip r:embed="rId44"/>
+            <a:stretch>
+              <a:fillRect/>
+            </a:stretch>
+          </p:blipFill>
+          <p:spPr>
+            <a:xfrm>
+              <a:off x="7863383" y="3883895"/>
+              <a:ext cx="2353002" cy="704948"/>
+            </a:xfrm>
+            <a:prstGeom prst="rect">
+              <a:avLst/>
+            </a:prstGeom>
+          </p:spPr>
+        </p:pic>
+        <p:sp>
+          <p:nvSpPr>
+            <p:cNvPr id="250" name="Right Brace 249">
+              <a:extLst>
+                <a:ext uri="{FF2B5EF4-FFF2-40B4-BE49-F238E27FC236}">
+                  <a16:creationId xmlns:a16="http://schemas.microsoft.com/office/drawing/2014/main" id="{0831DB66-707F-4452-BB42-CFE0152D8DA6}"/>
+                </a:ext>
+              </a:extLst>
+            </p:cNvPr>
+            <p:cNvSpPr/>
+            <p:nvPr/>
+          </p:nvSpPr>
+          <p:spPr>
+            <a:xfrm rot="16200000" flipH="1">
+              <a:off x="8908918" y="2104665"/>
+              <a:ext cx="261935" cy="3296525"/>
+            </a:xfrm>
+            <a:prstGeom prst="rightBrace">
+              <a:avLst>
+                <a:gd name="adj1" fmla="val 128249"/>
+                <a:gd name="adj2" fmla="val 50000"/>
+              </a:avLst>
+            </a:prstGeom>
+          </p:spPr>
+          <p:style>
+            <a:lnRef idx="3">
+              <a:schemeClr val="dk1"/>
+            </a:lnRef>
+            <a:fillRef idx="0">
+              <a:schemeClr val="dk1"/>
+            </a:fillRef>
+            <a:effectRef idx="2">
+              <a:schemeClr val="dk1"/>
+            </a:effectRef>
+            <a:fontRef idx="minor">
+              <a:schemeClr val="tx1"/>
+            </a:fontRef>
+          </p:style>
+          <p:txBody>
+            <a:bodyPr rtlCol="0" anchor="ctr"/>
+            <a:lstStyle/>
+            <a:p>
+              <a:pPr algn="ctr"/>
+              <a:endParaRPr lang="en-US" sz="1050"/>
+            </a:p>
+          </p:txBody>
+        </p:sp>
+        <p:pic>
+          <p:nvPicPr>
+            <p:cNvPr id="251" name="Picture 2">
+              <a:extLst>
+                <a:ext uri="{FF2B5EF4-FFF2-40B4-BE49-F238E27FC236}">
+                  <a16:creationId xmlns:a16="http://schemas.microsoft.com/office/drawing/2014/main" id="{AA79EFB9-E42A-4C0E-9BBA-3B0BE12D1BDB}"/>
+                </a:ext>
+              </a:extLst>
+            </p:cNvPr>
+            <p:cNvPicPr>
+              <a:picLocks noChangeAspect="1" noChangeArrowheads="1"/>
+            </p:cNvPicPr>
+            <p:nvPr/>
+          </p:nvPicPr>
+          <p:blipFill>
+            <a:blip r:embed="rId45">
+              <a:extLst>
+                <a:ext uri="{28A0092B-C50C-407E-A947-70E740481C1C}">
+                  <a14:useLocalDpi xmlns:a14="http://schemas.microsoft.com/office/drawing/2010/main" val="0"/>
+                </a:ext>
+              </a:extLst>
+            </a:blip>
+            <a:srcRect/>
+            <a:stretch>
+              <a:fillRect/>
+            </a:stretch>
+          </p:blipFill>
+          <p:spPr bwMode="auto">
+            <a:xfrm>
+              <a:off x="2483596" y="4500454"/>
+              <a:ext cx="1117328" cy="297720"/>
+            </a:xfrm>
+            <a:prstGeom prst="rect">
+              <a:avLst/>
+            </a:prstGeom>
+            <a:noFill/>
+            <a:extLst>
+              <a:ext uri="{909E8E84-426E-40DD-AFC4-6F175D3DCCD1}">
+                <a14:hiddenFill xmlns:a14="http://schemas.microsoft.com/office/drawing/2010/main">
+                  <a:solidFill>
+                    <a:srgbClr val="FFFFFF"/>
+                  </a:solidFill>
+                </a14:hiddenFill>
+              </a:ext>
+            </a:extLst>
+          </p:spPr>
+        </p:pic>
+        <mc:AlternateContent xmlns:mc="http://schemas.openxmlformats.org/markup-compatibility/2006">
+          <mc:Choice xmlns:a14="http://schemas.microsoft.com/office/drawing/2010/main" Requires="a14">
+            <p:sp>
+              <p:nvSpPr>
+                <p:cNvPr id="252" name="TextBox 251">
+                  <a:extLst>
+                    <a:ext uri="{FF2B5EF4-FFF2-40B4-BE49-F238E27FC236}">
+                      <a16:creationId xmlns:a16="http://schemas.microsoft.com/office/drawing/2014/main" id="{0DE8C208-F3BB-4F3B-A384-A8C398CFB773}"/>
+                    </a:ext>
+                  </a:extLst>
+                </p:cNvPr>
+                <p:cNvSpPr txBox="1"/>
+                <p:nvPr/>
+              </p:nvSpPr>
+              <p:spPr>
+                <a:xfrm>
+                  <a:off x="3573591" y="4404177"/>
+                  <a:ext cx="3468762" cy="390669"/>
+                </a:xfrm>
+                <a:prstGeom prst="rect">
+                  <a:avLst/>
+                </a:prstGeom>
+                <a:noFill/>
+              </p:spPr>
+              <p:txBody>
+                <a:bodyPr wrap="none" rtlCol="0">
+                  <a:spAutoFit/>
+                </a:bodyPr>
+                <a:lstStyle/>
+                <a:p>
+                  <a:r>
+                    <a:rPr lang="en-US" sz="1050" dirty="0"/>
+                    <a:t>is a unit Gaussian on </a:t>
+                  </a:r>
+                  <a:r>
+                    <a:rPr lang="en-US" sz="1050" b="1" i="1" dirty="0"/>
+                    <a:t>Y</a:t>
+                  </a:r>
+                  <a:r>
+                    <a:rPr lang="en-US" sz="1050" dirty="0"/>
+                    <a:t>  with mean </a:t>
+                  </a:r>
+                  <a14:m>
+                    <m:oMath xmlns:m="http://schemas.openxmlformats.org/officeDocument/2006/math">
+                      <m:r>
+                        <a:rPr lang="en-US" sz="1050" b="0" i="1" smtClean="0">
+                          <a:latin typeface="Cambria Math" panose="02040503050406030204" pitchFamily="18" charset="0"/>
+                        </a:rPr>
+                        <m:t>𝜇</m:t>
+                      </m:r>
+                    </m:oMath>
+                  </a14:m>
+                  <a:endParaRPr lang="en-US" sz="1050" dirty="0"/>
+                </a:p>
+              </p:txBody>
+            </p:sp>
+          </mc:Choice>
+          <mc:Fallback>
+            <p:sp>
+              <p:nvSpPr>
+                <p:cNvPr id="252" name="TextBox 251">
+                  <a:extLst>
+                    <a:ext uri="{FF2B5EF4-FFF2-40B4-BE49-F238E27FC236}">
+                      <a16:creationId xmlns:a16="http://schemas.microsoft.com/office/drawing/2014/main" id="{0DE8C208-F3BB-4F3B-A384-A8C398CFB773}"/>
+                    </a:ext>
+                  </a:extLst>
+                </p:cNvPr>
+                <p:cNvSpPr txBox="1">
+                  <a:spLocks noRot="1" noChangeAspect="1" noMove="1" noResize="1" noEditPoints="1" noAdjustHandles="1" noChangeArrowheads="1" noChangeShapeType="1" noTextEdit="1"/>
+                </p:cNvSpPr>
+                <p:nvPr/>
+              </p:nvSpPr>
+              <p:spPr>
+                <a:xfrm>
+                  <a:off x="3573591" y="4404177"/>
+                  <a:ext cx="3468762" cy="390669"/>
+                </a:xfrm>
+                <a:prstGeom prst="rect">
+                  <a:avLst/>
+                </a:prstGeom>
+                <a:blipFill>
+                  <a:blip r:embed="rId46"/>
+                  <a:stretch>
+                    <a:fillRect r="-40234" b="-62069"/>
+                  </a:stretch>
+                </a:blipFill>
+              </p:spPr>
+              <p:txBody>
+                <a:bodyPr/>
+                <a:lstStyle/>
+                <a:p>
+                  <a:r>
+                    <a:rPr lang="en-US">
+                      <a:noFill/>
+                    </a:rPr>
+                    <a:t> </a:t>
+                  </a:r>
+                </a:p>
+              </p:txBody>
+            </p:sp>
+          </mc:Fallback>
+        </mc:AlternateContent>
+        <p:sp>
+          <p:nvSpPr>
+            <p:cNvPr id="253" name="TextBox 252">
+              <a:extLst>
+                <a:ext uri="{FF2B5EF4-FFF2-40B4-BE49-F238E27FC236}">
+                  <a16:creationId xmlns:a16="http://schemas.microsoft.com/office/drawing/2014/main" id="{F323A268-C5E7-4253-9E13-58BE9C91136C}"/>
+                </a:ext>
+              </a:extLst>
+            </p:cNvPr>
+            <p:cNvSpPr txBox="1"/>
+            <p:nvPr/>
+          </p:nvSpPr>
+          <p:spPr>
+            <a:xfrm>
+              <a:off x="1428273" y="4362340"/>
+              <a:ext cx="1264348" cy="532178"/>
+            </a:xfrm>
+            <a:prstGeom prst="rect">
+              <a:avLst/>
+            </a:prstGeom>
+            <a:noFill/>
+          </p:spPr>
+          <p:txBody>
+            <a:bodyPr wrap="square">
+              <a:spAutoFit/>
+            </a:bodyPr>
+            <a:lstStyle/>
+            <a:p>
+              <a:r>
+                <a:rPr lang="en-US" sz="1050" dirty="0"/>
+                <a:t>where</a:t>
+              </a:r>
+            </a:p>
+          </p:txBody>
+        </p:sp>
+      </p:grpSp>
+      <p:sp>
+        <p:nvSpPr>
+          <p:cNvPr id="254" name="TextBox 253">
+            <a:extLst>
+              <a:ext uri="{FF2B5EF4-FFF2-40B4-BE49-F238E27FC236}">
+                <a16:creationId xmlns:a16="http://schemas.microsoft.com/office/drawing/2014/main" id="{282DF457-5AFC-40FF-81C0-A507F32490C7}"/>
+              </a:ext>
+            </a:extLst>
+          </p:cNvPr>
+          <p:cNvSpPr txBox="1"/>
+          <p:nvPr/>
+        </p:nvSpPr>
+        <p:spPr>
+          <a:xfrm>
+            <a:off x="4787110" y="5874996"/>
+            <a:ext cx="3496718" cy="369332"/>
+          </a:xfrm>
+          <a:prstGeom prst="rect">
+            <a:avLst/>
+          </a:prstGeom>
+          <a:noFill/>
+        </p:spPr>
+        <p:txBody>
+          <a:bodyPr wrap="square">
+            <a:spAutoFit/>
+          </a:bodyPr>
+          <a:lstStyle/>
+          <a:p>
+            <a:r>
+              <a:rPr lang="en-US" i="1" dirty="0"/>
+              <a:t>MSE </a:t>
+            </a:r>
+            <a:r>
+              <a:rPr lang="en-US" i="1" dirty="0">
+                <a:solidFill>
+                  <a:schemeClr val="bg1">
+                    <a:lumMod val="75000"/>
+                  </a:schemeClr>
+                </a:solidFill>
+              </a:rPr>
+              <a:t>as Inconsistency.</a:t>
+            </a:r>
+            <a:endParaRPr lang="en-US" i="1" dirty="0"/>
+          </a:p>
+        </p:txBody>
+      </p:sp>
+      <p:pic>
+        <p:nvPicPr>
+          <p:cNvPr id="1038" name="Picture 1037">
+            <a:extLst>
+              <a:ext uri="{FF2B5EF4-FFF2-40B4-BE49-F238E27FC236}">
+                <a16:creationId xmlns:a16="http://schemas.microsoft.com/office/drawing/2014/main" id="{B1B72875-FFCB-4789-A74A-D8F45E848998}"/>
+              </a:ext>
+            </a:extLst>
+          </p:cNvPr>
+          <p:cNvPicPr>
+            <a:picLocks noChangeAspect="1"/>
+          </p:cNvPicPr>
+          <p:nvPr/>
+        </p:nvPicPr>
+        <p:blipFill rotWithShape="1">
+          <a:blip r:embed="rId47">
+            <a:clrChange>
+              <a:clrFrom>
+                <a:srgbClr val="FFFFFF"/>
+              </a:clrFrom>
+              <a:clrTo>
+                <a:srgbClr val="FFFFFF">
+                  <a:alpha val="0"/>
+                </a:srgbClr>
+              </a:clrTo>
+            </a:clrChange>
+          </a:blip>
+          <a:srcRect l="9940"/>
+          <a:stretch/>
+        </p:blipFill>
+        <p:spPr>
+          <a:xfrm>
+            <a:off x="19756079" y="9642438"/>
+            <a:ext cx="2835768" cy="904876"/>
+          </a:xfrm>
+          <a:prstGeom prst="rect">
+            <a:avLst/>
+          </a:prstGeom>
+        </p:spPr>
+      </p:pic>
+      <p:pic>
+        <p:nvPicPr>
+          <p:cNvPr id="1054" name="Picture 1053">
+            <a:extLst>
+              <a:ext uri="{FF2B5EF4-FFF2-40B4-BE49-F238E27FC236}">
+                <a16:creationId xmlns:a16="http://schemas.microsoft.com/office/drawing/2014/main" id="{2B06A87E-37DC-43A7-92C5-4CCFF3767DA1}"/>
+              </a:ext>
+            </a:extLst>
+          </p:cNvPr>
+          <p:cNvPicPr>
+            <a:picLocks noChangeAspect="1"/>
+          </p:cNvPicPr>
+          <p:nvPr/>
+        </p:nvPicPr>
+        <p:blipFill>
+          <a:blip r:embed="rId48"/>
+          <a:stretch>
+            <a:fillRect/>
+          </a:stretch>
+        </p:blipFill>
+        <p:spPr>
+          <a:xfrm>
+            <a:off x="18265970" y="7634992"/>
+            <a:ext cx="4534902" cy="818110"/>
+          </a:xfrm>
+          <a:prstGeom prst="rect">
+            <a:avLst/>
+          </a:prstGeom>
+        </p:spPr>
+      </p:pic>
+      <p:pic>
+        <p:nvPicPr>
+          <p:cNvPr id="1056" name="Picture 1055">
+            <a:extLst>
+              <a:ext uri="{FF2B5EF4-FFF2-40B4-BE49-F238E27FC236}">
+                <a16:creationId xmlns:a16="http://schemas.microsoft.com/office/drawing/2014/main" id="{4D679851-FEC8-42BB-B6AE-E122577EE08F}"/>
+              </a:ext>
+            </a:extLst>
+          </p:cNvPr>
+          <p:cNvPicPr>
+            <a:picLocks noChangeAspect="1"/>
+          </p:cNvPicPr>
+          <p:nvPr/>
+        </p:nvPicPr>
+        <p:blipFill>
+          <a:blip r:embed="rId49"/>
+          <a:stretch>
+            <a:fillRect/>
+          </a:stretch>
+        </p:blipFill>
+        <p:spPr>
+          <a:xfrm>
+            <a:off x="17796619" y="4764641"/>
+            <a:ext cx="5004253" cy="2068872"/>
+          </a:xfrm>
+          <a:prstGeom prst="rect">
+            <a:avLst/>
+          </a:prstGeom>
+        </p:spPr>
+      </p:pic>
+      <p:pic>
+        <p:nvPicPr>
+          <p:cNvPr id="1058" name="Picture 1057">
+            <a:extLst>
+              <a:ext uri="{FF2B5EF4-FFF2-40B4-BE49-F238E27FC236}">
+                <a16:creationId xmlns:a16="http://schemas.microsoft.com/office/drawing/2014/main" id="{2EFBC55F-45F1-4B76-BB8E-07A8EE56FC0B}"/>
+              </a:ext>
+            </a:extLst>
+          </p:cNvPr>
+          <p:cNvPicPr>
+            <a:picLocks noChangeAspect="1"/>
+          </p:cNvPicPr>
+          <p:nvPr/>
+        </p:nvPicPr>
+        <p:blipFill>
+          <a:blip r:embed="rId50">
+            <a:clrChange>
+              <a:clrFrom>
+                <a:srgbClr val="FFFFFF"/>
+              </a:clrFrom>
+              <a:clrTo>
+                <a:srgbClr val="FFFFFF">
+                  <a:alpha val="0"/>
+                </a:srgbClr>
+              </a:clrTo>
+            </a:clrChange>
+          </a:blip>
+          <a:stretch>
+            <a:fillRect/>
+          </a:stretch>
+        </p:blipFill>
+        <p:spPr>
+          <a:xfrm>
+            <a:off x="19374569" y="11751426"/>
+            <a:ext cx="3258005" cy="1009791"/>
+          </a:xfrm>
+          <a:prstGeom prst="rect">
+            <a:avLst/>
+          </a:prstGeom>
+        </p:spPr>
+      </p:pic>
+      <p:pic>
+        <p:nvPicPr>
+          <p:cNvPr id="1060" name="Picture 1059">
+            <a:extLst>
+              <a:ext uri="{FF2B5EF4-FFF2-40B4-BE49-F238E27FC236}">
+                <a16:creationId xmlns:a16="http://schemas.microsoft.com/office/drawing/2014/main" id="{CF2517E4-15E7-4A99-8F11-E60D54FCB025}"/>
+              </a:ext>
+            </a:extLst>
+          </p:cNvPr>
+          <p:cNvPicPr>
+            <a:picLocks noChangeAspect="1"/>
+          </p:cNvPicPr>
+          <p:nvPr/>
+        </p:nvPicPr>
+        <p:blipFill>
+          <a:blip r:embed="rId51">
+            <a:clrChange>
+              <a:clrFrom>
+                <a:srgbClr val="FFFFFF"/>
+              </a:clrFrom>
+              <a:clrTo>
+                <a:srgbClr val="FFFFFF">
+                  <a:alpha val="0"/>
+                </a:srgbClr>
+              </a:clrTo>
+            </a:clrChange>
+          </a:blip>
+          <a:stretch>
+            <a:fillRect/>
+          </a:stretch>
+        </p:blipFill>
+        <p:spPr>
+          <a:xfrm>
+            <a:off x="19808795" y="10642566"/>
+            <a:ext cx="3591426" cy="1028844"/>
+          </a:xfrm>
+          <a:prstGeom prst="rect">
+            <a:avLst/>
+          </a:prstGeom>
+        </p:spPr>
+      </p:pic>
+      <p:pic>
+        <p:nvPicPr>
+          <p:cNvPr id="1064" name="Picture 1063">
+            <a:extLst>
+              <a:ext uri="{FF2B5EF4-FFF2-40B4-BE49-F238E27FC236}">
+                <a16:creationId xmlns:a16="http://schemas.microsoft.com/office/drawing/2014/main" id="{55939428-190E-4490-A2AE-9C6EC9237B91}"/>
+              </a:ext>
+            </a:extLst>
+          </p:cNvPr>
+          <p:cNvPicPr>
+            <a:picLocks noChangeAspect="1"/>
+          </p:cNvPicPr>
+          <p:nvPr/>
+        </p:nvPicPr>
+        <p:blipFill>
+          <a:blip r:embed="rId52">
+            <a:clrChange>
+              <a:clrFrom>
+                <a:srgbClr val="FFFFFF"/>
+              </a:clrFrom>
+              <a:clrTo>
+                <a:srgbClr val="FFFFFF">
+                  <a:alpha val="0"/>
+                </a:srgbClr>
+              </a:clrTo>
+            </a:clrChange>
+          </a:blip>
+          <a:stretch>
+            <a:fillRect/>
+          </a:stretch>
+        </p:blipFill>
+        <p:spPr>
+          <a:xfrm>
+            <a:off x="17696300" y="9981189"/>
+            <a:ext cx="1929105" cy="233649"/>
+          </a:xfrm>
+          <a:prstGeom prst="rect">
+            <a:avLst/>
+          </a:prstGeom>
+        </p:spPr>
+      </p:pic>
+      <p:pic>
+        <p:nvPicPr>
+          <p:cNvPr id="1066" name="Picture 1065">
+            <a:extLst>
+              <a:ext uri="{FF2B5EF4-FFF2-40B4-BE49-F238E27FC236}">
+                <a16:creationId xmlns:a16="http://schemas.microsoft.com/office/drawing/2014/main" id="{10FE0E84-6064-4FE2-BEB0-8DE1FF3D2F04}"/>
+              </a:ext>
+            </a:extLst>
+          </p:cNvPr>
+          <p:cNvPicPr>
+            <a:picLocks noChangeAspect="1"/>
+          </p:cNvPicPr>
+          <p:nvPr/>
+        </p:nvPicPr>
+        <p:blipFill>
+          <a:blip r:embed="rId53">
+            <a:clrChange>
+              <a:clrFrom>
+                <a:srgbClr val="FFFFFF"/>
+              </a:clrFrom>
+              <a:clrTo>
+                <a:srgbClr val="FFFFFF">
+                  <a:alpha val="0"/>
+                </a:srgbClr>
+              </a:clrTo>
+            </a:clrChange>
+          </a:blip>
+          <a:stretch>
+            <a:fillRect/>
+          </a:stretch>
+        </p:blipFill>
+        <p:spPr>
+          <a:xfrm>
+            <a:off x="17203558" y="10980923"/>
+            <a:ext cx="2552521" cy="285883"/>
+          </a:xfrm>
+          <a:prstGeom prst="rect">
+            <a:avLst/>
+          </a:prstGeom>
+        </p:spPr>
+      </p:pic>
+      <p:sp>
+        <p:nvSpPr>
+          <p:cNvPr id="285" name="TextBox 284">
+            <a:extLst>
+              <a:ext uri="{FF2B5EF4-FFF2-40B4-BE49-F238E27FC236}">
+                <a16:creationId xmlns:a16="http://schemas.microsoft.com/office/drawing/2014/main" id="{73A33CF4-F95A-4ADD-A177-9477F9FEFD4C}"/>
+              </a:ext>
+            </a:extLst>
+          </p:cNvPr>
+          <p:cNvSpPr txBox="1"/>
+          <p:nvPr/>
+        </p:nvSpPr>
+        <p:spPr>
+          <a:xfrm>
+            <a:off x="17367926" y="9218812"/>
+            <a:ext cx="5673698" cy="461665"/>
+          </a:xfrm>
+          <a:prstGeom prst="rect">
+            <a:avLst/>
+          </a:prstGeom>
+          <a:noFill/>
+        </p:spPr>
+        <p:txBody>
+          <a:bodyPr wrap="square">
+            <a:spAutoFit/>
+          </a:bodyPr>
+          <a:lstStyle/>
+          <a:p>
+            <a:r>
+              <a:rPr lang="en-US" sz="2400" b="1" dirty="0">
+                <a:solidFill>
+                  <a:schemeClr val="accent5">
+                    <a:lumMod val="50000"/>
+                  </a:schemeClr>
+                </a:solidFill>
+                <a:latin typeface="+mj-lt"/>
+              </a:rPr>
+              <a:t>Simulator + Data Case study: Which Loss?</a:t>
+            </a:r>
+          </a:p>
+        </p:txBody>
+      </p:sp>
+      <p:grpSp>
+        <p:nvGrpSpPr>
+          <p:cNvPr id="1073" name="Group 1072">
+            <a:extLst>
+              <a:ext uri="{FF2B5EF4-FFF2-40B4-BE49-F238E27FC236}">
+                <a16:creationId xmlns:a16="http://schemas.microsoft.com/office/drawing/2014/main" id="{5910AFAF-7B6B-409D-9E96-19E7829C8DAA}"/>
+              </a:ext>
+            </a:extLst>
+          </p:cNvPr>
+          <p:cNvGrpSpPr/>
+          <p:nvPr/>
+        </p:nvGrpSpPr>
+        <p:grpSpPr>
+          <a:xfrm>
+            <a:off x="11869413" y="3323664"/>
+            <a:ext cx="2988732" cy="574530"/>
+            <a:chOff x="1872042" y="3197561"/>
+            <a:chExt cx="6033076" cy="1159750"/>
+          </a:xfrm>
+        </p:grpSpPr>
+        <p:pic>
+          <p:nvPicPr>
+            <p:cNvPr id="292" name="Picture 291">
+              <a:extLst>
+                <a:ext uri="{FF2B5EF4-FFF2-40B4-BE49-F238E27FC236}">
+                  <a16:creationId xmlns:a16="http://schemas.microsoft.com/office/drawing/2014/main" id="{D666B08D-FAE0-4800-A10D-AA53B0E07D11}"/>
+                </a:ext>
+              </a:extLst>
+            </p:cNvPr>
+            <p:cNvPicPr>
+              <a:picLocks noChangeAspect="1"/>
+            </p:cNvPicPr>
+            <p:nvPr/>
+          </p:nvPicPr>
+          <p:blipFill>
+            <a:blip r:embed="rId54"/>
+            <a:stretch>
+              <a:fillRect/>
+            </a:stretch>
+          </p:blipFill>
+          <p:spPr>
+            <a:xfrm>
+              <a:off x="5157135" y="3271378"/>
+              <a:ext cx="2472146" cy="872285"/>
+            </a:xfrm>
+            <a:prstGeom prst="rect">
+              <a:avLst/>
+            </a:prstGeom>
+          </p:spPr>
+        </p:pic>
+        <p:pic>
+          <p:nvPicPr>
+            <p:cNvPr id="293" name="Picture 292">
+              <a:extLst>
+                <a:ext uri="{FF2B5EF4-FFF2-40B4-BE49-F238E27FC236}">
+                  <a16:creationId xmlns:a16="http://schemas.microsoft.com/office/drawing/2014/main" id="{AA797F30-2F73-4563-93F8-4239E7169D9D}"/>
+                </a:ext>
+              </a:extLst>
+            </p:cNvPr>
+            <p:cNvPicPr>
+              <a:picLocks noChangeAspect="1"/>
+            </p:cNvPicPr>
+            <p:nvPr/>
+          </p:nvPicPr>
+          <p:blipFill>
+            <a:blip r:embed="rId55"/>
+            <a:srcRect l="91189" t="2816" b="4566"/>
+            <a:stretch>
+              <a:fillRect/>
+            </a:stretch>
+          </p:blipFill>
+          <p:spPr>
+            <a:xfrm>
+              <a:off x="7629281" y="3197561"/>
+              <a:ext cx="275837" cy="1159749"/>
+            </a:xfrm>
+            <a:custGeom>
+              <a:avLst/>
+              <a:gdLst>
+                <a:gd name="connsiteX0" fmla="*/ 0 w 384794"/>
+                <a:gd name="connsiteY0" fmla="*/ 0 h 1617856"/>
+                <a:gd name="connsiteX1" fmla="*/ 384794 w 384794"/>
+                <a:gd name="connsiteY1" fmla="*/ 0 h 1617856"/>
+                <a:gd name="connsiteX2" fmla="*/ 384794 w 384794"/>
+                <a:gd name="connsiteY2" fmla="*/ 1617856 h 1617856"/>
+                <a:gd name="connsiteX3" fmla="*/ 0 w 384794"/>
+                <a:gd name="connsiteY3" fmla="*/ 1617856 h 1617856"/>
+                <a:gd name="connsiteX4" fmla="*/ 0 w 384794"/>
+                <a:gd name="connsiteY4" fmla="*/ 0 h 1617856"/>
+              </a:gdLst>
+              <a:ahLst/>
+              <a:cxnLst>
+                <a:cxn ang="0">
+                  <a:pos x="connsiteX0" y="connsiteY0"/>
+                </a:cxn>
+                <a:cxn ang="0">
+                  <a:pos x="connsiteX1" y="connsiteY1"/>
+                </a:cxn>
+                <a:cxn ang="0">
+                  <a:pos x="connsiteX2" y="connsiteY2"/>
+                </a:cxn>
+                <a:cxn ang="0">
+                  <a:pos x="connsiteX3" y="connsiteY3"/>
+                </a:cxn>
+                <a:cxn ang="0">
+                  <a:pos x="connsiteX4" y="connsiteY4"/>
+                </a:cxn>
+              </a:cxnLst>
+              <a:rect l="l" t="t" r="r" b="b"/>
+              <a:pathLst>
+                <a:path w="384794" h="1617856">
+                  <a:moveTo>
+                    <a:pt x="0" y="0"/>
+                  </a:moveTo>
+                  <a:lnTo>
+                    <a:pt x="384794" y="0"/>
+                  </a:lnTo>
+                  <a:lnTo>
+                    <a:pt x="384794" y="1617856"/>
+                  </a:lnTo>
+                  <a:lnTo>
+                    <a:pt x="0" y="1617856"/>
+                  </a:lnTo>
+                  <a:lnTo>
+                    <a:pt x="0" y="0"/>
+                  </a:lnTo>
+                  <a:close/>
+                </a:path>
+              </a:pathLst>
+            </a:custGeom>
+          </p:spPr>
+        </p:pic>
+        <p:pic>
+          <p:nvPicPr>
+            <p:cNvPr id="294" name="Picture 293">
+              <a:extLst>
+                <a:ext uri="{FF2B5EF4-FFF2-40B4-BE49-F238E27FC236}">
+                  <a16:creationId xmlns:a16="http://schemas.microsoft.com/office/drawing/2014/main" id="{B7DD55B8-0088-4BBB-B113-6FC1EF517134}"/>
+                </a:ext>
+              </a:extLst>
+            </p:cNvPr>
+            <p:cNvPicPr>
+              <a:picLocks noChangeAspect="1"/>
+            </p:cNvPicPr>
+            <p:nvPr/>
+          </p:nvPicPr>
+          <p:blipFill>
+            <a:blip r:embed="rId55"/>
+            <a:srcRect t="3801" r="91321" b="3580"/>
+            <a:stretch>
+              <a:fillRect/>
+            </a:stretch>
+          </p:blipFill>
+          <p:spPr>
+            <a:xfrm>
+              <a:off x="4844326" y="3197561"/>
+              <a:ext cx="271706" cy="1159750"/>
+            </a:xfrm>
+            <a:custGeom>
+              <a:avLst/>
+              <a:gdLst>
+                <a:gd name="connsiteX0" fmla="*/ 0 w 379031"/>
+                <a:gd name="connsiteY0" fmla="*/ 0 h 1617856"/>
+                <a:gd name="connsiteX1" fmla="*/ 379031 w 379031"/>
+                <a:gd name="connsiteY1" fmla="*/ 0 h 1617856"/>
+                <a:gd name="connsiteX2" fmla="*/ 379031 w 379031"/>
+                <a:gd name="connsiteY2" fmla="*/ 313064 h 1617856"/>
+                <a:gd name="connsiteX3" fmla="*/ 347142 w 379031"/>
+                <a:gd name="connsiteY3" fmla="*/ 356422 h 1617856"/>
+                <a:gd name="connsiteX4" fmla="*/ 323851 w 379031"/>
+                <a:gd name="connsiteY4" fmla="*/ 401492 h 1617856"/>
+                <a:gd name="connsiteX5" fmla="*/ 358844 w 379031"/>
+                <a:gd name="connsiteY5" fmla="*/ 644581 h 1617856"/>
+                <a:gd name="connsiteX6" fmla="*/ 379031 w 379031"/>
+                <a:gd name="connsiteY6" fmla="*/ 679437 h 1617856"/>
+                <a:gd name="connsiteX7" fmla="*/ 379031 w 379031"/>
+                <a:gd name="connsiteY7" fmla="*/ 1617856 h 1617856"/>
+                <a:gd name="connsiteX8" fmla="*/ 0 w 379031"/>
+                <a:gd name="connsiteY8" fmla="*/ 1617856 h 1617856"/>
+                <a:gd name="connsiteX9" fmla="*/ 0 w 379031"/>
+                <a:gd name="connsiteY9" fmla="*/ 0 h 1617856"/>
+              </a:gdLst>
+              <a:ahLst/>
+              <a:cxnLst>
+                <a:cxn ang="0">
+                  <a:pos x="connsiteX0" y="connsiteY0"/>
+                </a:cxn>
+                <a:cxn ang="0">
+                  <a:pos x="connsiteX1" y="connsiteY1"/>
+                </a:cxn>
+                <a:cxn ang="0">
+                  <a:pos x="connsiteX2" y="connsiteY2"/>
+                </a:cxn>
+                <a:cxn ang="0">
+                  <a:pos x="connsiteX3" y="connsiteY3"/>
+                </a:cxn>
+                <a:cxn ang="0">
+                  <a:pos x="connsiteX4" y="connsiteY4"/>
+                </a:cxn>
+                <a:cxn ang="0">
+                  <a:pos x="connsiteX5" y="connsiteY5"/>
+                </a:cxn>
+                <a:cxn ang="0">
+                  <a:pos x="connsiteX6" y="connsiteY6"/>
+                </a:cxn>
+                <a:cxn ang="0">
+                  <a:pos x="connsiteX7" y="connsiteY7"/>
+                </a:cxn>
+                <a:cxn ang="0">
+                  <a:pos x="connsiteX8" y="connsiteY8"/>
+                </a:cxn>
+                <a:cxn ang="0">
+                  <a:pos x="connsiteX9" y="connsiteY9"/>
+                </a:cxn>
+              </a:cxnLst>
+              <a:rect l="l" t="t" r="r" b="b"/>
+              <a:pathLst>
+                <a:path w="379031" h="1617856">
+                  <a:moveTo>
+                    <a:pt x="0" y="0"/>
+                  </a:moveTo>
+                  <a:lnTo>
+                    <a:pt x="379031" y="0"/>
+                  </a:lnTo>
+                  <a:lnTo>
+                    <a:pt x="379031" y="313064"/>
+                  </a:lnTo>
+                  <a:lnTo>
+                    <a:pt x="347142" y="356422"/>
+                  </a:lnTo>
+                  <a:cubicBezTo>
+                    <a:pt x="336943" y="372456"/>
+                    <a:pt x="329060" y="387576"/>
+                    <a:pt x="323851" y="401492"/>
+                  </a:cubicBezTo>
+                  <a:cubicBezTo>
+                    <a:pt x="298848" y="468289"/>
+                    <a:pt x="316707" y="557457"/>
+                    <a:pt x="358844" y="644581"/>
+                  </a:cubicBezTo>
+                  <a:lnTo>
+                    <a:pt x="379031" y="679437"/>
+                  </a:lnTo>
+                  <a:lnTo>
+                    <a:pt x="379031" y="1617856"/>
+                  </a:lnTo>
+                  <a:lnTo>
+                    <a:pt x="0" y="1617856"/>
+                  </a:lnTo>
+                  <a:lnTo>
+                    <a:pt x="0" y="0"/>
+                  </a:lnTo>
+                  <a:close/>
+                </a:path>
+              </a:pathLst>
+            </a:custGeom>
+          </p:spPr>
+        </p:pic>
+        <p:pic>
+          <p:nvPicPr>
+            <p:cNvPr id="295" name="Picture 294">
+              <a:extLst>
+                <a:ext uri="{FF2B5EF4-FFF2-40B4-BE49-F238E27FC236}">
+                  <a16:creationId xmlns:a16="http://schemas.microsoft.com/office/drawing/2014/main" id="{8EE2184E-3498-448C-837E-C6A60CBDDAEC}"/>
+                </a:ext>
+              </a:extLst>
+            </p:cNvPr>
+            <p:cNvPicPr>
+              <a:picLocks noChangeAspect="1"/>
+            </p:cNvPicPr>
+            <p:nvPr/>
+          </p:nvPicPr>
+          <p:blipFill>
+            <a:blip r:embed="rId56"/>
+            <a:stretch>
+              <a:fillRect/>
+            </a:stretch>
+          </p:blipFill>
+          <p:spPr>
+            <a:xfrm>
+              <a:off x="1872042" y="3389556"/>
+              <a:ext cx="2931181" cy="854119"/>
+            </a:xfrm>
+            <a:prstGeom prst="rect">
+              <a:avLst/>
+            </a:prstGeom>
+          </p:spPr>
+        </p:pic>
+      </p:grpSp>
+      <p:pic>
+        <p:nvPicPr>
+          <p:cNvPr id="297" name="Picture 296">
+            <a:extLst>
+              <a:ext uri="{FF2B5EF4-FFF2-40B4-BE49-F238E27FC236}">
+                <a16:creationId xmlns:a16="http://schemas.microsoft.com/office/drawing/2014/main" id="{919C1FDB-9F11-4A4E-B42E-4DF52AF2E73C}"/>
+              </a:ext>
+            </a:extLst>
+          </p:cNvPr>
+          <p:cNvPicPr>
+            <a:picLocks noChangeAspect="1"/>
+          </p:cNvPicPr>
+          <p:nvPr/>
+        </p:nvPicPr>
+        <p:blipFill>
+          <a:blip r:embed="rId57">
+            <a:clrChange>
+              <a:clrFrom>
+                <a:srgbClr val="FFFFFF"/>
+              </a:clrFrom>
+              <a:clrTo>
+                <a:srgbClr val="FFFFFF">
+                  <a:alpha val="0"/>
+                </a:srgbClr>
+              </a:clrTo>
+            </a:clrChange>
+          </a:blip>
+          <a:stretch>
+            <a:fillRect/>
+          </a:stretch>
+        </p:blipFill>
+        <p:spPr>
+          <a:xfrm>
+            <a:off x="12776037" y="3740598"/>
+            <a:ext cx="3296749" cy="710421"/>
+          </a:xfrm>
+          <a:prstGeom prst="rect">
+            <a:avLst/>
+          </a:prstGeom>
+        </p:spPr>
+      </p:pic>
+      <p:grpSp>
+        <p:nvGrpSpPr>
+          <p:cNvPr id="1074" name="Group 1073">
+            <a:extLst>
+              <a:ext uri="{FF2B5EF4-FFF2-40B4-BE49-F238E27FC236}">
+                <a16:creationId xmlns:a16="http://schemas.microsoft.com/office/drawing/2014/main" id="{1BE1F4F7-76D2-4709-9446-4F9020FDD33C}"/>
+              </a:ext>
+            </a:extLst>
+          </p:cNvPr>
+          <p:cNvGrpSpPr/>
+          <p:nvPr/>
+        </p:nvGrpSpPr>
+        <p:grpSpPr>
+          <a:xfrm>
+            <a:off x="13602371" y="3660233"/>
+            <a:ext cx="1044757" cy="174534"/>
+            <a:chOff x="12370396" y="3219396"/>
+            <a:chExt cx="1968427" cy="299017"/>
+          </a:xfrm>
+        </p:grpSpPr>
+        <p:pic>
+          <p:nvPicPr>
+            <p:cNvPr id="298" name="Content Placeholder 4">
+              <a:extLst>
+                <a:ext uri="{FF2B5EF4-FFF2-40B4-BE49-F238E27FC236}">
+                  <a16:creationId xmlns:a16="http://schemas.microsoft.com/office/drawing/2014/main" id="{DB33BCEF-944F-42A6-8FE9-A3C9802679DF}"/>
+                </a:ext>
+              </a:extLst>
+            </p:cNvPr>
+            <p:cNvPicPr>
+              <a:picLocks noChangeAspect="1"/>
+            </p:cNvPicPr>
+            <p:nvPr/>
+          </p:nvPicPr>
+          <p:blipFill rotWithShape="1">
+            <a:blip r:embed="rId58">
+              <a:clrChange>
+                <a:clrFrom>
+                  <a:srgbClr val="FFFFFF"/>
+                </a:clrFrom>
+                <a:clrTo>
+                  <a:srgbClr val="FFFFFF">
+                    <a:alpha val="0"/>
+                  </a:srgbClr>
+                </a:clrTo>
+              </a:clrChange>
+              <a:extLst>
+                <a:ext uri="{28A0092B-C50C-407E-A947-70E740481C1C}">
+                  <a14:useLocalDpi xmlns:a14="http://schemas.microsoft.com/office/drawing/2010/main" val="0"/>
+                </a:ext>
+              </a:extLst>
+            </a:blip>
+            <a:srcRect/>
+            <a:stretch/>
+          </p:blipFill>
+          <p:spPr>
+            <a:xfrm>
+              <a:off x="12370396" y="3219396"/>
+              <a:ext cx="396358" cy="262378"/>
+            </a:xfrm>
+            <a:prstGeom prst="rect">
+              <a:avLst/>
+            </a:prstGeom>
+          </p:spPr>
+        </p:pic>
+        <p:pic>
+          <p:nvPicPr>
+            <p:cNvPr id="299" name="Content Placeholder 4">
+              <a:extLst>
+                <a:ext uri="{FF2B5EF4-FFF2-40B4-BE49-F238E27FC236}">
+                  <a16:creationId xmlns:a16="http://schemas.microsoft.com/office/drawing/2014/main" id="{B53F034E-12C7-4B60-9A4D-B826EE8C03E5}"/>
+                </a:ext>
+              </a:extLst>
+            </p:cNvPr>
+            <p:cNvPicPr>
+              <a:picLocks noChangeAspect="1"/>
+            </p:cNvPicPr>
+            <p:nvPr/>
+          </p:nvPicPr>
+          <p:blipFill rotWithShape="1">
+            <a:blip r:embed="rId59">
+              <a:clrChange>
+                <a:clrFrom>
+                  <a:srgbClr val="FFFFFF"/>
+                </a:clrFrom>
+                <a:clrTo>
+                  <a:srgbClr val="FFFFFF">
+                    <a:alpha val="0"/>
+                  </a:srgbClr>
+                </a:clrTo>
+              </a:clrChange>
+              <a:extLst>
+                <a:ext uri="{28A0092B-C50C-407E-A947-70E740481C1C}">
+                  <a14:useLocalDpi xmlns:a14="http://schemas.microsoft.com/office/drawing/2010/main" val="0"/>
+                </a:ext>
+              </a:extLst>
+            </a:blip>
+            <a:srcRect/>
+            <a:stretch/>
+          </p:blipFill>
+          <p:spPr>
+            <a:xfrm>
+              <a:off x="13929419" y="3219396"/>
+              <a:ext cx="409404" cy="299017"/>
+            </a:xfrm>
+            <a:prstGeom prst="rect">
+              <a:avLst/>
+            </a:prstGeom>
+          </p:spPr>
+        </p:pic>
+      </p:grpSp>
+      <p:grpSp>
+        <p:nvGrpSpPr>
+          <p:cNvPr id="1075" name="Group 1074">
+            <a:extLst>
+              <a:ext uri="{FF2B5EF4-FFF2-40B4-BE49-F238E27FC236}">
+                <a16:creationId xmlns:a16="http://schemas.microsoft.com/office/drawing/2014/main" id="{1037F756-23F7-4D0A-8880-6107B97A42A4}"/>
+              </a:ext>
+            </a:extLst>
+          </p:cNvPr>
+          <p:cNvGrpSpPr/>
+          <p:nvPr/>
+        </p:nvGrpSpPr>
+        <p:grpSpPr>
+          <a:xfrm>
+            <a:off x="5791177" y="2007852"/>
+            <a:ext cx="4490824" cy="1544454"/>
+            <a:chOff x="9465329" y="2353947"/>
+            <a:chExt cx="9301987" cy="3199079"/>
+          </a:xfrm>
+        </p:grpSpPr>
+        <p:pic>
+          <p:nvPicPr>
+            <p:cNvPr id="301" name="Picture 300">
+              <a:extLst>
+                <a:ext uri="{FF2B5EF4-FFF2-40B4-BE49-F238E27FC236}">
+                  <a16:creationId xmlns:a16="http://schemas.microsoft.com/office/drawing/2014/main" id="{E2C85A68-51A8-45D1-9977-5406A503C6F9}"/>
+                </a:ext>
+              </a:extLst>
+            </p:cNvPr>
+            <p:cNvPicPr>
+              <a:picLocks noChangeAspect="1"/>
+            </p:cNvPicPr>
+            <p:nvPr/>
+          </p:nvPicPr>
+          <p:blipFill>
+            <a:blip r:embed="rId60">
+              <a:extLst>
+                <a:ext uri="{28A0092B-C50C-407E-A947-70E740481C1C}">
+                  <a14:useLocalDpi xmlns:a14="http://schemas.microsoft.com/office/drawing/2010/main" val="0"/>
+                </a:ext>
+              </a:extLst>
+            </a:blip>
+            <a:srcRect t="249" b="249"/>
+            <a:stretch/>
+          </p:blipFill>
+          <p:spPr>
+            <a:xfrm>
+              <a:off x="9777729" y="2353947"/>
+              <a:ext cx="1179398" cy="1021506"/>
+            </a:xfrm>
+            <a:custGeom>
+              <a:avLst/>
+              <a:gdLst>
+                <a:gd name="connsiteX0" fmla="*/ 564013 w 1179397"/>
+                <a:gd name="connsiteY0" fmla="*/ 0 h 1021506"/>
+                <a:gd name="connsiteX1" fmla="*/ 881527 w 1179397"/>
+                <a:gd name="connsiteY1" fmla="*/ 0 h 1021506"/>
+                <a:gd name="connsiteX2" fmla="*/ 929423 w 1179397"/>
+                <a:gd name="connsiteY2" fmla="*/ 34543 h 1021506"/>
+                <a:gd name="connsiteX3" fmla="*/ 1154451 w 1179397"/>
+                <a:gd name="connsiteY3" fmla="*/ 667908 h 1021506"/>
+                <a:gd name="connsiteX4" fmla="*/ 373401 w 1179397"/>
+                <a:gd name="connsiteY4" fmla="*/ 1016548 h 1021506"/>
+                <a:gd name="connsiteX5" fmla="*/ 11451 w 1179397"/>
+                <a:gd name="connsiteY5" fmla="*/ 467883 h 1021506"/>
+                <a:gd name="connsiteX6" fmla="*/ 466214 w 1179397"/>
+                <a:gd name="connsiteY6" fmla="*/ 50735 h 1021506"/>
+                <a:gd name="connsiteX7" fmla="*/ 564013 w 1179397"/>
+                <a:gd name="connsiteY7" fmla="*/ 0 h 1021506"/>
+              </a:gdLst>
+              <a:ahLst/>
+              <a:cxnLst>
+                <a:cxn ang="0">
+                  <a:pos x="connsiteX0" y="connsiteY0"/>
+                </a:cxn>
+                <a:cxn ang="0">
+                  <a:pos x="connsiteX1" y="connsiteY1"/>
+                </a:cxn>
+                <a:cxn ang="0">
+                  <a:pos x="connsiteX2" y="connsiteY2"/>
+                </a:cxn>
+                <a:cxn ang="0">
+                  <a:pos x="connsiteX3" y="connsiteY3"/>
+                </a:cxn>
+                <a:cxn ang="0">
+                  <a:pos x="connsiteX4" y="connsiteY4"/>
+                </a:cxn>
+                <a:cxn ang="0">
+                  <a:pos x="connsiteX5" y="connsiteY5"/>
+                </a:cxn>
+                <a:cxn ang="0">
+                  <a:pos x="connsiteX6" y="connsiteY6"/>
+                </a:cxn>
+                <a:cxn ang="0">
+                  <a:pos x="connsiteX7" y="connsiteY7"/>
+                </a:cxn>
+              </a:cxnLst>
+              <a:rect l="l" t="t" r="r" b="b"/>
+              <a:pathLst>
+                <a:path w="1179397" h="1021506">
+                  <a:moveTo>
+                    <a:pt x="564013" y="0"/>
+                  </a:moveTo>
+                  <a:lnTo>
+                    <a:pt x="881527" y="0"/>
+                  </a:lnTo>
+                  <a:lnTo>
+                    <a:pt x="929423" y="34543"/>
+                  </a:lnTo>
+                  <a:cubicBezTo>
+                    <a:pt x="1090157" y="175376"/>
+                    <a:pt x="1240176" y="455468"/>
+                    <a:pt x="1154451" y="667908"/>
+                  </a:cubicBezTo>
+                  <a:cubicBezTo>
+                    <a:pt x="944901" y="913062"/>
+                    <a:pt x="563901" y="1049886"/>
+                    <a:pt x="373401" y="1016548"/>
+                  </a:cubicBezTo>
+                  <a:cubicBezTo>
+                    <a:pt x="182901" y="983211"/>
+                    <a:pt x="-55224" y="646009"/>
+                    <a:pt x="11451" y="467883"/>
+                  </a:cubicBezTo>
+                  <a:cubicBezTo>
+                    <a:pt x="53123" y="356554"/>
+                    <a:pt x="265947" y="168204"/>
+                    <a:pt x="466214" y="50735"/>
+                  </a:cubicBezTo>
+                  <a:lnTo>
+                    <a:pt x="564013" y="0"/>
+                  </a:lnTo>
+                  <a:close/>
+                </a:path>
+              </a:pathLst>
+            </a:custGeom>
+          </p:spPr>
+        </p:pic>
+        <p:pic>
+          <p:nvPicPr>
+            <p:cNvPr id="302" name="Picture 301">
+              <a:extLst>
+                <a:ext uri="{FF2B5EF4-FFF2-40B4-BE49-F238E27FC236}">
+                  <a16:creationId xmlns:a16="http://schemas.microsoft.com/office/drawing/2014/main" id="{B267342F-1A67-4390-BD16-2AD33200FB12}"/>
+                </a:ext>
+              </a:extLst>
+            </p:cNvPr>
+            <p:cNvPicPr>
+              <a:picLocks noChangeAspect="1"/>
+            </p:cNvPicPr>
+            <p:nvPr/>
+          </p:nvPicPr>
+          <p:blipFill>
+            <a:blip r:embed="rId55"/>
+            <a:srcRect/>
+            <a:stretch>
+              <a:fillRect/>
+            </a:stretch>
+          </p:blipFill>
+          <p:spPr>
+            <a:xfrm>
+              <a:off x="9465329" y="2353947"/>
+              <a:ext cx="4366968" cy="1746787"/>
+            </a:xfrm>
+            <a:custGeom>
+              <a:avLst/>
+              <a:gdLst>
+                <a:gd name="connsiteX0" fmla="*/ 1193927 w 4366969"/>
+                <a:gd name="connsiteY0" fmla="*/ 0 h 1746788"/>
+                <a:gd name="connsiteX1" fmla="*/ 4366969 w 4366969"/>
+                <a:gd name="connsiteY1" fmla="*/ 0 h 1746788"/>
+                <a:gd name="connsiteX2" fmla="*/ 4366969 w 4366969"/>
+                <a:gd name="connsiteY2" fmla="*/ 49181 h 1746788"/>
+                <a:gd name="connsiteX3" fmla="*/ 3982175 w 4366969"/>
+                <a:gd name="connsiteY3" fmla="*/ 49181 h 1746788"/>
+                <a:gd name="connsiteX4" fmla="*/ 3982175 w 4366969"/>
+                <a:gd name="connsiteY4" fmla="*/ 1667037 h 1746788"/>
+                <a:gd name="connsiteX5" fmla="*/ 4366969 w 4366969"/>
+                <a:gd name="connsiteY5" fmla="*/ 1667037 h 1746788"/>
+                <a:gd name="connsiteX6" fmla="*/ 4366969 w 4366969"/>
+                <a:gd name="connsiteY6" fmla="*/ 1746788 h 1746788"/>
+                <a:gd name="connsiteX7" fmla="*/ 0 w 4366969"/>
+                <a:gd name="connsiteY7" fmla="*/ 1746788 h 1746788"/>
+                <a:gd name="connsiteX8" fmla="*/ 0 w 4366969"/>
+                <a:gd name="connsiteY8" fmla="*/ 1684247 h 1746788"/>
+                <a:gd name="connsiteX9" fmla="*/ 379031 w 4366969"/>
+                <a:gd name="connsiteY9" fmla="*/ 1684247 h 1746788"/>
+                <a:gd name="connsiteX10" fmla="*/ 379031 w 4366969"/>
+                <a:gd name="connsiteY10" fmla="*/ 745828 h 1746788"/>
+                <a:gd name="connsiteX11" fmla="*/ 408385 w 4366969"/>
+                <a:gd name="connsiteY11" fmla="*/ 796511 h 1746788"/>
+                <a:gd name="connsiteX12" fmla="*/ 685801 w 4366969"/>
+                <a:gd name="connsiteY12" fmla="*/ 1016548 h 1746788"/>
+                <a:gd name="connsiteX13" fmla="*/ 1466851 w 4366969"/>
+                <a:gd name="connsiteY13" fmla="*/ 667908 h 1746788"/>
+                <a:gd name="connsiteX14" fmla="*/ 1241823 w 4366969"/>
+                <a:gd name="connsiteY14" fmla="*/ 34543 h 1746788"/>
+                <a:gd name="connsiteX15" fmla="*/ 1193927 w 4366969"/>
+                <a:gd name="connsiteY15" fmla="*/ 0 h 1746788"/>
+              </a:gdLst>
+              <a:ahLst/>
+              <a:cxnLst>
+                <a:cxn ang="0">
+                  <a:pos x="connsiteX0" y="connsiteY0"/>
+                </a:cxn>
+                <a:cxn ang="0">
+                  <a:pos x="connsiteX1" y="connsiteY1"/>
+                </a:cxn>
+                <a:cxn ang="0">
+                  <a:pos x="connsiteX2" y="connsiteY2"/>
+                </a:cxn>
+                <a:cxn ang="0">
+                  <a:pos x="connsiteX3" y="connsiteY3"/>
+                </a:cxn>
+                <a:cxn ang="0">
+                  <a:pos x="connsiteX4" y="connsiteY4"/>
+                </a:cxn>
+                <a:cxn ang="0">
+                  <a:pos x="connsiteX5" y="connsiteY5"/>
+                </a:cxn>
+                <a:cxn ang="0">
+                  <a:pos x="connsiteX6" y="connsiteY6"/>
+                </a:cxn>
+                <a:cxn ang="0">
+                  <a:pos x="connsiteX7" y="connsiteY7"/>
+                </a:cxn>
+                <a:cxn ang="0">
+                  <a:pos x="connsiteX8" y="connsiteY8"/>
+                </a:cxn>
+                <a:cxn ang="0">
+                  <a:pos x="connsiteX9" y="connsiteY9"/>
+                </a:cxn>
+                <a:cxn ang="0">
+                  <a:pos x="connsiteX10" y="connsiteY10"/>
+                </a:cxn>
+                <a:cxn ang="0">
+                  <a:pos x="connsiteX11" y="connsiteY11"/>
+                </a:cxn>
+                <a:cxn ang="0">
+                  <a:pos x="connsiteX12" y="connsiteY12"/>
+                </a:cxn>
+                <a:cxn ang="0">
+                  <a:pos x="connsiteX13" y="connsiteY13"/>
+                </a:cxn>
+                <a:cxn ang="0">
+                  <a:pos x="connsiteX14" y="connsiteY14"/>
+                </a:cxn>
+                <a:cxn ang="0">
+                  <a:pos x="connsiteX15" y="connsiteY15"/>
+                </a:cxn>
+              </a:cxnLst>
+              <a:rect l="l" t="t" r="r" b="b"/>
+              <a:pathLst>
+                <a:path w="4366969" h="1746788">
+                  <a:moveTo>
+                    <a:pt x="1193927" y="0"/>
+                  </a:moveTo>
+                  <a:lnTo>
+                    <a:pt x="4366969" y="0"/>
+                  </a:lnTo>
+                  <a:lnTo>
+                    <a:pt x="4366969" y="49181"/>
+                  </a:lnTo>
+                  <a:lnTo>
+                    <a:pt x="3982175" y="49181"/>
+                  </a:lnTo>
+                  <a:lnTo>
+                    <a:pt x="3982175" y="1667037"/>
+                  </a:lnTo>
+                  <a:lnTo>
+                    <a:pt x="4366969" y="1667037"/>
+                  </a:lnTo>
+                  <a:lnTo>
+                    <a:pt x="4366969" y="1746788"/>
+                  </a:lnTo>
+                  <a:lnTo>
+                    <a:pt x="0" y="1746788"/>
+                  </a:lnTo>
+                  <a:lnTo>
+                    <a:pt x="0" y="1684247"/>
+                  </a:lnTo>
+                  <a:lnTo>
+                    <a:pt x="379031" y="1684247"/>
+                  </a:lnTo>
+                  <a:lnTo>
+                    <a:pt x="379031" y="745828"/>
+                  </a:lnTo>
+                  <a:lnTo>
+                    <a:pt x="408385" y="796511"/>
+                  </a:lnTo>
+                  <a:cubicBezTo>
+                    <a:pt x="483395" y="907245"/>
+                    <a:pt x="590551" y="999880"/>
+                    <a:pt x="685801" y="1016548"/>
+                  </a:cubicBezTo>
+                  <a:cubicBezTo>
+                    <a:pt x="876301" y="1049886"/>
+                    <a:pt x="1257301" y="913062"/>
+                    <a:pt x="1466851" y="667908"/>
+                  </a:cubicBezTo>
+                  <a:cubicBezTo>
+                    <a:pt x="1552576" y="455468"/>
+                    <a:pt x="1402557" y="175376"/>
+                    <a:pt x="1241823" y="34543"/>
+                  </a:cubicBezTo>
+                  <a:lnTo>
+                    <a:pt x="1193927" y="0"/>
+                  </a:lnTo>
+                  <a:close/>
+                </a:path>
+              </a:pathLst>
+            </a:custGeom>
+          </p:spPr>
+        </p:pic>
+        <p:pic>
+          <p:nvPicPr>
+            <p:cNvPr id="303" name="Picture 302">
+              <a:extLst>
+                <a:ext uri="{FF2B5EF4-FFF2-40B4-BE49-F238E27FC236}">
+                  <a16:creationId xmlns:a16="http://schemas.microsoft.com/office/drawing/2014/main" id="{41FDBF4A-5FDA-4F0E-B885-CCD0C55016F0}"/>
+                </a:ext>
+              </a:extLst>
+            </p:cNvPr>
+            <p:cNvPicPr>
+              <a:picLocks noChangeAspect="1"/>
+            </p:cNvPicPr>
+            <p:nvPr/>
+          </p:nvPicPr>
+          <p:blipFill>
+            <a:blip r:embed="rId61">
+              <a:extLst>
+                <a:ext uri="{28A0092B-C50C-407E-A947-70E740481C1C}">
+                  <a14:useLocalDpi xmlns:a14="http://schemas.microsoft.com/office/drawing/2010/main" val="0"/>
+                </a:ext>
+              </a:extLst>
+            </a:blip>
+            <a:srcRect l="56" r="56"/>
+            <a:stretch/>
+          </p:blipFill>
+          <p:spPr>
+            <a:xfrm>
+              <a:off x="13281077" y="4729986"/>
+              <a:ext cx="1498068" cy="823040"/>
+            </a:xfrm>
+            <a:custGeom>
+              <a:avLst/>
+              <a:gdLst>
+                <a:gd name="connsiteX0" fmla="*/ 0 w 1498069"/>
+                <a:gd name="connsiteY0" fmla="*/ 0 h 823040"/>
+                <a:gd name="connsiteX1" fmla="*/ 1498069 w 1498069"/>
+                <a:gd name="connsiteY1" fmla="*/ 0 h 823040"/>
+                <a:gd name="connsiteX2" fmla="*/ 1498069 w 1498069"/>
+                <a:gd name="connsiteY2" fmla="*/ 823040 h 823040"/>
+                <a:gd name="connsiteX3" fmla="*/ 0 w 1498069"/>
+                <a:gd name="connsiteY3" fmla="*/ 823040 h 823040"/>
+                <a:gd name="connsiteX4" fmla="*/ 0 w 1498069"/>
+                <a:gd name="connsiteY4" fmla="*/ 0 h 823040"/>
+              </a:gdLst>
+              <a:ahLst/>
+              <a:cxnLst>
+                <a:cxn ang="0">
+                  <a:pos x="connsiteX0" y="connsiteY0"/>
+                </a:cxn>
+                <a:cxn ang="0">
+                  <a:pos x="connsiteX1" y="connsiteY1"/>
+                </a:cxn>
+                <a:cxn ang="0">
+                  <a:pos x="connsiteX2" y="connsiteY2"/>
+                </a:cxn>
+                <a:cxn ang="0">
+                  <a:pos x="connsiteX3" y="connsiteY3"/>
+                </a:cxn>
+                <a:cxn ang="0">
+                  <a:pos x="connsiteX4" y="connsiteY4"/>
+                </a:cxn>
+              </a:cxnLst>
+              <a:rect l="l" t="t" r="r" b="b"/>
+              <a:pathLst>
+                <a:path w="1498069" h="823040">
+                  <a:moveTo>
+                    <a:pt x="0" y="0"/>
+                  </a:moveTo>
+                  <a:lnTo>
+                    <a:pt x="1498069" y="0"/>
+                  </a:lnTo>
+                  <a:lnTo>
+                    <a:pt x="1498069" y="823040"/>
+                  </a:lnTo>
+                  <a:lnTo>
+                    <a:pt x="0" y="823040"/>
+                  </a:lnTo>
+                  <a:lnTo>
+                    <a:pt x="0" y="0"/>
+                  </a:lnTo>
+                  <a:close/>
+                </a:path>
+              </a:pathLst>
+            </a:custGeom>
+          </p:spPr>
+        </p:pic>
+        <p:grpSp>
+          <p:nvGrpSpPr>
+            <p:cNvPr id="304" name="Group 303">
+              <a:extLst>
+                <a:ext uri="{FF2B5EF4-FFF2-40B4-BE49-F238E27FC236}">
+                  <a16:creationId xmlns:a16="http://schemas.microsoft.com/office/drawing/2014/main" id="{92943EE9-9DA5-4436-909E-E99BACCB86CC}"/>
+                </a:ext>
+              </a:extLst>
+            </p:cNvPr>
+            <p:cNvGrpSpPr/>
+            <p:nvPr/>
+          </p:nvGrpSpPr>
+          <p:grpSpPr>
+            <a:xfrm>
+              <a:off x="9465329" y="2403131"/>
+              <a:ext cx="4454366" cy="2558882"/>
+              <a:chOff x="823440" y="2382350"/>
+              <a:chExt cx="4454366" cy="2558882"/>
+            </a:xfrm>
+          </p:grpSpPr>
+          <p:pic>
+            <p:nvPicPr>
+              <p:cNvPr id="305" name="Picture 304">
+                <a:extLst>
+                  <a:ext uri="{FF2B5EF4-FFF2-40B4-BE49-F238E27FC236}">
+                    <a16:creationId xmlns:a16="http://schemas.microsoft.com/office/drawing/2014/main" id="{80522BE6-4D04-413D-8A9D-41C295170B46}"/>
+                  </a:ext>
+                </a:extLst>
+              </p:cNvPr>
+              <p:cNvPicPr>
+                <a:picLocks noChangeAspect="1"/>
+              </p:cNvPicPr>
+              <p:nvPr/>
+            </p:nvPicPr>
+            <p:blipFill>
+              <a:blip r:embed="rId55"/>
+              <a:srcRect l="91189" t="2816" b="4566"/>
+              <a:stretch>
+                <a:fillRect/>
+              </a:stretch>
+            </p:blipFill>
+            <p:spPr>
+              <a:xfrm>
+                <a:off x="4805615" y="2382350"/>
+                <a:ext cx="384793" cy="1617857"/>
+              </a:xfrm>
+              <a:custGeom>
+                <a:avLst/>
+                <a:gdLst>
+                  <a:gd name="connsiteX0" fmla="*/ 0 w 384794"/>
+                  <a:gd name="connsiteY0" fmla="*/ 0 h 1617856"/>
+                  <a:gd name="connsiteX1" fmla="*/ 384794 w 384794"/>
+                  <a:gd name="connsiteY1" fmla="*/ 0 h 1617856"/>
+                  <a:gd name="connsiteX2" fmla="*/ 384794 w 384794"/>
+                  <a:gd name="connsiteY2" fmla="*/ 1617856 h 1617856"/>
+                  <a:gd name="connsiteX3" fmla="*/ 0 w 384794"/>
+                  <a:gd name="connsiteY3" fmla="*/ 1617856 h 1617856"/>
+                  <a:gd name="connsiteX4" fmla="*/ 0 w 384794"/>
+                  <a:gd name="connsiteY4" fmla="*/ 0 h 1617856"/>
+                </a:gdLst>
+                <a:ahLst/>
+                <a:cxnLst>
+                  <a:cxn ang="0">
+                    <a:pos x="connsiteX0" y="connsiteY0"/>
+                  </a:cxn>
+                  <a:cxn ang="0">
+                    <a:pos x="connsiteX1" y="connsiteY1"/>
+                  </a:cxn>
+                  <a:cxn ang="0">
+                    <a:pos x="connsiteX2" y="connsiteY2"/>
+                  </a:cxn>
+                  <a:cxn ang="0">
+                    <a:pos x="connsiteX3" y="connsiteY3"/>
+                  </a:cxn>
+                  <a:cxn ang="0">
+                    <a:pos x="connsiteX4" y="connsiteY4"/>
+                  </a:cxn>
+                </a:cxnLst>
+                <a:rect l="l" t="t" r="r" b="b"/>
+                <a:pathLst>
+                  <a:path w="384794" h="1617856">
+                    <a:moveTo>
+                      <a:pt x="0" y="0"/>
+                    </a:moveTo>
+                    <a:lnTo>
+                      <a:pt x="384794" y="0"/>
+                    </a:lnTo>
+                    <a:lnTo>
+                      <a:pt x="384794" y="1617856"/>
+                    </a:lnTo>
+                    <a:lnTo>
+                      <a:pt x="0" y="1617856"/>
+                    </a:lnTo>
+                    <a:lnTo>
+                      <a:pt x="0" y="0"/>
+                    </a:lnTo>
+                    <a:close/>
+                  </a:path>
+                </a:pathLst>
+              </a:custGeom>
+            </p:spPr>
+          </p:pic>
+          <p:pic>
+            <p:nvPicPr>
+              <p:cNvPr id="306" name="Picture 305">
+                <a:extLst>
+                  <a:ext uri="{FF2B5EF4-FFF2-40B4-BE49-F238E27FC236}">
+                    <a16:creationId xmlns:a16="http://schemas.microsoft.com/office/drawing/2014/main" id="{EF894149-BB20-42D3-B87E-291E17AB9DF6}"/>
+                  </a:ext>
+                </a:extLst>
+              </p:cNvPr>
+              <p:cNvPicPr>
+                <a:picLocks noChangeAspect="1"/>
+              </p:cNvPicPr>
+              <p:nvPr/>
+            </p:nvPicPr>
+            <p:blipFill>
+              <a:blip r:embed="rId55"/>
+              <a:srcRect t="3801" r="91321" b="3580"/>
+              <a:stretch>
+                <a:fillRect/>
+              </a:stretch>
+            </p:blipFill>
+            <p:spPr>
+              <a:xfrm>
+                <a:off x="823440" y="2399559"/>
+                <a:ext cx="379031" cy="1617857"/>
+              </a:xfrm>
+              <a:custGeom>
+                <a:avLst/>
+                <a:gdLst>
+                  <a:gd name="connsiteX0" fmla="*/ 0 w 379031"/>
+                  <a:gd name="connsiteY0" fmla="*/ 0 h 1617856"/>
+                  <a:gd name="connsiteX1" fmla="*/ 379031 w 379031"/>
+                  <a:gd name="connsiteY1" fmla="*/ 0 h 1617856"/>
+                  <a:gd name="connsiteX2" fmla="*/ 379031 w 379031"/>
+                  <a:gd name="connsiteY2" fmla="*/ 313064 h 1617856"/>
+                  <a:gd name="connsiteX3" fmla="*/ 347142 w 379031"/>
+                  <a:gd name="connsiteY3" fmla="*/ 356422 h 1617856"/>
+                  <a:gd name="connsiteX4" fmla="*/ 323851 w 379031"/>
+                  <a:gd name="connsiteY4" fmla="*/ 401492 h 1617856"/>
+                  <a:gd name="connsiteX5" fmla="*/ 358844 w 379031"/>
+                  <a:gd name="connsiteY5" fmla="*/ 644581 h 1617856"/>
+                  <a:gd name="connsiteX6" fmla="*/ 379031 w 379031"/>
+                  <a:gd name="connsiteY6" fmla="*/ 679437 h 1617856"/>
+                  <a:gd name="connsiteX7" fmla="*/ 379031 w 379031"/>
+                  <a:gd name="connsiteY7" fmla="*/ 1617856 h 1617856"/>
+                  <a:gd name="connsiteX8" fmla="*/ 0 w 379031"/>
+                  <a:gd name="connsiteY8" fmla="*/ 1617856 h 1617856"/>
+                  <a:gd name="connsiteX9" fmla="*/ 0 w 379031"/>
+                  <a:gd name="connsiteY9" fmla="*/ 0 h 1617856"/>
+                </a:gdLst>
+                <a:ahLst/>
+                <a:cxnLst>
+                  <a:cxn ang="0">
+                    <a:pos x="connsiteX0" y="connsiteY0"/>
+                  </a:cxn>
+                  <a:cxn ang="0">
+                    <a:pos x="connsiteX1" y="connsiteY1"/>
+                  </a:cxn>
+                  <a:cxn ang="0">
+                    <a:pos x="connsiteX2" y="connsiteY2"/>
+                  </a:cxn>
+                  <a:cxn ang="0">
+                    <a:pos x="connsiteX3" y="connsiteY3"/>
+                  </a:cxn>
+                  <a:cxn ang="0">
+                    <a:pos x="connsiteX4" y="connsiteY4"/>
+                  </a:cxn>
+                  <a:cxn ang="0">
+                    <a:pos x="connsiteX5" y="connsiteY5"/>
+                  </a:cxn>
+                  <a:cxn ang="0">
+                    <a:pos x="connsiteX6" y="connsiteY6"/>
+                  </a:cxn>
+                  <a:cxn ang="0">
+                    <a:pos x="connsiteX7" y="connsiteY7"/>
+                  </a:cxn>
+                  <a:cxn ang="0">
+                    <a:pos x="connsiteX8" y="connsiteY8"/>
+                  </a:cxn>
+                  <a:cxn ang="0">
+                    <a:pos x="connsiteX9" y="connsiteY9"/>
+                  </a:cxn>
+                </a:cxnLst>
+                <a:rect l="l" t="t" r="r" b="b"/>
+                <a:pathLst>
+                  <a:path w="379031" h="1617856">
+                    <a:moveTo>
+                      <a:pt x="0" y="0"/>
+                    </a:moveTo>
+                    <a:lnTo>
+                      <a:pt x="379031" y="0"/>
+                    </a:lnTo>
+                    <a:lnTo>
+                      <a:pt x="379031" y="313064"/>
+                    </a:lnTo>
+                    <a:lnTo>
+                      <a:pt x="347142" y="356422"/>
+                    </a:lnTo>
+                    <a:cubicBezTo>
+                      <a:pt x="336943" y="372456"/>
+                      <a:pt x="329060" y="387576"/>
+                      <a:pt x="323851" y="401492"/>
+                    </a:cubicBezTo>
+                    <a:cubicBezTo>
+                      <a:pt x="298848" y="468289"/>
+                      <a:pt x="316707" y="557457"/>
+                      <a:pt x="358844" y="644581"/>
+                    </a:cubicBezTo>
+                    <a:lnTo>
+                      <a:pt x="379031" y="679437"/>
+                    </a:lnTo>
+                    <a:lnTo>
+                      <a:pt x="379031" y="1617856"/>
+                    </a:lnTo>
+                    <a:lnTo>
+                      <a:pt x="0" y="1617856"/>
+                    </a:lnTo>
+                    <a:lnTo>
+                      <a:pt x="0" y="0"/>
+                    </a:lnTo>
+                    <a:close/>
+                  </a:path>
+                </a:pathLst>
+              </a:custGeom>
+            </p:spPr>
+          </p:pic>
+          <p:pic>
+            <p:nvPicPr>
+              <p:cNvPr id="307" name="Picture 306">
+                <a:extLst>
+                  <a:ext uri="{FF2B5EF4-FFF2-40B4-BE49-F238E27FC236}">
+                    <a16:creationId xmlns:a16="http://schemas.microsoft.com/office/drawing/2014/main" id="{D40BA73A-B9FB-4639-800D-496153123D76}"/>
+                  </a:ext>
+                </a:extLst>
+              </p:cNvPr>
+              <p:cNvPicPr>
+                <a:picLocks noChangeAspect="1"/>
+              </p:cNvPicPr>
+              <p:nvPr/>
+            </p:nvPicPr>
+            <p:blipFill rotWithShape="1">
+              <a:blip r:embed="rId62"/>
+              <a:srcRect l="-1" r="46812"/>
+              <a:stretch/>
+            </p:blipFill>
+            <p:spPr>
+              <a:xfrm>
+                <a:off x="1862140" y="4118192"/>
+                <a:ext cx="2280104" cy="823040"/>
+              </a:xfrm>
+              <a:custGeom>
+                <a:avLst/>
+                <a:gdLst>
+                  <a:gd name="connsiteX0" fmla="*/ 0 w 2592275"/>
+                  <a:gd name="connsiteY0" fmla="*/ 0 h 823040"/>
+                  <a:gd name="connsiteX1" fmla="*/ 2592275 w 2592275"/>
+                  <a:gd name="connsiteY1" fmla="*/ 0 h 823040"/>
+                  <a:gd name="connsiteX2" fmla="*/ 2592275 w 2592275"/>
+                  <a:gd name="connsiteY2" fmla="*/ 823040 h 823040"/>
+                  <a:gd name="connsiteX3" fmla="*/ 0 w 2592275"/>
+                  <a:gd name="connsiteY3" fmla="*/ 823040 h 823040"/>
+                  <a:gd name="connsiteX4" fmla="*/ 0 w 2592275"/>
+                  <a:gd name="connsiteY4" fmla="*/ 0 h 823040"/>
+                </a:gdLst>
+                <a:ahLst/>
+                <a:cxnLst>
+                  <a:cxn ang="0">
+                    <a:pos x="connsiteX0" y="connsiteY0"/>
+                  </a:cxn>
+                  <a:cxn ang="0">
+                    <a:pos x="connsiteX1" y="connsiteY1"/>
+                  </a:cxn>
+                  <a:cxn ang="0">
+                    <a:pos x="connsiteX2" y="connsiteY2"/>
+                  </a:cxn>
+                  <a:cxn ang="0">
+                    <a:pos x="connsiteX3" y="connsiteY3"/>
+                  </a:cxn>
+                  <a:cxn ang="0">
+                    <a:pos x="connsiteX4" y="connsiteY4"/>
+                  </a:cxn>
+                </a:cxnLst>
+                <a:rect l="l" t="t" r="r" b="b"/>
+                <a:pathLst>
+                  <a:path w="2592275" h="823040">
+                    <a:moveTo>
+                      <a:pt x="0" y="0"/>
+                    </a:moveTo>
+                    <a:lnTo>
+                      <a:pt x="2592275" y="0"/>
+                    </a:lnTo>
+                    <a:lnTo>
+                      <a:pt x="2592275" y="823040"/>
+                    </a:lnTo>
+                    <a:lnTo>
+                      <a:pt x="0" y="823040"/>
+                    </a:lnTo>
+                    <a:lnTo>
+                      <a:pt x="0" y="0"/>
+                    </a:lnTo>
+                    <a:close/>
+                  </a:path>
+                </a:pathLst>
+              </a:custGeom>
+            </p:spPr>
+          </p:pic>
+          <p:pic>
+            <p:nvPicPr>
+              <p:cNvPr id="308" name="Picture 307">
+                <a:extLst>
+                  <a:ext uri="{FF2B5EF4-FFF2-40B4-BE49-F238E27FC236}">
+                    <a16:creationId xmlns:a16="http://schemas.microsoft.com/office/drawing/2014/main" id="{1A617CE9-C860-4300-8B0D-B5705BB6EE59}"/>
+                  </a:ext>
+                </a:extLst>
+              </p:cNvPr>
+              <p:cNvPicPr>
+                <a:picLocks noChangeAspect="1"/>
+              </p:cNvPicPr>
+              <p:nvPr/>
+            </p:nvPicPr>
+            <p:blipFill>
+              <a:blip r:embed="rId63"/>
+              <a:stretch>
+                <a:fillRect/>
+              </a:stretch>
+            </p:blipFill>
+            <p:spPr>
+              <a:xfrm>
+                <a:off x="1270500" y="4324613"/>
+                <a:ext cx="497617" cy="410198"/>
+              </a:xfrm>
+              <a:prstGeom prst="rect">
+                <a:avLst/>
+              </a:prstGeom>
+            </p:spPr>
+          </p:pic>
+          <p:pic>
+            <p:nvPicPr>
+              <p:cNvPr id="309" name="Picture 308">
+                <a:extLst>
+                  <a:ext uri="{FF2B5EF4-FFF2-40B4-BE49-F238E27FC236}">
+                    <a16:creationId xmlns:a16="http://schemas.microsoft.com/office/drawing/2014/main" id="{DC90BA22-B60D-4E88-A7BF-2B8795C9AF88}"/>
+                  </a:ext>
+                </a:extLst>
+              </p:cNvPr>
+              <p:cNvPicPr>
+                <a:picLocks noChangeAspect="1"/>
+              </p:cNvPicPr>
+              <p:nvPr/>
+            </p:nvPicPr>
+            <p:blipFill>
+              <a:blip r:embed="rId64">
+                <a:extLst>
+                  <a:ext uri="{28A0092B-C50C-407E-A947-70E740481C1C}">
+                    <a14:useLocalDpi xmlns:a14="http://schemas.microsoft.com/office/drawing/2010/main" val="0"/>
+                  </a:ext>
+                </a:extLst>
+              </a:blip>
+              <a:srcRect/>
+              <a:stretch/>
+            </p:blipFill>
+            <p:spPr>
+              <a:xfrm>
+                <a:off x="4330683" y="4396301"/>
+                <a:ext cx="947123" cy="316980"/>
+              </a:xfrm>
+              <a:prstGeom prst="rect">
+                <a:avLst/>
+              </a:prstGeom>
+            </p:spPr>
+          </p:pic>
+        </p:grpSp>
+        <p:pic>
+          <p:nvPicPr>
+            <p:cNvPr id="310" name="Picture 2">
+              <a:extLst>
+                <a:ext uri="{FF2B5EF4-FFF2-40B4-BE49-F238E27FC236}">
+                  <a16:creationId xmlns:a16="http://schemas.microsoft.com/office/drawing/2014/main" id="{3FC8659E-17C4-4BE9-B63B-C7B5D1410270}"/>
+                </a:ext>
+              </a:extLst>
+            </p:cNvPr>
+            <p:cNvPicPr>
+              <a:picLocks noChangeAspect="1" noChangeArrowheads="1"/>
+            </p:cNvPicPr>
+            <p:nvPr/>
+          </p:nvPicPr>
+          <p:blipFill>
+            <a:blip r:embed="rId65">
+              <a:extLst>
+                <a:ext uri="{28A0092B-C50C-407E-A947-70E740481C1C}">
+                  <a14:useLocalDpi xmlns:a14="http://schemas.microsoft.com/office/drawing/2010/main" val="0"/>
+                </a:ext>
+              </a:extLst>
+            </a:blip>
+            <a:srcRect/>
+            <a:stretch>
+              <a:fillRect/>
+            </a:stretch>
+          </p:blipFill>
+          <p:spPr bwMode="auto">
+            <a:xfrm>
+              <a:off x="14807974" y="2579115"/>
+              <a:ext cx="947123" cy="307075"/>
+            </a:xfrm>
+            <a:prstGeom prst="rect">
+              <a:avLst/>
+            </a:prstGeom>
+            <a:noFill/>
+            <a:extLst>
+              <a:ext uri="{909E8E84-426E-40DD-AFC4-6F175D3DCCD1}">
+                <a14:hiddenFill xmlns:a14="http://schemas.microsoft.com/office/drawing/2010/main">
+                  <a:solidFill>
+                    <a:srgbClr val="FFFFFF"/>
+                  </a:solidFill>
+                </a14:hiddenFill>
+              </a:ext>
+            </a:extLst>
+          </p:spPr>
+        </p:pic>
+        <p:sp>
+          <p:nvSpPr>
+            <p:cNvPr id="311" name="TextBox 310">
+              <a:extLst>
+                <a:ext uri="{FF2B5EF4-FFF2-40B4-BE49-F238E27FC236}">
+                  <a16:creationId xmlns:a16="http://schemas.microsoft.com/office/drawing/2014/main" id="{49A67A8F-C207-4726-84F1-EBEF602E7CD3}"/>
+                </a:ext>
+              </a:extLst>
+            </p:cNvPr>
+            <p:cNvSpPr txBox="1"/>
+            <p:nvPr/>
+          </p:nvSpPr>
+          <p:spPr>
+            <a:xfrm>
+              <a:off x="15714457" y="2538111"/>
+              <a:ext cx="2334872" cy="446256"/>
+            </a:xfrm>
+            <a:prstGeom prst="rect">
+              <a:avLst/>
+            </a:prstGeom>
+            <a:noFill/>
+          </p:spPr>
+          <p:txBody>
+            <a:bodyPr wrap="none" rtlCol="0">
+              <a:spAutoFit/>
+            </a:bodyPr>
+            <a:lstStyle/>
+            <a:p>
+              <a:r>
+                <a:rPr lang="en-US" sz="800" dirty="0"/>
+                <a:t> parameterized model</a:t>
+              </a:r>
+            </a:p>
+          </p:txBody>
+        </p:sp>
+        <p:pic>
+          <p:nvPicPr>
+            <p:cNvPr id="312" name="Picture 4">
+              <a:extLst>
+                <a:ext uri="{FF2B5EF4-FFF2-40B4-BE49-F238E27FC236}">
+                  <a16:creationId xmlns:a16="http://schemas.microsoft.com/office/drawing/2014/main" id="{BE2E165C-CA49-4968-A457-FC6C40B001DF}"/>
+                </a:ext>
+              </a:extLst>
+            </p:cNvPr>
+            <p:cNvPicPr>
+              <a:picLocks noChangeAspect="1" noChangeArrowheads="1"/>
+            </p:cNvPicPr>
+            <p:nvPr/>
+          </p:nvPicPr>
+          <p:blipFill>
+            <a:blip r:embed="rId66">
+              <a:extLst>
+                <a:ext uri="{28A0092B-C50C-407E-A947-70E740481C1C}">
+                  <a14:useLocalDpi xmlns:a14="http://schemas.microsoft.com/office/drawing/2010/main" val="0"/>
+                </a:ext>
+              </a:extLst>
+            </a:blip>
+            <a:srcRect/>
+            <a:stretch/>
+          </p:blipFill>
+          <p:spPr bwMode="auto">
+            <a:xfrm>
+              <a:off x="15166904" y="3428771"/>
+              <a:ext cx="588194" cy="308987"/>
+            </a:xfrm>
+            <a:prstGeom prst="rect">
+              <a:avLst/>
+            </a:prstGeom>
+            <a:noFill/>
+            <a:extLst>
+              <a:ext uri="{909E8E84-426E-40DD-AFC4-6F175D3DCCD1}">
+                <a14:hiddenFill xmlns:a14="http://schemas.microsoft.com/office/drawing/2010/main">
+                  <a:solidFill>
+                    <a:srgbClr val="FFFFFF"/>
+                  </a:solidFill>
+                </a14:hiddenFill>
+              </a:ext>
+            </a:extLst>
+          </p:spPr>
+        </p:pic>
+        <p:pic>
+          <p:nvPicPr>
+            <p:cNvPr id="313" name="Picture 8">
+              <a:extLst>
+                <a:ext uri="{FF2B5EF4-FFF2-40B4-BE49-F238E27FC236}">
+                  <a16:creationId xmlns:a16="http://schemas.microsoft.com/office/drawing/2014/main" id="{B8CF2123-3124-41F5-82D1-1DD0758E74B9}"/>
+                </a:ext>
+              </a:extLst>
+            </p:cNvPr>
+            <p:cNvPicPr>
+              <a:picLocks noChangeAspect="1" noChangeArrowheads="1"/>
+            </p:cNvPicPr>
+            <p:nvPr/>
+          </p:nvPicPr>
+          <p:blipFill>
+            <a:blip r:embed="rId67">
+              <a:extLst>
+                <a:ext uri="{28A0092B-C50C-407E-A947-70E740481C1C}">
+                  <a14:useLocalDpi xmlns:a14="http://schemas.microsoft.com/office/drawing/2010/main" val="0"/>
+                </a:ext>
+              </a:extLst>
+            </a:blip>
+            <a:srcRect/>
+            <a:stretch>
+              <a:fillRect/>
+            </a:stretch>
+          </p:blipFill>
+          <p:spPr bwMode="auto">
+            <a:xfrm>
+              <a:off x="15048455" y="3010304"/>
+              <a:ext cx="706641" cy="307075"/>
+            </a:xfrm>
+            <a:prstGeom prst="rect">
+              <a:avLst/>
+            </a:prstGeom>
+            <a:noFill/>
+            <a:extLst>
+              <a:ext uri="{909E8E84-426E-40DD-AFC4-6F175D3DCCD1}">
+                <a14:hiddenFill xmlns:a14="http://schemas.microsoft.com/office/drawing/2010/main">
+                  <a:solidFill>
+                    <a:srgbClr val="FFFFFF"/>
+                  </a:solidFill>
+                </a14:hiddenFill>
+              </a:ext>
+            </a:extLst>
+          </p:spPr>
+        </p:pic>
+        <p:sp>
+          <p:nvSpPr>
+            <p:cNvPr id="314" name="TextBox 313">
+              <a:extLst>
+                <a:ext uri="{FF2B5EF4-FFF2-40B4-BE49-F238E27FC236}">
+                  <a16:creationId xmlns:a16="http://schemas.microsoft.com/office/drawing/2014/main" id="{6C6B9BBC-7384-4BB5-98F7-F81985FBC4EE}"/>
+                </a:ext>
+              </a:extLst>
+            </p:cNvPr>
+            <p:cNvSpPr txBox="1"/>
+            <p:nvPr/>
+          </p:nvSpPr>
+          <p:spPr>
+            <a:xfrm>
+              <a:off x="15755094" y="2934214"/>
+              <a:ext cx="3012222" cy="446256"/>
+            </a:xfrm>
+            <a:prstGeom prst="rect">
+              <a:avLst/>
+            </a:prstGeom>
+            <a:noFill/>
+          </p:spPr>
+          <p:txBody>
+            <a:bodyPr wrap="none" rtlCol="0">
+              <a:spAutoFit/>
+            </a:bodyPr>
+            <a:lstStyle/>
+            <a:p>
+              <a:r>
+                <a:rPr lang="en-US" sz="800" dirty="0"/>
+                <a:t>trusted empirical distribution</a:t>
+              </a:r>
+            </a:p>
+          </p:txBody>
+        </p:sp>
+        <p:sp>
+          <p:nvSpPr>
+            <p:cNvPr id="315" name="TextBox 314">
+              <a:extLst>
+                <a:ext uri="{FF2B5EF4-FFF2-40B4-BE49-F238E27FC236}">
+                  <a16:creationId xmlns:a16="http://schemas.microsoft.com/office/drawing/2014/main" id="{698869E3-E3A4-42A7-9BF3-A7CEC5EB572A}"/>
+                </a:ext>
+              </a:extLst>
+            </p:cNvPr>
+            <p:cNvSpPr txBox="1"/>
+            <p:nvPr/>
+          </p:nvSpPr>
+          <p:spPr>
+            <a:xfrm>
+              <a:off x="15755096" y="3330317"/>
+              <a:ext cx="2344833" cy="446256"/>
+            </a:xfrm>
+            <a:prstGeom prst="rect">
+              <a:avLst/>
+            </a:prstGeom>
+            <a:noFill/>
+          </p:spPr>
+          <p:txBody>
+            <a:bodyPr wrap="none" rtlCol="0">
+              <a:spAutoFit/>
+            </a:bodyPr>
+            <a:lstStyle/>
+            <a:p>
+              <a:r>
+                <a:rPr lang="en-US" sz="800" dirty="0">
+                  <a:solidFill>
+                    <a:srgbClr val="FF0000"/>
+                  </a:solidFill>
+                </a:rPr>
+                <a:t>prior over parameters</a:t>
+              </a:r>
+            </a:p>
+          </p:txBody>
+        </p:sp>
+        <p:pic>
+          <p:nvPicPr>
+            <p:cNvPr id="316" name="Picture 2">
+              <a:extLst>
+                <a:ext uri="{FF2B5EF4-FFF2-40B4-BE49-F238E27FC236}">
+                  <a16:creationId xmlns:a16="http://schemas.microsoft.com/office/drawing/2014/main" id="{C6CB577C-2A98-475C-BF74-FD4156C0A412}"/>
+                </a:ext>
+              </a:extLst>
+            </p:cNvPr>
+            <p:cNvPicPr>
+              <a:picLocks noChangeAspect="1" noChangeArrowheads="1"/>
+            </p:cNvPicPr>
+            <p:nvPr/>
+          </p:nvPicPr>
+          <p:blipFill>
+            <a:blip r:embed="rId68">
+              <a:extLst>
+                <a:ext uri="{28A0092B-C50C-407E-A947-70E740481C1C}">
+                  <a14:useLocalDpi xmlns:a14="http://schemas.microsoft.com/office/drawing/2010/main" val="0"/>
+                </a:ext>
+              </a:extLst>
+            </a:blip>
+            <a:srcRect/>
+            <a:stretch>
+              <a:fillRect/>
+            </a:stretch>
+          </p:blipFill>
+          <p:spPr bwMode="auto">
+            <a:xfrm>
+              <a:off x="12923032" y="5034056"/>
+              <a:ext cx="218811" cy="214905"/>
+            </a:xfrm>
+            <a:prstGeom prst="rect">
+              <a:avLst/>
+            </a:prstGeom>
+            <a:noFill/>
+            <a:extLst>
+              <a:ext uri="{909E8E84-426E-40DD-AFC4-6F175D3DCCD1}">
+                <a14:hiddenFill xmlns:a14="http://schemas.microsoft.com/office/drawing/2010/main">
+                  <a:solidFill>
+                    <a:srgbClr val="FFFFFF"/>
+                  </a:solidFill>
+                </a14:hiddenFill>
+              </a:ext>
+            </a:extLst>
+          </p:spPr>
+        </p:pic>
+      </p:grpSp>
+      <p:sp>
+        <p:nvSpPr>
+          <p:cNvPr id="325" name="TextBox 324">
+            <a:extLst>
+              <a:ext uri="{FF2B5EF4-FFF2-40B4-BE49-F238E27FC236}">
+                <a16:creationId xmlns:a16="http://schemas.microsoft.com/office/drawing/2014/main" id="{EB0D2BD5-1FFD-4405-9873-E43B0C9C78B9}"/>
+              </a:ext>
+            </a:extLst>
+          </p:cNvPr>
+          <p:cNvSpPr txBox="1"/>
+          <p:nvPr/>
+        </p:nvSpPr>
+        <p:spPr>
+          <a:xfrm>
+            <a:off x="5683200" y="1412369"/>
+            <a:ext cx="4647647" cy="616579"/>
+          </a:xfrm>
+          <a:prstGeom prst="rect">
+            <a:avLst/>
+          </a:prstGeom>
+          <a:noFill/>
+        </p:spPr>
+        <p:txBody>
+          <a:bodyPr wrap="square">
+            <a:spAutoFit/>
+          </a:bodyPr>
+          <a:lstStyle/>
+          <a:p>
+            <a:pPr>
+              <a:lnSpc>
+                <a:spcPct val="70000"/>
+              </a:lnSpc>
+            </a:pPr>
+            <a:r>
+              <a:rPr lang="en-US" sz="2400" b="1" dirty="0">
+                <a:solidFill>
+                  <a:schemeClr val="accent2">
+                    <a:lumMod val="75000"/>
+                  </a:schemeClr>
+                </a:solidFill>
+                <a:latin typeface="+mj-lt"/>
+              </a:rPr>
+              <a:t>REGULARIZERS</a:t>
+            </a:r>
+            <a:br>
+              <a:rPr lang="en-US" sz="2400" b="1" dirty="0">
+                <a:solidFill>
+                  <a:schemeClr val="accent3">
+                    <a:lumMod val="50000"/>
+                  </a:schemeClr>
+                </a:solidFill>
+                <a:latin typeface="+mj-lt"/>
+              </a:rPr>
+            </a:br>
+            <a:r>
+              <a:rPr lang="en-US" sz="2400" b="1" dirty="0">
+                <a:solidFill>
+                  <a:schemeClr val="accent2">
+                    <a:lumMod val="20000"/>
+                    <a:lumOff val="80000"/>
+                  </a:schemeClr>
+                </a:solidFill>
+                <a:latin typeface="+mj-lt"/>
+              </a:rPr>
+              <a:t>	as Inconsistencies.</a:t>
+            </a:r>
+            <a:endParaRPr lang="en-US" b="1" dirty="0">
+              <a:solidFill>
+                <a:schemeClr val="accent2">
+                  <a:lumMod val="20000"/>
+                  <a:lumOff val="80000"/>
+                </a:schemeClr>
+              </a:solidFill>
+              <a:latin typeface="+mj-lt"/>
+            </a:endParaRPr>
+          </a:p>
+        </p:txBody>
+      </p:sp>
+      <p:sp>
+        <p:nvSpPr>
+          <p:cNvPr id="326" name="TextBox 325">
+            <a:extLst>
+              <a:ext uri="{FF2B5EF4-FFF2-40B4-BE49-F238E27FC236}">
+                <a16:creationId xmlns:a16="http://schemas.microsoft.com/office/drawing/2014/main" id="{79696164-E33A-46E9-AC91-9729690E2047}"/>
+              </a:ext>
+            </a:extLst>
+          </p:cNvPr>
+          <p:cNvSpPr txBox="1"/>
+          <p:nvPr/>
+        </p:nvSpPr>
+        <p:spPr>
+          <a:xfrm>
+            <a:off x="17725004" y="2055969"/>
+            <a:ext cx="4647647" cy="830997"/>
+          </a:xfrm>
+          <a:prstGeom prst="rect">
+            <a:avLst/>
+          </a:prstGeom>
+          <a:noFill/>
+        </p:spPr>
+        <p:txBody>
+          <a:bodyPr wrap="square">
+            <a:spAutoFit/>
+          </a:bodyPr>
+          <a:lstStyle/>
+          <a:p>
+            <a:r>
+              <a:rPr lang="en-US" sz="2400" b="1" dirty="0">
+                <a:solidFill>
+                  <a:schemeClr val="accent4">
+                    <a:lumMod val="75000"/>
+                  </a:schemeClr>
+                </a:solidFill>
+                <a:latin typeface="+mj-lt"/>
+              </a:rPr>
+              <a:t>VARIATIONAL OBJECTIVES</a:t>
+            </a:r>
+          </a:p>
+          <a:p>
+            <a:r>
+              <a:rPr lang="en-US" sz="2400" b="1" dirty="0">
+                <a:solidFill>
+                  <a:schemeClr val="accent4">
+                    <a:lumMod val="40000"/>
+                    <a:lumOff val="60000"/>
+                  </a:schemeClr>
+                </a:solidFill>
+                <a:latin typeface="+mj-lt"/>
+              </a:rPr>
+              <a:t>	as Inconsistencies</a:t>
+            </a:r>
+            <a:endParaRPr lang="en-US" b="1" dirty="0">
+              <a:solidFill>
+                <a:schemeClr val="accent4">
+                  <a:lumMod val="40000"/>
+                  <a:lumOff val="60000"/>
+                </a:schemeClr>
+              </a:solidFill>
+              <a:latin typeface="+mj-lt"/>
+            </a:endParaRPr>
+          </a:p>
+        </p:txBody>
+      </p:sp>
+      <p:pic>
+        <p:nvPicPr>
+          <p:cNvPr id="1078" name="Picture 1077">
+            <a:extLst>
+              <a:ext uri="{FF2B5EF4-FFF2-40B4-BE49-F238E27FC236}">
+                <a16:creationId xmlns:a16="http://schemas.microsoft.com/office/drawing/2014/main" id="{BB4C84B8-9F4F-4295-A2D4-90355AAAAC72}"/>
+              </a:ext>
+            </a:extLst>
+          </p:cNvPr>
+          <p:cNvPicPr>
+            <a:picLocks noChangeAspect="1"/>
+          </p:cNvPicPr>
+          <p:nvPr/>
+        </p:nvPicPr>
+        <p:blipFill>
+          <a:blip r:embed="rId69"/>
+          <a:stretch>
+            <a:fillRect/>
+          </a:stretch>
+        </p:blipFill>
+        <p:spPr>
+          <a:xfrm>
+            <a:off x="17623807" y="3056255"/>
+            <a:ext cx="5329690" cy="1730419"/>
+          </a:xfrm>
+          <a:prstGeom prst="rect">
+            <a:avLst/>
+          </a:prstGeom>
+        </p:spPr>
+      </p:pic>
+      <p:sp>
+        <p:nvSpPr>
+          <p:cNvPr id="338" name="Title 1">
+            <a:extLst>
+              <a:ext uri="{FF2B5EF4-FFF2-40B4-BE49-F238E27FC236}">
+                <a16:creationId xmlns:a16="http://schemas.microsoft.com/office/drawing/2014/main" id="{C9DCF23E-DA60-4DC8-8362-E40D852E204E}"/>
+              </a:ext>
+            </a:extLst>
+          </p:cNvPr>
+          <p:cNvSpPr txBox="1">
+            <a:spLocks/>
+          </p:cNvSpPr>
+          <p:nvPr/>
+        </p:nvSpPr>
+        <p:spPr>
+          <a:xfrm>
+            <a:off x="5143779" y="814087"/>
+            <a:ext cx="17278114" cy="1257403"/>
+          </a:xfrm>
+          <a:prstGeom prst="rect">
+            <a:avLst/>
+          </a:prstGeom>
+        </p:spPr>
+        <p:txBody>
+          <a:bodyPr vert="horz" lIns="91440" tIns="45720" rIns="91440" bIns="45720" rtlCol="0" anchor="b">
+            <a:noAutofit/>
+          </a:bodyPr>
+          <a:lstStyle>
+            <a:lvl1pPr algn="ctr" defTabSz="1755557" rtl="0" eaLnBrk="1" latinLnBrk="0" hangingPunct="1">
+              <a:lnSpc>
+                <a:spcPct val="90000"/>
+              </a:lnSpc>
+              <a:spcBef>
+                <a:spcPct val="0"/>
+              </a:spcBef>
+              <a:buNone/>
+              <a:defRPr sz="11519" kern="1200">
+                <a:solidFill>
+                  <a:schemeClr val="tx1"/>
+                </a:solidFill>
+                <a:latin typeface="+mj-lt"/>
+                <a:ea typeface="+mj-ea"/>
+                <a:cs typeface="+mj-cs"/>
+              </a:defRPr>
+            </a:lvl1pPr>
+          </a:lstStyle>
+          <a:p>
+            <a:r>
+              <a:rPr lang="en-US" sz="2800" dirty="0">
+                <a:latin typeface="+mn-lt"/>
+              </a:rPr>
+              <a:t>Oliver Richardson</a:t>
+            </a:r>
+          </a:p>
+        </p:txBody>
+      </p:sp>
+      <p:pic>
+        <p:nvPicPr>
+          <p:cNvPr id="340" name="Picture 339">
+            <a:extLst>
+              <a:ext uri="{FF2B5EF4-FFF2-40B4-BE49-F238E27FC236}">
+                <a16:creationId xmlns:a16="http://schemas.microsoft.com/office/drawing/2014/main" id="{589AB36B-9800-45AD-884A-EA02D8294000}"/>
+              </a:ext>
+            </a:extLst>
+          </p:cNvPr>
+          <p:cNvPicPr>
+            <a:picLocks noChangeAspect="1"/>
+          </p:cNvPicPr>
+          <p:nvPr/>
+        </p:nvPicPr>
+        <p:blipFill>
+          <a:blip r:embed="rId70"/>
+          <a:stretch>
+            <a:fillRect/>
+          </a:stretch>
+        </p:blipFill>
+        <p:spPr>
+          <a:xfrm>
+            <a:off x="165676" y="5176443"/>
+            <a:ext cx="4467849" cy="1009791"/>
+          </a:xfrm>
+          <a:prstGeom prst="rect">
+            <a:avLst/>
+          </a:prstGeom>
+        </p:spPr>
+      </p:pic>
     </p:spTree>
     <p:extLst>
       <p:ext uri="{BB962C8B-B14F-4D97-AF65-F5344CB8AC3E}">
@@ -2978,13 +12065,88 @@
   <p:clrMapOvr>
     <a:masterClrMapping/>
   </p:clrMapOvr>
+  <p:timing>
+    <p:tnLst>
+      <p:par>
+        <p:cTn id="1" dur="indefinite" restart="never" nodeType="tmRoot">
+          <p:childTnLst>
+            <p:seq concurrent="1" nextAc="seek">
+              <p:cTn id="2" dur="indefinite" nodeType="mainSeq">
+                <p:childTnLst>
+                  <p:par>
+                    <p:cTn id="3" fill="hold">
+                      <p:stCondLst>
+                        <p:cond delay="indefinite"/>
+                      </p:stCondLst>
+                      <p:childTnLst>
+                        <p:par>
+                          <p:cTn id="4" fill="hold">
+                            <p:stCondLst>
+                              <p:cond delay="0"/>
+                            </p:stCondLst>
+                            <p:childTnLst>
+                              <p:par>
+                                <p:cTn id="5" presetID="1" presetClass="entr" presetSubtype="0" fill="hold" nodeType="clickEffect">
+                                  <p:stCondLst>
+                                    <p:cond delay="0"/>
+                                  </p:stCondLst>
+                                  <p:childTnLst>
+                                    <p:set>
+                                      <p:cBhvr>
+                                        <p:cTn id="6" dur="1" fill="hold">
+                                          <p:stCondLst>
+                                            <p:cond delay="0"/>
+                                          </p:stCondLst>
+                                        </p:cTn>
+                                        <p:tgtEl>
+                                          <p:spTgt spid="297"/>
+                                        </p:tgtEl>
+                                        <p:attrNameLst>
+                                          <p:attrName>style.visibility</p:attrName>
+                                        </p:attrNameLst>
+                                      </p:cBhvr>
+                                      <p:to>
+                                        <p:strVal val="visible"/>
+                                      </p:to>
+                                    </p:set>
+                                  </p:childTnLst>
+                                </p:cTn>
+                              </p:par>
+                            </p:childTnLst>
+                          </p:cTn>
+                        </p:par>
+                      </p:childTnLst>
+                    </p:cTn>
+                  </p:par>
+                </p:childTnLst>
+              </p:cTn>
+              <p:prevCondLst>
+                <p:cond evt="onPrev" delay="0">
+                  <p:tgtEl>
+                    <p:sldTgt/>
+                  </p:tgtEl>
+                </p:cond>
+              </p:prevCondLst>
+              <p:nextCondLst>
+                <p:cond evt="onNext" delay="0">
+                  <p:tgtEl>
+                    <p:sldTgt/>
+                  </p:tgtEl>
+                </p:cond>
+              </p:nextCondLst>
+            </p:seq>
+          </p:childTnLst>
+        </p:cTn>
+      </p:par>
+    </p:tnLst>
+  </p:timing>
 </p:sld>
 </file>
 
 <file path=ppt/theme/theme1.xml><?xml version="1.0" encoding="utf-8"?>
 <a:theme xmlns:a="http://schemas.openxmlformats.org/drawingml/2006/main" name="Office Theme">
   <a:themeElements>
-    <a:clrScheme name="Office Theme">
+    <a:clrScheme name="Aspect">
       <a:dk1>
         <a:sysClr val="windowText" lastClr="000000"/>
       </a:dk1>
@@ -2992,106 +12154,46 @@
         <a:sysClr val="window" lastClr="FFFFFF"/>
       </a:lt1>
       <a:dk2>
-        <a:srgbClr val="44546A"/>
+        <a:srgbClr val="323232"/>
       </a:dk2>
       <a:lt2>
-        <a:srgbClr val="E7E6E6"/>
+        <a:srgbClr val="E3DED1"/>
       </a:lt2>
       <a:accent1>
-        <a:srgbClr val="4472C4"/>
+        <a:srgbClr val="F07F09"/>
       </a:accent1>
       <a:accent2>
-        <a:srgbClr val="ED7D31"/>
+        <a:srgbClr val="9F2936"/>
       </a:accent2>
       <a:accent3>
-        <a:srgbClr val="A5A5A5"/>
+        <a:srgbClr val="1B587C"/>
       </a:accent3>
       <a:accent4>
-        <a:srgbClr val="FFC000"/>
+        <a:srgbClr val="4E8542"/>
       </a:accent4>
       <a:accent5>
-        <a:srgbClr val="5B9BD5"/>
+        <a:srgbClr val="604878"/>
       </a:accent5>
       <a:accent6>
-        <a:srgbClr val="70AD47"/>
+        <a:srgbClr val="C19859"/>
       </a:accent6>
       <a:hlink>
-        <a:srgbClr val="0563C1"/>
+        <a:srgbClr val="6B9F25"/>
       </a:hlink>
       <a:folHlink>
-        <a:srgbClr val="954F72"/>
+        <a:srgbClr val="B26B02"/>
       </a:folHlink>
     </a:clrScheme>
-    <a:fontScheme name="Office Theme">
+    <a:fontScheme name="Custom 3">
       <a:majorFont>
-        <a:latin typeface="Calibri Light" panose="020F0302020204030204"/>
+        <a:latin typeface="Sitka Display"/>
         <a:ea typeface=""/>
         <a:cs typeface=""/>
-        <a:font script="Jpan" typeface="游ゴシック Light"/>
-        <a:font script="Hang" typeface="맑은 고딕"/>
-        <a:font script="Hans" typeface="等线 Light"/>
-        <a:font script="Hant" typeface="新細明體"/>
-        <a:font script="Arab" typeface="Times New Roman"/>
-        <a:font script="Hebr" typeface="Times New Roman"/>
-        <a:font script="Thai" typeface="Angsana New"/>
-        <a:font script="Ethi" typeface="Nyala"/>
-        <a:font script="Beng" typeface="Vrinda"/>
-        <a:font script="Gujr" typeface="Shruti"/>
-        <a:font script="Khmr" typeface="MoolBoran"/>
-        <a:font script="Knda" typeface="Tunga"/>
-        <a:font script="Guru" typeface="Raavi"/>
-        <a:font script="Cans" typeface="Euphemia"/>
-        <a:font script="Cher" typeface="Plantagenet Cherokee"/>
-        <a:font script="Yiii" typeface="Microsoft Yi Baiti"/>
-        <a:font script="Tibt" typeface="Microsoft Himalaya"/>
-        <a:font script="Thaa" typeface="MV Boli"/>
-        <a:font script="Deva" typeface="Mangal"/>
-        <a:font script="Telu" typeface="Gautami"/>
-        <a:font script="Taml" typeface="Latha"/>
-        <a:font script="Syrc" typeface="Estrangelo Edessa"/>
-        <a:font script="Orya" typeface="Kalinga"/>
-        <a:font script="Mlym" typeface="Kartika"/>
-        <a:font script="Laoo" typeface="DokChampa"/>
-        <a:font script="Sinh" typeface="Iskoola Pota"/>
-        <a:font script="Mong" typeface="Mongolian Baiti"/>
-        <a:font script="Viet" typeface="Times New Roman"/>
-        <a:font script="Uigh" typeface="Microsoft Uighur"/>
-        <a:font script="Geor" typeface="Sylfaen"/>
       </a:majorFont>
       <a:minorFont>
-        <a:latin typeface="Calibri" panose="020F0502020204030204"/>
+        <a:latin typeface="Georgia Pro Light"/>
         <a:ea typeface=""/>
         <a:cs typeface=""/>
-        <a:font script="Jpan" typeface="游ゴシック"/>
-        <a:font script="Hang" typeface="맑은 고딕"/>
-        <a:font script="Hans" typeface="等线"/>
-        <a:font script="Hant" typeface="新細明體"/>
-        <a:font script="Arab" typeface="Arial"/>
-        <a:font script="Hebr" typeface="Arial"/>
-        <a:font script="Thai" typeface="Cordia New"/>
-        <a:font script="Ethi" typeface="Nyala"/>
-        <a:font script="Beng" typeface="Vrinda"/>
-        <a:font script="Gujr" typeface="Shruti"/>
-        <a:font script="Khmr" typeface="DaunPenh"/>
-        <a:font script="Knda" typeface="Tunga"/>
-        <a:font script="Guru" typeface="Raavi"/>
-        <a:font script="Cans" typeface="Euphemia"/>
-        <a:font script="Cher" typeface="Plantagenet Cherokee"/>
-        <a:font script="Yiii" typeface="Microsoft Yi Baiti"/>
-        <a:font script="Tibt" typeface="Microsoft Himalaya"/>
-        <a:font script="Thaa" typeface="MV Boli"/>
-        <a:font script="Deva" typeface="Mangal"/>
-        <a:font script="Telu" typeface="Gautami"/>
-        <a:font script="Taml" typeface="Latha"/>
-        <a:font script="Syrc" typeface="Estrangelo Edessa"/>
-        <a:font script="Orya" typeface="Kalinga"/>
-        <a:font script="Mlym" typeface="Kartika"/>
-        <a:font script="Laoo" typeface="DokChampa"/>
-        <a:font script="Sinh" typeface="Iskoola Pota"/>
-        <a:font script="Mong" typeface="Mongolian Baiti"/>
-        <a:font script="Viet" typeface="Arial"/>
-        <a:font script="Uigh" typeface="Microsoft Uighur"/>
-        <a:font script="Geor" typeface="Sylfaen"/>
       </a:minorFont>
     </a:fontScheme>
     <a:fmtScheme name="Office Theme">
